--- a/PPT/pointers.pptx
+++ b/PPT/pointers.pptx
@@ -5,30 +5,31 @@
     <p:sldMasterId id="2147483660" r:id="rId1"/>
   </p:sldMasterIdLst>
   <p:notesMasterIdLst>
-    <p:notesMasterId r:id="rId23"/>
+    <p:notesMasterId r:id="rId24"/>
   </p:notesMasterIdLst>
   <p:sldIdLst>
     <p:sldId id="256" r:id="rId2"/>
     <p:sldId id="257" r:id="rId3"/>
     <p:sldId id="258" r:id="rId4"/>
     <p:sldId id="261" r:id="rId5"/>
-    <p:sldId id="262" r:id="rId6"/>
-    <p:sldId id="263" r:id="rId7"/>
-    <p:sldId id="273" r:id="rId8"/>
-    <p:sldId id="274" r:id="rId9"/>
-    <p:sldId id="275" r:id="rId10"/>
-    <p:sldId id="264" r:id="rId11"/>
-    <p:sldId id="265" r:id="rId12"/>
-    <p:sldId id="266" r:id="rId13"/>
-    <p:sldId id="267" r:id="rId14"/>
-    <p:sldId id="268" r:id="rId15"/>
-    <p:sldId id="269" r:id="rId16"/>
-    <p:sldId id="270" r:id="rId17"/>
-    <p:sldId id="271" r:id="rId18"/>
-    <p:sldId id="272" r:id="rId19"/>
-    <p:sldId id="276" r:id="rId20"/>
-    <p:sldId id="277" r:id="rId21"/>
-    <p:sldId id="278" r:id="rId22"/>
+    <p:sldId id="279" r:id="rId6"/>
+    <p:sldId id="262" r:id="rId7"/>
+    <p:sldId id="263" r:id="rId8"/>
+    <p:sldId id="273" r:id="rId9"/>
+    <p:sldId id="274" r:id="rId10"/>
+    <p:sldId id="275" r:id="rId11"/>
+    <p:sldId id="264" r:id="rId12"/>
+    <p:sldId id="265" r:id="rId13"/>
+    <p:sldId id="266" r:id="rId14"/>
+    <p:sldId id="267" r:id="rId15"/>
+    <p:sldId id="268" r:id="rId16"/>
+    <p:sldId id="269" r:id="rId17"/>
+    <p:sldId id="270" r:id="rId18"/>
+    <p:sldId id="271" r:id="rId19"/>
+    <p:sldId id="272" r:id="rId20"/>
+    <p:sldId id="276" r:id="rId21"/>
+    <p:sldId id="277" r:id="rId22"/>
+    <p:sldId id="278" r:id="rId23"/>
   </p:sldIdLst>
   <p:sldSz cx="9144000" cy="6858000" type="screen4x3"/>
   <p:notesSz cx="6858000" cy="9144000"/>
@@ -212,7 +213,7 @@
           <a:p>
             <a:fld id="{C1B8E64C-0EDD-4C93-95A2-E8C52A5645D1}" type="datetimeFigureOut">
               <a:rPr lang="en-US" smtClean="0"/>
-              <a:t>07-Nov-20</a:t>
+              <a:t>09-Nov-20</a:t>
             </a:fld>
             <a:endParaRPr lang="en-US"/>
           </a:p>
@@ -592,7 +593,7 @@
             <a:fld id="{1D8BD707-D9CF-40AE-B4C6-C98DA3205C09}" type="datetimeFigureOut">
               <a:rPr lang="en-US" smtClean="0"/>
               <a:pPr/>
-              <a:t>07-Nov-20</a:t>
+              <a:t>09-Nov-20</a:t>
             </a:fld>
             <a:endParaRPr lang="en-US"/>
           </a:p>
@@ -820,7 +821,7 @@
             <a:fld id="{1D8BD707-D9CF-40AE-B4C6-C98DA3205C09}" type="datetimeFigureOut">
               <a:rPr lang="en-US" smtClean="0"/>
               <a:pPr/>
-              <a:t>07-Nov-20</a:t>
+              <a:t>09-Nov-20</a:t>
             </a:fld>
             <a:endParaRPr lang="en-US"/>
           </a:p>
@@ -997,7 +998,7 @@
             <a:fld id="{1D8BD707-D9CF-40AE-B4C6-C98DA3205C09}" type="datetimeFigureOut">
               <a:rPr lang="en-US" smtClean="0"/>
               <a:pPr/>
-              <a:t>07-Nov-20</a:t>
+              <a:t>09-Nov-20</a:t>
             </a:fld>
             <a:endParaRPr lang="en-US"/>
           </a:p>
@@ -1164,7 +1165,7 @@
             <a:fld id="{1D8BD707-D9CF-40AE-B4C6-C98DA3205C09}" type="datetimeFigureOut">
               <a:rPr lang="en-US" smtClean="0"/>
               <a:pPr/>
-              <a:t>07-Nov-20</a:t>
+              <a:t>09-Nov-20</a:t>
             </a:fld>
             <a:endParaRPr lang="en-US"/>
           </a:p>
@@ -1410,7 +1411,7 @@
             <a:fld id="{1D8BD707-D9CF-40AE-B4C6-C98DA3205C09}" type="datetimeFigureOut">
               <a:rPr lang="en-US" smtClean="0"/>
               <a:pPr/>
-              <a:t>07-Nov-20</a:t>
+              <a:t>09-Nov-20</a:t>
             </a:fld>
             <a:endParaRPr lang="en-US"/>
           </a:p>
@@ -1676,7 +1677,7 @@
             <a:fld id="{1D8BD707-D9CF-40AE-B4C6-C98DA3205C09}" type="datetimeFigureOut">
               <a:rPr lang="en-US" smtClean="0"/>
               <a:pPr/>
-              <a:t>07-Nov-20</a:t>
+              <a:t>09-Nov-20</a:t>
             </a:fld>
             <a:endParaRPr lang="en-US"/>
           </a:p>
@@ -2052,7 +2053,7 @@
             <a:fld id="{1D8BD707-D9CF-40AE-B4C6-C98DA3205C09}" type="datetimeFigureOut">
               <a:rPr lang="en-US" smtClean="0"/>
               <a:pPr/>
-              <a:t>07-Nov-20</a:t>
+              <a:t>09-Nov-20</a:t>
             </a:fld>
             <a:endParaRPr lang="en-US"/>
           </a:p>
@@ -2167,7 +2168,7 @@
             <a:fld id="{1D8BD707-D9CF-40AE-B4C6-C98DA3205C09}" type="datetimeFigureOut">
               <a:rPr lang="en-US" smtClean="0"/>
               <a:pPr/>
-              <a:t>07-Nov-20</a:t>
+              <a:t>09-Nov-20</a:t>
             </a:fld>
             <a:endParaRPr lang="en-US"/>
           </a:p>
@@ -2259,7 +2260,7 @@
             <a:fld id="{1D8BD707-D9CF-40AE-B4C6-C98DA3205C09}" type="datetimeFigureOut">
               <a:rPr lang="en-US" smtClean="0"/>
               <a:pPr/>
-              <a:t>07-Nov-20</a:t>
+              <a:t>09-Nov-20</a:t>
             </a:fld>
             <a:endParaRPr lang="en-US"/>
           </a:p>
@@ -2519,7 +2520,7 @@
             <a:fld id="{1D8BD707-D9CF-40AE-B4C6-C98DA3205C09}" type="datetimeFigureOut">
               <a:rPr lang="en-US" smtClean="0"/>
               <a:pPr/>
-              <a:t>07-Nov-20</a:t>
+              <a:t>09-Nov-20</a:t>
             </a:fld>
             <a:endParaRPr lang="en-US"/>
           </a:p>
@@ -2785,7 +2786,7 @@
             <a:fld id="{1D8BD707-D9CF-40AE-B4C6-C98DA3205C09}" type="datetimeFigureOut">
               <a:rPr lang="en-US" smtClean="0"/>
               <a:pPr/>
-              <a:t>07-Nov-20</a:t>
+              <a:t>09-Nov-20</a:t>
             </a:fld>
             <a:endParaRPr lang="en-US"/>
           </a:p>
@@ -3004,7 +3005,7 @@
             <a:fld id="{1D8BD707-D9CF-40AE-B4C6-C98DA3205C09}" type="datetimeFigureOut">
               <a:rPr lang="en-US" smtClean="0"/>
               <a:pPr/>
-              <a:t>07-Nov-20</a:t>
+              <a:t>09-Nov-20</a:t>
             </a:fld>
             <a:endParaRPr lang="en-US"/>
           </a:p>
@@ -3507,101 +3508,76 @@
         </p:nvSpPr>
         <p:spPr/>
         <p:txBody>
+          <a:bodyPr/>
+          <a:lstStyle/>
+          <a:p>
+            <a:r>
+              <a:rPr lang="en-US" dirty="0" smtClean="0"/>
+              <a:t>Call by ref</a:t>
+            </a:r>
+            <a:endParaRPr lang="en-US" dirty="0"/>
+          </a:p>
+        </p:txBody>
+      </p:sp>
+      <p:sp>
+        <p:nvSpPr>
+          <p:cNvPr id="3" name="Content Placeholder 2"/>
+          <p:cNvSpPr>
+            <a:spLocks noGrp="1"/>
+          </p:cNvSpPr>
+          <p:nvPr>
+            <p:ph idx="1"/>
+          </p:nvPr>
+        </p:nvSpPr>
+        <p:spPr>
+          <a:xfrm>
+            <a:off x="457200" y="1219199"/>
+            <a:ext cx="8229600" cy="5464629"/>
+          </a:xfrm>
+        </p:spPr>
+        <p:txBody>
           <a:bodyPr>
-            <a:normAutofit fontScale="90000"/>
+            <a:normAutofit fontScale="62500" lnSpcReduction="20000"/>
           </a:bodyPr>
           <a:lstStyle/>
           <a:p>
-            <a:r>
-              <a:rPr lang="en-US" sz="3100" dirty="0"/>
-              <a:t>Difference between ++*p, *p++ and *++p</a:t>
-            </a:r>
-            <a:r>
-              <a:rPr lang="en-US" sz="4400" dirty="0"/>
-              <a:t/>
-            </a:r>
-            <a:br>
-              <a:rPr lang="en-US" sz="4400" dirty="0"/>
-            </a:br>
+            <a:pPr marL="137160" indent="0">
+              <a:buNone/>
+            </a:pPr>
+            <a:r>
+              <a:rPr lang="en-US" dirty="0"/>
+              <a:t>//call by reference</a:t>
+            </a:r>
+          </a:p>
+          <a:p>
+            <a:pPr marL="137160" indent="0">
+              <a:buNone/>
+            </a:pPr>
             <a:endParaRPr lang="en-US" dirty="0"/>
           </a:p>
-        </p:txBody>
-      </p:sp>
-      <p:sp>
-        <p:nvSpPr>
-          <p:cNvPr id="3" name="Content Placeholder 2"/>
-          <p:cNvSpPr>
-            <a:spLocks noGrp="1"/>
-          </p:cNvSpPr>
-          <p:nvPr>
-            <p:ph idx="1"/>
-          </p:nvPr>
-        </p:nvSpPr>
-        <p:spPr/>
-        <p:txBody>
-          <a:bodyPr>
-            <a:normAutofit fontScale="92500" lnSpcReduction="10000"/>
-          </a:bodyPr>
-          <a:lstStyle/>
-          <a:p>
-            <a:pPr marL="137160" indent="0">
-              <a:buNone/>
-            </a:pPr>
-            <a:r>
-              <a:rPr lang="en-US" b="1" dirty="0">
-                <a:solidFill>
-                  <a:srgbClr val="FF0000"/>
-                </a:solidFill>
-              </a:rPr>
-              <a:t>C program using expression ++*p </a:t>
-            </a:r>
-            <a:r>
-              <a:rPr lang="en-US" b="1" dirty="0" smtClean="0">
-                <a:solidFill>
-                  <a:srgbClr val="FF0000"/>
-                </a:solidFill>
-              </a:rPr>
-              <a:t>:</a:t>
-            </a:r>
-          </a:p>
-          <a:p>
-            <a:pPr marL="137160" indent="0">
-              <a:buNone/>
-            </a:pPr>
-            <a:endParaRPr lang="en-US" b="1" dirty="0"/>
-          </a:p>
-          <a:p>
-            <a:pPr marL="137160" indent="0">
-              <a:buNone/>
-            </a:pPr>
-            <a:r>
-              <a:rPr lang="en-US" dirty="0"/>
-              <a:t>#include &lt;</a:t>
-            </a:r>
-            <a:r>
-              <a:rPr lang="en-US" dirty="0" err="1"/>
-              <a:t>stdio.h</a:t>
-            </a:r>
-            <a:r>
-              <a:rPr lang="en-US" dirty="0" smtClean="0"/>
-              <a:t>&gt;</a:t>
-            </a:r>
-          </a:p>
-          <a:p>
-            <a:pPr marL="137160" indent="0">
-              <a:buNone/>
-            </a:pPr>
-            <a:r>
-              <a:rPr lang="en-US" dirty="0" err="1" smtClean="0"/>
+          <a:p>
+            <a:pPr marL="137160" indent="0">
+              <a:buNone/>
+            </a:pPr>
+            <a:r>
+              <a:rPr lang="en-US" dirty="0"/>
+              <a:t>void swap(</a:t>
+            </a:r>
+            <a:r>
+              <a:rPr lang="en-US" dirty="0" err="1"/>
               <a:t>int</a:t>
             </a:r>
             <a:r>
-              <a:rPr lang="en-US" dirty="0" smtClean="0"/>
-              <a:t> </a:t>
-            </a:r>
-            <a:r>
-              <a:rPr lang="en-US" dirty="0"/>
-              <a:t>main()</a:t>
+              <a:rPr lang="en-US" dirty="0"/>
+              <a:t> *</a:t>
+            </a:r>
+            <a:r>
+              <a:rPr lang="en-US" dirty="0" err="1"/>
+              <a:t>a,int</a:t>
+            </a:r>
+            <a:r>
+              <a:rPr lang="en-US" dirty="0"/>
+              <a:t> *b)</a:t>
             </a:r>
           </a:p>
           <a:p>
@@ -3614,129 +3590,154 @@
             </a:r>
           </a:p>
           <a:p>
-            <a:pPr marL="457200" lvl="1" indent="0">
-              <a:buNone/>
-            </a:pPr>
+            <a:pPr marL="137160" indent="0">
+              <a:buNone/>
+            </a:pPr>
+            <a:r>
+              <a:rPr lang="en-US" dirty="0"/>
+              <a:t>	</a:t>
+            </a:r>
             <a:r>
               <a:rPr lang="en-US" dirty="0" err="1"/>
               <a:t>int</a:t>
             </a:r>
             <a:r>
               <a:rPr lang="en-US" dirty="0"/>
-              <a:t> </a:t>
-            </a:r>
-            <a:r>
-              <a:rPr lang="en-US" dirty="0" err="1"/>
-              <a:t>arr</a:t>
-            </a:r>
-            <a:r>
-              <a:rPr lang="en-US" dirty="0"/>
-              <a:t>[5] = {100,200,300,400,500};</a:t>
-            </a:r>
-          </a:p>
-          <a:p>
-            <a:pPr marL="457200" lvl="1" indent="0">
-              <a:buNone/>
-            </a:pPr>
+              <a:t> temp=*a;</a:t>
+            </a:r>
+          </a:p>
+          <a:p>
+            <a:pPr marL="137160" indent="0">
+              <a:buNone/>
+            </a:pPr>
+            <a:r>
+              <a:rPr lang="en-US" dirty="0"/>
+              <a:t>	*a=*b;</a:t>
+            </a:r>
+          </a:p>
+          <a:p>
+            <a:pPr marL="137160" indent="0">
+              <a:buNone/>
+            </a:pPr>
+            <a:r>
+              <a:rPr lang="en-US" dirty="0"/>
+              <a:t>	*b=temp;</a:t>
+            </a:r>
+          </a:p>
+          <a:p>
+            <a:pPr marL="137160" indent="0">
+              <a:buNone/>
+            </a:pPr>
+            <a:r>
+              <a:rPr lang="en-US" dirty="0"/>
+              <a:t>	//</a:t>
+            </a:r>
+            <a:r>
+              <a:rPr lang="en-US" dirty="0" err="1"/>
+              <a:t>printf</a:t>
+            </a:r>
+            <a:r>
+              <a:rPr lang="en-US" dirty="0"/>
+              <a:t>("a:%d b:%d",a,b);  //o/p  2,1</a:t>
+            </a:r>
+          </a:p>
+          <a:p>
+            <a:pPr marL="137160" indent="0">
+              <a:buNone/>
+            </a:pPr>
+            <a:r>
+              <a:rPr lang="en-US" dirty="0"/>
+              <a:t>}</a:t>
+            </a:r>
+          </a:p>
+          <a:p>
+            <a:pPr marL="137160" indent="0">
+              <a:buNone/>
+            </a:pPr>
+            <a:endParaRPr lang="en-US" dirty="0"/>
+          </a:p>
+          <a:p>
+            <a:pPr marL="137160" indent="0">
+              <a:buNone/>
+            </a:pPr>
+            <a:endParaRPr lang="en-US" dirty="0"/>
+          </a:p>
+          <a:p>
+            <a:pPr marL="137160" indent="0">
+              <a:buNone/>
+            </a:pPr>
+            <a:r>
+              <a:rPr lang="en-US" dirty="0"/>
+              <a:t>void main()</a:t>
+            </a:r>
+          </a:p>
+          <a:p>
+            <a:pPr marL="137160" indent="0">
+              <a:buNone/>
+            </a:pPr>
+            <a:r>
+              <a:rPr lang="en-US" dirty="0"/>
+              <a:t>{</a:t>
+            </a:r>
+          </a:p>
+          <a:p>
+            <a:pPr marL="137160" indent="0">
+              <a:buNone/>
+            </a:pPr>
+            <a:r>
+              <a:rPr lang="en-US" dirty="0"/>
+              <a:t>	</a:t>
+            </a:r>
             <a:r>
               <a:rPr lang="en-US" dirty="0" err="1"/>
               <a:t>int</a:t>
             </a:r>
             <a:r>
               <a:rPr lang="en-US" dirty="0"/>
-              <a:t> *p = </a:t>
-            </a:r>
-            <a:r>
-              <a:rPr lang="en-US" dirty="0" err="1"/>
-              <a:t>arr</a:t>
-            </a:r>
-            <a:r>
-              <a:rPr lang="en-US" dirty="0"/>
-              <a:t>;</a:t>
-            </a:r>
-          </a:p>
-          <a:p>
-            <a:pPr marL="457200" lvl="1" indent="0">
-              <a:buNone/>
-            </a:pPr>
-            <a:r>
-              <a:rPr lang="en-US" dirty="0"/>
-              <a:t>++*p</a:t>
-            </a:r>
-            <a:r>
-              <a:rPr lang="en-US" dirty="0" smtClean="0"/>
-              <a:t>;  //</a:t>
-            </a:r>
-            <a:r>
-              <a:rPr lang="en-US" dirty="0" err="1" smtClean="0"/>
-              <a:t>inc</a:t>
-            </a:r>
-            <a:r>
-              <a:rPr lang="en-US" dirty="0" smtClean="0"/>
-              <a:t> </a:t>
-            </a:r>
-            <a:r>
-              <a:rPr lang="en-US" dirty="0" err="1" smtClean="0"/>
-              <a:t>val</a:t>
-            </a:r>
-            <a:endParaRPr lang="en-US" dirty="0"/>
-          </a:p>
-          <a:p>
-            <a:pPr marL="457200" lvl="1" indent="0">
-              <a:buNone/>
-            </a:pPr>
+              <a:t> a=1,b=2;</a:t>
+            </a:r>
+          </a:p>
+          <a:p>
+            <a:pPr marL="137160" indent="0">
+              <a:buNone/>
+            </a:pPr>
+            <a:r>
+              <a:rPr lang="en-US" dirty="0"/>
+              <a:t>	swap(&amp;</a:t>
+            </a:r>
+            <a:r>
+              <a:rPr lang="en-US" dirty="0" err="1"/>
+              <a:t>a,&amp;b</a:t>
+            </a:r>
+            <a:r>
+              <a:rPr lang="en-US" dirty="0"/>
+              <a:t>);</a:t>
+            </a:r>
+          </a:p>
+          <a:p>
+            <a:pPr marL="137160" indent="0">
+              <a:buNone/>
+            </a:pPr>
+            <a:r>
+              <a:rPr lang="en-US" dirty="0"/>
+              <a:t>	</a:t>
+            </a:r>
             <a:r>
               <a:rPr lang="en-US" dirty="0" err="1"/>
               <a:t>printf</a:t>
             </a:r>
             <a:r>
               <a:rPr lang="en-US" dirty="0"/>
-              <a:t>("</a:t>
-            </a:r>
-            <a:r>
-              <a:rPr lang="en-US" dirty="0" err="1"/>
-              <a:t>arr</a:t>
-            </a:r>
-            <a:r>
-              <a:rPr lang="en-US" dirty="0"/>
-              <a:t>[0] = %d, </a:t>
-            </a:r>
-            <a:r>
-              <a:rPr lang="en-US" dirty="0" err="1"/>
-              <a:t>arr</a:t>
-            </a:r>
-            <a:r>
-              <a:rPr lang="en-US" dirty="0"/>
-              <a:t>[1] = %d, *p = %d", </a:t>
-            </a:r>
-            <a:r>
-              <a:rPr lang="en-US" dirty="0" err="1"/>
-              <a:t>arr</a:t>
-            </a:r>
-            <a:r>
-              <a:rPr lang="en-US" dirty="0"/>
-              <a:t>[0], </a:t>
-            </a:r>
-            <a:r>
-              <a:rPr lang="en-US" dirty="0" err="1"/>
-              <a:t>arr</a:t>
-            </a:r>
-            <a:r>
-              <a:rPr lang="en-US" dirty="0"/>
-              <a:t>[1], *p);</a:t>
-            </a:r>
-          </a:p>
-          <a:p>
-            <a:pPr marL="457200" lvl="1" indent="0">
-              <a:buNone/>
-            </a:pPr>
-            <a:r>
-              <a:rPr lang="en-US" b="1" dirty="0"/>
-              <a:t>return</a:t>
-            </a:r>
-            <a:r>
-              <a:rPr lang="en-US" dirty="0"/>
-              <a:t> 0;</a:t>
+              <a:t>("a:%d b:%d",a,b);  //o/p  2,1</a:t>
+            </a:r>
+          </a:p>
+          <a:p>
+            <a:pPr marL="137160" indent="0">
+              <a:buNone/>
+            </a:pPr>
+            <a:r>
+              <a:rPr lang="en-US" dirty="0"/>
+              <a:t>	</a:t>
             </a:r>
           </a:p>
           <a:p>
@@ -3756,7 +3757,7 @@
     </p:spTree>
     <p:extLst>
       <p:ext uri="{BB962C8B-B14F-4D97-AF65-F5344CB8AC3E}">
-        <p14:creationId xmlns:p14="http://schemas.microsoft.com/office/powerpoint/2010/main" val="2132184178"/>
+        <p14:creationId xmlns:p14="http://schemas.microsoft.com/office/powerpoint/2010/main" val="2758240029"/>
       </p:ext>
     </p:extLst>
   </p:cSld>
@@ -3808,21 +3809,15 @@
           <a:lstStyle/>
           <a:p>
             <a:r>
-              <a:rPr lang="en-US" sz="3600" dirty="0">
-                <a:effectLst/>
-              </a:rPr>
-              <a:t>C program using expression *p++ :</a:t>
-            </a:r>
-            <a:r>
-              <a:rPr lang="en-US" dirty="0">
-                <a:effectLst/>
-              </a:rPr>
+              <a:rPr lang="en-US" sz="3100" dirty="0"/>
+              <a:t>Difference between ++*p, *p++ and *++p</a:t>
+            </a:r>
+            <a:r>
+              <a:rPr lang="en-US" sz="4400" dirty="0"/>
               <a:t/>
             </a:r>
             <a:br>
-              <a:rPr lang="en-US" dirty="0">
-                <a:effectLst/>
-              </a:rPr>
+              <a:rPr lang="en-US" sz="4400" dirty="0"/>
             </a:br>
             <a:endParaRPr lang="en-US" dirty="0"/>
           </a:p>
@@ -3841,7 +3836,7 @@
         <p:spPr/>
         <p:txBody>
           <a:bodyPr>
-            <a:normAutofit/>
+            <a:normAutofit fontScale="92500" lnSpcReduction="10000"/>
           </a:bodyPr>
           <a:lstStyle/>
           <a:p>
@@ -3849,6 +3844,33 @@
               <a:buNone/>
             </a:pPr>
             <a:r>
+              <a:rPr lang="en-US" b="1" dirty="0">
+                <a:solidFill>
+                  <a:srgbClr val="FF0000"/>
+                </a:solidFill>
+              </a:rPr>
+              <a:t>C program using expression ++*p </a:t>
+            </a:r>
+            <a:r>
+              <a:rPr lang="en-US" b="1" dirty="0" smtClean="0">
+                <a:solidFill>
+                  <a:srgbClr val="FF0000"/>
+                </a:solidFill>
+              </a:rPr>
+              <a:t>:</a:t>
+            </a:r>
+          </a:p>
+          <a:p>
+            <a:pPr marL="137160" indent="0">
+              <a:buNone/>
+            </a:pPr>
+            <a:endParaRPr lang="en-US" b="1" dirty="0"/>
+          </a:p>
+          <a:p>
+            <a:pPr marL="137160" indent="0">
+              <a:buNone/>
+            </a:pPr>
+            <a:r>
               <a:rPr lang="en-US" dirty="0"/>
               <a:t>#include &lt;</a:t>
             </a:r>
@@ -3857,7 +3879,7 @@
               <a:t>stdio.h</a:t>
             </a:r>
             <a:r>
-              <a:rPr lang="en-US" dirty="0"/>
+              <a:rPr lang="en-US" dirty="0" smtClean="0"/>
               <a:t>&gt;</a:t>
             </a:r>
           </a:p>
@@ -3866,12 +3888,16 @@
               <a:buNone/>
             </a:pPr>
             <a:r>
-              <a:rPr lang="en-US" dirty="0" err="1"/>
+              <a:rPr lang="en-US" dirty="0" err="1" smtClean="0"/>
               <a:t>int</a:t>
             </a:r>
             <a:r>
-              <a:rPr lang="en-US" dirty="0"/>
-              <a:t> main()</a:t>
+              <a:rPr lang="en-US" dirty="0" smtClean="0"/>
+              <a:t> </a:t>
+            </a:r>
+            <a:r>
+              <a:rPr lang="en-US" dirty="0"/>
+              <a:t>main()</a:t>
             </a:r>
           </a:p>
           <a:p>
@@ -3931,11 +3957,11 @@
             </a:pPr>
             <a:r>
               <a:rPr lang="en-US" dirty="0"/>
-              <a:t>*p</a:t>
+              <a:t>++*p</a:t>
             </a:r>
             <a:r>
               <a:rPr lang="en-US" dirty="0" smtClean="0"/>
-              <a:t>++;  //</a:t>
+              <a:t>;  //</a:t>
             </a:r>
             <a:r>
               <a:rPr lang="en-US" dirty="0" err="1" smtClean="0"/>
@@ -3947,7 +3973,7 @@
             </a:r>
             <a:r>
               <a:rPr lang="en-US" dirty="0" err="1" smtClean="0"/>
-              <a:t>addr</a:t>
+              <a:t>val</a:t>
             </a:r>
             <a:endParaRPr lang="en-US" dirty="0"/>
           </a:p>
@@ -4019,9 +4045,6 @@
             </a:r>
           </a:p>
           <a:p>
-            <a:pPr marL="137160" indent="0">
-              <a:buNone/>
-            </a:pPr>
             <a:endParaRPr lang="en-US" dirty="0"/>
           </a:p>
         </p:txBody>
@@ -4029,7 +4052,7 @@
     </p:spTree>
     <p:extLst>
       <p:ext uri="{BB962C8B-B14F-4D97-AF65-F5344CB8AC3E}">
-        <p14:creationId xmlns:p14="http://schemas.microsoft.com/office/powerpoint/2010/main" val="1951205022"/>
+        <p14:creationId xmlns:p14="http://schemas.microsoft.com/office/powerpoint/2010/main" val="2132184178"/>
       </p:ext>
     </p:extLst>
   </p:cSld>
@@ -4084,7 +4107,7 @@
               <a:rPr lang="en-US" sz="3600" dirty="0">
                 <a:effectLst/>
               </a:rPr>
-              <a:t>C program using expression *++p :</a:t>
+              <a:t>C program using expression *p++ :</a:t>
             </a:r>
             <a:r>
               <a:rPr lang="en-US" dirty="0">
@@ -4111,12 +4134,7 @@
             <p:ph idx="1"/>
           </p:nvPr>
         </p:nvSpPr>
-        <p:spPr>
-          <a:xfrm>
-            <a:off x="533400" y="1600200"/>
-            <a:ext cx="8229600" cy="4709160"/>
-          </a:xfrm>
-        </p:spPr>
+        <p:spPr/>
         <p:txBody>
           <a:bodyPr>
             <a:normAutofit/>
@@ -4209,11 +4227,11 @@
             </a:pPr>
             <a:r>
               <a:rPr lang="en-US" dirty="0"/>
-              <a:t>*++p</a:t>
+              <a:t>*p</a:t>
             </a:r>
             <a:r>
               <a:rPr lang="en-US" dirty="0" smtClean="0"/>
-              <a:t>;   //</a:t>
+              <a:t>++;  //</a:t>
             </a:r>
             <a:r>
               <a:rPr lang="en-US" dirty="0" err="1" smtClean="0"/>
@@ -4307,13 +4325,20 @@
     </p:spTree>
     <p:extLst>
       <p:ext uri="{BB962C8B-B14F-4D97-AF65-F5344CB8AC3E}">
-        <p14:creationId xmlns:p14="http://schemas.microsoft.com/office/powerpoint/2010/main" val="252199236"/>
+        <p14:creationId xmlns:p14="http://schemas.microsoft.com/office/powerpoint/2010/main" val="1951205022"/>
       </p:ext>
     </p:extLst>
   </p:cSld>
   <p:clrMapOvr>
     <a:masterClrMapping/>
   </p:clrMapOvr>
+  <p:timing>
+    <p:tnLst>
+      <p:par>
+        <p:cTn id="1" dur="indefinite" restart="never" nodeType="tmRoot"/>
+      </p:par>
+    </p:tnLst>
+  </p:timing>
 </p:sld>
 </file>
 
@@ -4346,13 +4371,28 @@
         </p:nvSpPr>
         <p:spPr/>
         <p:txBody>
-          <a:bodyPr/>
+          <a:bodyPr>
+            <a:normAutofit fontScale="90000"/>
+          </a:bodyPr>
           <a:lstStyle/>
           <a:p>
             <a:r>
-              <a:rPr lang="en-US" dirty="0" smtClean="0"/>
-              <a:t>Find bug</a:t>
-            </a:r>
+              <a:rPr lang="en-US" sz="3600" dirty="0">
+                <a:effectLst/>
+              </a:rPr>
+              <a:t>C program using expression *++p :</a:t>
+            </a:r>
+            <a:r>
+              <a:rPr lang="en-US" dirty="0">
+                <a:effectLst/>
+              </a:rPr>
+              <a:t/>
+            </a:r>
+            <a:br>
+              <a:rPr lang="en-US" dirty="0">
+                <a:effectLst/>
+              </a:rPr>
+            </a:br>
             <a:endParaRPr lang="en-US" dirty="0"/>
           </a:p>
         </p:txBody>
@@ -4367,7 +4407,12 @@
             <p:ph idx="1"/>
           </p:nvPr>
         </p:nvSpPr>
-        <p:spPr/>
+        <p:spPr>
+          <a:xfrm>
+            <a:off x="533400" y="1600200"/>
+            <a:ext cx="8229600" cy="4709160"/>
+          </a:xfrm>
+        </p:spPr>
         <p:txBody>
           <a:bodyPr>
             <a:normAutofit/>
@@ -4378,15 +4423,15 @@
               <a:buNone/>
             </a:pPr>
             <a:r>
-              <a:rPr lang="en-US" sz="2400" dirty="0"/>
+              <a:rPr lang="en-US" dirty="0"/>
               <a:t>#include &lt;</a:t>
             </a:r>
             <a:r>
-              <a:rPr lang="en-US" sz="2400" dirty="0" err="1"/>
+              <a:rPr lang="en-US" dirty="0" err="1"/>
               <a:t>stdio.h</a:t>
             </a:r>
             <a:r>
-              <a:rPr lang="en-US" sz="2400" dirty="0" smtClean="0"/>
+              <a:rPr lang="en-US" dirty="0"/>
               <a:t>&gt;</a:t>
             </a:r>
           </a:p>
@@ -4395,29 +4440,42 @@
               <a:buNone/>
             </a:pPr>
             <a:r>
-              <a:rPr lang="en-US" sz="2400" dirty="0" err="1" smtClean="0"/>
+              <a:rPr lang="en-US" dirty="0" err="1"/>
               <a:t>int</a:t>
             </a:r>
             <a:r>
-              <a:rPr lang="en-US" sz="2400" dirty="0" smtClean="0"/>
+              <a:rPr lang="en-US" dirty="0"/>
+              <a:t> main()</a:t>
+            </a:r>
+          </a:p>
+          <a:p>
+            <a:pPr marL="137160" indent="0">
+              <a:buNone/>
+            </a:pPr>
+            <a:r>
+              <a:rPr lang="en-US" dirty="0"/>
+              <a:t>{</a:t>
+            </a:r>
+          </a:p>
+          <a:p>
+            <a:pPr marL="457200" lvl="1" indent="0">
+              <a:buNone/>
+            </a:pPr>
+            <a:r>
+              <a:rPr lang="en-US" dirty="0" err="1"/>
+              <a:t>int</a:t>
+            </a:r>
+            <a:r>
+              <a:rPr lang="en-US" dirty="0"/>
               <a:t> </a:t>
             </a:r>
             <a:r>
-              <a:rPr lang="en-US" sz="2400" dirty="0"/>
-              <a:t>main</a:t>
-            </a:r>
-            <a:r>
-              <a:rPr lang="en-US" sz="2400" dirty="0" smtClean="0"/>
-              <a:t>()</a:t>
-            </a:r>
-          </a:p>
-          <a:p>
-            <a:pPr marL="137160" indent="0">
-              <a:buNone/>
-            </a:pPr>
-            <a:r>
-              <a:rPr lang="en-US" sz="2400" dirty="0" smtClean="0"/>
-              <a:t>{    </a:t>
+              <a:rPr lang="en-US" dirty="0" err="1"/>
+              <a:t>arr</a:t>
+            </a:r>
+            <a:r>
+              <a:rPr lang="en-US" dirty="0"/>
+              <a:t>[5] = {100,200,300,400,500};</a:t>
             </a:r>
           </a:p>
           <a:p>
@@ -4425,72 +4483,112 @@
               <a:buNone/>
             </a:pPr>
             <a:r>
-              <a:rPr lang="en-US" sz="2000" dirty="0" smtClean="0"/>
-              <a:t>char </a:t>
-            </a:r>
-            <a:r>
-              <a:rPr lang="en-US" sz="2000" dirty="0"/>
-              <a:t>*a = "hello";  </a:t>
-            </a:r>
-            <a:r>
-              <a:rPr lang="en-US" sz="2000" dirty="0" smtClean="0"/>
-              <a:t>     </a:t>
-            </a:r>
-            <a:endParaRPr lang="en-US" sz="2000" dirty="0" smtClean="0"/>
+              <a:rPr lang="en-US" dirty="0" err="1"/>
+              <a:t>int</a:t>
+            </a:r>
+            <a:r>
+              <a:rPr lang="en-US" dirty="0"/>
+              <a:t> *p = </a:t>
+            </a:r>
+            <a:r>
+              <a:rPr lang="en-US" dirty="0" err="1"/>
+              <a:t>arr</a:t>
+            </a:r>
+            <a:r>
+              <a:rPr lang="en-US" dirty="0"/>
+              <a:t>;</a:t>
+            </a:r>
           </a:p>
           <a:p>
             <a:pPr marL="457200" lvl="1" indent="0">
               <a:buNone/>
             </a:pPr>
             <a:r>
-              <a:rPr lang="en-US" sz="2000" dirty="0" smtClean="0"/>
+              <a:rPr lang="en-US" dirty="0"/>
+              <a:t>*++p</a:t>
+            </a:r>
+            <a:r>
+              <a:rPr lang="en-US" dirty="0" smtClean="0"/>
+              <a:t>;   //</a:t>
+            </a:r>
+            <a:r>
+              <a:rPr lang="en-US" dirty="0" err="1" smtClean="0"/>
+              <a:t>inc</a:t>
+            </a:r>
+            <a:r>
+              <a:rPr lang="en-US" dirty="0" smtClean="0"/>
               <a:t> </a:t>
             </a:r>
             <a:r>
-              <a:rPr lang="en-US" sz="2000" dirty="0" err="1"/>
+              <a:rPr lang="en-US" dirty="0" err="1" smtClean="0"/>
+              <a:t>addr</a:t>
+            </a:r>
+            <a:endParaRPr lang="en-US" dirty="0"/>
+          </a:p>
+          <a:p>
+            <a:pPr marL="457200" lvl="1" indent="0">
+              <a:buNone/>
+            </a:pPr>
+            <a:r>
+              <a:rPr lang="en-US" dirty="0" err="1"/>
               <a:t>printf</a:t>
             </a:r>
             <a:r>
-              <a:rPr lang="en-US" sz="2000" dirty="0"/>
-              <a:t>("%s\</a:t>
-            </a:r>
-            <a:r>
-              <a:rPr lang="en-US" sz="2000" dirty="0" err="1"/>
-              <a:t>n</a:t>
-            </a:r>
-            <a:r>
-              <a:rPr lang="en-US" sz="2000" dirty="0" err="1" smtClean="0"/>
-              <a:t>",a</a:t>
-            </a:r>
-            <a:r>
-              <a:rPr lang="en-US" sz="2000" dirty="0"/>
-              <a:t>);      </a:t>
-            </a:r>
-            <a:endParaRPr lang="en-US" sz="2000" dirty="0" smtClean="0"/>
+              <a:rPr lang="en-US" dirty="0"/>
+              <a:t>("</a:t>
+            </a:r>
+            <a:r>
+              <a:rPr lang="en-US" dirty="0" err="1"/>
+              <a:t>arr</a:t>
+            </a:r>
+            <a:r>
+              <a:rPr lang="en-US" dirty="0"/>
+              <a:t>[0] = %d, </a:t>
+            </a:r>
+            <a:r>
+              <a:rPr lang="en-US" dirty="0" err="1"/>
+              <a:t>arr</a:t>
+            </a:r>
+            <a:r>
+              <a:rPr lang="en-US" dirty="0"/>
+              <a:t>[1] = %d, *p = %d", </a:t>
+            </a:r>
+            <a:r>
+              <a:rPr lang="en-US" dirty="0" err="1"/>
+              <a:t>arr</a:t>
+            </a:r>
+            <a:r>
+              <a:rPr lang="en-US" dirty="0"/>
+              <a:t>[0], </a:t>
+            </a:r>
+            <a:r>
+              <a:rPr lang="en-US" dirty="0" err="1"/>
+              <a:t>arr</a:t>
+            </a:r>
+            <a:r>
+              <a:rPr lang="en-US" dirty="0"/>
+              <a:t>[1], *p);</a:t>
+            </a:r>
           </a:p>
           <a:p>
             <a:pPr marL="457200" lvl="1" indent="0">
               <a:buNone/>
             </a:pPr>
             <a:r>
-              <a:rPr lang="en-US" sz="2000" dirty="0" smtClean="0"/>
-              <a:t>  </a:t>
-            </a:r>
-            <a:r>
-              <a:rPr lang="en-US" sz="2000" dirty="0"/>
-              <a:t>return 0</a:t>
-            </a:r>
-            <a:r>
-              <a:rPr lang="en-US" sz="2000" dirty="0" smtClean="0"/>
-              <a:t>;</a:t>
-            </a:r>
-          </a:p>
-          <a:p>
-            <a:pPr marL="137160" indent="0">
-              <a:buNone/>
-            </a:pPr>
-            <a:r>
-              <a:rPr lang="en-US" sz="2400" dirty="0" smtClean="0"/>
+              <a:rPr lang="en-US" b="1" dirty="0"/>
+              <a:t>return</a:t>
+            </a:r>
+            <a:r>
+              <a:rPr lang="en-US" dirty="0"/>
+              <a:t> 0;</a:t>
+            </a:r>
+          </a:p>
+          <a:p>
+            <a:pPr marL="137160" indent="0">
+              <a:buNone/>
+            </a:pPr>
+            <a:r>
+              <a:rPr lang="en-US" dirty="0"/>
               <a:t>}</a:t>
             </a:r>
           </a:p>
@@ -4498,20 +4596,14 @@
             <a:pPr marL="137160" indent="0">
               <a:buNone/>
             </a:pPr>
-            <a:endParaRPr lang="en-US" sz="2400" dirty="0"/>
-          </a:p>
-          <a:p>
-            <a:pPr marL="137160" indent="0">
-              <a:buNone/>
-            </a:pPr>
-            <a:endParaRPr lang="en-US" sz="2400" dirty="0"/>
+            <a:endParaRPr lang="en-US" dirty="0"/>
           </a:p>
         </p:txBody>
       </p:sp>
     </p:spTree>
     <p:extLst>
       <p:ext uri="{BB962C8B-B14F-4D97-AF65-F5344CB8AC3E}">
-        <p14:creationId xmlns:p14="http://schemas.microsoft.com/office/powerpoint/2010/main" val="3007077970"/>
+        <p14:creationId xmlns:p14="http://schemas.microsoft.com/office/powerpoint/2010/main" val="252199236"/>
       </p:ext>
     </p:extLst>
   </p:cSld>
@@ -4548,35 +4640,14 @@
             <p:ph type="title"/>
           </p:nvPr>
         </p:nvSpPr>
-        <p:spPr>
-          <a:xfrm>
-            <a:off x="457200" y="0"/>
-            <a:ext cx="8229600" cy="990600"/>
-          </a:xfrm>
-        </p:spPr>
+        <p:spPr/>
         <p:txBody>
           <a:bodyPr/>
           <a:lstStyle/>
           <a:p>
             <a:r>
-              <a:rPr lang="en-US" dirty="0" err="1" smtClean="0"/>
-              <a:t>Arr</a:t>
-            </a:r>
-            <a:r>
               <a:rPr lang="en-US" dirty="0" smtClean="0"/>
-              <a:t> </a:t>
-            </a:r>
-            <a:r>
-              <a:rPr lang="en-US" dirty="0" err="1" smtClean="0"/>
-              <a:t>vs</a:t>
-            </a:r>
-            <a:r>
-              <a:rPr lang="en-US" dirty="0" smtClean="0"/>
-              <a:t> </a:t>
-            </a:r>
-            <a:r>
-              <a:rPr lang="en-US" dirty="0" err="1" smtClean="0"/>
-              <a:t>ptr</a:t>
+              <a:t>Find bug</a:t>
             </a:r>
             <a:endParaRPr lang="en-US" dirty="0"/>
           </a:p>
@@ -4592,15 +4663,10 @@
             <p:ph idx="1"/>
           </p:nvPr>
         </p:nvSpPr>
-        <p:spPr>
-          <a:xfrm>
-            <a:off x="381000" y="914400"/>
-            <a:ext cx="8382000" cy="5715000"/>
-          </a:xfrm>
-        </p:spPr>
+        <p:spPr/>
         <p:txBody>
           <a:bodyPr>
-            <a:normAutofit fontScale="77500" lnSpcReduction="20000"/>
+            <a:normAutofit/>
           </a:bodyPr>
           <a:lstStyle/>
           <a:p>
@@ -4608,15 +4674,15 @@
               <a:buNone/>
             </a:pPr>
             <a:r>
-              <a:rPr lang="en-US" dirty="0"/>
+              <a:rPr lang="en-US" sz="2400" dirty="0"/>
               <a:t>#include &lt;</a:t>
             </a:r>
             <a:r>
-              <a:rPr lang="en-US" dirty="0" err="1"/>
+              <a:rPr lang="en-US" sz="2400" dirty="0" err="1"/>
               <a:t>stdio.h</a:t>
             </a:r>
             <a:r>
-              <a:rPr lang="en-US" dirty="0" smtClean="0"/>
+              <a:rPr lang="en-US" sz="2400" dirty="0" smtClean="0"/>
               <a:t>&gt;</a:t>
             </a:r>
           </a:p>
@@ -4625,19 +4691,19 @@
               <a:buNone/>
             </a:pPr>
             <a:r>
-              <a:rPr lang="en-US" dirty="0" err="1" smtClean="0"/>
+              <a:rPr lang="en-US" sz="2400" dirty="0" err="1" smtClean="0"/>
               <a:t>int</a:t>
             </a:r>
             <a:r>
-              <a:rPr lang="en-US" dirty="0" smtClean="0"/>
+              <a:rPr lang="en-US" sz="2400" dirty="0" smtClean="0"/>
               <a:t> </a:t>
             </a:r>
             <a:r>
-              <a:rPr lang="en-US" dirty="0"/>
+              <a:rPr lang="en-US" sz="2400" dirty="0"/>
               <a:t>main</a:t>
             </a:r>
             <a:r>
-              <a:rPr lang="en-US" dirty="0" smtClean="0"/>
+              <a:rPr lang="en-US" sz="2400" dirty="0" smtClean="0"/>
               <a:t>()</a:t>
             </a:r>
           </a:p>
@@ -4646,7 +4712,7 @@
               <a:buNone/>
             </a:pPr>
             <a:r>
-              <a:rPr lang="en-US" dirty="0" smtClean="0"/>
+              <a:rPr lang="en-US" sz="2400" dirty="0" smtClean="0"/>
               <a:t>{    </a:t>
             </a:r>
           </a:p>
@@ -4655,80 +4721,62 @@
               <a:buNone/>
             </a:pPr>
             <a:r>
-              <a:rPr lang="en-US" dirty="0" err="1" smtClean="0"/>
-              <a:t>int</a:t>
-            </a:r>
-            <a:r>
-              <a:rPr lang="en-US" dirty="0" smtClean="0"/>
+              <a:rPr lang="en-US" sz="2000" dirty="0" smtClean="0"/>
+              <a:t>char </a:t>
+            </a:r>
+            <a:r>
+              <a:rPr lang="en-US" sz="2000" dirty="0"/>
+              <a:t>*a = "hello";  </a:t>
+            </a:r>
+            <a:r>
+              <a:rPr lang="en-US" sz="2000" dirty="0" smtClean="0"/>
+              <a:t>     </a:t>
+            </a:r>
+          </a:p>
+          <a:p>
+            <a:pPr marL="457200" lvl="1" indent="0">
+              <a:buNone/>
+            </a:pPr>
+            <a:r>
+              <a:rPr lang="en-US" sz="2000" dirty="0" smtClean="0"/>
               <a:t> </a:t>
             </a:r>
             <a:r>
-              <a:rPr lang="en-US" dirty="0"/>
-              <a:t>* a = "</a:t>
-            </a:r>
-            <a:r>
-              <a:rPr lang="en-US" dirty="0" err="1"/>
-              <a:t>hai</a:t>
-            </a:r>
-            <a:r>
-              <a:rPr lang="en-US" dirty="0"/>
-              <a:t>";   </a:t>
-            </a:r>
-            <a:endParaRPr lang="en-US" dirty="0" smtClean="0"/>
+              <a:rPr lang="en-US" sz="2000" dirty="0" err="1"/>
+              <a:t>printf</a:t>
+            </a:r>
+            <a:r>
+              <a:rPr lang="en-US" sz="2000" dirty="0"/>
+              <a:t>("%s\</a:t>
+            </a:r>
+            <a:r>
+              <a:rPr lang="en-US" sz="2000" dirty="0" err="1"/>
+              <a:t>n</a:t>
+            </a:r>
+            <a:r>
+              <a:rPr lang="en-US" sz="2000" dirty="0" err="1" smtClean="0"/>
+              <a:t>",a</a:t>
+            </a:r>
+            <a:r>
+              <a:rPr lang="en-US" sz="2000" dirty="0"/>
+              <a:t>);      </a:t>
+            </a:r>
+            <a:endParaRPr lang="en-US" sz="2000" dirty="0" smtClean="0"/>
           </a:p>
           <a:p>
             <a:pPr marL="457200" lvl="1" indent="0">
               <a:buNone/>
             </a:pPr>
             <a:r>
-              <a:rPr lang="en-US" dirty="0" smtClean="0"/>
-              <a:t> </a:t>
-            </a:r>
-            <a:r>
-              <a:rPr lang="en-US" dirty="0"/>
-              <a:t>a[0]= 'b';        </a:t>
-            </a:r>
-            <a:endParaRPr lang="en-US" dirty="0" smtClean="0"/>
-          </a:p>
-          <a:p>
-            <a:pPr marL="457200" lvl="1" indent="0">
-              <a:buNone/>
-            </a:pPr>
-            <a:r>
-              <a:rPr lang="en-US" dirty="0" err="1" smtClean="0"/>
-              <a:t>printf</a:t>
-            </a:r>
-            <a:r>
-              <a:rPr lang="en-US" dirty="0"/>
-              <a:t>("%c\</a:t>
-            </a:r>
-            <a:r>
-              <a:rPr lang="en-US" dirty="0" err="1"/>
-              <a:t>n",a</a:t>
-            </a:r>
-            <a:r>
-              <a:rPr lang="en-US" dirty="0"/>
-              <a:t>[0]);      </a:t>
-            </a:r>
-            <a:r>
-              <a:rPr lang="en-US" dirty="0" smtClean="0"/>
-              <a:t>//char out </a:t>
-            </a:r>
-          </a:p>
-          <a:p>
-            <a:pPr marL="457200" lvl="1" indent="0">
-              <a:buNone/>
-            </a:pPr>
-            <a:r>
-              <a:rPr lang="en-US" dirty="0" smtClean="0"/>
-              <a:t> </a:t>
-            </a:r>
-            <a:r>
-              <a:rPr lang="en-US" dirty="0"/>
+              <a:rPr lang="en-US" sz="2000" dirty="0" smtClean="0"/>
+              <a:t>  </a:t>
+            </a:r>
+            <a:r>
+              <a:rPr lang="en-US" sz="2000" dirty="0"/>
               <a:t>return 0</a:t>
             </a:r>
             <a:r>
-              <a:rPr lang="en-US" dirty="0" smtClean="0"/>
+              <a:rPr lang="en-US" sz="2000" dirty="0" smtClean="0"/>
               <a:t>;</a:t>
             </a:r>
           </a:p>
@@ -4737,7 +4785,7 @@
               <a:buNone/>
             </a:pPr>
             <a:r>
-              <a:rPr lang="en-US" dirty="0" smtClean="0"/>
+              <a:rPr lang="en-US" sz="2400" dirty="0" smtClean="0"/>
               <a:t>}</a:t>
             </a:r>
           </a:p>
@@ -4745,137 +4793,20 @@
             <a:pPr marL="137160" indent="0">
               <a:buNone/>
             </a:pPr>
-            <a:endParaRPr lang="en-US" dirty="0"/>
-          </a:p>
-          <a:p>
-            <a:pPr marL="137160" indent="0">
-              <a:buNone/>
-            </a:pPr>
-            <a:r>
-              <a:rPr lang="en-US" dirty="0"/>
-              <a:t>#include &lt;</a:t>
-            </a:r>
-            <a:r>
-              <a:rPr lang="en-US" dirty="0" err="1"/>
-              <a:t>stdio.h</a:t>
-            </a:r>
-            <a:r>
-              <a:rPr lang="en-US" dirty="0"/>
-              <a:t>&gt;</a:t>
-            </a:r>
-          </a:p>
-          <a:p>
-            <a:pPr marL="137160" indent="0">
-              <a:buNone/>
-            </a:pPr>
-            <a:r>
-              <a:rPr lang="en-US" dirty="0" err="1"/>
-              <a:t>int</a:t>
-            </a:r>
-            <a:r>
-              <a:rPr lang="en-US" dirty="0"/>
-              <a:t> main()</a:t>
-            </a:r>
-          </a:p>
-          <a:p>
-            <a:pPr marL="137160" indent="0">
-              <a:buNone/>
-            </a:pPr>
-            <a:r>
-              <a:rPr lang="en-US" dirty="0"/>
-              <a:t>{    </a:t>
-            </a:r>
-          </a:p>
-          <a:p>
-            <a:pPr marL="457200" lvl="1" indent="0">
-              <a:buNone/>
-            </a:pPr>
-            <a:r>
-              <a:rPr lang="en-US" dirty="0" err="1"/>
-              <a:t>int</a:t>
-            </a:r>
-            <a:r>
-              <a:rPr lang="en-US" dirty="0"/>
-              <a:t> * a = "</a:t>
-            </a:r>
-            <a:r>
-              <a:rPr lang="en-US" dirty="0" err="1"/>
-              <a:t>hai</a:t>
-            </a:r>
-            <a:r>
-              <a:rPr lang="en-US" dirty="0"/>
-              <a:t>";   </a:t>
-            </a:r>
-          </a:p>
-          <a:p>
-            <a:pPr marL="457200" lvl="1" indent="0">
-              <a:buNone/>
-            </a:pPr>
-            <a:r>
-              <a:rPr lang="en-US" dirty="0"/>
-              <a:t> a[0]= 'b';        </a:t>
-            </a:r>
-          </a:p>
-          <a:p>
-            <a:pPr marL="457200" lvl="1" indent="0">
-              <a:buNone/>
-            </a:pPr>
-            <a:r>
-              <a:rPr lang="en-US" dirty="0" err="1"/>
-              <a:t>printf</a:t>
-            </a:r>
-            <a:r>
-              <a:rPr lang="en-US" dirty="0" smtClean="0"/>
-              <a:t>("%s\</a:t>
-            </a:r>
-            <a:r>
-              <a:rPr lang="en-US" dirty="0" err="1" smtClean="0"/>
-              <a:t>n</a:t>
-            </a:r>
-            <a:r>
-              <a:rPr lang="en-US" dirty="0" err="1"/>
-              <a:t>",</a:t>
-            </a:r>
-            <a:r>
-              <a:rPr lang="en-US" dirty="0" err="1" smtClean="0"/>
-              <a:t>a</a:t>
-            </a:r>
-            <a:r>
-              <a:rPr lang="en-US" dirty="0" smtClean="0"/>
-              <a:t>);      //string out </a:t>
-            </a:r>
-            <a:endParaRPr lang="en-US" dirty="0"/>
-          </a:p>
-          <a:p>
-            <a:pPr marL="457200" lvl="1" indent="0">
-              <a:buNone/>
-            </a:pPr>
-            <a:r>
-              <a:rPr lang="en-US" dirty="0"/>
-              <a:t> return 0;</a:t>
-            </a:r>
-          </a:p>
-          <a:p>
-            <a:pPr marL="137160" indent="0">
-              <a:buNone/>
-            </a:pPr>
-            <a:r>
-              <a:rPr lang="en-US" dirty="0"/>
-              <a:t>}</a:t>
-            </a:r>
-          </a:p>
-          <a:p>
-            <a:pPr marL="137160" indent="0">
-              <a:buNone/>
-            </a:pPr>
-            <a:endParaRPr lang="en-US" dirty="0"/>
+            <a:endParaRPr lang="en-US" sz="2400" dirty="0"/>
+          </a:p>
+          <a:p>
+            <a:pPr marL="137160" indent="0">
+              <a:buNone/>
+            </a:pPr>
+            <a:endParaRPr lang="en-US" sz="2400" dirty="0"/>
           </a:p>
         </p:txBody>
       </p:sp>
     </p:spTree>
     <p:extLst>
       <p:ext uri="{BB962C8B-B14F-4D97-AF65-F5344CB8AC3E}">
-        <p14:creationId xmlns:p14="http://schemas.microsoft.com/office/powerpoint/2010/main" val="3004295116"/>
+        <p14:creationId xmlns:p14="http://schemas.microsoft.com/office/powerpoint/2010/main" val="3007077970"/>
       </p:ext>
     </p:extLst>
   </p:cSld>
@@ -4923,23 +4854,23 @@
           <a:lstStyle/>
           <a:p>
             <a:r>
-              <a:rPr lang="en-US" dirty="0" err="1"/>
+              <a:rPr lang="en-US" dirty="0" err="1" smtClean="0"/>
               <a:t>Arr</a:t>
             </a:r>
             <a:r>
-              <a:rPr lang="en-US" dirty="0"/>
+              <a:rPr lang="en-US" dirty="0" smtClean="0"/>
               <a:t> </a:t>
             </a:r>
             <a:r>
-              <a:rPr lang="en-US" dirty="0" err="1"/>
+              <a:rPr lang="en-US" dirty="0" err="1" smtClean="0"/>
               <a:t>vs</a:t>
             </a:r>
             <a:r>
-              <a:rPr lang="en-US" dirty="0"/>
+              <a:rPr lang="en-US" dirty="0" smtClean="0"/>
               <a:t> </a:t>
             </a:r>
             <a:r>
-              <a:rPr lang="en-US" dirty="0" err="1"/>
+              <a:rPr lang="en-US" dirty="0" err="1" smtClean="0"/>
               <a:t>ptr</a:t>
             </a:r>
             <a:endParaRPr lang="en-US" dirty="0"/>
@@ -4958,13 +4889,13 @@
         </p:nvSpPr>
         <p:spPr>
           <a:xfrm>
-            <a:off x="304800" y="1143000"/>
-            <a:ext cx="8686800" cy="5562600"/>
+            <a:off x="381000" y="914400"/>
+            <a:ext cx="8382000" cy="5715000"/>
           </a:xfrm>
         </p:spPr>
         <p:txBody>
           <a:bodyPr>
-            <a:normAutofit fontScale="70000" lnSpcReduction="20000"/>
+            <a:normAutofit fontScale="77500" lnSpcReduction="20000"/>
           </a:bodyPr>
           <a:lstStyle/>
           <a:p>
@@ -4989,90 +4920,77 @@
               <a:buNone/>
             </a:pPr>
             <a:r>
-              <a:rPr lang="en-US" dirty="0" smtClean="0"/>
-              <a:t>//</a:t>
-            </a:r>
-            <a:r>
               <a:rPr lang="en-US" dirty="0" err="1" smtClean="0"/>
               <a:t>int</a:t>
             </a:r>
             <a:r>
               <a:rPr lang="en-US" dirty="0" smtClean="0"/>
-              <a:t> array</a:t>
-            </a:r>
-            <a:endParaRPr lang="en-US" dirty="0"/>
-          </a:p>
-          <a:p>
-            <a:pPr marL="137160" indent="0">
-              <a:buNone/>
-            </a:pPr>
-            <a:r>
-              <a:rPr lang="en-US" dirty="0" err="1"/>
+              <a:t> </a:t>
+            </a:r>
+            <a:r>
+              <a:rPr lang="en-US" dirty="0"/>
+              <a:t>main</a:t>
+            </a:r>
+            <a:r>
+              <a:rPr lang="en-US" dirty="0" smtClean="0"/>
+              <a:t>()</a:t>
+            </a:r>
+          </a:p>
+          <a:p>
+            <a:pPr marL="137160" indent="0">
+              <a:buNone/>
+            </a:pPr>
+            <a:r>
+              <a:rPr lang="en-US" dirty="0" smtClean="0"/>
+              <a:t>{    </a:t>
+            </a:r>
+          </a:p>
+          <a:p>
+            <a:pPr marL="457200" lvl="1" indent="0">
+              <a:buNone/>
+            </a:pPr>
+            <a:r>
+              <a:rPr lang="en-US" dirty="0" err="1" smtClean="0"/>
               <a:t>int</a:t>
             </a:r>
             <a:r>
-              <a:rPr lang="en-US" dirty="0"/>
-              <a:t> main()</a:t>
-            </a:r>
-          </a:p>
-          <a:p>
-            <a:pPr marL="137160" indent="0">
-              <a:buNone/>
-            </a:pPr>
-            <a:r>
-              <a:rPr lang="en-US" dirty="0"/>
-              <a:t>{    </a:t>
-            </a:r>
+              <a:rPr lang="en-US" dirty="0" smtClean="0"/>
+              <a:t> </a:t>
+            </a:r>
+            <a:r>
+              <a:rPr lang="en-US" dirty="0"/>
+              <a:t>* a = "</a:t>
+            </a:r>
+            <a:r>
+              <a:rPr lang="en-US" dirty="0" err="1"/>
+              <a:t>hai</a:t>
+            </a:r>
+            <a:r>
+              <a:rPr lang="en-US" dirty="0"/>
+              <a:t>";   </a:t>
+            </a:r>
+            <a:endParaRPr lang="en-US" dirty="0" smtClean="0"/>
           </a:p>
           <a:p>
             <a:pPr marL="457200" lvl="1" indent="0">
               <a:buNone/>
             </a:pPr>
             <a:r>
-              <a:rPr lang="en-US" dirty="0" err="1"/>
-              <a:t>int</a:t>
-            </a:r>
-            <a:r>
-              <a:rPr lang="en-US" dirty="0"/>
+              <a:rPr lang="en-US" dirty="0" smtClean="0"/>
               <a:t> </a:t>
             </a:r>
             <a:r>
-              <a:rPr lang="en-US" dirty="0" smtClean="0"/>
-              <a:t> a[] </a:t>
-            </a:r>
-            <a:r>
-              <a:rPr lang="en-US" dirty="0"/>
-              <a:t>= </a:t>
-            </a:r>
-            <a:r>
-              <a:rPr lang="en-US" dirty="0" smtClean="0"/>
-              <a:t>{‘</a:t>
-            </a:r>
+              <a:rPr lang="en-US" dirty="0"/>
+              <a:t>a[0]= 'b';        </a:t>
+            </a:r>
+            <a:endParaRPr lang="en-US" dirty="0" smtClean="0"/>
+          </a:p>
+          <a:p>
+            <a:pPr marL="457200" lvl="1" indent="0">
+              <a:buNone/>
+            </a:pPr>
             <a:r>
               <a:rPr lang="en-US" dirty="0" err="1" smtClean="0"/>
-              <a:t>h’,’e’,’l’,’l’,’o</a:t>
-            </a:r>
-            <a:r>
-              <a:rPr lang="en-US" dirty="0" smtClean="0"/>
-              <a:t>’};   </a:t>
-            </a:r>
-            <a:endParaRPr lang="en-US" dirty="0"/>
-          </a:p>
-          <a:p>
-            <a:pPr marL="457200" lvl="1" indent="0">
-              <a:buNone/>
-            </a:pPr>
-            <a:r>
-              <a:rPr lang="en-US" dirty="0"/>
-              <a:t> a[0]= 'b';        </a:t>
-            </a:r>
-          </a:p>
-          <a:p>
-            <a:pPr marL="457200" lvl="1" indent="0">
-              <a:buNone/>
-            </a:pPr>
-            <a:r>
-              <a:rPr lang="en-US" dirty="0" err="1"/>
               <a:t>printf</a:t>
             </a:r>
             <a:r>
@@ -5091,15 +5009,22 @@
               <a:rPr lang="en-US" dirty="0" smtClean="0"/>
               <a:t>//char out </a:t>
             </a:r>
-            <a:endParaRPr lang="en-US" dirty="0"/>
           </a:p>
           <a:p>
             <a:pPr marL="457200" lvl="1" indent="0">
               <a:buNone/>
             </a:pPr>
             <a:r>
-              <a:rPr lang="en-US" dirty="0"/>
-              <a:t> return 0;</a:t>
+              <a:rPr lang="en-US" dirty="0" smtClean="0"/>
+              <a:t> </a:t>
+            </a:r>
+            <a:r>
+              <a:rPr lang="en-US" dirty="0"/>
+              <a:t>return 0</a:t>
+            </a:r>
+            <a:r>
+              <a:rPr lang="en-US" dirty="0" smtClean="0"/>
+              <a:t>;</a:t>
             </a:r>
           </a:p>
           <a:p>
@@ -5115,16 +5040,6 @@
             <a:pPr marL="137160" indent="0">
               <a:buNone/>
             </a:pPr>
-            <a:endParaRPr lang="en-US" dirty="0" smtClean="0"/>
-          </a:p>
-          <a:p>
-            <a:pPr marL="137160" indent="0">
-              <a:buNone/>
-            </a:pPr>
-            <a:r>
-              <a:rPr lang="en-US" dirty="0" smtClean="0"/>
-              <a:t>//char array </a:t>
-            </a:r>
             <a:endParaRPr lang="en-US" dirty="0"/>
           </a:p>
           <a:p>
@@ -5171,18 +5086,21 @@
               <a:buNone/>
             </a:pPr>
             <a:r>
-              <a:rPr lang="en-US" dirty="0" smtClean="0"/>
-              <a:t>char </a:t>
-            </a:r>
-            <a:r>
-              <a:rPr lang="en-US" dirty="0"/>
-              <a:t>a[] = </a:t>
-            </a:r>
-            <a:r>
-              <a:rPr lang="en-US" dirty="0" smtClean="0"/>
-              <a:t>“hello”;</a:t>
-            </a:r>
-            <a:endParaRPr lang="en-US" dirty="0"/>
+              <a:rPr lang="en-US" dirty="0" err="1"/>
+              <a:t>int</a:t>
+            </a:r>
+            <a:r>
+              <a:rPr lang="en-US" dirty="0"/>
+              <a:t> * a = "</a:t>
+            </a:r>
+            <a:r>
+              <a:rPr lang="en-US" dirty="0" err="1"/>
+              <a:t>hai</a:t>
+            </a:r>
+            <a:r>
+              <a:rPr lang="en-US" dirty="0"/>
+              <a:t>";   </a:t>
+            </a:r>
           </a:p>
           <a:p>
             <a:pPr marL="457200" lvl="1" indent="0">
@@ -5219,7 +5137,7 @@
             </a:r>
             <a:r>
               <a:rPr lang="en-US" dirty="0" smtClean="0"/>
-              <a:t>);    //string   out</a:t>
+              <a:t>);      //string out </a:t>
             </a:r>
             <a:endParaRPr lang="en-US" dirty="0"/>
           </a:p>
@@ -5245,9 +5163,6 @@
             <a:pPr marL="137160" indent="0">
               <a:buNone/>
             </a:pPr>
-            <a:endParaRPr lang="en-US" dirty="0"/>
-          </a:p>
-          <a:p>
             <a:endParaRPr lang="en-US" dirty="0"/>
           </a:p>
         </p:txBody>
@@ -5255,7 +5170,7 @@
     </p:spTree>
     <p:extLst>
       <p:ext uri="{BB962C8B-B14F-4D97-AF65-F5344CB8AC3E}">
-        <p14:creationId xmlns:p14="http://schemas.microsoft.com/office/powerpoint/2010/main" val="1704723650"/>
+        <p14:creationId xmlns:p14="http://schemas.microsoft.com/office/powerpoint/2010/main" val="3004295116"/>
       </p:ext>
     </p:extLst>
   </p:cSld>
@@ -5292,18 +5207,35 @@
             <p:ph type="title"/>
           </p:nvPr>
         </p:nvSpPr>
-        <p:spPr/>
+        <p:spPr>
+          <a:xfrm>
+            <a:off x="457200" y="0"/>
+            <a:ext cx="8229600" cy="990600"/>
+          </a:xfrm>
+        </p:spPr>
         <p:txBody>
           <a:bodyPr/>
           <a:lstStyle/>
           <a:p>
             <a:r>
-              <a:rPr lang="en-US" dirty="0" err="1" smtClean="0"/>
-              <a:t>Ptr</a:t>
-            </a:r>
-            <a:r>
-              <a:rPr lang="en-US" dirty="0" smtClean="0"/>
-              <a:t> to array</a:t>
+              <a:rPr lang="en-US" dirty="0" err="1"/>
+              <a:t>Arr</a:t>
+            </a:r>
+            <a:r>
+              <a:rPr lang="en-US" dirty="0"/>
+              <a:t> </a:t>
+            </a:r>
+            <a:r>
+              <a:rPr lang="en-US" dirty="0" err="1"/>
+              <a:t>vs</a:t>
+            </a:r>
+            <a:r>
+              <a:rPr lang="en-US" dirty="0"/>
+              <a:t> </a:t>
+            </a:r>
+            <a:r>
+              <a:rPr lang="en-US" dirty="0" err="1"/>
+              <a:t>ptr</a:t>
             </a:r>
             <a:endParaRPr lang="en-US" dirty="0"/>
           </a:p>
@@ -5319,7 +5251,12 @@
             <p:ph idx="1"/>
           </p:nvPr>
         </p:nvSpPr>
-        <p:spPr/>
+        <p:spPr>
+          <a:xfrm>
+            <a:off x="304800" y="1143000"/>
+            <a:ext cx="8686800" cy="5562600"/>
+          </a:xfrm>
+        </p:spPr>
         <p:txBody>
           <a:bodyPr>
             <a:normAutofit fontScale="70000" lnSpcReduction="20000"/>
@@ -5331,14 +5268,14 @@
             </a:pPr>
             <a:r>
               <a:rPr lang="en-US" dirty="0"/>
-              <a:t>#include&lt;</a:t>
+              <a:t>#include &lt;</a:t>
             </a:r>
             <a:r>
               <a:rPr lang="en-US" dirty="0" err="1"/>
               <a:t>stdio.h</a:t>
             </a:r>
             <a:r>
-              <a:rPr lang="en-US" dirty="0"/>
+              <a:rPr lang="en-US" dirty="0" smtClean="0"/>
               <a:t>&gt;</a:t>
             </a:r>
           </a:p>
@@ -5347,18 +5284,17 @@
               <a:buNone/>
             </a:pPr>
             <a:r>
-              <a:rPr lang="en-US" dirty="0"/>
-              <a:t>#define ARRAY_SIZE </a:t>
-            </a:r>
-            <a:r>
               <a:rPr lang="en-US" dirty="0" smtClean="0"/>
-              <a:t>5</a:t>
-            </a:r>
-          </a:p>
-          <a:p>
-            <a:pPr marL="137160" indent="0">
-              <a:buNone/>
-            </a:pPr>
+              <a:t>//</a:t>
+            </a:r>
+            <a:r>
+              <a:rPr lang="en-US" dirty="0" err="1" smtClean="0"/>
+              <a:t>int</a:t>
+            </a:r>
+            <a:r>
+              <a:rPr lang="en-US" dirty="0" smtClean="0"/>
+              <a:t> array</a:t>
+            </a:r>
             <a:endParaRPr lang="en-US" dirty="0"/>
           </a:p>
           <a:p>
@@ -5380,7 +5316,7 @@
             </a:pPr>
             <a:r>
               <a:rPr lang="en-US" dirty="0"/>
-              <a:t>{</a:t>
+              <a:t>{    </a:t>
             </a:r>
           </a:p>
           <a:p>
@@ -5396,29 +5332,150 @@
               <a:t> </a:t>
             </a:r>
             <a:r>
-              <a:rPr lang="en-US" dirty="0" err="1"/>
-              <a:t>arr</a:t>
-            </a:r>
-            <a:r>
-              <a:rPr lang="en-US" dirty="0"/>
-              <a:t>[ARRAY_SIZE] = {1,2,3,4,5};</a:t>
-            </a:r>
+              <a:rPr lang="en-US" dirty="0" smtClean="0"/>
+              <a:t> a[] </a:t>
+            </a:r>
+            <a:r>
+              <a:rPr lang="en-US" dirty="0"/>
+              <a:t>= </a:t>
+            </a:r>
+            <a:r>
+              <a:rPr lang="en-US" dirty="0" smtClean="0"/>
+              <a:t>{‘</a:t>
+            </a:r>
+            <a:r>
+              <a:rPr lang="en-US" dirty="0" err="1" smtClean="0"/>
+              <a:t>h’,’e’,’l’,’l’,’o</a:t>
+            </a:r>
+            <a:r>
+              <a:rPr lang="en-US" dirty="0" smtClean="0"/>
+              <a:t>’};   </a:t>
+            </a:r>
+            <a:endParaRPr lang="en-US" dirty="0"/>
           </a:p>
           <a:p>
             <a:pPr marL="457200" lvl="1" indent="0">
               <a:buNone/>
             </a:pPr>
             <a:r>
+              <a:rPr lang="en-US" dirty="0"/>
+              <a:t> a[0]= 'b';        </a:t>
+            </a:r>
+          </a:p>
+          <a:p>
+            <a:pPr marL="457200" lvl="1" indent="0">
+              <a:buNone/>
+            </a:pPr>
+            <a:r>
+              <a:rPr lang="en-US" dirty="0" err="1"/>
+              <a:t>printf</a:t>
+            </a:r>
+            <a:r>
+              <a:rPr lang="en-US" dirty="0"/>
+              <a:t>("%c\</a:t>
+            </a:r>
+            <a:r>
+              <a:rPr lang="en-US" dirty="0" err="1"/>
+              <a:t>n",a</a:t>
+            </a:r>
+            <a:r>
+              <a:rPr lang="en-US" dirty="0"/>
+              <a:t>[0]);      </a:t>
+            </a:r>
+            <a:r>
+              <a:rPr lang="en-US" dirty="0" smtClean="0"/>
+              <a:t>//char out </a:t>
+            </a:r>
+            <a:endParaRPr lang="en-US" dirty="0"/>
+          </a:p>
+          <a:p>
+            <a:pPr marL="457200" lvl="1" indent="0">
+              <a:buNone/>
+            </a:pPr>
+            <a:r>
+              <a:rPr lang="en-US" dirty="0"/>
+              <a:t> return 0;</a:t>
+            </a:r>
+          </a:p>
+          <a:p>
+            <a:pPr marL="137160" indent="0">
+              <a:buNone/>
+            </a:pPr>
+            <a:r>
+              <a:rPr lang="en-US" dirty="0" smtClean="0"/>
+              <a:t>}</a:t>
+            </a:r>
+          </a:p>
+          <a:p>
+            <a:pPr marL="137160" indent="0">
+              <a:buNone/>
+            </a:pPr>
+            <a:endParaRPr lang="en-US" dirty="0" smtClean="0"/>
+          </a:p>
+          <a:p>
+            <a:pPr marL="137160" indent="0">
+              <a:buNone/>
+            </a:pPr>
+            <a:r>
+              <a:rPr lang="en-US" dirty="0" smtClean="0"/>
+              <a:t>//char array </a:t>
+            </a:r>
+            <a:endParaRPr lang="en-US" dirty="0"/>
+          </a:p>
+          <a:p>
+            <a:pPr marL="137160" indent="0">
+              <a:buNone/>
+            </a:pPr>
+            <a:r>
+              <a:rPr lang="en-US" dirty="0"/>
+              <a:t>#include &lt;</a:t>
+            </a:r>
+            <a:r>
+              <a:rPr lang="en-US" dirty="0" err="1"/>
+              <a:t>stdio.h</a:t>
+            </a:r>
+            <a:r>
+              <a:rPr lang="en-US" dirty="0"/>
+              <a:t>&gt;</a:t>
+            </a:r>
+          </a:p>
+          <a:p>
+            <a:pPr marL="137160" indent="0">
+              <a:buNone/>
+            </a:pPr>
+            <a:r>
               <a:rPr lang="en-US" dirty="0" err="1"/>
               <a:t>int</a:t>
             </a:r>
             <a:r>
               <a:rPr lang="en-US" dirty="0"/>
-              <a:t> i = 0</a:t>
-            </a:r>
+              <a:t> main()</a:t>
+            </a:r>
+          </a:p>
+          <a:p>
+            <a:pPr marL="137160" indent="0">
+              <a:buNone/>
+            </a:pPr>
+            <a:r>
+              <a:rPr lang="en-US" dirty="0"/>
+              <a:t>{    </a:t>
+            </a:r>
+          </a:p>
+          <a:p>
+            <a:pPr marL="457200" lvl="1" indent="0">
+              <a:buNone/>
+            </a:pPr>
             <a:r>
               <a:rPr lang="en-US" dirty="0" smtClean="0"/>
-              <a:t>;</a:t>
+              <a:t>char </a:t>
+            </a:r>
+            <a:r>
+              <a:rPr lang="en-US" dirty="0"/>
+              <a:t>a[] = </a:t>
+            </a:r>
+            <a:r>
+              <a:rPr lang="en-US" dirty="0" smtClean="0"/>
+              <a:t>“hello”;</a:t>
             </a:r>
             <a:endParaRPr lang="en-US" dirty="0"/>
           </a:p>
@@ -5428,7 +5485,7 @@
             </a:pPr>
             <a:r>
               <a:rPr lang="en-US" dirty="0"/>
-              <a:t>// Pointer to an array of integers</a:t>
+              <a:t> a[0]= 'b';        </a:t>
             </a:r>
           </a:p>
           <a:p>
@@ -5437,20 +5494,29 @@
             </a:pPr>
             <a:r>
               <a:rPr lang="en-US" dirty="0" err="1"/>
-              <a:t>int</a:t>
-            </a:r>
-            <a:r>
-              <a:rPr lang="en-US" dirty="0"/>
-              <a:t> (*</a:t>
-            </a:r>
-            <a:r>
-              <a:rPr lang="en-US" dirty="0" err="1"/>
-              <a:t>ptr</a:t>
-            </a:r>
-            <a:r>
-              <a:rPr lang="en-US" dirty="0"/>
-              <a:t>)[ARRAY_SIZE];</a:t>
-            </a:r>
+              <a:t>printf</a:t>
+            </a:r>
+            <a:r>
+              <a:rPr lang="en-US" dirty="0" smtClean="0"/>
+              <a:t>("%s\</a:t>
+            </a:r>
+            <a:r>
+              <a:rPr lang="en-US" dirty="0" err="1" smtClean="0"/>
+              <a:t>n</a:t>
+            </a:r>
+            <a:r>
+              <a:rPr lang="en-US" dirty="0" err="1"/>
+              <a:t>",</a:t>
+            </a:r>
+            <a:r>
+              <a:rPr lang="en-US" dirty="0" err="1" smtClean="0"/>
+              <a:t>a</a:t>
+            </a:r>
+            <a:r>
+              <a:rPr lang="en-US" dirty="0" smtClean="0"/>
+              <a:t>);    //string   out</a:t>
+            </a:r>
+            <a:endParaRPr lang="en-US" dirty="0"/>
           </a:p>
           <a:p>
             <a:pPr marL="457200" lvl="1" indent="0">
@@ -5458,95 +5524,11 @@
             </a:pPr>
             <a:r>
               <a:rPr lang="en-US" dirty="0"/>
-              <a:t>// Points to the whole array arr.</a:t>
-            </a:r>
-          </a:p>
-          <a:p>
-            <a:pPr marL="457200" lvl="1" indent="0">
-              <a:buNone/>
-            </a:pPr>
-            <a:r>
-              <a:rPr lang="en-US" dirty="0" err="1"/>
-              <a:t>ptr</a:t>
-            </a:r>
-            <a:r>
-              <a:rPr lang="en-US" dirty="0"/>
-              <a:t> = &amp;</a:t>
-            </a:r>
-            <a:r>
-              <a:rPr lang="en-US" dirty="0" err="1"/>
-              <a:t>arr</a:t>
-            </a:r>
-            <a:r>
-              <a:rPr lang="en-US" dirty="0"/>
-              <a:t>;</a:t>
-            </a:r>
-          </a:p>
-          <a:p>
-            <a:pPr marL="457200" lvl="1" indent="0">
-              <a:buNone/>
-            </a:pPr>
-            <a:r>
-              <a:rPr lang="en-US" b="1" dirty="0"/>
-              <a:t>for</a:t>
-            </a:r>
-            <a:r>
-              <a:rPr lang="en-US" dirty="0"/>
-              <a:t>(i=0; i&lt; ARRAY_SIZE ; ++i)</a:t>
-            </a:r>
-          </a:p>
-          <a:p>
-            <a:pPr marL="457200" lvl="1" indent="0">
-              <a:buNone/>
-            </a:pPr>
-            <a:r>
-              <a:rPr lang="en-US" dirty="0"/>
-              <a:t>{</a:t>
-            </a:r>
-          </a:p>
-          <a:p>
-            <a:pPr marL="457200" lvl="1" indent="0">
-              <a:buNone/>
-            </a:pPr>
-            <a:r>
-              <a:rPr lang="en-US" dirty="0" smtClean="0"/>
-              <a:t>	</a:t>
-            </a:r>
-            <a:r>
-              <a:rPr lang="en-US" dirty="0" err="1" smtClean="0"/>
-              <a:t>printf</a:t>
-            </a:r>
-            <a:r>
-              <a:rPr lang="en-US" dirty="0"/>
-              <a:t>(" </a:t>
-            </a:r>
-            <a:r>
-              <a:rPr lang="en-US" dirty="0" err="1"/>
-              <a:t>arr</a:t>
-            </a:r>
-            <a:r>
-              <a:rPr lang="en-US" dirty="0"/>
-              <a:t>[%d] = %d\</a:t>
-            </a:r>
-            <a:r>
-              <a:rPr lang="en-US" dirty="0" err="1"/>
-              <a:t>n",i</a:t>
-            </a:r>
-            <a:r>
-              <a:rPr lang="en-US" dirty="0"/>
-              <a:t>,(*</a:t>
-            </a:r>
-            <a:r>
-              <a:rPr lang="en-US" dirty="0" err="1"/>
-              <a:t>ptr</a:t>
-            </a:r>
-            <a:r>
-              <a:rPr lang="en-US" dirty="0"/>
-              <a:t>)[i]);</a:t>
-            </a:r>
-          </a:p>
-          <a:p>
-            <a:pPr marL="457200" lvl="1" indent="0">
+              <a:t> return 0;</a:t>
+            </a:r>
+          </a:p>
+          <a:p>
+            <a:pPr marL="137160" indent="0">
               <a:buNone/>
             </a:pPr>
             <a:r>
@@ -5555,26 +5537,10 @@
             </a:r>
           </a:p>
           <a:p>
-            <a:pPr marL="457200" lvl="1" indent="0">
-              <a:buNone/>
-            </a:pPr>
-            <a:r>
-              <a:rPr lang="en-US" b="1" dirty="0"/>
-              <a:t>return</a:t>
-            </a:r>
-            <a:r>
-              <a:rPr lang="en-US" dirty="0"/>
-              <a:t> 0;</a:t>
-            </a:r>
-          </a:p>
-          <a:p>
-            <a:pPr marL="137160" indent="0">
-              <a:buNone/>
-            </a:pPr>
-            <a:r>
-              <a:rPr lang="en-US" dirty="0"/>
-              <a:t>}</a:t>
-            </a:r>
+            <a:pPr marL="137160" indent="0">
+              <a:buNone/>
+            </a:pPr>
+            <a:endParaRPr lang="en-US" dirty="0"/>
           </a:p>
           <a:p>
             <a:endParaRPr lang="en-US" dirty="0"/>
@@ -5584,7 +5550,7 @@
     </p:spTree>
     <p:extLst>
       <p:ext uri="{BB962C8B-B14F-4D97-AF65-F5344CB8AC3E}">
-        <p14:creationId xmlns:p14="http://schemas.microsoft.com/office/powerpoint/2010/main" val="3593049886"/>
+        <p14:creationId xmlns:p14="http://schemas.microsoft.com/office/powerpoint/2010/main" val="1704723650"/>
       </p:ext>
     </p:extLst>
   </p:cSld>
@@ -5627,12 +5593,337 @@
           <a:lstStyle/>
           <a:p>
             <a:r>
+              <a:rPr lang="en-US" dirty="0" err="1" smtClean="0"/>
+              <a:t>Ptr</a:t>
+            </a:r>
+            <a:r>
               <a:rPr lang="en-US" dirty="0" smtClean="0"/>
-              <a:t>Array </a:t>
+              <a:t> to array</a:t>
+            </a:r>
+            <a:endParaRPr lang="en-US" dirty="0"/>
+          </a:p>
+        </p:txBody>
+      </p:sp>
+      <p:sp>
+        <p:nvSpPr>
+          <p:cNvPr id="3" name="Content Placeholder 2"/>
+          <p:cNvSpPr>
+            <a:spLocks noGrp="1"/>
+          </p:cNvSpPr>
+          <p:nvPr>
+            <p:ph idx="1"/>
+          </p:nvPr>
+        </p:nvSpPr>
+        <p:spPr/>
+        <p:txBody>
+          <a:bodyPr>
+            <a:normAutofit fontScale="70000" lnSpcReduction="20000"/>
+          </a:bodyPr>
+          <a:lstStyle/>
+          <a:p>
+            <a:pPr marL="137160" indent="0">
+              <a:buNone/>
+            </a:pPr>
+            <a:r>
+              <a:rPr lang="en-US" dirty="0"/>
+              <a:t>#include&lt;</a:t>
+            </a:r>
+            <a:r>
+              <a:rPr lang="en-US" dirty="0" err="1"/>
+              <a:t>stdio.h</a:t>
+            </a:r>
+            <a:r>
+              <a:rPr lang="en-US" dirty="0"/>
+              <a:t>&gt;</a:t>
+            </a:r>
+          </a:p>
+          <a:p>
+            <a:pPr marL="137160" indent="0">
+              <a:buNone/>
+            </a:pPr>
+            <a:r>
+              <a:rPr lang="en-US" dirty="0"/>
+              <a:t>#define ARRAY_SIZE </a:t>
             </a:r>
             <a:r>
               <a:rPr lang="en-US" dirty="0" smtClean="0"/>
-              <a:t>pointer</a:t>
+              <a:t>5</a:t>
+            </a:r>
+          </a:p>
+          <a:p>
+            <a:pPr marL="137160" indent="0">
+              <a:buNone/>
+            </a:pPr>
+            <a:endParaRPr lang="en-US" dirty="0"/>
+          </a:p>
+          <a:p>
+            <a:pPr marL="137160" indent="0">
+              <a:buNone/>
+            </a:pPr>
+            <a:r>
+              <a:rPr lang="en-US" dirty="0" err="1"/>
+              <a:t>int</a:t>
+            </a:r>
+            <a:r>
+              <a:rPr lang="en-US" dirty="0"/>
+              <a:t> main()</a:t>
+            </a:r>
+          </a:p>
+          <a:p>
+            <a:pPr marL="137160" indent="0">
+              <a:buNone/>
+            </a:pPr>
+            <a:r>
+              <a:rPr lang="en-US" dirty="0"/>
+              <a:t>{</a:t>
+            </a:r>
+          </a:p>
+          <a:p>
+            <a:pPr marL="457200" lvl="1" indent="0">
+              <a:buNone/>
+            </a:pPr>
+            <a:r>
+              <a:rPr lang="en-US" dirty="0" err="1"/>
+              <a:t>int</a:t>
+            </a:r>
+            <a:r>
+              <a:rPr lang="en-US" dirty="0"/>
+              <a:t> </a:t>
+            </a:r>
+            <a:r>
+              <a:rPr lang="en-US" dirty="0" err="1"/>
+              <a:t>arr</a:t>
+            </a:r>
+            <a:r>
+              <a:rPr lang="en-US" dirty="0"/>
+              <a:t>[ARRAY_SIZE] = {1,2,3,4,5};</a:t>
+            </a:r>
+          </a:p>
+          <a:p>
+            <a:pPr marL="457200" lvl="1" indent="0">
+              <a:buNone/>
+            </a:pPr>
+            <a:r>
+              <a:rPr lang="en-US" dirty="0" err="1"/>
+              <a:t>int</a:t>
+            </a:r>
+            <a:r>
+              <a:rPr lang="en-US" dirty="0"/>
+              <a:t> i = 0</a:t>
+            </a:r>
+            <a:r>
+              <a:rPr lang="en-US" dirty="0" smtClean="0"/>
+              <a:t>;</a:t>
+            </a:r>
+            <a:endParaRPr lang="en-US" dirty="0"/>
+          </a:p>
+          <a:p>
+            <a:pPr marL="457200" lvl="1" indent="0">
+              <a:buNone/>
+            </a:pPr>
+            <a:r>
+              <a:rPr lang="en-US" dirty="0"/>
+              <a:t>// Pointer to an array of integers</a:t>
+            </a:r>
+          </a:p>
+          <a:p>
+            <a:pPr marL="457200" lvl="1" indent="0">
+              <a:buNone/>
+            </a:pPr>
+            <a:r>
+              <a:rPr lang="en-US" dirty="0" err="1"/>
+              <a:t>int</a:t>
+            </a:r>
+            <a:r>
+              <a:rPr lang="en-US" dirty="0"/>
+              <a:t> (*</a:t>
+            </a:r>
+            <a:r>
+              <a:rPr lang="en-US" dirty="0" err="1"/>
+              <a:t>ptr</a:t>
+            </a:r>
+            <a:r>
+              <a:rPr lang="en-US" dirty="0"/>
+              <a:t>)[ARRAY_SIZE];</a:t>
+            </a:r>
+          </a:p>
+          <a:p>
+            <a:pPr marL="457200" lvl="1" indent="0">
+              <a:buNone/>
+            </a:pPr>
+            <a:r>
+              <a:rPr lang="en-US" dirty="0"/>
+              <a:t>// Points to the whole array arr.</a:t>
+            </a:r>
+          </a:p>
+          <a:p>
+            <a:pPr marL="457200" lvl="1" indent="0">
+              <a:buNone/>
+            </a:pPr>
+            <a:r>
+              <a:rPr lang="en-US" dirty="0" err="1"/>
+              <a:t>ptr</a:t>
+            </a:r>
+            <a:r>
+              <a:rPr lang="en-US" dirty="0"/>
+              <a:t> = &amp;</a:t>
+            </a:r>
+            <a:r>
+              <a:rPr lang="en-US" dirty="0" err="1"/>
+              <a:t>arr</a:t>
+            </a:r>
+            <a:r>
+              <a:rPr lang="en-US" dirty="0"/>
+              <a:t>;</a:t>
+            </a:r>
+          </a:p>
+          <a:p>
+            <a:pPr marL="457200" lvl="1" indent="0">
+              <a:buNone/>
+            </a:pPr>
+            <a:r>
+              <a:rPr lang="en-US" b="1" dirty="0"/>
+              <a:t>for</a:t>
+            </a:r>
+            <a:r>
+              <a:rPr lang="en-US" dirty="0"/>
+              <a:t>(i=0; i&lt; ARRAY_SIZE ; ++i)</a:t>
+            </a:r>
+          </a:p>
+          <a:p>
+            <a:pPr marL="457200" lvl="1" indent="0">
+              <a:buNone/>
+            </a:pPr>
+            <a:r>
+              <a:rPr lang="en-US" dirty="0"/>
+              <a:t>{</a:t>
+            </a:r>
+          </a:p>
+          <a:p>
+            <a:pPr marL="457200" lvl="1" indent="0">
+              <a:buNone/>
+            </a:pPr>
+            <a:r>
+              <a:rPr lang="en-US" dirty="0" smtClean="0"/>
+              <a:t>	</a:t>
+            </a:r>
+            <a:r>
+              <a:rPr lang="en-US" dirty="0" err="1" smtClean="0"/>
+              <a:t>printf</a:t>
+            </a:r>
+            <a:r>
+              <a:rPr lang="en-US" dirty="0"/>
+              <a:t>(" </a:t>
+            </a:r>
+            <a:r>
+              <a:rPr lang="en-US" dirty="0" err="1"/>
+              <a:t>arr</a:t>
+            </a:r>
+            <a:r>
+              <a:rPr lang="en-US" dirty="0"/>
+              <a:t>[%d] = %d\</a:t>
+            </a:r>
+            <a:r>
+              <a:rPr lang="en-US" dirty="0" err="1"/>
+              <a:t>n",i</a:t>
+            </a:r>
+            <a:r>
+              <a:rPr lang="en-US" dirty="0"/>
+              <a:t>,(*</a:t>
+            </a:r>
+            <a:r>
+              <a:rPr lang="en-US" dirty="0" err="1"/>
+              <a:t>ptr</a:t>
+            </a:r>
+            <a:r>
+              <a:rPr lang="en-US" dirty="0"/>
+              <a:t>)[i]);</a:t>
+            </a:r>
+          </a:p>
+          <a:p>
+            <a:pPr marL="457200" lvl="1" indent="0">
+              <a:buNone/>
+            </a:pPr>
+            <a:r>
+              <a:rPr lang="en-US" dirty="0"/>
+              <a:t>}</a:t>
+            </a:r>
+          </a:p>
+          <a:p>
+            <a:pPr marL="457200" lvl="1" indent="0">
+              <a:buNone/>
+            </a:pPr>
+            <a:r>
+              <a:rPr lang="en-US" b="1" dirty="0"/>
+              <a:t>return</a:t>
+            </a:r>
+            <a:r>
+              <a:rPr lang="en-US" dirty="0"/>
+              <a:t> 0;</a:t>
+            </a:r>
+          </a:p>
+          <a:p>
+            <a:pPr marL="137160" indent="0">
+              <a:buNone/>
+            </a:pPr>
+            <a:r>
+              <a:rPr lang="en-US" dirty="0"/>
+              <a:t>}</a:t>
+            </a:r>
+          </a:p>
+          <a:p>
+            <a:endParaRPr lang="en-US" dirty="0"/>
+          </a:p>
+        </p:txBody>
+      </p:sp>
+    </p:spTree>
+    <p:extLst>
+      <p:ext uri="{BB962C8B-B14F-4D97-AF65-F5344CB8AC3E}">
+        <p14:creationId xmlns:p14="http://schemas.microsoft.com/office/powerpoint/2010/main" val="3593049886"/>
+      </p:ext>
+    </p:extLst>
+  </p:cSld>
+  <p:clrMapOvr>
+    <a:masterClrMapping/>
+  </p:clrMapOvr>
+</p:sld>
+</file>
+
+<file path=ppt/slides/slide18.xml><?xml version="1.0" encoding="utf-8"?>
+<p:sld xmlns:a="http://schemas.openxmlformats.org/drawingml/2006/main" xmlns:r="http://schemas.openxmlformats.org/officeDocument/2006/relationships" xmlns:p="http://schemas.openxmlformats.org/presentationml/2006/main">
+  <p:cSld>
+    <p:spTree>
+      <p:nvGrpSpPr>
+        <p:cNvPr id="1" name=""/>
+        <p:cNvGrpSpPr/>
+        <p:nvPr/>
+      </p:nvGrpSpPr>
+      <p:grpSpPr>
+        <a:xfrm>
+          <a:off x="0" y="0"/>
+          <a:ext cx="0" cy="0"/>
+          <a:chOff x="0" y="0"/>
+          <a:chExt cx="0" cy="0"/>
+        </a:xfrm>
+      </p:grpSpPr>
+      <p:sp>
+        <p:nvSpPr>
+          <p:cNvPr id="2" name="Title 1"/>
+          <p:cNvSpPr>
+            <a:spLocks noGrp="1"/>
+          </p:cNvSpPr>
+          <p:nvPr>
+            <p:ph type="title"/>
+          </p:nvPr>
+        </p:nvSpPr>
+        <p:spPr/>
+        <p:txBody>
+          <a:bodyPr/>
+          <a:lstStyle/>
+          <a:p>
+            <a:r>
+              <a:rPr lang="en-US" dirty="0" smtClean="0"/>
+              <a:t>Array pointer</a:t>
             </a:r>
             <a:endParaRPr lang="en-US" dirty="0"/>
           </a:p>
@@ -5904,7 +6195,7 @@
 </p:sld>
 </file>
 
-<file path=ppt/slides/slide18.xml><?xml version="1.0" encoding="utf-8"?>
+<file path=ppt/slides/slide19.xml><?xml version="1.0" encoding="utf-8"?>
 <p:sld xmlns:a="http://schemas.openxmlformats.org/drawingml/2006/main" xmlns:r="http://schemas.openxmlformats.org/officeDocument/2006/relationships" xmlns:p="http://schemas.openxmlformats.org/presentationml/2006/main">
   <p:cSld>
     <p:spTree>
@@ -5986,7 +6277,184 @@
 </p:sld>
 </file>
 
-<file path=ppt/slides/slide19.xml><?xml version="1.0" encoding="utf-8"?>
+<file path=ppt/slides/slide2.xml><?xml version="1.0" encoding="utf-8"?>
+<p:sld xmlns:a="http://schemas.openxmlformats.org/drawingml/2006/main" xmlns:r="http://schemas.openxmlformats.org/officeDocument/2006/relationships" xmlns:p="http://schemas.openxmlformats.org/presentationml/2006/main">
+  <p:cSld>
+    <p:spTree>
+      <p:nvGrpSpPr>
+        <p:cNvPr id="1" name=""/>
+        <p:cNvGrpSpPr/>
+        <p:nvPr/>
+      </p:nvGrpSpPr>
+      <p:grpSpPr>
+        <a:xfrm>
+          <a:off x="0" y="0"/>
+          <a:ext cx="0" cy="0"/>
+          <a:chOff x="0" y="0"/>
+          <a:chExt cx="0" cy="0"/>
+        </a:xfrm>
+      </p:grpSpPr>
+      <p:sp>
+        <p:nvSpPr>
+          <p:cNvPr id="2" name="Title 1"/>
+          <p:cNvSpPr>
+            <a:spLocks noGrp="1"/>
+          </p:cNvSpPr>
+          <p:nvPr>
+            <p:ph type="title"/>
+          </p:nvPr>
+        </p:nvSpPr>
+        <p:spPr/>
+        <p:txBody>
+          <a:bodyPr/>
+          <a:lstStyle/>
+          <a:p>
+            <a:r>
+              <a:rPr lang="en-US" dirty="0" smtClean="0"/>
+              <a:t>pointer</a:t>
+            </a:r>
+            <a:endParaRPr lang="en-US" dirty="0"/>
+          </a:p>
+        </p:txBody>
+      </p:sp>
+      <p:sp>
+        <p:nvSpPr>
+          <p:cNvPr id="3" name="Content Placeholder 2"/>
+          <p:cNvSpPr>
+            <a:spLocks noGrp="1"/>
+          </p:cNvSpPr>
+          <p:nvPr>
+            <p:ph idx="1"/>
+          </p:nvPr>
+        </p:nvSpPr>
+        <p:spPr/>
+        <p:txBody>
+          <a:bodyPr/>
+          <a:lstStyle/>
+          <a:p>
+            <a:pPr marL="137160" indent="0">
+              <a:buNone/>
+            </a:pPr>
+            <a:r>
+              <a:rPr lang="en-US" dirty="0" smtClean="0"/>
+              <a:t>Pointer is variable  used to store address of variable</a:t>
+            </a:r>
+          </a:p>
+          <a:p>
+            <a:pPr marL="137160" indent="0">
+              <a:buNone/>
+            </a:pPr>
+            <a:r>
+              <a:rPr lang="en-US" dirty="0" err="1" smtClean="0"/>
+              <a:t>e.g</a:t>
+            </a:r>
+            <a:r>
+              <a:rPr lang="en-US" dirty="0" smtClean="0"/>
+              <a:t>  	</a:t>
+            </a:r>
+            <a:r>
+              <a:rPr lang="en-US" dirty="0" err="1" smtClean="0"/>
+              <a:t>int</a:t>
+            </a:r>
+            <a:r>
+              <a:rPr lang="en-US" dirty="0" smtClean="0"/>
+              <a:t> a=5;</a:t>
+            </a:r>
+          </a:p>
+          <a:p>
+            <a:pPr marL="137160" indent="0">
+              <a:buNone/>
+            </a:pPr>
+            <a:r>
+              <a:rPr lang="en-US" dirty="0"/>
+              <a:t>	</a:t>
+            </a:r>
+            <a:r>
+              <a:rPr lang="en-US" dirty="0" err="1" smtClean="0"/>
+              <a:t>int</a:t>
+            </a:r>
+            <a:r>
+              <a:rPr lang="en-US" dirty="0" smtClean="0"/>
+              <a:t> *b=(</a:t>
+            </a:r>
+            <a:r>
+              <a:rPr lang="en-US" dirty="0" err="1" smtClean="0"/>
+              <a:t>int</a:t>
+            </a:r>
+            <a:r>
+              <a:rPr lang="en-US" dirty="0" smtClean="0"/>
+              <a:t>*)&amp;a; //</a:t>
+            </a:r>
+            <a:r>
+              <a:rPr lang="en-US" dirty="0" err="1" smtClean="0"/>
+              <a:t>ptr</a:t>
+            </a:r>
+            <a:r>
+              <a:rPr lang="en-US" dirty="0" smtClean="0"/>
+              <a:t> typecast</a:t>
+            </a:r>
+          </a:p>
+          <a:p>
+            <a:pPr marL="137160" indent="0">
+              <a:buNone/>
+            </a:pPr>
+            <a:endParaRPr lang="en-US" dirty="0"/>
+          </a:p>
+          <a:p>
+            <a:pPr marL="137160" indent="0">
+              <a:buNone/>
+            </a:pPr>
+            <a:r>
+              <a:rPr lang="en-US" dirty="0" smtClean="0"/>
+              <a:t>Double pointer:</a:t>
+            </a:r>
+          </a:p>
+          <a:p>
+            <a:pPr marL="137160" indent="0">
+              <a:buNone/>
+            </a:pPr>
+            <a:r>
+              <a:rPr lang="en-US" dirty="0" smtClean="0"/>
+              <a:t>Store address of another pointer</a:t>
+            </a:r>
+          </a:p>
+          <a:p>
+            <a:pPr marL="137160" indent="0">
+              <a:buNone/>
+            </a:pPr>
+            <a:r>
+              <a:rPr lang="en-US" dirty="0" err="1" smtClean="0"/>
+              <a:t>Int</a:t>
+            </a:r>
+            <a:r>
+              <a:rPr lang="en-US" dirty="0" smtClean="0"/>
+              <a:t> **c =&amp;b;</a:t>
+            </a:r>
+            <a:endParaRPr lang="en-US" dirty="0"/>
+          </a:p>
+        </p:txBody>
+      </p:sp>
+    </p:spTree>
+    <p:extLst>
+      <p:ext uri="{BB962C8B-B14F-4D97-AF65-F5344CB8AC3E}">
+        <p14:creationId xmlns:p14="http://schemas.microsoft.com/office/powerpoint/2010/main" val="1725697102"/>
+      </p:ext>
+    </p:extLst>
+  </p:cSld>
+  <p:clrMapOvr>
+    <a:masterClrMapping/>
+  </p:clrMapOvr>
+  <p:timing>
+    <p:tnLst>
+      <p:par>
+        <p:cTn id="1" dur="indefinite" restart="never" nodeType="tmRoot"/>
+      </p:par>
+    </p:tnLst>
+  </p:timing>
+</p:sld>
+</file>
+
+<file path=ppt/slides/slide20.xml><?xml version="1.0" encoding="utf-8"?>
 <p:sld xmlns:a="http://schemas.openxmlformats.org/drawingml/2006/main" xmlns:r="http://schemas.openxmlformats.org/officeDocument/2006/relationships" xmlns:p="http://schemas.openxmlformats.org/presentationml/2006/main">
   <p:cSld>
     <p:spTree>
@@ -6088,184 +6556,7 @@
 </p:sld>
 </file>
 
-<file path=ppt/slides/slide2.xml><?xml version="1.0" encoding="utf-8"?>
-<p:sld xmlns:a="http://schemas.openxmlformats.org/drawingml/2006/main" xmlns:r="http://schemas.openxmlformats.org/officeDocument/2006/relationships" xmlns:p="http://schemas.openxmlformats.org/presentationml/2006/main">
-  <p:cSld>
-    <p:spTree>
-      <p:nvGrpSpPr>
-        <p:cNvPr id="1" name=""/>
-        <p:cNvGrpSpPr/>
-        <p:nvPr/>
-      </p:nvGrpSpPr>
-      <p:grpSpPr>
-        <a:xfrm>
-          <a:off x="0" y="0"/>
-          <a:ext cx="0" cy="0"/>
-          <a:chOff x="0" y="0"/>
-          <a:chExt cx="0" cy="0"/>
-        </a:xfrm>
-      </p:grpSpPr>
-      <p:sp>
-        <p:nvSpPr>
-          <p:cNvPr id="2" name="Title 1"/>
-          <p:cNvSpPr>
-            <a:spLocks noGrp="1"/>
-          </p:cNvSpPr>
-          <p:nvPr>
-            <p:ph type="title"/>
-          </p:nvPr>
-        </p:nvSpPr>
-        <p:spPr/>
-        <p:txBody>
-          <a:bodyPr/>
-          <a:lstStyle/>
-          <a:p>
-            <a:r>
-              <a:rPr lang="en-US" dirty="0" smtClean="0"/>
-              <a:t>pointer</a:t>
-            </a:r>
-            <a:endParaRPr lang="en-US" dirty="0"/>
-          </a:p>
-        </p:txBody>
-      </p:sp>
-      <p:sp>
-        <p:nvSpPr>
-          <p:cNvPr id="3" name="Content Placeholder 2"/>
-          <p:cNvSpPr>
-            <a:spLocks noGrp="1"/>
-          </p:cNvSpPr>
-          <p:nvPr>
-            <p:ph idx="1"/>
-          </p:nvPr>
-        </p:nvSpPr>
-        <p:spPr/>
-        <p:txBody>
-          <a:bodyPr/>
-          <a:lstStyle/>
-          <a:p>
-            <a:pPr marL="137160" indent="0">
-              <a:buNone/>
-            </a:pPr>
-            <a:r>
-              <a:rPr lang="en-US" dirty="0" smtClean="0"/>
-              <a:t>Pointer is variable  used to store address of variable</a:t>
-            </a:r>
-          </a:p>
-          <a:p>
-            <a:pPr marL="137160" indent="0">
-              <a:buNone/>
-            </a:pPr>
-            <a:r>
-              <a:rPr lang="en-US" dirty="0" err="1" smtClean="0"/>
-              <a:t>e.g</a:t>
-            </a:r>
-            <a:r>
-              <a:rPr lang="en-US" dirty="0" smtClean="0"/>
-              <a:t>  	</a:t>
-            </a:r>
-            <a:r>
-              <a:rPr lang="en-US" dirty="0" err="1" smtClean="0"/>
-              <a:t>int</a:t>
-            </a:r>
-            <a:r>
-              <a:rPr lang="en-US" dirty="0" smtClean="0"/>
-              <a:t> a=5;</a:t>
-            </a:r>
-          </a:p>
-          <a:p>
-            <a:pPr marL="137160" indent="0">
-              <a:buNone/>
-            </a:pPr>
-            <a:r>
-              <a:rPr lang="en-US" dirty="0"/>
-              <a:t>	</a:t>
-            </a:r>
-            <a:r>
-              <a:rPr lang="en-US" dirty="0" err="1" smtClean="0"/>
-              <a:t>int</a:t>
-            </a:r>
-            <a:r>
-              <a:rPr lang="en-US" dirty="0" smtClean="0"/>
-              <a:t> *b=(</a:t>
-            </a:r>
-            <a:r>
-              <a:rPr lang="en-US" dirty="0" err="1" smtClean="0"/>
-              <a:t>int</a:t>
-            </a:r>
-            <a:r>
-              <a:rPr lang="en-US" dirty="0" smtClean="0"/>
-              <a:t>*)&amp;a; //</a:t>
-            </a:r>
-            <a:r>
-              <a:rPr lang="en-US" dirty="0" err="1" smtClean="0"/>
-              <a:t>ptr</a:t>
-            </a:r>
-            <a:r>
-              <a:rPr lang="en-US" dirty="0" smtClean="0"/>
-              <a:t> typecast</a:t>
-            </a:r>
-          </a:p>
-          <a:p>
-            <a:pPr marL="137160" indent="0">
-              <a:buNone/>
-            </a:pPr>
-            <a:endParaRPr lang="en-US" dirty="0"/>
-          </a:p>
-          <a:p>
-            <a:pPr marL="137160" indent="0">
-              <a:buNone/>
-            </a:pPr>
-            <a:r>
-              <a:rPr lang="en-US" dirty="0" smtClean="0"/>
-              <a:t>Double pointer:</a:t>
-            </a:r>
-          </a:p>
-          <a:p>
-            <a:pPr marL="137160" indent="0">
-              <a:buNone/>
-            </a:pPr>
-            <a:r>
-              <a:rPr lang="en-US" dirty="0" smtClean="0"/>
-              <a:t>Store address of another pointer</a:t>
-            </a:r>
-          </a:p>
-          <a:p>
-            <a:pPr marL="137160" indent="0">
-              <a:buNone/>
-            </a:pPr>
-            <a:r>
-              <a:rPr lang="en-US" dirty="0" err="1" smtClean="0"/>
-              <a:t>Int</a:t>
-            </a:r>
-            <a:r>
-              <a:rPr lang="en-US" dirty="0" smtClean="0"/>
-              <a:t> **c =&amp;b;</a:t>
-            </a:r>
-            <a:endParaRPr lang="en-US" dirty="0"/>
-          </a:p>
-        </p:txBody>
-      </p:sp>
-    </p:spTree>
-    <p:extLst>
-      <p:ext uri="{BB962C8B-B14F-4D97-AF65-F5344CB8AC3E}">
-        <p14:creationId xmlns:p14="http://schemas.microsoft.com/office/powerpoint/2010/main" val="1725697102"/>
-      </p:ext>
-    </p:extLst>
-  </p:cSld>
-  <p:clrMapOvr>
-    <a:masterClrMapping/>
-  </p:clrMapOvr>
-  <p:timing>
-    <p:tnLst>
-      <p:par>
-        <p:cTn id="1" dur="indefinite" restart="never" nodeType="tmRoot"/>
-      </p:par>
-    </p:tnLst>
-  </p:timing>
-</p:sld>
-</file>
-
-<file path=ppt/slides/slide20.xml><?xml version="1.0" encoding="utf-8"?>
+<file path=ppt/slides/slide21.xml><?xml version="1.0" encoding="utf-8"?>
 <p:sld xmlns:a="http://schemas.openxmlformats.org/drawingml/2006/main" xmlns:r="http://schemas.openxmlformats.org/officeDocument/2006/relationships" xmlns:p="http://schemas.openxmlformats.org/presentationml/2006/main">
   <p:cSld>
     <p:spTree>
@@ -6396,7 +6687,7 @@
 </p:sld>
 </file>
 
-<file path=ppt/slides/slide21.xml><?xml version="1.0" encoding="utf-8"?>
+<file path=ppt/slides/slide22.xml><?xml version="1.0" encoding="utf-8"?>
 <p:sld xmlns:a="http://schemas.openxmlformats.org/drawingml/2006/main" xmlns:r="http://schemas.openxmlformats.org/officeDocument/2006/relationships" xmlns:p="http://schemas.openxmlformats.org/presentationml/2006/main">
   <p:cSld>
     <p:spTree>
@@ -6709,7 +7000,6 @@
               <a:rPr lang="en-US" sz="2400" dirty="0" smtClean="0"/>
               <a:t> of b </a:t>
             </a:r>
-            <a:endParaRPr lang="en-US" sz="2400" dirty="0" smtClean="0"/>
           </a:p>
           <a:p>
             <a:pPr marL="137160" indent="0">
@@ -6725,11 +7015,7 @@
             </a:r>
             <a:r>
               <a:rPr lang="en-US" sz="2400" dirty="0"/>
-              <a:t>("%d\n",*c);   </a:t>
-            </a:r>
-            <a:r>
-              <a:rPr lang="en-US" sz="2400" dirty="0"/>
-              <a:t>// </a:t>
+              <a:t>("%d\n",*c);   // </a:t>
             </a:r>
             <a:r>
               <a:rPr lang="en-US" sz="2400" dirty="0" smtClean="0"/>
@@ -6751,7 +7037,6 @@
               <a:rPr lang="en-US" sz="2400" dirty="0" smtClean="0"/>
               <a:t> </a:t>
             </a:r>
-            <a:endParaRPr lang="en-US" sz="2400" dirty="0" smtClean="0"/>
           </a:p>
           <a:p>
             <a:pPr marL="137160" indent="0">
@@ -6773,7 +7058,6 @@
               <a:rPr lang="en-US" sz="2400" dirty="0" smtClean="0"/>
               <a:t>//a value </a:t>
             </a:r>
-            <a:endParaRPr lang="en-US" sz="2400" dirty="0" smtClean="0"/>
           </a:p>
           <a:p>
             <a:pPr marL="137160" indent="0">
@@ -6881,26 +7165,70 @@
           <a:p>
             <a:r>
               <a:rPr lang="en-US" dirty="0" smtClean="0"/>
-              <a:t>Null</a:t>
-            </a:r>
-          </a:p>
-          <a:p>
+              <a:t>Null -&gt; </a:t>
+            </a:r>
+            <a:r>
+              <a:rPr lang="en-US" dirty="0" err="1" smtClean="0"/>
+              <a:t>int</a:t>
+            </a:r>
             <a:r>
               <a:rPr lang="en-US" dirty="0" smtClean="0"/>
-              <a:t>Dangling</a:t>
-            </a:r>
+              <a:t> *p=0;</a:t>
+            </a:r>
+            <a:endParaRPr lang="en-US" dirty="0" smtClean="0"/>
           </a:p>
           <a:p>
             <a:r>
               <a:rPr lang="en-US" dirty="0" smtClean="0"/>
-              <a:t>wild</a:t>
-            </a:r>
-          </a:p>
-          <a:p>
+              <a:t>Dangling    </a:t>
+            </a:r>
+            <a:endParaRPr lang="en-US" dirty="0" smtClean="0"/>
+          </a:p>
+          <a:p>
+            <a:r>
+              <a:rPr lang="en-US" dirty="0"/>
+              <a:t>Wild </a:t>
+            </a:r>
             <a:r>
               <a:rPr lang="en-US" dirty="0" smtClean="0"/>
-              <a:t>Void</a:t>
-            </a:r>
+              <a:t>-&gt; </a:t>
+            </a:r>
+            <a:r>
+              <a:rPr lang="en-US" dirty="0" err="1"/>
+              <a:t>int</a:t>
+            </a:r>
+            <a:r>
+              <a:rPr lang="en-US" dirty="0"/>
+              <a:t> *</a:t>
+            </a:r>
+            <a:r>
+              <a:rPr lang="en-US" dirty="0" smtClean="0"/>
+              <a:t>p;</a:t>
+            </a:r>
+            <a:endParaRPr lang="en-US" dirty="0" smtClean="0"/>
+          </a:p>
+          <a:p>
+            <a:r>
+              <a:rPr lang="en-US" dirty="0" smtClean="0"/>
+              <a:t>Void/generic </a:t>
+            </a:r>
+            <a:r>
+              <a:rPr lang="en-US" dirty="0" err="1" smtClean="0"/>
+              <a:t>ptr</a:t>
+            </a:r>
+            <a:r>
+              <a:rPr lang="en-US" dirty="0" smtClean="0"/>
+              <a:t>  -&gt;void *</a:t>
+            </a:r>
+            <a:r>
+              <a:rPr lang="en-US" dirty="0" err="1" smtClean="0"/>
+              <a:t>ptr</a:t>
+            </a:r>
+            <a:r>
+              <a:rPr lang="en-US" dirty="0" smtClean="0"/>
+              <a:t> =(void*)&amp;p</a:t>
+            </a:r>
+            <a:endParaRPr lang="en-US" dirty="0" smtClean="0"/>
           </a:p>
           <a:p>
             <a:endParaRPr lang="en-US" dirty="0"/>
@@ -6954,19 +7282,18 @@
             <p:ph type="title"/>
           </p:nvPr>
         </p:nvSpPr>
-        <p:spPr>
-          <a:xfrm>
-            <a:off x="457200" y="76200"/>
-            <a:ext cx="8229600" cy="762000"/>
-          </a:xfrm>
-        </p:spPr>
+        <p:spPr/>
         <p:txBody>
           <a:bodyPr/>
           <a:lstStyle/>
           <a:p>
             <a:r>
+              <a:rPr lang="en-US" dirty="0" smtClean="0"/>
+              <a:t>Dangling </a:t>
+            </a:r>
+            <a:r>
               <a:rPr lang="en-US" dirty="0" err="1" smtClean="0"/>
-              <a:t>qus</a:t>
+              <a:t>ptr</a:t>
             </a:r>
             <a:endParaRPr lang="en-US" dirty="0"/>
           </a:p>
@@ -6982,225 +7309,404 @@
             <p:ph idx="1"/>
           </p:nvPr>
         </p:nvSpPr>
-        <p:spPr>
-          <a:xfrm>
-            <a:off x="457200" y="838200"/>
-            <a:ext cx="8229600" cy="6019800"/>
-          </a:xfrm>
-        </p:spPr>
+        <p:spPr/>
         <p:txBody>
           <a:bodyPr>
-            <a:normAutofit fontScale="55000" lnSpcReduction="20000"/>
+            <a:normAutofit fontScale="62500" lnSpcReduction="20000"/>
           </a:bodyPr>
           <a:lstStyle/>
           <a:p>
-            <a:r>
-              <a:rPr lang="en-US" dirty="0" smtClean="0"/>
-              <a:t>Pointer?</a:t>
-            </a:r>
-          </a:p>
-          <a:p>
-            <a:r>
-              <a:rPr lang="en-US" dirty="0" smtClean="0"/>
-              <a:t>Double pointer?</a:t>
-            </a:r>
-          </a:p>
-          <a:p>
-            <a:r>
-              <a:rPr lang="en-US" dirty="0" smtClean="0"/>
-              <a:t>Call by value </a:t>
-            </a:r>
-            <a:r>
-              <a:rPr lang="en-US" dirty="0" err="1" smtClean="0"/>
-              <a:t>vs</a:t>
-            </a:r>
-            <a:r>
-              <a:rPr lang="en-US" dirty="0" smtClean="0"/>
-              <a:t> call by reference. </a:t>
-            </a:r>
-            <a:r>
-              <a:rPr lang="en-US" dirty="0" err="1" smtClean="0"/>
-              <a:t>e.g</a:t>
-            </a:r>
-            <a:endParaRPr lang="en-US" dirty="0" smtClean="0"/>
-          </a:p>
-          <a:p>
-            <a:r>
-              <a:rPr lang="en-US" dirty="0" smtClean="0"/>
-              <a:t>Pointer types?</a:t>
-            </a:r>
-          </a:p>
-          <a:p>
-            <a:r>
-              <a:rPr lang="en-US" dirty="0" smtClean="0"/>
-              <a:t>Null </a:t>
-            </a:r>
-            <a:r>
-              <a:rPr lang="en-US" dirty="0" err="1" smtClean="0"/>
+            <a:pPr marL="137160" indent="0">
+              <a:buNone/>
+            </a:pPr>
+            <a:endParaRPr lang="en-US" sz="1400" dirty="0"/>
+          </a:p>
+          <a:p>
+            <a:pPr marL="137160" indent="0">
+              <a:buNone/>
+            </a:pPr>
+            <a:r>
+              <a:rPr lang="en-US" sz="1400" dirty="0" err="1"/>
+              <a:t>int</a:t>
+            </a:r>
+            <a:r>
+              <a:rPr lang="en-US" sz="1400" dirty="0"/>
+              <a:t> *fun()</a:t>
+            </a:r>
+          </a:p>
+          <a:p>
+            <a:pPr marL="137160" indent="0">
+              <a:buNone/>
+            </a:pPr>
+            <a:r>
+              <a:rPr lang="en-US" sz="1400" dirty="0"/>
+              <a:t>{</a:t>
+            </a:r>
+          </a:p>
+          <a:p>
+            <a:pPr marL="137160" indent="0">
+              <a:buNone/>
+            </a:pPr>
+            <a:r>
+              <a:rPr lang="en-US" sz="1400" dirty="0"/>
+              <a:t>	</a:t>
+            </a:r>
+            <a:r>
+              <a:rPr lang="en-US" sz="1400" dirty="0" err="1"/>
+              <a:t>int</a:t>
+            </a:r>
+            <a:r>
+              <a:rPr lang="en-US" sz="1400" dirty="0"/>
+              <a:t> a=10;  //to avoid dangling </a:t>
+            </a:r>
+            <a:r>
+              <a:rPr lang="en-US" sz="1400" dirty="0" err="1"/>
               <a:t>ptr</a:t>
             </a:r>
-            <a:endParaRPr lang="en-US" dirty="0" smtClean="0"/>
-          </a:p>
-          <a:p>
-            <a:r>
-              <a:rPr lang="en-US" dirty="0" smtClean="0"/>
-              <a:t>Wild </a:t>
-            </a:r>
-            <a:r>
-              <a:rPr lang="en-US" dirty="0" err="1" smtClean="0"/>
+            <a:r>
+              <a:rPr lang="en-US" sz="1400" dirty="0"/>
+              <a:t> use static </a:t>
+            </a:r>
+            <a:r>
+              <a:rPr lang="en-US" sz="1400" dirty="0" smtClean="0"/>
+              <a:t>variable</a:t>
+            </a:r>
+            <a:r>
+              <a:rPr lang="en-US" sz="1400" dirty="0"/>
+              <a:t>	</a:t>
+            </a:r>
+          </a:p>
+          <a:p>
+            <a:pPr marL="137160" indent="0">
+              <a:buNone/>
+            </a:pPr>
+            <a:r>
+              <a:rPr lang="en-US" sz="1400" dirty="0"/>
+              <a:t>	return &amp;a</a:t>
+            </a:r>
+            <a:r>
+              <a:rPr lang="en-US" sz="1400" dirty="0" smtClean="0"/>
+              <a:t>;</a:t>
+            </a:r>
+            <a:r>
+              <a:rPr lang="en-US" sz="1400" dirty="0"/>
+              <a:t>	</a:t>
+            </a:r>
+          </a:p>
+          <a:p>
+            <a:pPr marL="137160" indent="0">
+              <a:buNone/>
+            </a:pPr>
+            <a:r>
+              <a:rPr lang="en-US" sz="1400" dirty="0" smtClean="0"/>
+              <a:t>}</a:t>
+            </a:r>
+          </a:p>
+          <a:p>
+            <a:pPr marL="137160" indent="0">
+              <a:buNone/>
+            </a:pPr>
+            <a:endParaRPr lang="en-US" sz="1400" dirty="0"/>
+          </a:p>
+          <a:p>
+            <a:pPr marL="137160" indent="0">
+              <a:buNone/>
+            </a:pPr>
+            <a:r>
+              <a:rPr lang="en-US" sz="1400" dirty="0" err="1"/>
+              <a:t>int</a:t>
+            </a:r>
+            <a:r>
+              <a:rPr lang="en-US" sz="1400" dirty="0"/>
+              <a:t> main()</a:t>
+            </a:r>
+          </a:p>
+          <a:p>
+            <a:pPr marL="137160" indent="0">
+              <a:buNone/>
+            </a:pPr>
+            <a:r>
+              <a:rPr lang="en-US" sz="1400" dirty="0"/>
+              <a:t>{</a:t>
+            </a:r>
+          </a:p>
+          <a:p>
+            <a:pPr marL="137160" indent="0">
+              <a:buNone/>
+            </a:pPr>
+            <a:r>
+              <a:rPr lang="en-US" sz="1400" dirty="0"/>
+              <a:t>	</a:t>
+            </a:r>
+          </a:p>
+          <a:p>
+            <a:pPr marL="137160" indent="0">
+              <a:buNone/>
+            </a:pPr>
+            <a:r>
+              <a:rPr lang="en-US" sz="1400" dirty="0"/>
+              <a:t>/*** dangling </a:t>
+            </a:r>
+            <a:r>
+              <a:rPr lang="en-US" sz="1400" dirty="0" err="1"/>
               <a:t>ptr</a:t>
             </a:r>
-            <a:endParaRPr lang="en-US" dirty="0" smtClean="0"/>
-          </a:p>
-          <a:p>
-            <a:r>
-              <a:rPr lang="en-US" dirty="0"/>
-              <a:t>Dangling </a:t>
-            </a:r>
-            <a:r>
-              <a:rPr lang="en-US" dirty="0" err="1" smtClean="0"/>
+            <a:r>
+              <a:rPr lang="en-US" sz="1400" dirty="0"/>
+              <a:t> in dynamic </a:t>
+            </a:r>
+            <a:r>
+              <a:rPr lang="en-US" sz="1400" dirty="0" err="1"/>
+              <a:t>mem</a:t>
+            </a:r>
+            <a:r>
+              <a:rPr lang="en-US" sz="1400" dirty="0"/>
+              <a:t>  ***********/</a:t>
+            </a:r>
+          </a:p>
+          <a:p>
+            <a:pPr marL="137160" indent="0">
+              <a:buNone/>
+            </a:pPr>
+            <a:endParaRPr lang="en-US" sz="1400" dirty="0"/>
+          </a:p>
+          <a:p>
+            <a:pPr marL="137160" indent="0">
+              <a:buNone/>
+            </a:pPr>
+            <a:r>
+              <a:rPr lang="en-US" sz="1400" dirty="0"/>
+              <a:t>//	</a:t>
+            </a:r>
+            <a:r>
+              <a:rPr lang="en-US" sz="1400" dirty="0" err="1"/>
+              <a:t>int</a:t>
+            </a:r>
+            <a:r>
+              <a:rPr lang="en-US" sz="1400" dirty="0"/>
+              <a:t> * ptr2=</a:t>
+            </a:r>
+            <a:r>
+              <a:rPr lang="en-US" sz="1400" dirty="0" err="1"/>
+              <a:t>malloc</a:t>
+            </a:r>
+            <a:r>
+              <a:rPr lang="en-US" sz="1400" dirty="0"/>
+              <a:t>(10);  </a:t>
+            </a:r>
+          </a:p>
+          <a:p>
+            <a:pPr marL="137160" indent="0">
+              <a:buNone/>
+            </a:pPr>
+            <a:r>
+              <a:rPr lang="en-US" sz="1400" dirty="0"/>
+              <a:t>	</a:t>
+            </a:r>
+          </a:p>
+          <a:p>
+            <a:pPr marL="137160" indent="0">
+              <a:buNone/>
+            </a:pPr>
+            <a:r>
+              <a:rPr lang="en-US" sz="1400" dirty="0"/>
+              <a:t>//	free(ptr2);</a:t>
+            </a:r>
+          </a:p>
+          <a:p>
+            <a:pPr marL="137160" indent="0">
+              <a:buNone/>
+            </a:pPr>
+            <a:r>
+              <a:rPr lang="en-US" sz="1400" dirty="0"/>
+              <a:t>	</a:t>
+            </a:r>
+          </a:p>
+          <a:p>
+            <a:pPr marL="137160" indent="0">
+              <a:buNone/>
+            </a:pPr>
+            <a:r>
+              <a:rPr lang="en-US" sz="1400" dirty="0"/>
+              <a:t>//	*ptr2=10;  </a:t>
+            </a:r>
+          </a:p>
+          <a:p>
+            <a:pPr marL="137160" indent="0">
+              <a:buNone/>
+            </a:pPr>
+            <a:r>
+              <a:rPr lang="en-US" sz="1400" dirty="0"/>
+              <a:t>	</a:t>
+            </a:r>
+          </a:p>
+          <a:p>
+            <a:pPr marL="137160" indent="0">
+              <a:buNone/>
+            </a:pPr>
+            <a:r>
+              <a:rPr lang="en-US" sz="1400" dirty="0"/>
+              <a:t>//	</a:t>
+            </a:r>
+            <a:r>
+              <a:rPr lang="en-US" sz="1400" dirty="0" err="1"/>
+              <a:t>printf</a:t>
+            </a:r>
+            <a:r>
+              <a:rPr lang="en-US" sz="1400" dirty="0"/>
+              <a:t>("no dangling </a:t>
+            </a:r>
+            <a:r>
+              <a:rPr lang="en-US" sz="1400" dirty="0" err="1"/>
               <a:t>ptr</a:t>
             </a:r>
-            <a:endParaRPr lang="en-US" dirty="0" smtClean="0"/>
-          </a:p>
-          <a:p>
-            <a:r>
-              <a:rPr lang="en-US" dirty="0"/>
-              <a:t>How to avoid dangling </a:t>
-            </a:r>
-            <a:r>
-              <a:rPr lang="en-US" dirty="0" err="1"/>
+            <a:r>
+              <a:rPr lang="en-US" sz="1400" dirty="0"/>
+              <a:t>");</a:t>
+            </a:r>
+          </a:p>
+          <a:p>
+            <a:pPr marL="137160" indent="0">
+              <a:buNone/>
+            </a:pPr>
+            <a:endParaRPr lang="en-US" sz="1400" dirty="0"/>
+          </a:p>
+          <a:p>
+            <a:pPr marL="137160" indent="0">
+              <a:buNone/>
+            </a:pPr>
+            <a:r>
+              <a:rPr lang="en-US" sz="1400" dirty="0"/>
+              <a:t>/*** ***********  ***********/</a:t>
+            </a:r>
+          </a:p>
+          <a:p>
+            <a:pPr marL="137160" indent="0">
+              <a:buNone/>
+            </a:pPr>
+            <a:endParaRPr lang="en-US" sz="1400" dirty="0"/>
+          </a:p>
+          <a:p>
+            <a:pPr marL="137160" indent="0">
+              <a:buNone/>
+            </a:pPr>
+            <a:r>
+              <a:rPr lang="en-US" sz="1400" dirty="0"/>
+              <a:t>/*** dangling </a:t>
+            </a:r>
+            <a:r>
+              <a:rPr lang="en-US" sz="1400" dirty="0" err="1"/>
               <a:t>ptr</a:t>
             </a:r>
-            <a:endParaRPr lang="en-US" dirty="0"/>
-          </a:p>
-          <a:p>
-            <a:r>
-              <a:rPr lang="en-US" dirty="0"/>
-              <a:t>How to avoid wild </a:t>
-            </a:r>
-            <a:r>
-              <a:rPr lang="en-US" dirty="0" err="1"/>
-              <a:t>ptr</a:t>
-            </a:r>
-            <a:endParaRPr lang="en-US" dirty="0"/>
-          </a:p>
-          <a:p>
-            <a:endParaRPr lang="en-US" dirty="0" smtClean="0"/>
-          </a:p>
-          <a:p>
-            <a:endParaRPr lang="en-US" dirty="0" smtClean="0"/>
-          </a:p>
-          <a:p>
-            <a:r>
-              <a:rPr lang="en-US" dirty="0" smtClean="0"/>
-              <a:t>Void </a:t>
-            </a:r>
-            <a:r>
-              <a:rPr lang="en-US" dirty="0" err="1" smtClean="0"/>
-              <a:t>ptr</a:t>
-            </a:r>
-            <a:r>
-              <a:rPr lang="en-US" dirty="0" smtClean="0"/>
-              <a:t>             </a:t>
-            </a:r>
-          </a:p>
-          <a:p>
-            <a:r>
-              <a:rPr lang="en-US" dirty="0" smtClean="0"/>
-              <a:t>Generic pointer</a:t>
-            </a:r>
-          </a:p>
-          <a:p>
-            <a:r>
-              <a:rPr lang="en-US" dirty="0" smtClean="0"/>
-              <a:t>Size of void </a:t>
-            </a:r>
-            <a:r>
-              <a:rPr lang="en-US" dirty="0" err="1" smtClean="0"/>
-              <a:t>ptr</a:t>
-            </a:r>
-            <a:endParaRPr lang="en-US" dirty="0" smtClean="0"/>
-          </a:p>
-          <a:p>
-            <a:endParaRPr lang="en-US" dirty="0" smtClean="0"/>
-          </a:p>
-          <a:p>
-            <a:r>
-              <a:rPr lang="en-US" dirty="0" smtClean="0"/>
-              <a:t>Near pointer</a:t>
-            </a:r>
-          </a:p>
-          <a:p>
-            <a:r>
-              <a:rPr lang="en-US" dirty="0" smtClean="0"/>
-              <a:t>Far pointer</a:t>
-            </a:r>
-          </a:p>
-          <a:p>
-            <a:r>
-              <a:rPr lang="en-US" dirty="0" smtClean="0"/>
-              <a:t>Huge pointer             </a:t>
-            </a:r>
-          </a:p>
-          <a:p>
-            <a:endParaRPr lang="en-US" dirty="0" smtClean="0"/>
-          </a:p>
-          <a:p>
-            <a:r>
-              <a:rPr lang="en-US" dirty="0" smtClean="0"/>
-              <a:t>Dynamic </a:t>
-            </a:r>
-            <a:r>
-              <a:rPr lang="en-US" dirty="0" smtClean="0"/>
-              <a:t>memory allocation</a:t>
-            </a:r>
-            <a:r>
-              <a:rPr lang="en-US" dirty="0" smtClean="0"/>
-              <a:t>? types ? Explanation</a:t>
-            </a:r>
-          </a:p>
-          <a:p>
-            <a:r>
-              <a:rPr lang="en-US" dirty="0" err="1"/>
-              <a:t>Malloc</a:t>
-            </a:r>
-            <a:r>
-              <a:rPr lang="en-US" dirty="0"/>
-              <a:t> </a:t>
-            </a:r>
-            <a:r>
-              <a:rPr lang="en-US" dirty="0" err="1"/>
-              <a:t>vs</a:t>
-            </a:r>
-            <a:r>
-              <a:rPr lang="en-US" dirty="0"/>
-              <a:t> </a:t>
-            </a:r>
-            <a:r>
-              <a:rPr lang="en-US" dirty="0" err="1"/>
-              <a:t>calloc</a:t>
-            </a:r>
-            <a:endParaRPr lang="en-US" dirty="0"/>
-          </a:p>
-          <a:p>
-            <a:r>
-              <a:rPr lang="en-US" dirty="0"/>
-              <a:t>Why </a:t>
-            </a:r>
-            <a:r>
-              <a:rPr lang="en-US" dirty="0" err="1"/>
-              <a:t>realloc</a:t>
-            </a:r>
-            <a:r>
-              <a:rPr lang="en-US" dirty="0"/>
-              <a:t> used</a:t>
-            </a:r>
-          </a:p>
-          <a:p>
-            <a:r>
-              <a:rPr lang="en-US" dirty="0"/>
-              <a:t>Use of free</a:t>
+            <a:r>
+              <a:rPr lang="en-US" sz="1400" dirty="0"/>
+              <a:t> in static </a:t>
+            </a:r>
+            <a:r>
+              <a:rPr lang="en-US" sz="1400" dirty="0" err="1"/>
+              <a:t>mem</a:t>
+            </a:r>
+            <a:r>
+              <a:rPr lang="en-US" sz="1400" dirty="0"/>
+              <a:t>  ***********/</a:t>
+            </a:r>
+          </a:p>
+          <a:p>
+            <a:pPr marL="137160" indent="0">
+              <a:buNone/>
+            </a:pPr>
+            <a:endParaRPr lang="en-US" sz="1400" dirty="0"/>
+          </a:p>
+          <a:p>
+            <a:pPr marL="137160" indent="0">
+              <a:buNone/>
+            </a:pPr>
+            <a:r>
+              <a:rPr lang="en-US" sz="1400" dirty="0"/>
+              <a:t>//	</a:t>
+            </a:r>
+            <a:r>
+              <a:rPr lang="en-US" sz="1400" dirty="0" err="1"/>
+              <a:t>int</a:t>
+            </a:r>
+            <a:r>
+              <a:rPr lang="en-US" sz="1400" dirty="0"/>
+              <a:t> * p = fun();</a:t>
+            </a:r>
+          </a:p>
+          <a:p>
+            <a:pPr marL="137160" indent="0">
+              <a:buNone/>
+            </a:pPr>
+            <a:r>
+              <a:rPr lang="en-US" sz="1400" dirty="0"/>
+              <a:t>	</a:t>
+            </a:r>
+          </a:p>
+          <a:p>
+            <a:pPr marL="137160" indent="0">
+              <a:buNone/>
+            </a:pPr>
+            <a:r>
+              <a:rPr lang="en-US" sz="1400" dirty="0"/>
+              <a:t>//	</a:t>
+            </a:r>
+            <a:r>
+              <a:rPr lang="en-US" sz="1400" dirty="0" err="1"/>
+              <a:t>printf</a:t>
+            </a:r>
+            <a:r>
+              <a:rPr lang="en-US" sz="1400" dirty="0"/>
+              <a:t>("%d",*p);</a:t>
+            </a:r>
+          </a:p>
+          <a:p>
+            <a:pPr marL="137160" indent="0">
+              <a:buNone/>
+            </a:pPr>
+            <a:r>
+              <a:rPr lang="en-US" sz="1400" dirty="0"/>
+              <a:t>	</a:t>
+            </a:r>
+          </a:p>
+          <a:p>
+            <a:pPr marL="137160" indent="0">
+              <a:buNone/>
+            </a:pPr>
+            <a:r>
+              <a:rPr lang="en-US" sz="1400" dirty="0"/>
+              <a:t>//	return 0;</a:t>
+            </a:r>
+          </a:p>
+          <a:p>
+            <a:pPr marL="137160" indent="0">
+              <a:buNone/>
+            </a:pPr>
+            <a:r>
+              <a:rPr lang="en-US" sz="1400" dirty="0"/>
+              <a:t>	</a:t>
+            </a:r>
+          </a:p>
+          <a:p>
+            <a:pPr marL="137160" indent="0">
+              <a:buNone/>
+            </a:pPr>
+            <a:r>
+              <a:rPr lang="en-US" sz="1400" dirty="0"/>
+              <a:t>/*** ***********  </a:t>
+            </a:r>
+            <a:r>
+              <a:rPr lang="en-US" sz="1400" dirty="0" smtClean="0"/>
+              <a:t>***********/</a:t>
+            </a:r>
+          </a:p>
+          <a:p>
+            <a:pPr marL="137160" indent="0">
+              <a:buNone/>
+            </a:pPr>
+            <a:r>
+              <a:rPr lang="en-US" sz="1400" dirty="0"/>
+              <a:t>}</a:t>
             </a:r>
           </a:p>
           <a:p>
@@ -7211,20 +7717,13 @@
     </p:spTree>
     <p:extLst>
       <p:ext uri="{BB962C8B-B14F-4D97-AF65-F5344CB8AC3E}">
-        <p14:creationId xmlns:p14="http://schemas.microsoft.com/office/powerpoint/2010/main" val="1279241059"/>
+        <p14:creationId xmlns:p14="http://schemas.microsoft.com/office/powerpoint/2010/main" val="2174954609"/>
       </p:ext>
     </p:extLst>
   </p:cSld>
   <p:clrMapOvr>
     <a:masterClrMapping/>
   </p:clrMapOvr>
-  <p:timing>
-    <p:tnLst>
-      <p:par>
-        <p:cTn id="1" dur="indefinite" restart="never" nodeType="tmRoot"/>
-      </p:par>
-    </p:tnLst>
-  </p:timing>
 </p:sld>
 </file>
 
@@ -7255,7 +7754,12 @@
             <p:ph type="title"/>
           </p:nvPr>
         </p:nvSpPr>
-        <p:spPr/>
+        <p:spPr>
+          <a:xfrm>
+            <a:off x="457200" y="76200"/>
+            <a:ext cx="8229600" cy="762000"/>
+          </a:xfrm>
+        </p:spPr>
         <p:txBody>
           <a:bodyPr/>
           <a:lstStyle/>
@@ -7280,397 +7784,216 @@
         </p:nvSpPr>
         <p:spPr>
           <a:xfrm>
-            <a:off x="457200" y="1371600"/>
-            <a:ext cx="8229600" cy="5334000"/>
+            <a:off x="457200" y="838200"/>
+            <a:ext cx="8229600" cy="6019800"/>
           </a:xfrm>
         </p:spPr>
         <p:txBody>
           <a:bodyPr>
-            <a:normAutofit fontScale="47500" lnSpcReduction="20000"/>
+            <a:normAutofit fontScale="55000" lnSpcReduction="20000"/>
           </a:bodyPr>
           <a:lstStyle/>
           <a:p>
-            <a:endParaRPr lang="en-US" sz="2600" dirty="0"/>
-          </a:p>
-          <a:p>
-            <a:r>
-              <a:rPr lang="en-US" sz="2600" dirty="0"/>
-              <a:t>Static </a:t>
-            </a:r>
-            <a:r>
-              <a:rPr lang="en-US" sz="2600" dirty="0" err="1"/>
+            <a:r>
+              <a:rPr lang="en-US" dirty="0" smtClean="0"/>
+              <a:t>Pointer?</a:t>
+            </a:r>
+          </a:p>
+          <a:p>
+            <a:r>
+              <a:rPr lang="en-US" dirty="0" smtClean="0"/>
+              <a:t>Double pointer?</a:t>
+            </a:r>
+          </a:p>
+          <a:p>
+            <a:r>
+              <a:rPr lang="en-US" dirty="0" smtClean="0"/>
+              <a:t>Call by value </a:t>
+            </a:r>
+            <a:r>
+              <a:rPr lang="en-US" dirty="0" err="1" smtClean="0"/>
               <a:t>vs</a:t>
             </a:r>
             <a:r>
-              <a:rPr lang="en-US" sz="2600" dirty="0"/>
-              <a:t> dynamic </a:t>
-            </a:r>
-            <a:r>
-              <a:rPr lang="en-US" sz="2600" dirty="0" err="1"/>
-              <a:t>mem</a:t>
-            </a:r>
-            <a:r>
-              <a:rPr lang="en-US" sz="2600" dirty="0"/>
+              <a:rPr lang="en-US" dirty="0" smtClean="0"/>
+              <a:t> call by reference. </a:t>
+            </a:r>
+            <a:r>
+              <a:rPr lang="en-US" dirty="0" err="1" smtClean="0"/>
+              <a:t>e.g</a:t>
+            </a:r>
+            <a:endParaRPr lang="en-US" dirty="0" smtClean="0"/>
+          </a:p>
+          <a:p>
+            <a:r>
+              <a:rPr lang="en-US" dirty="0" smtClean="0"/>
+              <a:t>Pointer types?</a:t>
+            </a:r>
+          </a:p>
+          <a:p>
+            <a:r>
+              <a:rPr lang="en-US" dirty="0" smtClean="0"/>
+              <a:t>Null </a:t>
+            </a:r>
+            <a:r>
+              <a:rPr lang="en-US" dirty="0" err="1" smtClean="0"/>
+              <a:t>ptr</a:t>
+            </a:r>
+            <a:endParaRPr lang="en-US" dirty="0" smtClean="0"/>
+          </a:p>
+          <a:p>
+            <a:r>
+              <a:rPr lang="en-US" dirty="0" smtClean="0"/>
+              <a:t>Wild </a:t>
+            </a:r>
+            <a:r>
+              <a:rPr lang="en-US" dirty="0" err="1" smtClean="0"/>
+              <a:t>ptr</a:t>
+            </a:r>
+            <a:endParaRPr lang="en-US" dirty="0" smtClean="0"/>
+          </a:p>
+          <a:p>
+            <a:r>
+              <a:rPr lang="en-US" dirty="0"/>
+              <a:t>Dangling </a:t>
+            </a:r>
+            <a:r>
+              <a:rPr lang="en-US" dirty="0" err="1" smtClean="0"/>
+              <a:t>ptr</a:t>
+            </a:r>
+            <a:endParaRPr lang="en-US" dirty="0" smtClean="0"/>
+          </a:p>
+          <a:p>
+            <a:r>
+              <a:rPr lang="en-US" dirty="0"/>
+              <a:t>How to avoid dangling </a:t>
+            </a:r>
+            <a:r>
+              <a:rPr lang="en-US" dirty="0" err="1"/>
+              <a:t>ptr</a:t>
+            </a:r>
+            <a:endParaRPr lang="en-US" dirty="0"/>
+          </a:p>
+          <a:p>
+            <a:r>
+              <a:rPr lang="en-US" dirty="0"/>
+              <a:t>How to avoid wild </a:t>
+            </a:r>
+            <a:r>
+              <a:rPr lang="en-US" dirty="0" err="1"/>
+              <a:t>ptr</a:t>
+            </a:r>
+            <a:endParaRPr lang="en-US" dirty="0"/>
+          </a:p>
+          <a:p>
+            <a:endParaRPr lang="en-US" dirty="0" smtClean="0"/>
+          </a:p>
+          <a:p>
+            <a:endParaRPr lang="en-US" dirty="0" smtClean="0"/>
+          </a:p>
+          <a:p>
+            <a:r>
+              <a:rPr lang="en-US" dirty="0" smtClean="0"/>
+              <a:t>Void </a:t>
+            </a:r>
+            <a:r>
+              <a:rPr lang="en-US" dirty="0" err="1" smtClean="0"/>
+              <a:t>ptr</a:t>
+            </a:r>
+            <a:r>
+              <a:rPr lang="en-US" dirty="0" smtClean="0"/>
+              <a:t>             </a:t>
+            </a:r>
+          </a:p>
+          <a:p>
+            <a:r>
+              <a:rPr lang="en-US" dirty="0" smtClean="0"/>
+              <a:t>Generic pointer</a:t>
+            </a:r>
+          </a:p>
+          <a:p>
+            <a:r>
+              <a:rPr lang="en-US" dirty="0" smtClean="0"/>
+              <a:t>Size of void </a:t>
+            </a:r>
+            <a:r>
+              <a:rPr lang="en-US" dirty="0" err="1" smtClean="0"/>
+              <a:t>ptr</a:t>
+            </a:r>
+            <a:endParaRPr lang="en-US" dirty="0" smtClean="0"/>
+          </a:p>
+          <a:p>
+            <a:endParaRPr lang="en-US" dirty="0" smtClean="0"/>
+          </a:p>
+          <a:p>
+            <a:r>
+              <a:rPr lang="en-US" dirty="0" smtClean="0"/>
+              <a:t>Near pointer</a:t>
+            </a:r>
+          </a:p>
+          <a:p>
+            <a:r>
+              <a:rPr lang="en-US" dirty="0" smtClean="0"/>
+              <a:t>Far pointer</a:t>
+            </a:r>
+          </a:p>
+          <a:p>
+            <a:r>
+              <a:rPr lang="en-US" dirty="0" smtClean="0"/>
+              <a:t>Huge pointer             </a:t>
+            </a:r>
+          </a:p>
+          <a:p>
+            <a:endParaRPr lang="en-US" dirty="0" smtClean="0"/>
+          </a:p>
+          <a:p>
+            <a:r>
+              <a:rPr lang="en-US" dirty="0" smtClean="0"/>
+              <a:t>Dynamic memory allocation? types ? Explanation</a:t>
+            </a:r>
+          </a:p>
+          <a:p>
+            <a:r>
+              <a:rPr lang="en-US" dirty="0" err="1"/>
+              <a:t>Malloc</a:t>
+            </a:r>
+            <a:r>
+              <a:rPr lang="en-US" dirty="0"/>
               <a:t> </a:t>
             </a:r>
             <a:r>
-              <a:rPr lang="en-US" sz="2600" dirty="0" smtClean="0"/>
-              <a:t>allocation </a:t>
-            </a:r>
-            <a:endParaRPr lang="en-US" sz="2600" dirty="0"/>
-          </a:p>
-          <a:p>
-            <a:r>
-              <a:rPr lang="en-US" sz="2600" dirty="0"/>
-              <a:t>Memory </a:t>
-            </a:r>
-            <a:r>
-              <a:rPr lang="en-US" sz="2600" dirty="0" smtClean="0"/>
-              <a:t>leak  </a:t>
-            </a:r>
-          </a:p>
-          <a:p>
-            <a:endParaRPr lang="en-US" sz="2600" dirty="0"/>
-          </a:p>
-          <a:p>
-            <a:r>
-              <a:rPr lang="en-US" sz="2600" dirty="0"/>
-              <a:t>Stack </a:t>
-            </a:r>
-            <a:r>
-              <a:rPr lang="en-US" sz="2600" dirty="0" err="1" smtClean="0"/>
-              <a:t>overflow.e.g</a:t>
-            </a:r>
-            <a:r>
-              <a:rPr lang="en-US" sz="2600" dirty="0" smtClean="0"/>
-              <a:t>  </a:t>
-            </a:r>
-            <a:r>
-              <a:rPr lang="en-US" sz="2600" dirty="0" err="1" smtClean="0"/>
-              <a:t>int</a:t>
-            </a:r>
-            <a:r>
-              <a:rPr lang="en-US" sz="2600" dirty="0" smtClean="0"/>
-              <a:t> a[5];    //20byte a[5]=10;</a:t>
-            </a:r>
-            <a:endParaRPr lang="en-US" sz="2600" dirty="0"/>
-          </a:p>
-          <a:p>
-            <a:r>
-              <a:rPr lang="en-US" sz="2600" dirty="0"/>
-              <a:t>Heap </a:t>
-            </a:r>
-            <a:r>
-              <a:rPr lang="en-US" sz="2600" dirty="0" err="1" smtClean="0"/>
-              <a:t>overflow.e.g</a:t>
-            </a:r>
-            <a:endParaRPr lang="en-US" sz="2600" dirty="0" smtClean="0"/>
-          </a:p>
-          <a:p>
-            <a:endParaRPr lang="en-US" sz="2600" dirty="0"/>
-          </a:p>
-          <a:p>
-            <a:r>
-              <a:rPr lang="en-US" sz="2600" dirty="0" smtClean="0"/>
-              <a:t>Core dump</a:t>
-            </a:r>
-          </a:p>
-          <a:p>
-            <a:r>
-              <a:rPr lang="en-US" sz="2600" dirty="0" smtClean="0"/>
-              <a:t>Segmentation fault</a:t>
-            </a:r>
-          </a:p>
-          <a:p>
-            <a:endParaRPr lang="en-US" sz="2600" dirty="0"/>
-          </a:p>
-          <a:p>
-            <a:r>
-              <a:rPr lang="en-US" sz="2600" dirty="0"/>
-              <a:t>Function </a:t>
-            </a:r>
-            <a:r>
-              <a:rPr lang="en-US" sz="2600" dirty="0" err="1" smtClean="0"/>
-              <a:t>ptr</a:t>
-            </a:r>
-            <a:endParaRPr lang="en-US" sz="2600" dirty="0" smtClean="0"/>
-          </a:p>
-          <a:p>
-            <a:r>
-              <a:rPr lang="en-US" sz="2600" dirty="0" smtClean="0"/>
-              <a:t>How </a:t>
-            </a:r>
-            <a:r>
-              <a:rPr lang="en-US" sz="2600" dirty="0"/>
-              <a:t>to enable dynamic </a:t>
-            </a:r>
-            <a:r>
-              <a:rPr lang="en-US" sz="2600" dirty="0" err="1"/>
-              <a:t>mem</a:t>
-            </a:r>
-            <a:r>
-              <a:rPr lang="en-US" sz="2600" dirty="0"/>
-              <a:t> allocation in </a:t>
-            </a:r>
-            <a:r>
-              <a:rPr lang="en-US" sz="2600" dirty="0" smtClean="0"/>
-              <a:t>c</a:t>
-            </a:r>
-          </a:p>
-          <a:p>
-            <a:r>
-              <a:rPr lang="en-US" sz="2600" dirty="0"/>
-              <a:t>Size of </a:t>
-            </a:r>
-            <a:r>
-              <a:rPr lang="en-US" sz="2600" dirty="0" err="1"/>
-              <a:t>ptr</a:t>
-            </a:r>
-            <a:r>
-              <a:rPr lang="en-US" sz="2600" dirty="0"/>
-              <a:t> in 32bit and </a:t>
-            </a:r>
-            <a:r>
-              <a:rPr lang="en-US" sz="2600" dirty="0" smtClean="0"/>
-              <a:t>64bit</a:t>
-            </a:r>
-          </a:p>
-          <a:p>
-            <a:r>
-              <a:rPr lang="en-US" sz="2600" dirty="0"/>
-              <a:t>Char </a:t>
-            </a:r>
-            <a:r>
-              <a:rPr lang="en-US" sz="2600" dirty="0" err="1"/>
-              <a:t>ptr</a:t>
-            </a:r>
-            <a:r>
-              <a:rPr lang="en-US" sz="2600" dirty="0"/>
+              <a:rPr lang="en-US" dirty="0" err="1"/>
+              <a:t>vs</a:t>
+            </a:r>
+            <a:r>
+              <a:rPr lang="en-US" dirty="0"/>
               <a:t> </a:t>
             </a:r>
             <a:r>
-              <a:rPr lang="en-US" sz="2600" dirty="0" err="1"/>
-              <a:t>vs</a:t>
-            </a:r>
-            <a:r>
-              <a:rPr lang="en-US" sz="2600" dirty="0"/>
-              <a:t> </a:t>
-            </a:r>
-            <a:r>
-              <a:rPr lang="en-US" sz="2600" dirty="0" err="1"/>
-              <a:t>int</a:t>
-            </a:r>
-            <a:r>
-              <a:rPr lang="en-US" sz="2600" dirty="0"/>
-              <a:t> </a:t>
-            </a:r>
-            <a:r>
-              <a:rPr lang="en-US" sz="2600" dirty="0" err="1" smtClean="0"/>
-              <a:t>ptr</a:t>
-            </a:r>
-            <a:endParaRPr lang="en-US" sz="2600" dirty="0" smtClean="0"/>
-          </a:p>
-          <a:p>
-            <a:r>
-              <a:rPr lang="en-US" sz="2600" dirty="0"/>
-              <a:t>How dereference structure </a:t>
-            </a:r>
-            <a:r>
-              <a:rPr lang="en-US" sz="2600" dirty="0" err="1"/>
-              <a:t>ptr</a:t>
-            </a:r>
-            <a:r>
-              <a:rPr lang="en-US" sz="2600" dirty="0"/>
-              <a:t> </a:t>
-            </a:r>
-            <a:r>
-              <a:rPr lang="en-US" sz="2600" dirty="0" smtClean="0"/>
-              <a:t>      .    </a:t>
-            </a:r>
-            <a:r>
-              <a:rPr lang="en-US" sz="2600" dirty="0" err="1" smtClean="0"/>
-              <a:t>ptr</a:t>
-            </a:r>
-            <a:r>
-              <a:rPr lang="en-US" sz="2600" dirty="0" smtClean="0"/>
-              <a:t>-&gt;</a:t>
-            </a:r>
-            <a:r>
-              <a:rPr lang="en-US" sz="2600" dirty="0" err="1" smtClean="0"/>
-              <a:t>mem</a:t>
-            </a:r>
-            <a:r>
-              <a:rPr lang="en-US" sz="2600" dirty="0" smtClean="0"/>
-              <a:t>     </a:t>
-            </a:r>
-            <a:r>
-              <a:rPr lang="en-US" sz="2600" dirty="0" smtClean="0">
-                <a:solidFill>
-                  <a:srgbClr val="FFFF00"/>
-                </a:solidFill>
-              </a:rPr>
-              <a:t>(*</a:t>
-            </a:r>
-            <a:r>
-              <a:rPr lang="en-US" sz="2600" dirty="0" err="1" smtClean="0">
-                <a:solidFill>
-                  <a:srgbClr val="FFFF00"/>
-                </a:solidFill>
-              </a:rPr>
-              <a:t>ptr</a:t>
-            </a:r>
-            <a:r>
-              <a:rPr lang="en-US" sz="2600" dirty="0" smtClean="0">
-                <a:solidFill>
-                  <a:srgbClr val="FFFF00"/>
-                </a:solidFill>
-              </a:rPr>
-              <a:t>).</a:t>
-            </a:r>
-            <a:r>
-              <a:rPr lang="en-US" sz="2600" dirty="0" err="1" smtClean="0">
-                <a:solidFill>
-                  <a:srgbClr val="FFFF00"/>
-                </a:solidFill>
-              </a:rPr>
-              <a:t>mem</a:t>
-            </a:r>
-            <a:r>
-              <a:rPr lang="en-US" sz="2600" dirty="0" smtClean="0"/>
-              <a:t>   .-&gt;</a:t>
-            </a:r>
-            <a:endParaRPr lang="en-US" sz="2600" dirty="0"/>
-          </a:p>
-          <a:p>
-            <a:endParaRPr lang="en-US" sz="2600" dirty="0" smtClean="0"/>
-          </a:p>
-          <a:p>
-            <a:endParaRPr lang="en-US" sz="2600" dirty="0"/>
-          </a:p>
-          <a:p>
-            <a:r>
-              <a:rPr lang="en-US" sz="2600" dirty="0" err="1" smtClean="0"/>
-              <a:t>Ptr</a:t>
-            </a:r>
-            <a:r>
-              <a:rPr lang="en-US" sz="2600" dirty="0" smtClean="0"/>
-              <a:t> </a:t>
-            </a:r>
-            <a:r>
-              <a:rPr lang="en-US" sz="2600" dirty="0" smtClean="0"/>
-              <a:t>to array </a:t>
-            </a:r>
-            <a:r>
-              <a:rPr lang="en-US" sz="2600" dirty="0" err="1" smtClean="0"/>
-              <a:t>vs</a:t>
-            </a:r>
-            <a:r>
-              <a:rPr lang="en-US" sz="2600" dirty="0" smtClean="0"/>
-              <a:t> </a:t>
-            </a:r>
-            <a:r>
-              <a:rPr lang="en-US" sz="2600" dirty="0" err="1" smtClean="0"/>
-              <a:t>arry</a:t>
-            </a:r>
-            <a:r>
-              <a:rPr lang="en-US" sz="2600" dirty="0" smtClean="0"/>
-              <a:t> </a:t>
-            </a:r>
-            <a:r>
-              <a:rPr lang="en-US" sz="2600" dirty="0" err="1" smtClean="0"/>
-              <a:t>ptr</a:t>
-            </a:r>
-            <a:endParaRPr lang="en-US" sz="2600" dirty="0" smtClean="0"/>
-          </a:p>
-          <a:p>
-            <a:r>
-              <a:rPr lang="en-US" sz="2600" dirty="0" err="1"/>
-              <a:t>Ptr</a:t>
-            </a:r>
-            <a:r>
-              <a:rPr lang="en-US" sz="2600" dirty="0"/>
-              <a:t> </a:t>
-            </a:r>
-            <a:r>
-              <a:rPr lang="en-US" sz="2600" dirty="0" err="1"/>
-              <a:t>vs</a:t>
-            </a:r>
-            <a:r>
-              <a:rPr lang="en-US" sz="2600" dirty="0"/>
-              <a:t> </a:t>
-            </a:r>
-            <a:r>
-              <a:rPr lang="en-US" sz="2600" dirty="0" smtClean="0"/>
-              <a:t>array</a:t>
-            </a:r>
-          </a:p>
-          <a:p>
-            <a:r>
-              <a:rPr lang="en-US" sz="2600" dirty="0"/>
-              <a:t>Memory fragmentation</a:t>
-            </a:r>
-          </a:p>
-          <a:p>
-            <a:r>
-              <a:rPr lang="en-US" sz="2600" dirty="0"/>
-              <a:t>Limitation of </a:t>
-            </a:r>
-            <a:r>
-              <a:rPr lang="en-US" sz="2600" dirty="0" err="1"/>
-              <a:t>ptrs</a:t>
-            </a:r>
-            <a:endParaRPr lang="en-US" sz="2600" dirty="0"/>
-          </a:p>
-          <a:p>
-            <a:pPr marL="137160" indent="0">
-              <a:buNone/>
-            </a:pPr>
-            <a:endParaRPr lang="en-US" sz="2600" dirty="0"/>
-          </a:p>
-          <a:p>
-            <a:pPr marL="137160" indent="0">
-              <a:buNone/>
-            </a:pPr>
-            <a:endParaRPr lang="en-US" sz="2600" dirty="0" smtClean="0"/>
-          </a:p>
-          <a:p>
-            <a:r>
-              <a:rPr lang="en-US" sz="2600" dirty="0" smtClean="0"/>
-              <a:t>Array </a:t>
-            </a:r>
-            <a:r>
-              <a:rPr lang="en-US" sz="2600" dirty="0" err="1" smtClean="0"/>
-              <a:t>ptr</a:t>
-            </a:r>
-            <a:r>
-              <a:rPr lang="en-US" sz="2600" dirty="0" smtClean="0"/>
-              <a:t> dereference-&gt;1d,2d,3d</a:t>
-            </a:r>
-          </a:p>
-          <a:p>
-            <a:r>
-              <a:rPr lang="en-US" sz="2600" dirty="0" smtClean="0"/>
-              <a:t>What </a:t>
-            </a:r>
-            <a:r>
-              <a:rPr lang="en-US" sz="2600" dirty="0" smtClean="0"/>
-              <a:t>is memory management</a:t>
-            </a:r>
-          </a:p>
-          <a:p>
-            <a:r>
-              <a:rPr lang="en-US" sz="2600" dirty="0" smtClean="0"/>
-              <a:t>What is in text segment?</a:t>
-            </a:r>
-          </a:p>
-          <a:p>
-            <a:endParaRPr lang="en-US" sz="2000" dirty="0" smtClean="0"/>
-          </a:p>
-          <a:p>
-            <a:endParaRPr lang="en-US" sz="2000" dirty="0"/>
-          </a:p>
-          <a:p>
-            <a:endParaRPr lang="en-US" dirty="0" smtClean="0"/>
+              <a:rPr lang="en-US" dirty="0" err="1"/>
+              <a:t>calloc</a:t>
+            </a:r>
+            <a:endParaRPr lang="en-US" dirty="0"/>
+          </a:p>
+          <a:p>
+            <a:r>
+              <a:rPr lang="en-US" dirty="0"/>
+              <a:t>Why </a:t>
+            </a:r>
+            <a:r>
+              <a:rPr lang="en-US" dirty="0" err="1"/>
+              <a:t>realloc</a:t>
+            </a:r>
+            <a:r>
+              <a:rPr lang="en-US" dirty="0"/>
+              <a:t> used</a:t>
+            </a:r>
+          </a:p>
+          <a:p>
+            <a:r>
+              <a:rPr lang="en-US" dirty="0"/>
+              <a:t>Use of free</a:t>
+            </a:r>
           </a:p>
           <a:p>
             <a:endParaRPr lang="en-US" dirty="0"/>
@@ -7680,7 +8003,7 @@
     </p:spTree>
     <p:extLst>
       <p:ext uri="{BB962C8B-B14F-4D97-AF65-F5344CB8AC3E}">
-        <p14:creationId xmlns:p14="http://schemas.microsoft.com/office/powerpoint/2010/main" val="2374115437"/>
+        <p14:creationId xmlns:p14="http://schemas.microsoft.com/office/powerpoint/2010/main" val="1279241059"/>
       </p:ext>
     </p:extLst>
   </p:cSld>
@@ -7724,18 +8047,19 @@
             <p:ph type="title"/>
           </p:nvPr>
         </p:nvSpPr>
-        <p:spPr/>
+        <p:spPr>
+          <a:xfrm>
+            <a:off x="457200" y="-152400"/>
+            <a:ext cx="8229600" cy="990600"/>
+          </a:xfrm>
+        </p:spPr>
         <p:txBody>
           <a:bodyPr/>
           <a:lstStyle/>
           <a:p>
             <a:r>
-              <a:rPr lang="en-US" dirty="0" smtClean="0"/>
-              <a:t>Double </a:t>
-            </a:r>
-            <a:r>
               <a:rPr lang="en-US" dirty="0" err="1" smtClean="0"/>
-              <a:t>ptr</a:t>
+              <a:t>qus</a:t>
             </a:r>
             <a:endParaRPr lang="en-US" dirty="0"/>
           </a:p>
@@ -7751,328 +8075,405 @@
             <p:ph idx="1"/>
           </p:nvPr>
         </p:nvSpPr>
-        <p:spPr/>
+        <p:spPr>
+          <a:xfrm>
+            <a:off x="457200" y="762000"/>
+            <a:ext cx="8229600" cy="5943600"/>
+          </a:xfrm>
+        </p:spPr>
         <p:txBody>
           <a:bodyPr>
-            <a:normAutofit fontScale="85000" lnSpcReduction="20000"/>
+            <a:normAutofit fontScale="55000" lnSpcReduction="20000"/>
           </a:bodyPr>
           <a:lstStyle/>
           <a:p>
-            <a:pPr marL="137160" indent="0">
-              <a:buNone/>
-            </a:pPr>
-            <a:r>
-              <a:rPr lang="en-US" dirty="0" err="1"/>
+            <a:endParaRPr lang="en-US" sz="2600" dirty="0"/>
+          </a:p>
+          <a:p>
+            <a:r>
+              <a:rPr lang="en-US" sz="2600" dirty="0"/>
+              <a:t>Static </a:t>
+            </a:r>
+            <a:r>
+              <a:rPr lang="en-US" sz="2600" dirty="0" err="1"/>
+              <a:t>vs</a:t>
+            </a:r>
+            <a:r>
+              <a:rPr lang="en-US" sz="2600" dirty="0"/>
+              <a:t> dynamic </a:t>
+            </a:r>
+            <a:r>
+              <a:rPr lang="en-US" sz="2600" dirty="0" err="1"/>
+              <a:t>mem</a:t>
+            </a:r>
+            <a:r>
+              <a:rPr lang="en-US" sz="2600" dirty="0"/>
+              <a:t> </a:t>
+            </a:r>
+            <a:r>
+              <a:rPr lang="en-US" sz="2600" dirty="0" smtClean="0"/>
+              <a:t>allocation </a:t>
+            </a:r>
+            <a:endParaRPr lang="en-US" sz="2600" dirty="0"/>
+          </a:p>
+          <a:p>
+            <a:r>
+              <a:rPr lang="en-US" sz="2600" dirty="0"/>
+              <a:t>Memory </a:t>
+            </a:r>
+            <a:r>
+              <a:rPr lang="en-US" sz="2600" dirty="0" smtClean="0"/>
+              <a:t>leak  </a:t>
+            </a:r>
+          </a:p>
+          <a:p>
+            <a:endParaRPr lang="en-US" sz="2600" dirty="0"/>
+          </a:p>
+          <a:p>
+            <a:r>
+              <a:rPr lang="en-US" sz="2600" dirty="0"/>
+              <a:t>Stack </a:t>
+            </a:r>
+            <a:r>
+              <a:rPr lang="en-US" sz="2600" dirty="0" err="1" smtClean="0"/>
+              <a:t>overflow.e.g</a:t>
+            </a:r>
+            <a:r>
+              <a:rPr lang="en-US" sz="2600" dirty="0" smtClean="0"/>
+              <a:t>  </a:t>
+            </a:r>
+            <a:r>
+              <a:rPr lang="en-US" sz="2600" dirty="0" err="1" smtClean="0"/>
               <a:t>int</a:t>
             </a:r>
             <a:r>
-              <a:rPr lang="en-US" dirty="0"/>
-              <a:t> main()</a:t>
-            </a:r>
-          </a:p>
-          <a:p>
-            <a:pPr marL="137160" indent="0">
-              <a:buNone/>
-            </a:pPr>
-            <a:r>
-              <a:rPr lang="en-US" dirty="0"/>
-              <a:t>{</a:t>
-            </a:r>
-          </a:p>
-          <a:p>
-            <a:pPr marL="137160" indent="0">
-              <a:buNone/>
-            </a:pPr>
-            <a:r>
-              <a:rPr lang="en-US" dirty="0"/>
+              <a:rPr lang="en-US" sz="2600" dirty="0" smtClean="0"/>
+              <a:t> a[5];    //20byte a[5]=10;</a:t>
+            </a:r>
+            <a:endParaRPr lang="en-US" sz="2600" dirty="0"/>
+          </a:p>
+          <a:p>
+            <a:r>
+              <a:rPr lang="en-US" sz="2600" dirty="0"/>
+              <a:t>Heap </a:t>
+            </a:r>
+            <a:r>
+              <a:rPr lang="en-US" sz="2600" dirty="0" err="1" smtClean="0"/>
+              <a:t>overflow.e.g</a:t>
+            </a:r>
+            <a:endParaRPr lang="en-US" sz="2600" dirty="0" smtClean="0"/>
+          </a:p>
+          <a:p>
+            <a:endParaRPr lang="en-US" sz="2600" dirty="0"/>
+          </a:p>
+          <a:p>
+            <a:r>
+              <a:rPr lang="en-US" sz="2600" dirty="0" smtClean="0"/>
+              <a:t>Core dump</a:t>
+            </a:r>
+          </a:p>
+          <a:p>
+            <a:r>
+              <a:rPr lang="en-US" sz="2600" dirty="0" smtClean="0"/>
+              <a:t>Segmentation fault</a:t>
+            </a:r>
+          </a:p>
+          <a:p>
+            <a:endParaRPr lang="en-US" sz="2600" dirty="0"/>
+          </a:p>
+          <a:p>
+            <a:r>
+              <a:rPr lang="en-US" sz="2600" dirty="0"/>
+              <a:t>Function </a:t>
+            </a:r>
+            <a:r>
+              <a:rPr lang="en-US" sz="2600" dirty="0" err="1" smtClean="0"/>
+              <a:t>ptr</a:t>
+            </a:r>
+            <a:endParaRPr lang="en-US" sz="2600" dirty="0" smtClean="0"/>
+          </a:p>
+          <a:p>
+            <a:r>
+              <a:rPr lang="en-US" sz="2600" dirty="0" smtClean="0"/>
+              <a:t>How </a:t>
+            </a:r>
+            <a:r>
+              <a:rPr lang="en-US" sz="2600" dirty="0"/>
+              <a:t>to enable dynamic </a:t>
+            </a:r>
+            <a:r>
+              <a:rPr lang="en-US" sz="2600" dirty="0" err="1"/>
+              <a:t>mem</a:t>
+            </a:r>
+            <a:r>
+              <a:rPr lang="en-US" sz="2600" dirty="0"/>
+              <a:t> allocation in </a:t>
+            </a:r>
+            <a:r>
+              <a:rPr lang="en-US" sz="2600" dirty="0" smtClean="0"/>
+              <a:t>c</a:t>
+            </a:r>
+          </a:p>
+          <a:p>
+            <a:r>
+              <a:rPr lang="en-US" sz="2600" dirty="0"/>
+              <a:t>Size of </a:t>
+            </a:r>
+            <a:r>
+              <a:rPr lang="en-US" sz="2600" dirty="0" err="1"/>
+              <a:t>ptr</a:t>
+            </a:r>
+            <a:r>
+              <a:rPr lang="en-US" sz="2600" dirty="0"/>
+              <a:t> in 32bit and </a:t>
+            </a:r>
+            <a:r>
+              <a:rPr lang="en-US" sz="2600" dirty="0" smtClean="0"/>
+              <a:t>64bit</a:t>
+            </a:r>
+          </a:p>
+          <a:p>
+            <a:r>
+              <a:rPr lang="en-US" sz="2600" dirty="0"/>
+              <a:t>Char </a:t>
+            </a:r>
+            <a:r>
+              <a:rPr lang="en-US" sz="2600" dirty="0" err="1"/>
+              <a:t>ptr</a:t>
+            </a:r>
+            <a:r>
+              <a:rPr lang="en-US" sz="2600" dirty="0"/>
+              <a:t> </a:t>
+            </a:r>
+            <a:r>
+              <a:rPr lang="en-US" sz="2600" dirty="0" err="1"/>
+              <a:t>vs</a:t>
+            </a:r>
+            <a:r>
+              <a:rPr lang="en-US" sz="2600" dirty="0"/>
+              <a:t> </a:t>
+            </a:r>
+            <a:r>
+              <a:rPr lang="en-US" sz="2600" dirty="0" err="1"/>
+              <a:t>int</a:t>
+            </a:r>
+            <a:r>
+              <a:rPr lang="en-US" sz="2600" dirty="0"/>
+              <a:t> </a:t>
+            </a:r>
+            <a:r>
+              <a:rPr lang="en-US" sz="2600" dirty="0" err="1" smtClean="0"/>
+              <a:t>ptr</a:t>
+            </a:r>
+            <a:endParaRPr lang="en-US" sz="2600" dirty="0" smtClean="0"/>
+          </a:p>
+          <a:p>
+            <a:r>
+              <a:rPr lang="en-US" sz="2600" dirty="0"/>
+              <a:t>How dereference structure </a:t>
+            </a:r>
+            <a:r>
+              <a:rPr lang="en-US" sz="2600" dirty="0" err="1"/>
+              <a:t>ptr</a:t>
+            </a:r>
+            <a:r>
+              <a:rPr lang="en-US" sz="2600" dirty="0"/>
+              <a:t> </a:t>
+            </a:r>
+            <a:r>
+              <a:rPr lang="en-US" sz="2600" dirty="0" smtClean="0"/>
+              <a:t>      </a:t>
+            </a:r>
+            <a:r>
+              <a:rPr lang="en-US" sz="2600" dirty="0" smtClean="0"/>
               <a:t>    </a:t>
             </a:r>
             <a:r>
-              <a:rPr lang="en-US" dirty="0" err="1"/>
-              <a:t>int</a:t>
-            </a:r>
-            <a:r>
-              <a:rPr lang="en-US" dirty="0"/>
-              <a:t> a=10;  	 </a:t>
-            </a:r>
-            <a:r>
-              <a:rPr lang="en-US" dirty="0" smtClean="0"/>
-              <a:t>	//</a:t>
-            </a:r>
-            <a:r>
-              <a:rPr lang="en-US" dirty="0"/>
-              <a:t>20  a </a:t>
-            </a:r>
-            <a:r>
-              <a:rPr lang="en-US" dirty="0" err="1"/>
-              <a:t>addr</a:t>
-            </a:r>
+              <a:rPr lang="en-US" sz="2600" dirty="0" err="1" smtClean="0"/>
+              <a:t>ptr</a:t>
+            </a:r>
+            <a:r>
+              <a:rPr lang="en-US" sz="2600" dirty="0" smtClean="0"/>
+              <a:t>-&gt;</a:t>
+            </a:r>
+            <a:r>
+              <a:rPr lang="en-US" sz="2600" dirty="0" err="1" smtClean="0"/>
+              <a:t>mem</a:t>
+            </a:r>
+            <a:r>
+              <a:rPr lang="en-US" sz="2600" dirty="0" smtClean="0"/>
+              <a:t>     </a:t>
+            </a:r>
+            <a:r>
+              <a:rPr lang="en-US" sz="2600" dirty="0" smtClean="0">
+                <a:solidFill>
+                  <a:srgbClr val="FFFF00"/>
+                </a:solidFill>
+              </a:rPr>
+              <a:t>(*</a:t>
+            </a:r>
+            <a:r>
+              <a:rPr lang="en-US" sz="2600" dirty="0" err="1" smtClean="0">
+                <a:solidFill>
+                  <a:srgbClr val="FFFF00"/>
+                </a:solidFill>
+              </a:rPr>
+              <a:t>ptr</a:t>
+            </a:r>
+            <a:r>
+              <a:rPr lang="en-US" sz="2600" dirty="0" smtClean="0">
+                <a:solidFill>
+                  <a:srgbClr val="FFFF00"/>
+                </a:solidFill>
+              </a:rPr>
+              <a:t>).</a:t>
+            </a:r>
+            <a:r>
+              <a:rPr lang="en-US" sz="2600" dirty="0" err="1" smtClean="0">
+                <a:solidFill>
+                  <a:srgbClr val="FFFF00"/>
+                </a:solidFill>
+              </a:rPr>
+              <a:t>mem</a:t>
+            </a:r>
+            <a:r>
+              <a:rPr lang="en-US" sz="2600" dirty="0" smtClean="0"/>
+              <a:t>   .-&gt;</a:t>
+            </a:r>
+            <a:endParaRPr lang="en-US" sz="2600" dirty="0"/>
+          </a:p>
+          <a:p>
+            <a:endParaRPr lang="en-US" sz="2600" dirty="0" smtClean="0"/>
+          </a:p>
+          <a:p>
+            <a:endParaRPr lang="en-US" sz="2600" dirty="0"/>
+          </a:p>
+          <a:p>
+            <a:r>
+              <a:rPr lang="en-US" sz="2600" dirty="0" err="1" smtClean="0"/>
+              <a:t>Ptr</a:t>
+            </a:r>
+            <a:r>
+              <a:rPr lang="en-US" sz="2600" dirty="0" smtClean="0"/>
+              <a:t> to array </a:t>
+            </a:r>
+            <a:r>
+              <a:rPr lang="en-US" sz="2600" dirty="0" err="1" smtClean="0"/>
+              <a:t>vs</a:t>
+            </a:r>
+            <a:r>
+              <a:rPr lang="en-US" sz="2600" dirty="0" smtClean="0"/>
+              <a:t> </a:t>
+            </a:r>
+            <a:r>
+              <a:rPr lang="en-US" sz="2600" dirty="0" err="1" smtClean="0"/>
+              <a:t>arry</a:t>
+            </a:r>
+            <a:r>
+              <a:rPr lang="en-US" sz="2600" dirty="0" smtClean="0"/>
+              <a:t> </a:t>
+            </a:r>
+            <a:r>
+              <a:rPr lang="en-US" sz="2600" dirty="0" err="1" smtClean="0"/>
+              <a:t>ptr</a:t>
+            </a:r>
+            <a:endParaRPr lang="en-US" sz="2600" dirty="0" smtClean="0"/>
+          </a:p>
+          <a:p>
+            <a:r>
+              <a:rPr lang="en-US" sz="2600" dirty="0" err="1"/>
+              <a:t>Ptr</a:t>
+            </a:r>
+            <a:r>
+              <a:rPr lang="en-US" sz="2600" dirty="0"/>
+              <a:t> </a:t>
+            </a:r>
+            <a:r>
+              <a:rPr lang="en-US" sz="2600" dirty="0" err="1"/>
+              <a:t>vs</a:t>
+            </a:r>
+            <a:r>
+              <a:rPr lang="en-US" sz="2600" dirty="0"/>
+              <a:t> </a:t>
+            </a:r>
+            <a:r>
+              <a:rPr lang="en-US" sz="2600" dirty="0" smtClean="0"/>
+              <a:t>array</a:t>
+            </a:r>
+          </a:p>
+          <a:p>
+            <a:r>
+              <a:rPr lang="en-US" sz="2600" dirty="0"/>
+              <a:t>Memory fragmentation</a:t>
+            </a:r>
+          </a:p>
+          <a:p>
+            <a:r>
+              <a:rPr lang="en-US" sz="2600" dirty="0"/>
+              <a:t>Limitation of </a:t>
+            </a:r>
+            <a:r>
+              <a:rPr lang="en-US" sz="2600" dirty="0" err="1"/>
+              <a:t>ptrs</a:t>
+            </a:r>
+            <a:endParaRPr lang="en-US" sz="2600" dirty="0"/>
+          </a:p>
+          <a:p>
+            <a:pPr marL="137160" indent="0">
+              <a:buNone/>
+            </a:pPr>
+            <a:endParaRPr lang="en-US" sz="2600" dirty="0"/>
+          </a:p>
+          <a:p>
+            <a:pPr marL="137160" indent="0">
+              <a:buNone/>
+            </a:pPr>
+            <a:endParaRPr lang="en-US" sz="2600" dirty="0" smtClean="0"/>
+          </a:p>
+          <a:p>
+            <a:r>
+              <a:rPr lang="en-US" sz="2600" dirty="0" smtClean="0"/>
+              <a:t>Array </a:t>
+            </a:r>
+            <a:r>
+              <a:rPr lang="en-US" sz="2600" dirty="0" err="1" smtClean="0"/>
+              <a:t>ptr</a:t>
+            </a:r>
+            <a:r>
+              <a:rPr lang="en-US" sz="2600" dirty="0" smtClean="0"/>
+              <a:t> dereference-&gt;1d,2d,3d</a:t>
+            </a:r>
+          </a:p>
+          <a:p>
+            <a:r>
+              <a:rPr lang="en-US" sz="2600" dirty="0" smtClean="0"/>
+              <a:t>What is memory management</a:t>
+            </a:r>
+          </a:p>
+          <a:p>
+            <a:r>
+              <a:rPr lang="en-US" sz="2600" dirty="0" smtClean="0"/>
+              <a:t>What is in text segment?</a:t>
+            </a:r>
+          </a:p>
+          <a:p>
+            <a:endParaRPr lang="en-US" sz="2000" dirty="0" smtClean="0"/>
+          </a:p>
+          <a:p>
+            <a:endParaRPr lang="en-US" sz="2000" dirty="0"/>
+          </a:p>
+          <a:p>
+            <a:endParaRPr lang="en-US" dirty="0" smtClean="0"/>
+          </a:p>
+          <a:p>
             <a:endParaRPr lang="en-US" dirty="0"/>
-          </a:p>
-          <a:p>
-            <a:pPr marL="137160" indent="0">
-              <a:buNone/>
-            </a:pPr>
-            <a:r>
-              <a:rPr lang="en-US" dirty="0"/>
-              <a:t>    </a:t>
-            </a:r>
-            <a:r>
-              <a:rPr lang="en-US" dirty="0" err="1"/>
-              <a:t>int</a:t>
-            </a:r>
-            <a:r>
-              <a:rPr lang="en-US" dirty="0"/>
-              <a:t> * p=&amp;a;  </a:t>
-            </a:r>
-            <a:r>
-              <a:rPr lang="en-US" dirty="0" smtClean="0"/>
-              <a:t>	//</a:t>
-            </a:r>
-            <a:r>
-              <a:rPr lang="en-US" dirty="0"/>
-              <a:t>30  p </a:t>
-            </a:r>
-            <a:r>
-              <a:rPr lang="en-US" dirty="0" err="1"/>
-              <a:t>addr</a:t>
-            </a:r>
-            <a:endParaRPr lang="en-US" dirty="0"/>
-          </a:p>
-          <a:p>
-            <a:pPr marL="137160" indent="0">
-              <a:buNone/>
-            </a:pPr>
-            <a:r>
-              <a:rPr lang="en-US" dirty="0"/>
-              <a:t>    </a:t>
-            </a:r>
-            <a:r>
-              <a:rPr lang="en-US" dirty="0" err="1"/>
-              <a:t>int</a:t>
-            </a:r>
-            <a:r>
-              <a:rPr lang="en-US" dirty="0"/>
-              <a:t> ** </a:t>
-            </a:r>
-            <a:r>
-              <a:rPr lang="en-US" dirty="0" err="1"/>
-              <a:t>ptr</a:t>
-            </a:r>
-            <a:r>
-              <a:rPr lang="en-US" dirty="0"/>
-              <a:t>=&amp;p;</a:t>
-            </a:r>
-          </a:p>
-          <a:p>
-            <a:pPr marL="137160" indent="0">
-              <a:buNone/>
-            </a:pPr>
-            <a:r>
-              <a:rPr lang="en-US" dirty="0"/>
-              <a:t>    </a:t>
-            </a:r>
-          </a:p>
-          <a:p>
-            <a:pPr marL="137160" indent="0">
-              <a:buNone/>
-            </a:pPr>
-            <a:r>
-              <a:rPr lang="en-US" dirty="0"/>
-              <a:t>    </a:t>
-            </a:r>
-            <a:r>
-              <a:rPr lang="en-US" dirty="0" err="1"/>
-              <a:t>printf</a:t>
-            </a:r>
-            <a:r>
-              <a:rPr lang="en-US" dirty="0"/>
-              <a:t>("address of a : %</a:t>
-            </a:r>
-            <a:r>
-              <a:rPr lang="en-US" dirty="0" err="1"/>
-              <a:t>d",&amp;a</a:t>
-            </a:r>
-            <a:r>
-              <a:rPr lang="en-US" dirty="0"/>
-              <a:t>);</a:t>
-            </a:r>
-          </a:p>
-          <a:p>
-            <a:pPr marL="137160" indent="0">
-              <a:buNone/>
-            </a:pPr>
-            <a:r>
-              <a:rPr lang="en-US" dirty="0"/>
-              <a:t>    </a:t>
-            </a:r>
-            <a:r>
-              <a:rPr lang="en-US" dirty="0" err="1"/>
-              <a:t>printf</a:t>
-            </a:r>
-            <a:r>
-              <a:rPr lang="en-US" dirty="0"/>
-              <a:t>("\</a:t>
-            </a:r>
-            <a:r>
-              <a:rPr lang="en-US" dirty="0" err="1"/>
-              <a:t>naddress</a:t>
-            </a:r>
-            <a:r>
-              <a:rPr lang="en-US" dirty="0"/>
-              <a:t> of p : %</a:t>
-            </a:r>
-            <a:r>
-              <a:rPr lang="en-US" dirty="0" err="1"/>
-              <a:t>d",&amp;p</a:t>
-            </a:r>
-            <a:r>
-              <a:rPr lang="en-US" dirty="0"/>
-              <a:t>);</a:t>
-            </a:r>
-          </a:p>
-          <a:p>
-            <a:pPr marL="137160" indent="0">
-              <a:buNone/>
-            </a:pPr>
-            <a:r>
-              <a:rPr lang="en-US" dirty="0"/>
-              <a:t>    </a:t>
-            </a:r>
-            <a:r>
-              <a:rPr lang="en-US" dirty="0" err="1"/>
-              <a:t>printf</a:t>
-            </a:r>
-            <a:r>
-              <a:rPr lang="en-US" dirty="0"/>
-              <a:t>("\</a:t>
-            </a:r>
-            <a:r>
-              <a:rPr lang="en-US" dirty="0" err="1"/>
-              <a:t>n%d</a:t>
-            </a:r>
-            <a:r>
-              <a:rPr lang="en-US" dirty="0"/>
-              <a:t>",**</a:t>
-            </a:r>
-            <a:r>
-              <a:rPr lang="en-US" dirty="0" err="1"/>
-              <a:t>ptr</a:t>
-            </a:r>
-            <a:r>
-              <a:rPr lang="en-US" dirty="0"/>
-              <a:t>);   </a:t>
-            </a:r>
-            <a:r>
-              <a:rPr lang="en-US" dirty="0" smtClean="0"/>
-              <a:t>		//</a:t>
-            </a:r>
-            <a:r>
-              <a:rPr lang="en-US" dirty="0"/>
-              <a:t>10</a:t>
-            </a:r>
-          </a:p>
-          <a:p>
-            <a:pPr marL="137160" indent="0">
-              <a:buNone/>
-            </a:pPr>
-            <a:r>
-              <a:rPr lang="en-US" dirty="0"/>
-              <a:t>    </a:t>
-            </a:r>
-            <a:r>
-              <a:rPr lang="en-US" dirty="0" err="1"/>
-              <a:t>printf</a:t>
-            </a:r>
-            <a:r>
-              <a:rPr lang="en-US" dirty="0"/>
-              <a:t>("\</a:t>
-            </a:r>
-            <a:r>
-              <a:rPr lang="en-US" dirty="0" err="1"/>
-              <a:t>n%d</a:t>
-            </a:r>
-            <a:r>
-              <a:rPr lang="en-US" dirty="0"/>
-              <a:t>",*</a:t>
-            </a:r>
-            <a:r>
-              <a:rPr lang="en-US" dirty="0" err="1"/>
-              <a:t>ptr</a:t>
-            </a:r>
-            <a:r>
-              <a:rPr lang="en-US" dirty="0"/>
-              <a:t>);    </a:t>
-            </a:r>
-            <a:r>
-              <a:rPr lang="en-US" dirty="0" smtClean="0"/>
-              <a:t>		// </a:t>
-            </a:r>
-            <a:r>
-              <a:rPr lang="en-US" dirty="0" err="1"/>
-              <a:t>addr</a:t>
-            </a:r>
-            <a:r>
-              <a:rPr lang="en-US" dirty="0"/>
-              <a:t> of a</a:t>
-            </a:r>
-          </a:p>
-          <a:p>
-            <a:pPr marL="137160" indent="0">
-              <a:buNone/>
-            </a:pPr>
-            <a:r>
-              <a:rPr lang="en-US" dirty="0"/>
-              <a:t>    </a:t>
-            </a:r>
-            <a:r>
-              <a:rPr lang="en-US" dirty="0" err="1"/>
-              <a:t>printf</a:t>
-            </a:r>
-            <a:r>
-              <a:rPr lang="en-US" dirty="0"/>
-              <a:t>("\</a:t>
-            </a:r>
-            <a:r>
-              <a:rPr lang="en-US" dirty="0" err="1"/>
-              <a:t>n%d</a:t>
-            </a:r>
-            <a:r>
-              <a:rPr lang="en-US" dirty="0"/>
-              <a:t>",</a:t>
-            </a:r>
-            <a:r>
-              <a:rPr lang="en-US" dirty="0" err="1"/>
-              <a:t>ptr</a:t>
-            </a:r>
-            <a:r>
-              <a:rPr lang="en-US" dirty="0"/>
-              <a:t>);		//</a:t>
-            </a:r>
-            <a:r>
-              <a:rPr lang="en-US" dirty="0" err="1"/>
-              <a:t>addr</a:t>
-            </a:r>
-            <a:r>
-              <a:rPr lang="en-US" dirty="0"/>
-              <a:t> of p</a:t>
-            </a:r>
-          </a:p>
-          <a:p>
-            <a:pPr marL="137160" indent="0">
-              <a:buNone/>
-            </a:pPr>
-            <a:r>
-              <a:rPr lang="en-US" dirty="0"/>
-              <a:t>}</a:t>
-            </a:r>
           </a:p>
         </p:txBody>
       </p:sp>
     </p:spTree>
     <p:extLst>
       <p:ext uri="{BB962C8B-B14F-4D97-AF65-F5344CB8AC3E}">
-        <p14:creationId xmlns:p14="http://schemas.microsoft.com/office/powerpoint/2010/main" val="489689501"/>
+        <p14:creationId xmlns:p14="http://schemas.microsoft.com/office/powerpoint/2010/main" val="2374115437"/>
       </p:ext>
     </p:extLst>
   </p:cSld>
@@ -8123,7 +8524,11 @@
           <a:p>
             <a:r>
               <a:rPr lang="en-US" dirty="0" smtClean="0"/>
-              <a:t>Call by value</a:t>
+              <a:t>Double </a:t>
+            </a:r>
+            <a:r>
+              <a:rPr lang="en-US" dirty="0" err="1" smtClean="0"/>
+              <a:t>ptr</a:t>
             </a:r>
             <a:endParaRPr lang="en-US" dirty="0"/>
           </a:p>
@@ -8139,15 +8544,10 @@
             <p:ph idx="1"/>
           </p:nvPr>
         </p:nvSpPr>
-        <p:spPr>
-          <a:xfrm>
-            <a:off x="457200" y="1295400"/>
-            <a:ext cx="8229600" cy="5562600"/>
-          </a:xfrm>
-        </p:spPr>
+        <p:spPr/>
         <p:txBody>
           <a:bodyPr>
-            <a:noAutofit/>
+            <a:normAutofit fontScale="85000" lnSpcReduction="20000"/>
           </a:bodyPr>
           <a:lstStyle/>
           <a:p>
@@ -8155,47 +8555,20 @@
               <a:buNone/>
             </a:pPr>
             <a:r>
-              <a:rPr lang="en-US" sz="1600" dirty="0"/>
-              <a:t>//call by value</a:t>
-            </a:r>
-          </a:p>
-          <a:p>
-            <a:pPr marL="137160" indent="0">
-              <a:buNone/>
-            </a:pPr>
-            <a:endParaRPr lang="en-US" sz="1600" dirty="0"/>
-          </a:p>
-          <a:p>
-            <a:pPr marL="137160" indent="0">
-              <a:buNone/>
-            </a:pPr>
-            <a:r>
-              <a:rPr lang="en-US" sz="1600" dirty="0"/>
-              <a:t>void swap(</a:t>
-            </a:r>
-            <a:r>
-              <a:rPr lang="en-US" sz="1600" dirty="0" err="1"/>
+              <a:rPr lang="en-US" dirty="0" err="1"/>
               <a:t>int</a:t>
             </a:r>
             <a:r>
-              <a:rPr lang="en-US" sz="1600" dirty="0"/>
-              <a:t> </a:t>
-            </a:r>
-            <a:r>
-              <a:rPr lang="en-US" sz="1600" dirty="0" err="1"/>
-              <a:t>a,int</a:t>
-            </a:r>
-            <a:r>
-              <a:rPr lang="en-US" sz="1600" dirty="0"/>
-              <a:t> b)</a:t>
-            </a:r>
-          </a:p>
-          <a:p>
-            <a:pPr marL="137160" indent="0">
-              <a:buNone/>
-            </a:pPr>
-            <a:r>
-              <a:rPr lang="en-US" sz="1600" dirty="0"/>
+              <a:rPr lang="en-US" dirty="0"/>
+              <a:t> main()</a:t>
+            </a:r>
+          </a:p>
+          <a:p>
+            <a:pPr marL="137160" indent="0">
+              <a:buNone/>
+            </a:pPr>
+            <a:r>
+              <a:rPr lang="en-US" dirty="0"/>
               <a:t>{</a:t>
             </a:r>
           </a:p>
@@ -8204,123 +8577,117 @@
               <a:buNone/>
             </a:pPr>
             <a:r>
-              <a:rPr lang="en-US" sz="1600" dirty="0"/>
-              <a:t>	</a:t>
-            </a:r>
-            <a:r>
-              <a:rPr lang="en-US" sz="1600" dirty="0" err="1"/>
+              <a:rPr lang="en-US" dirty="0"/>
+              <a:t>    </a:t>
+            </a:r>
+            <a:r>
+              <a:rPr lang="en-US" dirty="0" err="1"/>
               <a:t>int</a:t>
             </a:r>
             <a:r>
-              <a:rPr lang="en-US" sz="1600" dirty="0"/>
-              <a:t> temp=a;</a:t>
-            </a:r>
-          </a:p>
-          <a:p>
-            <a:pPr marL="137160" indent="0">
-              <a:buNone/>
-            </a:pPr>
-            <a:r>
-              <a:rPr lang="en-US" sz="1600" dirty="0"/>
-              <a:t>	a=b;</a:t>
-            </a:r>
-          </a:p>
-          <a:p>
-            <a:pPr marL="137160" indent="0">
-              <a:buNone/>
-            </a:pPr>
-            <a:r>
-              <a:rPr lang="en-US" sz="1600" dirty="0"/>
-              <a:t>	b=temp;</a:t>
-            </a:r>
-          </a:p>
-          <a:p>
-            <a:pPr marL="137160" indent="0">
-              <a:buNone/>
-            </a:pPr>
-            <a:r>
-              <a:rPr lang="en-US" sz="1600" dirty="0"/>
+              <a:rPr lang="en-US" dirty="0"/>
+              <a:t> a=10;  	 </a:t>
+            </a:r>
+            <a:r>
+              <a:rPr lang="en-US" dirty="0" smtClean="0"/>
               <a:t>	//</a:t>
             </a:r>
             <a:r>
-              <a:rPr lang="en-US" sz="1600" dirty="0" err="1"/>
+              <a:rPr lang="en-US" dirty="0"/>
+              <a:t>20  a </a:t>
+            </a:r>
+            <a:r>
+              <a:rPr lang="en-US" dirty="0" err="1"/>
+              <a:t>addr</a:t>
+            </a:r>
+            <a:endParaRPr lang="en-US" dirty="0"/>
+          </a:p>
+          <a:p>
+            <a:pPr marL="137160" indent="0">
+              <a:buNone/>
+            </a:pPr>
+            <a:r>
+              <a:rPr lang="en-US" dirty="0"/>
+              <a:t>    </a:t>
+            </a:r>
+            <a:r>
+              <a:rPr lang="en-US" dirty="0" err="1"/>
+              <a:t>int</a:t>
+            </a:r>
+            <a:r>
+              <a:rPr lang="en-US" dirty="0"/>
+              <a:t> * p=&amp;a;  </a:t>
+            </a:r>
+            <a:r>
+              <a:rPr lang="en-US" dirty="0" smtClean="0"/>
+              <a:t>	//</a:t>
+            </a:r>
+            <a:r>
+              <a:rPr lang="en-US" dirty="0"/>
+              <a:t>30  p </a:t>
+            </a:r>
+            <a:r>
+              <a:rPr lang="en-US" dirty="0" err="1"/>
+              <a:t>addr</a:t>
+            </a:r>
+            <a:endParaRPr lang="en-US" dirty="0"/>
+          </a:p>
+          <a:p>
+            <a:pPr marL="137160" indent="0">
+              <a:buNone/>
+            </a:pPr>
+            <a:r>
+              <a:rPr lang="en-US" dirty="0"/>
+              <a:t>    </a:t>
+            </a:r>
+            <a:r>
+              <a:rPr lang="en-US" dirty="0" err="1"/>
+              <a:t>int</a:t>
+            </a:r>
+            <a:r>
+              <a:rPr lang="en-US" dirty="0"/>
+              <a:t> ** </a:t>
+            </a:r>
+            <a:r>
+              <a:rPr lang="en-US" dirty="0" err="1"/>
+              <a:t>ptr</a:t>
+            </a:r>
+            <a:r>
+              <a:rPr lang="en-US" dirty="0"/>
+              <a:t>=&amp;p;</a:t>
+            </a:r>
+          </a:p>
+          <a:p>
+            <a:pPr marL="137160" indent="0">
+              <a:buNone/>
+            </a:pPr>
+            <a:r>
+              <a:rPr lang="en-US" dirty="0"/>
+              <a:t>    </a:t>
+            </a:r>
+          </a:p>
+          <a:p>
+            <a:pPr marL="137160" indent="0">
+              <a:buNone/>
+            </a:pPr>
+            <a:r>
+              <a:rPr lang="en-US" dirty="0"/>
+              <a:t>    </a:t>
+            </a:r>
+            <a:r>
+              <a:rPr lang="en-US" dirty="0" err="1"/>
               <a:t>printf</a:t>
             </a:r>
             <a:r>
-              <a:rPr lang="en-US" sz="1600" dirty="0"/>
-              <a:t>("a:%d b:%d",a,b);  //o/p  2,1</a:t>
-            </a:r>
-          </a:p>
-          <a:p>
-            <a:pPr marL="137160" indent="0">
-              <a:buNone/>
-            </a:pPr>
-            <a:r>
-              <a:rPr lang="en-US" sz="1600" dirty="0"/>
-              <a:t>}</a:t>
-            </a:r>
-          </a:p>
-          <a:p>
-            <a:pPr marL="137160" indent="0">
-              <a:buNone/>
-            </a:pPr>
-            <a:endParaRPr lang="en-US" sz="1600" dirty="0"/>
-          </a:p>
-          <a:p>
-            <a:pPr marL="137160" indent="0">
-              <a:buNone/>
-            </a:pPr>
-            <a:endParaRPr lang="en-US" sz="1600" dirty="0"/>
-          </a:p>
-          <a:p>
-            <a:pPr marL="137160" indent="0">
-              <a:buNone/>
-            </a:pPr>
-            <a:r>
-              <a:rPr lang="en-US" sz="1600" dirty="0"/>
-              <a:t>void main()</a:t>
-            </a:r>
-          </a:p>
-          <a:p>
-            <a:pPr marL="137160" indent="0">
-              <a:buNone/>
-            </a:pPr>
-            <a:r>
-              <a:rPr lang="en-US" sz="1600" dirty="0"/>
-              <a:t>{</a:t>
-            </a:r>
-          </a:p>
-          <a:p>
-            <a:pPr marL="137160" indent="0">
-              <a:buNone/>
-            </a:pPr>
-            <a:r>
-              <a:rPr lang="en-US" sz="1600" dirty="0"/>
-              <a:t>	</a:t>
-            </a:r>
-            <a:r>
-              <a:rPr lang="en-US" sz="1600" dirty="0" err="1"/>
-              <a:t>int</a:t>
-            </a:r>
-            <a:r>
-              <a:rPr lang="en-US" sz="1600" dirty="0"/>
-              <a:t> a=1,b=2;</a:t>
-            </a:r>
-          </a:p>
-          <a:p>
-            <a:pPr marL="137160" indent="0">
-              <a:buNone/>
-            </a:pPr>
-            <a:r>
-              <a:rPr lang="en-US" sz="1600" dirty="0"/>
-              <a:t>	swap(</a:t>
-            </a:r>
-            <a:r>
-              <a:rPr lang="en-US" sz="1600" dirty="0" err="1"/>
-              <a:t>a,b</a:t>
-            </a:r>
-            <a:r>
-              <a:rPr lang="en-US" sz="1600" dirty="0"/>
+              <a:rPr lang="en-US" dirty="0"/>
+              <a:t>("address of a : %</a:t>
+            </a:r>
+            <a:r>
+              <a:rPr lang="en-US" dirty="0" err="1"/>
+              <a:t>d",&amp;a</a:t>
+            </a:r>
+            <a:r>
+              <a:rPr lang="en-US" dirty="0"/>
               <a:t>);</a:t>
             </a:r>
           </a:p>
@@ -8329,42 +8696,167 @@
               <a:buNone/>
             </a:pPr>
             <a:r>
-              <a:rPr lang="en-US" sz="1600" dirty="0"/>
-              <a:t>	</a:t>
-            </a:r>
-            <a:r>
-              <a:rPr lang="en-US" sz="1600" dirty="0" err="1" smtClean="0"/>
+              <a:rPr lang="en-US" dirty="0"/>
+              <a:t>    </a:t>
+            </a:r>
+            <a:r>
+              <a:rPr lang="en-US" dirty="0" err="1"/>
               <a:t>printf</a:t>
             </a:r>
             <a:r>
-              <a:rPr lang="en-US" sz="1600" dirty="0"/>
-              <a:t>("a:%d b:%d",a,b);  //</a:t>
-            </a:r>
-            <a:r>
-              <a:rPr lang="en-US" sz="1600"/>
-              <a:t>o/p  </a:t>
-            </a:r>
-            <a:r>
-              <a:rPr lang="en-US" sz="1600" smtClean="0"/>
-              <a:t>1,2</a:t>
-            </a:r>
-            <a:endParaRPr lang="en-US" sz="1600" dirty="0"/>
-          </a:p>
-          <a:p>
-            <a:pPr marL="137160" indent="0">
-              <a:buNone/>
-            </a:pPr>
-            <a:r>
-              <a:rPr lang="en-US" sz="1600" dirty="0"/>
-              <a:t>	</a:t>
-            </a:r>
-          </a:p>
-          <a:p>
-            <a:pPr marL="137160" indent="0">
-              <a:buNone/>
-            </a:pPr>
-            <a:r>
-              <a:rPr lang="en-US" sz="1600" dirty="0"/>
+              <a:rPr lang="en-US" dirty="0"/>
+              <a:t>("\</a:t>
+            </a:r>
+            <a:r>
+              <a:rPr lang="en-US" dirty="0" err="1"/>
+              <a:t>naddress</a:t>
+            </a:r>
+            <a:r>
+              <a:rPr lang="en-US" dirty="0"/>
+              <a:t> of p : %</a:t>
+            </a:r>
+            <a:r>
+              <a:rPr lang="en-US" dirty="0" err="1"/>
+              <a:t>d",&amp;p</a:t>
+            </a:r>
+            <a:r>
+              <a:rPr lang="en-US" dirty="0"/>
+              <a:t>);</a:t>
+            </a:r>
+          </a:p>
+          <a:p>
+            <a:pPr marL="137160" indent="0">
+              <a:buNone/>
+            </a:pPr>
+            <a:r>
+              <a:rPr lang="en-US" dirty="0"/>
+              <a:t>    </a:t>
+            </a:r>
+            <a:r>
+              <a:rPr lang="en-US" dirty="0" err="1"/>
+              <a:t>printf</a:t>
+            </a:r>
+            <a:r>
+              <a:rPr lang="en-US" dirty="0"/>
+              <a:t>("\</a:t>
+            </a:r>
+            <a:r>
+              <a:rPr lang="en-US" dirty="0" err="1"/>
+              <a:t>n%d</a:t>
+            </a:r>
+            <a:r>
+              <a:rPr lang="en-US" dirty="0"/>
+              <a:t>",**</a:t>
+            </a:r>
+            <a:r>
+              <a:rPr lang="en-US" dirty="0" err="1"/>
+              <a:t>ptr</a:t>
+            </a:r>
+            <a:r>
+              <a:rPr lang="en-US" dirty="0"/>
+              <a:t>);   </a:t>
+            </a:r>
+            <a:r>
+              <a:rPr lang="en-US" dirty="0" smtClean="0"/>
+              <a:t>		//</a:t>
+            </a:r>
+            <a:r>
+              <a:rPr lang="en-US" dirty="0"/>
+              <a:t>10</a:t>
+            </a:r>
+          </a:p>
+          <a:p>
+            <a:pPr marL="137160" indent="0">
+              <a:buNone/>
+            </a:pPr>
+            <a:r>
+              <a:rPr lang="en-US" dirty="0"/>
+              <a:t>    </a:t>
+            </a:r>
+            <a:r>
+              <a:rPr lang="en-US" dirty="0" err="1"/>
+              <a:t>printf</a:t>
+            </a:r>
+            <a:r>
+              <a:rPr lang="en-US" dirty="0"/>
+              <a:t>("\</a:t>
+            </a:r>
+            <a:r>
+              <a:rPr lang="en-US" dirty="0" err="1"/>
+              <a:t>n%d</a:t>
+            </a:r>
+            <a:r>
+              <a:rPr lang="en-US" dirty="0"/>
+              <a:t>",*</a:t>
+            </a:r>
+            <a:r>
+              <a:rPr lang="en-US" dirty="0" err="1"/>
+              <a:t>ptr</a:t>
+            </a:r>
+            <a:r>
+              <a:rPr lang="en-US" dirty="0"/>
+              <a:t>);    </a:t>
+            </a:r>
+            <a:r>
+              <a:rPr lang="en-US" dirty="0" smtClean="0"/>
+              <a:t>		// </a:t>
+            </a:r>
+            <a:r>
+              <a:rPr lang="en-US" dirty="0" err="1"/>
+              <a:t>addr</a:t>
+            </a:r>
+            <a:r>
+              <a:rPr lang="en-US" dirty="0"/>
+              <a:t> of a</a:t>
+            </a:r>
+          </a:p>
+          <a:p>
+            <a:pPr marL="137160" indent="0">
+              <a:buNone/>
+            </a:pPr>
+            <a:r>
+              <a:rPr lang="en-US" dirty="0"/>
+              <a:t>    </a:t>
+            </a:r>
+            <a:r>
+              <a:rPr lang="en-US" dirty="0" err="1"/>
+              <a:t>printf</a:t>
+            </a:r>
+            <a:r>
+              <a:rPr lang="en-US" dirty="0"/>
+              <a:t>("\</a:t>
+            </a:r>
+            <a:r>
+              <a:rPr lang="en-US" dirty="0" err="1"/>
+              <a:t>n%d</a:t>
+            </a:r>
+            <a:r>
+              <a:rPr lang="en-US" dirty="0"/>
+              <a:t>",</a:t>
+            </a:r>
+            <a:r>
+              <a:rPr lang="en-US" dirty="0" err="1"/>
+              <a:t>ptr</a:t>
+            </a:r>
+            <a:r>
+              <a:rPr lang="en-US" dirty="0"/>
+              <a:t>);		//</a:t>
+            </a:r>
+            <a:r>
+              <a:rPr lang="en-US" dirty="0" err="1"/>
+              <a:t>addr</a:t>
+            </a:r>
+            <a:r>
+              <a:rPr lang="en-US" dirty="0"/>
+              <a:t> of p</a:t>
+            </a:r>
+          </a:p>
+          <a:p>
+            <a:pPr marL="137160" indent="0">
+              <a:buNone/>
+            </a:pPr>
+            <a:r>
+              <a:rPr lang="en-US" dirty="0"/>
               <a:t>}</a:t>
             </a:r>
           </a:p>
@@ -8373,7 +8865,7 @@
     </p:spTree>
     <p:extLst>
       <p:ext uri="{BB962C8B-B14F-4D97-AF65-F5344CB8AC3E}">
-        <p14:creationId xmlns:p14="http://schemas.microsoft.com/office/powerpoint/2010/main" val="327519173"/>
+        <p14:creationId xmlns:p14="http://schemas.microsoft.com/office/powerpoint/2010/main" val="489689501"/>
       </p:ext>
     </p:extLst>
   </p:cSld>
@@ -8424,7 +8916,7 @@
           <a:p>
             <a:r>
               <a:rPr lang="en-US" dirty="0" smtClean="0"/>
-              <a:t>Call by ref</a:t>
+              <a:t>Call by value</a:t>
             </a:r>
             <a:endParaRPr lang="en-US" dirty="0"/>
           </a:p>
@@ -8442,13 +8934,13 @@
         </p:nvSpPr>
         <p:spPr>
           <a:xfrm>
-            <a:off x="457200" y="1219199"/>
-            <a:ext cx="8229600" cy="5464629"/>
+            <a:off x="457200" y="1295400"/>
+            <a:ext cx="8229600" cy="5562600"/>
           </a:xfrm>
         </p:spPr>
         <p:txBody>
           <a:bodyPr>
-            <a:normAutofit fontScale="62500" lnSpcReduction="20000"/>
+            <a:noAutofit/>
           </a:bodyPr>
           <a:lstStyle/>
           <a:p>
@@ -8456,47 +8948,47 @@
               <a:buNone/>
             </a:pPr>
             <a:r>
-              <a:rPr lang="en-US" dirty="0"/>
-              <a:t>//call by reference</a:t>
-            </a:r>
-          </a:p>
-          <a:p>
-            <a:pPr marL="137160" indent="0">
-              <a:buNone/>
-            </a:pPr>
-            <a:endParaRPr lang="en-US" dirty="0"/>
-          </a:p>
-          <a:p>
-            <a:pPr marL="137160" indent="0">
-              <a:buNone/>
-            </a:pPr>
-            <a:r>
-              <a:rPr lang="en-US" dirty="0"/>
+              <a:rPr lang="en-US" sz="1600" dirty="0"/>
+              <a:t>//call by value</a:t>
+            </a:r>
+          </a:p>
+          <a:p>
+            <a:pPr marL="137160" indent="0">
+              <a:buNone/>
+            </a:pPr>
+            <a:endParaRPr lang="en-US" sz="1600" dirty="0"/>
+          </a:p>
+          <a:p>
+            <a:pPr marL="137160" indent="0">
+              <a:buNone/>
+            </a:pPr>
+            <a:r>
+              <a:rPr lang="en-US" sz="1600" dirty="0"/>
               <a:t>void swap(</a:t>
             </a:r>
             <a:r>
-              <a:rPr lang="en-US" dirty="0" err="1"/>
+              <a:rPr lang="en-US" sz="1600" dirty="0" err="1"/>
               <a:t>int</a:t>
             </a:r>
             <a:r>
-              <a:rPr lang="en-US" dirty="0"/>
-              <a:t> *</a:t>
-            </a:r>
-            <a:r>
-              <a:rPr lang="en-US" dirty="0" err="1"/>
+              <a:rPr lang="en-US" sz="1600" dirty="0"/>
+              <a:t> </a:t>
+            </a:r>
+            <a:r>
+              <a:rPr lang="en-US" sz="1600" dirty="0" err="1"/>
               <a:t>a,int</a:t>
             </a:r>
             <a:r>
-              <a:rPr lang="en-US" dirty="0"/>
-              <a:t> *b)</a:t>
-            </a:r>
-          </a:p>
-          <a:p>
-            <a:pPr marL="137160" indent="0">
-              <a:buNone/>
-            </a:pPr>
-            <a:r>
-              <a:rPr lang="en-US" dirty="0"/>
+              <a:rPr lang="en-US" sz="1600" dirty="0"/>
+              <a:t> b)</a:t>
+            </a:r>
+          </a:p>
+          <a:p>
+            <a:pPr marL="137160" indent="0">
+              <a:buNone/>
+            </a:pPr>
+            <a:r>
+              <a:rPr lang="en-US" sz="1600" dirty="0"/>
               <a:t>{</a:t>
             </a:r>
           </a:p>
@@ -8505,50 +8997,50 @@
               <a:buNone/>
             </a:pPr>
             <a:r>
-              <a:rPr lang="en-US" dirty="0"/>
+              <a:rPr lang="en-US" sz="1600" dirty="0"/>
               <a:t>	</a:t>
             </a:r>
             <a:r>
-              <a:rPr lang="en-US" dirty="0" err="1"/>
+              <a:rPr lang="en-US" sz="1600" dirty="0" err="1"/>
               <a:t>int</a:t>
             </a:r>
             <a:r>
-              <a:rPr lang="en-US" dirty="0"/>
-              <a:t> temp=*a;</a:t>
-            </a:r>
-          </a:p>
-          <a:p>
-            <a:pPr marL="137160" indent="0">
-              <a:buNone/>
-            </a:pPr>
-            <a:r>
-              <a:rPr lang="en-US" dirty="0"/>
-              <a:t>	*a=*b;</a:t>
-            </a:r>
-          </a:p>
-          <a:p>
-            <a:pPr marL="137160" indent="0">
-              <a:buNone/>
-            </a:pPr>
-            <a:r>
-              <a:rPr lang="en-US" dirty="0"/>
-              <a:t>	*b=temp;</a:t>
-            </a:r>
-          </a:p>
-          <a:p>
-            <a:pPr marL="137160" indent="0">
-              <a:buNone/>
-            </a:pPr>
-            <a:r>
-              <a:rPr lang="en-US" dirty="0"/>
+              <a:rPr lang="en-US" sz="1600" dirty="0"/>
+              <a:t> temp=a;</a:t>
+            </a:r>
+          </a:p>
+          <a:p>
+            <a:pPr marL="137160" indent="0">
+              <a:buNone/>
+            </a:pPr>
+            <a:r>
+              <a:rPr lang="en-US" sz="1600" dirty="0"/>
+              <a:t>	a=b;</a:t>
+            </a:r>
+          </a:p>
+          <a:p>
+            <a:pPr marL="137160" indent="0">
+              <a:buNone/>
+            </a:pPr>
+            <a:r>
+              <a:rPr lang="en-US" sz="1600" dirty="0"/>
+              <a:t>	b=temp;</a:t>
+            </a:r>
+          </a:p>
+          <a:p>
+            <a:pPr marL="137160" indent="0">
+              <a:buNone/>
+            </a:pPr>
+            <a:r>
+              <a:rPr lang="en-US" sz="1600" dirty="0"/>
               <a:t>	//</a:t>
             </a:r>
             <a:r>
-              <a:rPr lang="en-US" dirty="0" err="1"/>
+              <a:rPr lang="en-US" sz="1600" dirty="0" err="1"/>
               <a:t>printf</a:t>
             </a:r>
             <a:r>
-              <a:rPr lang="en-US" dirty="0"/>
+              <a:rPr lang="en-US" sz="1600" dirty="0"/>
               <a:t>("a:%d b:%d",a,b);  //o/p  2,1</a:t>
             </a:r>
           </a:p>
@@ -8557,7 +9049,7 @@
               <a:buNone/>
             </a:pPr>
             <a:r>
-              <a:rPr lang="en-US" dirty="0"/>
+              <a:rPr lang="en-US" sz="1600" dirty="0"/>
               <a:t>}</a:t>
             </a:r>
           </a:p>
@@ -8565,20 +9057,20 @@
             <a:pPr marL="137160" indent="0">
               <a:buNone/>
             </a:pPr>
-            <a:endParaRPr lang="en-US" dirty="0"/>
-          </a:p>
-          <a:p>
-            <a:pPr marL="137160" indent="0">
-              <a:buNone/>
-            </a:pPr>
-            <a:endParaRPr lang="en-US" dirty="0"/>
-          </a:p>
-          <a:p>
-            <a:pPr marL="137160" indent="0">
-              <a:buNone/>
-            </a:pPr>
-            <a:r>
-              <a:rPr lang="en-US" dirty="0"/>
+            <a:endParaRPr lang="en-US" sz="1600" dirty="0"/>
+          </a:p>
+          <a:p>
+            <a:pPr marL="137160" indent="0">
+              <a:buNone/>
+            </a:pPr>
+            <a:endParaRPr lang="en-US" sz="1600" dirty="0"/>
+          </a:p>
+          <a:p>
+            <a:pPr marL="137160" indent="0">
+              <a:buNone/>
+            </a:pPr>
+            <a:r>
+              <a:rPr lang="en-US" sz="1600" dirty="0"/>
               <a:t>void main()</a:t>
             </a:r>
           </a:p>
@@ -8587,7 +9079,7 @@
               <a:buNone/>
             </a:pPr>
             <a:r>
-              <a:rPr lang="en-US" dirty="0"/>
+              <a:rPr lang="en-US" sz="1600" dirty="0"/>
               <a:t>{</a:t>
             </a:r>
           </a:p>
@@ -8596,15 +9088,15 @@
               <a:buNone/>
             </a:pPr>
             <a:r>
-              <a:rPr lang="en-US" dirty="0"/>
+              <a:rPr lang="en-US" sz="1600" dirty="0"/>
               <a:t>	</a:t>
             </a:r>
             <a:r>
-              <a:rPr lang="en-US" dirty="0" err="1"/>
+              <a:rPr lang="en-US" sz="1600" dirty="0" err="1"/>
               <a:t>int</a:t>
             </a:r>
             <a:r>
-              <a:rPr lang="en-US" dirty="0"/>
+              <a:rPr lang="en-US" sz="1600" dirty="0"/>
               <a:t> a=1,b=2;</a:t>
             </a:r>
           </a:p>
@@ -8613,15 +9105,15 @@
               <a:buNone/>
             </a:pPr>
             <a:r>
-              <a:rPr lang="en-US" dirty="0"/>
-              <a:t>	swap(&amp;</a:t>
-            </a:r>
-            <a:r>
-              <a:rPr lang="en-US" dirty="0" err="1"/>
-              <a:t>a,&amp;b</a:t>
-            </a:r>
-            <a:r>
-              <a:rPr lang="en-US" dirty="0"/>
+              <a:rPr lang="en-US" sz="1600" dirty="0"/>
+              <a:t>	swap(</a:t>
+            </a:r>
+            <a:r>
+              <a:rPr lang="en-US" sz="1600" dirty="0" err="1"/>
+              <a:t>a,b</a:t>
+            </a:r>
+            <a:r>
+              <a:rPr lang="en-US" sz="1600" dirty="0"/>
               <a:t>);</a:t>
             </a:r>
           </a:p>
@@ -8630,24 +9122,33 @@
               <a:buNone/>
             </a:pPr>
             <a:r>
-              <a:rPr lang="en-US" dirty="0"/>
+              <a:rPr lang="en-US" sz="1600" dirty="0"/>
               <a:t>	</a:t>
             </a:r>
             <a:r>
-              <a:rPr lang="en-US" dirty="0" err="1"/>
+              <a:rPr lang="en-US" sz="1600" dirty="0" err="1" smtClean="0"/>
               <a:t>printf</a:t>
             </a:r>
             <a:r>
-              <a:rPr lang="en-US" dirty="0"/>
-              <a:t>("a:%d b:%d",a,b);  //o/p  2,1</a:t>
-            </a:r>
-          </a:p>
-          <a:p>
-            <a:pPr marL="137160" indent="0">
-              <a:buNone/>
-            </a:pPr>
-            <a:r>
-              <a:rPr lang="en-US" dirty="0"/>
+              <a:rPr lang="en-US" sz="1600" dirty="0"/>
+              <a:t>("a:%d b:%d",a,b);  //</a:t>
+            </a:r>
+            <a:r>
+              <a:rPr lang="en-US" sz="1600"/>
+              <a:t>o/p  </a:t>
+            </a:r>
+            <a:r>
+              <a:rPr lang="en-US" sz="1600" smtClean="0"/>
+              <a:t>1,2</a:t>
+            </a:r>
+            <a:endParaRPr lang="en-US" sz="1600" dirty="0"/>
+          </a:p>
+          <a:p>
+            <a:pPr marL="137160" indent="0">
+              <a:buNone/>
+            </a:pPr>
+            <a:r>
+              <a:rPr lang="en-US" sz="1600" dirty="0"/>
               <a:t>	</a:t>
             </a:r>
           </a:p>
@@ -8656,19 +9157,16 @@
               <a:buNone/>
             </a:pPr>
             <a:r>
-              <a:rPr lang="en-US" dirty="0"/>
+              <a:rPr lang="en-US" sz="1600" dirty="0"/>
               <a:t>}</a:t>
             </a:r>
-          </a:p>
-          <a:p>
-            <a:endParaRPr lang="en-US" dirty="0"/>
           </a:p>
         </p:txBody>
       </p:sp>
     </p:spTree>
     <p:extLst>
       <p:ext uri="{BB962C8B-B14F-4D97-AF65-F5344CB8AC3E}">
-        <p14:creationId xmlns:p14="http://schemas.microsoft.com/office/powerpoint/2010/main" val="2758240029"/>
+        <p14:creationId xmlns:p14="http://schemas.microsoft.com/office/powerpoint/2010/main" val="327519173"/>
       </p:ext>
     </p:extLst>
   </p:cSld>

--- a/PPT/pointers.pptx
+++ b/PPT/pointers.pptx
@@ -5,31 +5,32 @@
     <p:sldMasterId id="2147483660" r:id="rId1"/>
   </p:sldMasterIdLst>
   <p:notesMasterIdLst>
-    <p:notesMasterId r:id="rId24"/>
+    <p:notesMasterId r:id="rId25"/>
   </p:notesMasterIdLst>
   <p:sldIdLst>
     <p:sldId id="256" r:id="rId2"/>
     <p:sldId id="257" r:id="rId3"/>
     <p:sldId id="258" r:id="rId4"/>
-    <p:sldId id="261" r:id="rId5"/>
-    <p:sldId id="279" r:id="rId6"/>
-    <p:sldId id="262" r:id="rId7"/>
-    <p:sldId id="263" r:id="rId8"/>
-    <p:sldId id="273" r:id="rId9"/>
-    <p:sldId id="274" r:id="rId10"/>
-    <p:sldId id="275" r:id="rId11"/>
-    <p:sldId id="264" r:id="rId12"/>
-    <p:sldId id="265" r:id="rId13"/>
-    <p:sldId id="266" r:id="rId14"/>
-    <p:sldId id="267" r:id="rId15"/>
-    <p:sldId id="268" r:id="rId16"/>
-    <p:sldId id="269" r:id="rId17"/>
-    <p:sldId id="270" r:id="rId18"/>
-    <p:sldId id="271" r:id="rId19"/>
-    <p:sldId id="272" r:id="rId20"/>
-    <p:sldId id="276" r:id="rId21"/>
-    <p:sldId id="277" r:id="rId22"/>
-    <p:sldId id="278" r:id="rId23"/>
+    <p:sldId id="280" r:id="rId5"/>
+    <p:sldId id="261" r:id="rId6"/>
+    <p:sldId id="279" r:id="rId7"/>
+    <p:sldId id="262" r:id="rId8"/>
+    <p:sldId id="263" r:id="rId9"/>
+    <p:sldId id="273" r:id="rId10"/>
+    <p:sldId id="274" r:id="rId11"/>
+    <p:sldId id="275" r:id="rId12"/>
+    <p:sldId id="264" r:id="rId13"/>
+    <p:sldId id="265" r:id="rId14"/>
+    <p:sldId id="266" r:id="rId15"/>
+    <p:sldId id="267" r:id="rId16"/>
+    <p:sldId id="268" r:id="rId17"/>
+    <p:sldId id="269" r:id="rId18"/>
+    <p:sldId id="270" r:id="rId19"/>
+    <p:sldId id="271" r:id="rId20"/>
+    <p:sldId id="272" r:id="rId21"/>
+    <p:sldId id="276" r:id="rId22"/>
+    <p:sldId id="277" r:id="rId23"/>
+    <p:sldId id="278" r:id="rId24"/>
   </p:sldIdLst>
   <p:sldSz cx="9144000" cy="6858000" type="screen4x3"/>
   <p:notesSz cx="6858000" cy="9144000"/>
@@ -213,7 +214,7 @@
           <a:p>
             <a:fld id="{C1B8E64C-0EDD-4C93-95A2-E8C52A5645D1}" type="datetimeFigureOut">
               <a:rPr lang="en-US" smtClean="0"/>
-              <a:t>09-Nov-20</a:t>
+              <a:t>10-Nov-20</a:t>
             </a:fld>
             <a:endParaRPr lang="en-US"/>
           </a:p>
@@ -593,7 +594,7 @@
             <a:fld id="{1D8BD707-D9CF-40AE-B4C6-C98DA3205C09}" type="datetimeFigureOut">
               <a:rPr lang="en-US" smtClean="0"/>
               <a:pPr/>
-              <a:t>09-Nov-20</a:t>
+              <a:t>10-Nov-20</a:t>
             </a:fld>
             <a:endParaRPr lang="en-US"/>
           </a:p>
@@ -821,7 +822,7 @@
             <a:fld id="{1D8BD707-D9CF-40AE-B4C6-C98DA3205C09}" type="datetimeFigureOut">
               <a:rPr lang="en-US" smtClean="0"/>
               <a:pPr/>
-              <a:t>09-Nov-20</a:t>
+              <a:t>10-Nov-20</a:t>
             </a:fld>
             <a:endParaRPr lang="en-US"/>
           </a:p>
@@ -998,7 +999,7 @@
             <a:fld id="{1D8BD707-D9CF-40AE-B4C6-C98DA3205C09}" type="datetimeFigureOut">
               <a:rPr lang="en-US" smtClean="0"/>
               <a:pPr/>
-              <a:t>09-Nov-20</a:t>
+              <a:t>10-Nov-20</a:t>
             </a:fld>
             <a:endParaRPr lang="en-US"/>
           </a:p>
@@ -1165,7 +1166,7 @@
             <a:fld id="{1D8BD707-D9CF-40AE-B4C6-C98DA3205C09}" type="datetimeFigureOut">
               <a:rPr lang="en-US" smtClean="0"/>
               <a:pPr/>
-              <a:t>09-Nov-20</a:t>
+              <a:t>10-Nov-20</a:t>
             </a:fld>
             <a:endParaRPr lang="en-US"/>
           </a:p>
@@ -1411,7 +1412,7 @@
             <a:fld id="{1D8BD707-D9CF-40AE-B4C6-C98DA3205C09}" type="datetimeFigureOut">
               <a:rPr lang="en-US" smtClean="0"/>
               <a:pPr/>
-              <a:t>09-Nov-20</a:t>
+              <a:t>10-Nov-20</a:t>
             </a:fld>
             <a:endParaRPr lang="en-US"/>
           </a:p>
@@ -1677,7 +1678,7 @@
             <a:fld id="{1D8BD707-D9CF-40AE-B4C6-C98DA3205C09}" type="datetimeFigureOut">
               <a:rPr lang="en-US" smtClean="0"/>
               <a:pPr/>
-              <a:t>09-Nov-20</a:t>
+              <a:t>10-Nov-20</a:t>
             </a:fld>
             <a:endParaRPr lang="en-US"/>
           </a:p>
@@ -2053,7 +2054,7 @@
             <a:fld id="{1D8BD707-D9CF-40AE-B4C6-C98DA3205C09}" type="datetimeFigureOut">
               <a:rPr lang="en-US" smtClean="0"/>
               <a:pPr/>
-              <a:t>09-Nov-20</a:t>
+              <a:t>10-Nov-20</a:t>
             </a:fld>
             <a:endParaRPr lang="en-US"/>
           </a:p>
@@ -2168,7 +2169,7 @@
             <a:fld id="{1D8BD707-D9CF-40AE-B4C6-C98DA3205C09}" type="datetimeFigureOut">
               <a:rPr lang="en-US" smtClean="0"/>
               <a:pPr/>
-              <a:t>09-Nov-20</a:t>
+              <a:t>10-Nov-20</a:t>
             </a:fld>
             <a:endParaRPr lang="en-US"/>
           </a:p>
@@ -2260,7 +2261,7 @@
             <a:fld id="{1D8BD707-D9CF-40AE-B4C6-C98DA3205C09}" type="datetimeFigureOut">
               <a:rPr lang="en-US" smtClean="0"/>
               <a:pPr/>
-              <a:t>09-Nov-20</a:t>
+              <a:t>10-Nov-20</a:t>
             </a:fld>
             <a:endParaRPr lang="en-US"/>
           </a:p>
@@ -2520,7 +2521,7 @@
             <a:fld id="{1D8BD707-D9CF-40AE-B4C6-C98DA3205C09}" type="datetimeFigureOut">
               <a:rPr lang="en-US" smtClean="0"/>
               <a:pPr/>
-              <a:t>09-Nov-20</a:t>
+              <a:t>10-Nov-20</a:t>
             </a:fld>
             <a:endParaRPr lang="en-US"/>
           </a:p>
@@ -2786,7 +2787,7 @@
             <a:fld id="{1D8BD707-D9CF-40AE-B4C6-C98DA3205C09}" type="datetimeFigureOut">
               <a:rPr lang="en-US" smtClean="0"/>
               <a:pPr/>
-              <a:t>09-Nov-20</a:t>
+              <a:t>10-Nov-20</a:t>
             </a:fld>
             <a:endParaRPr lang="en-US"/>
           </a:p>
@@ -3005,7 +3006,7 @@
             <a:fld id="{1D8BD707-D9CF-40AE-B4C6-C98DA3205C09}" type="datetimeFigureOut">
               <a:rPr lang="en-US" smtClean="0"/>
               <a:pPr/>
-              <a:t>09-Nov-20</a:t>
+              <a:t>10-Nov-20</a:t>
             </a:fld>
             <a:endParaRPr lang="en-US"/>
           </a:p>
@@ -3513,7 +3514,7 @@
           <a:p>
             <a:r>
               <a:rPr lang="en-US" dirty="0" smtClean="0"/>
-              <a:t>Call by ref</a:t>
+              <a:t>Call by value</a:t>
             </a:r>
             <a:endParaRPr lang="en-US" dirty="0"/>
           </a:p>
@@ -3531,13 +3532,13 @@
         </p:nvSpPr>
         <p:spPr>
           <a:xfrm>
-            <a:off x="457200" y="1219199"/>
-            <a:ext cx="8229600" cy="5464629"/>
+            <a:off x="457200" y="1295400"/>
+            <a:ext cx="8229600" cy="5562600"/>
           </a:xfrm>
         </p:spPr>
         <p:txBody>
           <a:bodyPr>
-            <a:normAutofit fontScale="62500" lnSpcReduction="20000"/>
+            <a:noAutofit/>
           </a:bodyPr>
           <a:lstStyle/>
           <a:p>
@@ -3545,47 +3546,47 @@
               <a:buNone/>
             </a:pPr>
             <a:r>
-              <a:rPr lang="en-US" dirty="0"/>
-              <a:t>//call by reference</a:t>
-            </a:r>
-          </a:p>
-          <a:p>
-            <a:pPr marL="137160" indent="0">
-              <a:buNone/>
-            </a:pPr>
-            <a:endParaRPr lang="en-US" dirty="0"/>
-          </a:p>
-          <a:p>
-            <a:pPr marL="137160" indent="0">
-              <a:buNone/>
-            </a:pPr>
-            <a:r>
-              <a:rPr lang="en-US" dirty="0"/>
+              <a:rPr lang="en-US" sz="1600" dirty="0"/>
+              <a:t>//call by value</a:t>
+            </a:r>
+          </a:p>
+          <a:p>
+            <a:pPr marL="137160" indent="0">
+              <a:buNone/>
+            </a:pPr>
+            <a:endParaRPr lang="en-US" sz="1600" dirty="0"/>
+          </a:p>
+          <a:p>
+            <a:pPr marL="137160" indent="0">
+              <a:buNone/>
+            </a:pPr>
+            <a:r>
+              <a:rPr lang="en-US" sz="1600" dirty="0"/>
               <a:t>void swap(</a:t>
             </a:r>
             <a:r>
-              <a:rPr lang="en-US" dirty="0" err="1"/>
+              <a:rPr lang="en-US" sz="1600" dirty="0" err="1"/>
               <a:t>int</a:t>
             </a:r>
             <a:r>
-              <a:rPr lang="en-US" dirty="0"/>
-              <a:t> *</a:t>
-            </a:r>
-            <a:r>
-              <a:rPr lang="en-US" dirty="0" err="1"/>
+              <a:rPr lang="en-US" sz="1600" dirty="0"/>
+              <a:t> </a:t>
+            </a:r>
+            <a:r>
+              <a:rPr lang="en-US" sz="1600" dirty="0" err="1"/>
               <a:t>a,int</a:t>
             </a:r>
             <a:r>
-              <a:rPr lang="en-US" dirty="0"/>
-              <a:t> *b)</a:t>
-            </a:r>
-          </a:p>
-          <a:p>
-            <a:pPr marL="137160" indent="0">
-              <a:buNone/>
-            </a:pPr>
-            <a:r>
-              <a:rPr lang="en-US" dirty="0"/>
+              <a:rPr lang="en-US" sz="1600" dirty="0"/>
+              <a:t> b)</a:t>
+            </a:r>
+          </a:p>
+          <a:p>
+            <a:pPr marL="137160" indent="0">
+              <a:buNone/>
+            </a:pPr>
+            <a:r>
+              <a:rPr lang="en-US" sz="1600" dirty="0"/>
               <a:t>{</a:t>
             </a:r>
           </a:p>
@@ -3594,50 +3595,50 @@
               <a:buNone/>
             </a:pPr>
             <a:r>
-              <a:rPr lang="en-US" dirty="0"/>
+              <a:rPr lang="en-US" sz="1600" dirty="0"/>
               <a:t>	</a:t>
             </a:r>
             <a:r>
-              <a:rPr lang="en-US" dirty="0" err="1"/>
+              <a:rPr lang="en-US" sz="1600" dirty="0" err="1"/>
               <a:t>int</a:t>
             </a:r>
             <a:r>
-              <a:rPr lang="en-US" dirty="0"/>
-              <a:t> temp=*a;</a:t>
-            </a:r>
-          </a:p>
-          <a:p>
-            <a:pPr marL="137160" indent="0">
-              <a:buNone/>
-            </a:pPr>
-            <a:r>
-              <a:rPr lang="en-US" dirty="0"/>
-              <a:t>	*a=*b;</a:t>
-            </a:r>
-          </a:p>
-          <a:p>
-            <a:pPr marL="137160" indent="0">
-              <a:buNone/>
-            </a:pPr>
-            <a:r>
-              <a:rPr lang="en-US" dirty="0"/>
-              <a:t>	*b=temp;</a:t>
-            </a:r>
-          </a:p>
-          <a:p>
-            <a:pPr marL="137160" indent="0">
-              <a:buNone/>
-            </a:pPr>
-            <a:r>
-              <a:rPr lang="en-US" dirty="0"/>
+              <a:rPr lang="en-US" sz="1600" dirty="0"/>
+              <a:t> temp=a;</a:t>
+            </a:r>
+          </a:p>
+          <a:p>
+            <a:pPr marL="137160" indent="0">
+              <a:buNone/>
+            </a:pPr>
+            <a:r>
+              <a:rPr lang="en-US" sz="1600" dirty="0"/>
+              <a:t>	a=b;</a:t>
+            </a:r>
+          </a:p>
+          <a:p>
+            <a:pPr marL="137160" indent="0">
+              <a:buNone/>
+            </a:pPr>
+            <a:r>
+              <a:rPr lang="en-US" sz="1600" dirty="0"/>
+              <a:t>	b=temp;</a:t>
+            </a:r>
+          </a:p>
+          <a:p>
+            <a:pPr marL="137160" indent="0">
+              <a:buNone/>
+            </a:pPr>
+            <a:r>
+              <a:rPr lang="en-US" sz="1600" dirty="0"/>
               <a:t>	//</a:t>
             </a:r>
             <a:r>
-              <a:rPr lang="en-US" dirty="0" err="1"/>
+              <a:rPr lang="en-US" sz="1600" dirty="0" err="1"/>
               <a:t>printf</a:t>
             </a:r>
             <a:r>
-              <a:rPr lang="en-US" dirty="0"/>
+              <a:rPr lang="en-US" sz="1600" dirty="0"/>
               <a:t>("a:%d b:%d",a,b);  //o/p  2,1</a:t>
             </a:r>
           </a:p>
@@ -3646,7 +3647,7 @@
               <a:buNone/>
             </a:pPr>
             <a:r>
-              <a:rPr lang="en-US" dirty="0"/>
+              <a:rPr lang="en-US" sz="1600" dirty="0"/>
               <a:t>}</a:t>
             </a:r>
           </a:p>
@@ -3654,20 +3655,20 @@
             <a:pPr marL="137160" indent="0">
               <a:buNone/>
             </a:pPr>
-            <a:endParaRPr lang="en-US" dirty="0"/>
-          </a:p>
-          <a:p>
-            <a:pPr marL="137160" indent="0">
-              <a:buNone/>
-            </a:pPr>
-            <a:endParaRPr lang="en-US" dirty="0"/>
-          </a:p>
-          <a:p>
-            <a:pPr marL="137160" indent="0">
-              <a:buNone/>
-            </a:pPr>
-            <a:r>
-              <a:rPr lang="en-US" dirty="0"/>
+            <a:endParaRPr lang="en-US" sz="1600" dirty="0"/>
+          </a:p>
+          <a:p>
+            <a:pPr marL="137160" indent="0">
+              <a:buNone/>
+            </a:pPr>
+            <a:endParaRPr lang="en-US" sz="1600" dirty="0"/>
+          </a:p>
+          <a:p>
+            <a:pPr marL="137160" indent="0">
+              <a:buNone/>
+            </a:pPr>
+            <a:r>
+              <a:rPr lang="en-US" sz="1600" dirty="0"/>
               <a:t>void main()</a:t>
             </a:r>
           </a:p>
@@ -3676,7 +3677,7 @@
               <a:buNone/>
             </a:pPr>
             <a:r>
-              <a:rPr lang="en-US" dirty="0"/>
+              <a:rPr lang="en-US" sz="1600" dirty="0"/>
               <a:t>{</a:t>
             </a:r>
           </a:p>
@@ -3685,15 +3686,15 @@
               <a:buNone/>
             </a:pPr>
             <a:r>
-              <a:rPr lang="en-US" dirty="0"/>
+              <a:rPr lang="en-US" sz="1600" dirty="0"/>
               <a:t>	</a:t>
             </a:r>
             <a:r>
-              <a:rPr lang="en-US" dirty="0" err="1"/>
+              <a:rPr lang="en-US" sz="1600" dirty="0" err="1"/>
               <a:t>int</a:t>
             </a:r>
             <a:r>
-              <a:rPr lang="en-US" dirty="0"/>
+              <a:rPr lang="en-US" sz="1600" dirty="0"/>
               <a:t> a=1,b=2;</a:t>
             </a:r>
           </a:p>
@@ -3702,15 +3703,15 @@
               <a:buNone/>
             </a:pPr>
             <a:r>
-              <a:rPr lang="en-US" dirty="0"/>
-              <a:t>	swap(&amp;</a:t>
-            </a:r>
-            <a:r>
-              <a:rPr lang="en-US" dirty="0" err="1"/>
-              <a:t>a,&amp;b</a:t>
-            </a:r>
-            <a:r>
-              <a:rPr lang="en-US" dirty="0"/>
+              <a:rPr lang="en-US" sz="1600" dirty="0"/>
+              <a:t>	swap(</a:t>
+            </a:r>
+            <a:r>
+              <a:rPr lang="en-US" sz="1600" dirty="0" err="1"/>
+              <a:t>a,b</a:t>
+            </a:r>
+            <a:r>
+              <a:rPr lang="en-US" sz="1600" dirty="0"/>
               <a:t>);</a:t>
             </a:r>
           </a:p>
@@ -3719,24 +3720,33 @@
               <a:buNone/>
             </a:pPr>
             <a:r>
-              <a:rPr lang="en-US" dirty="0"/>
+              <a:rPr lang="en-US" sz="1600" dirty="0"/>
               <a:t>	</a:t>
             </a:r>
             <a:r>
-              <a:rPr lang="en-US" dirty="0" err="1"/>
+              <a:rPr lang="en-US" sz="1600" dirty="0" err="1" smtClean="0"/>
               <a:t>printf</a:t>
             </a:r>
             <a:r>
-              <a:rPr lang="en-US" dirty="0"/>
-              <a:t>("a:%d b:%d",a,b);  //o/p  2,1</a:t>
-            </a:r>
-          </a:p>
-          <a:p>
-            <a:pPr marL="137160" indent="0">
-              <a:buNone/>
-            </a:pPr>
-            <a:r>
-              <a:rPr lang="en-US" dirty="0"/>
+              <a:rPr lang="en-US" sz="1600" dirty="0"/>
+              <a:t>("a:%d b:%d",a,b);  //</a:t>
+            </a:r>
+            <a:r>
+              <a:rPr lang="en-US" sz="1600"/>
+              <a:t>o/p  </a:t>
+            </a:r>
+            <a:r>
+              <a:rPr lang="en-US" sz="1600" smtClean="0"/>
+              <a:t>1,2</a:t>
+            </a:r>
+            <a:endParaRPr lang="en-US" sz="1600" dirty="0"/>
+          </a:p>
+          <a:p>
+            <a:pPr marL="137160" indent="0">
+              <a:buNone/>
+            </a:pPr>
+            <a:r>
+              <a:rPr lang="en-US" sz="1600" dirty="0"/>
               <a:t>	</a:t>
             </a:r>
           </a:p>
@@ -3745,19 +3755,16 @@
               <a:buNone/>
             </a:pPr>
             <a:r>
-              <a:rPr lang="en-US" dirty="0"/>
+              <a:rPr lang="en-US" sz="1600" dirty="0"/>
               <a:t>}</a:t>
             </a:r>
-          </a:p>
-          <a:p>
-            <a:endParaRPr lang="en-US" dirty="0"/>
           </a:p>
         </p:txBody>
       </p:sp>
     </p:spTree>
     <p:extLst>
       <p:ext uri="{BB962C8B-B14F-4D97-AF65-F5344CB8AC3E}">
-        <p14:creationId xmlns:p14="http://schemas.microsoft.com/office/powerpoint/2010/main" val="2758240029"/>
+        <p14:creationId xmlns:p14="http://schemas.microsoft.com/office/powerpoint/2010/main" val="327519173"/>
       </p:ext>
     </p:extLst>
   </p:cSld>
@@ -3803,101 +3810,76 @@
         </p:nvSpPr>
         <p:spPr/>
         <p:txBody>
+          <a:bodyPr/>
+          <a:lstStyle/>
+          <a:p>
+            <a:r>
+              <a:rPr lang="en-US" dirty="0" smtClean="0"/>
+              <a:t>Call by ref</a:t>
+            </a:r>
+            <a:endParaRPr lang="en-US" dirty="0"/>
+          </a:p>
+        </p:txBody>
+      </p:sp>
+      <p:sp>
+        <p:nvSpPr>
+          <p:cNvPr id="3" name="Content Placeholder 2"/>
+          <p:cNvSpPr>
+            <a:spLocks noGrp="1"/>
+          </p:cNvSpPr>
+          <p:nvPr>
+            <p:ph idx="1"/>
+          </p:nvPr>
+        </p:nvSpPr>
+        <p:spPr>
+          <a:xfrm>
+            <a:off x="457200" y="1219199"/>
+            <a:ext cx="8229600" cy="5464629"/>
+          </a:xfrm>
+        </p:spPr>
+        <p:txBody>
           <a:bodyPr>
-            <a:normAutofit fontScale="90000"/>
+            <a:normAutofit fontScale="62500" lnSpcReduction="20000"/>
           </a:bodyPr>
           <a:lstStyle/>
           <a:p>
-            <a:r>
-              <a:rPr lang="en-US" sz="3100" dirty="0"/>
-              <a:t>Difference between ++*p, *p++ and *++p</a:t>
-            </a:r>
-            <a:r>
-              <a:rPr lang="en-US" sz="4400" dirty="0"/>
-              <a:t/>
-            </a:r>
-            <a:br>
-              <a:rPr lang="en-US" sz="4400" dirty="0"/>
-            </a:br>
+            <a:pPr marL="137160" indent="0">
+              <a:buNone/>
+            </a:pPr>
+            <a:r>
+              <a:rPr lang="en-US" dirty="0"/>
+              <a:t>//call by reference</a:t>
+            </a:r>
+          </a:p>
+          <a:p>
+            <a:pPr marL="137160" indent="0">
+              <a:buNone/>
+            </a:pPr>
             <a:endParaRPr lang="en-US" dirty="0"/>
           </a:p>
-        </p:txBody>
-      </p:sp>
-      <p:sp>
-        <p:nvSpPr>
-          <p:cNvPr id="3" name="Content Placeholder 2"/>
-          <p:cNvSpPr>
-            <a:spLocks noGrp="1"/>
-          </p:cNvSpPr>
-          <p:nvPr>
-            <p:ph idx="1"/>
-          </p:nvPr>
-        </p:nvSpPr>
-        <p:spPr/>
-        <p:txBody>
-          <a:bodyPr>
-            <a:normAutofit fontScale="92500" lnSpcReduction="10000"/>
-          </a:bodyPr>
-          <a:lstStyle/>
-          <a:p>
-            <a:pPr marL="137160" indent="0">
-              <a:buNone/>
-            </a:pPr>
-            <a:r>
-              <a:rPr lang="en-US" b="1" dirty="0">
-                <a:solidFill>
-                  <a:srgbClr val="FF0000"/>
-                </a:solidFill>
-              </a:rPr>
-              <a:t>C program using expression ++*p </a:t>
-            </a:r>
-            <a:r>
-              <a:rPr lang="en-US" b="1" dirty="0" smtClean="0">
-                <a:solidFill>
-                  <a:srgbClr val="FF0000"/>
-                </a:solidFill>
-              </a:rPr>
-              <a:t>:</a:t>
-            </a:r>
-          </a:p>
-          <a:p>
-            <a:pPr marL="137160" indent="0">
-              <a:buNone/>
-            </a:pPr>
-            <a:endParaRPr lang="en-US" b="1" dirty="0"/>
-          </a:p>
-          <a:p>
-            <a:pPr marL="137160" indent="0">
-              <a:buNone/>
-            </a:pPr>
-            <a:r>
-              <a:rPr lang="en-US" dirty="0"/>
-              <a:t>#include &lt;</a:t>
-            </a:r>
-            <a:r>
-              <a:rPr lang="en-US" dirty="0" err="1"/>
-              <a:t>stdio.h</a:t>
-            </a:r>
-            <a:r>
-              <a:rPr lang="en-US" dirty="0" smtClean="0"/>
-              <a:t>&gt;</a:t>
-            </a:r>
-          </a:p>
-          <a:p>
-            <a:pPr marL="137160" indent="0">
-              <a:buNone/>
-            </a:pPr>
-            <a:r>
-              <a:rPr lang="en-US" dirty="0" err="1" smtClean="0"/>
+          <a:p>
+            <a:pPr marL="137160" indent="0">
+              <a:buNone/>
+            </a:pPr>
+            <a:r>
+              <a:rPr lang="en-US" dirty="0"/>
+              <a:t>void swap(</a:t>
+            </a:r>
+            <a:r>
+              <a:rPr lang="en-US" dirty="0" err="1"/>
               <a:t>int</a:t>
             </a:r>
             <a:r>
-              <a:rPr lang="en-US" dirty="0" smtClean="0"/>
-              <a:t> </a:t>
-            </a:r>
-            <a:r>
-              <a:rPr lang="en-US" dirty="0"/>
-              <a:t>main()</a:t>
+              <a:rPr lang="en-US" dirty="0"/>
+              <a:t> *</a:t>
+            </a:r>
+            <a:r>
+              <a:rPr lang="en-US" dirty="0" err="1"/>
+              <a:t>a,int</a:t>
+            </a:r>
+            <a:r>
+              <a:rPr lang="en-US" dirty="0"/>
+              <a:t> *b)</a:t>
             </a:r>
           </a:p>
           <a:p>
@@ -3910,129 +3892,154 @@
             </a:r>
           </a:p>
           <a:p>
-            <a:pPr marL="457200" lvl="1" indent="0">
-              <a:buNone/>
-            </a:pPr>
+            <a:pPr marL="137160" indent="0">
+              <a:buNone/>
+            </a:pPr>
+            <a:r>
+              <a:rPr lang="en-US" dirty="0"/>
+              <a:t>	</a:t>
+            </a:r>
             <a:r>
               <a:rPr lang="en-US" dirty="0" err="1"/>
               <a:t>int</a:t>
             </a:r>
             <a:r>
               <a:rPr lang="en-US" dirty="0"/>
-              <a:t> </a:t>
-            </a:r>
-            <a:r>
-              <a:rPr lang="en-US" dirty="0" err="1"/>
-              <a:t>arr</a:t>
-            </a:r>
-            <a:r>
-              <a:rPr lang="en-US" dirty="0"/>
-              <a:t>[5] = {100,200,300,400,500};</a:t>
-            </a:r>
-          </a:p>
-          <a:p>
-            <a:pPr marL="457200" lvl="1" indent="0">
-              <a:buNone/>
-            </a:pPr>
+              <a:t> temp=*a;</a:t>
+            </a:r>
+          </a:p>
+          <a:p>
+            <a:pPr marL="137160" indent="0">
+              <a:buNone/>
+            </a:pPr>
+            <a:r>
+              <a:rPr lang="en-US" dirty="0"/>
+              <a:t>	*a=*b;</a:t>
+            </a:r>
+          </a:p>
+          <a:p>
+            <a:pPr marL="137160" indent="0">
+              <a:buNone/>
+            </a:pPr>
+            <a:r>
+              <a:rPr lang="en-US" dirty="0"/>
+              <a:t>	*b=temp;</a:t>
+            </a:r>
+          </a:p>
+          <a:p>
+            <a:pPr marL="137160" indent="0">
+              <a:buNone/>
+            </a:pPr>
+            <a:r>
+              <a:rPr lang="en-US" dirty="0"/>
+              <a:t>	//</a:t>
+            </a:r>
+            <a:r>
+              <a:rPr lang="en-US" dirty="0" err="1"/>
+              <a:t>printf</a:t>
+            </a:r>
+            <a:r>
+              <a:rPr lang="en-US" dirty="0"/>
+              <a:t>("a:%d b:%d",a,b);  //o/p  2,1</a:t>
+            </a:r>
+          </a:p>
+          <a:p>
+            <a:pPr marL="137160" indent="0">
+              <a:buNone/>
+            </a:pPr>
+            <a:r>
+              <a:rPr lang="en-US" dirty="0"/>
+              <a:t>}</a:t>
+            </a:r>
+          </a:p>
+          <a:p>
+            <a:pPr marL="137160" indent="0">
+              <a:buNone/>
+            </a:pPr>
+            <a:endParaRPr lang="en-US" dirty="0"/>
+          </a:p>
+          <a:p>
+            <a:pPr marL="137160" indent="0">
+              <a:buNone/>
+            </a:pPr>
+            <a:endParaRPr lang="en-US" dirty="0"/>
+          </a:p>
+          <a:p>
+            <a:pPr marL="137160" indent="0">
+              <a:buNone/>
+            </a:pPr>
+            <a:r>
+              <a:rPr lang="en-US" dirty="0"/>
+              <a:t>void main()</a:t>
+            </a:r>
+          </a:p>
+          <a:p>
+            <a:pPr marL="137160" indent="0">
+              <a:buNone/>
+            </a:pPr>
+            <a:r>
+              <a:rPr lang="en-US" dirty="0"/>
+              <a:t>{</a:t>
+            </a:r>
+          </a:p>
+          <a:p>
+            <a:pPr marL="137160" indent="0">
+              <a:buNone/>
+            </a:pPr>
+            <a:r>
+              <a:rPr lang="en-US" dirty="0"/>
+              <a:t>	</a:t>
+            </a:r>
             <a:r>
               <a:rPr lang="en-US" dirty="0" err="1"/>
               <a:t>int</a:t>
             </a:r>
             <a:r>
               <a:rPr lang="en-US" dirty="0"/>
-              <a:t> *p = </a:t>
-            </a:r>
-            <a:r>
-              <a:rPr lang="en-US" dirty="0" err="1"/>
-              <a:t>arr</a:t>
-            </a:r>
-            <a:r>
-              <a:rPr lang="en-US" dirty="0"/>
-              <a:t>;</a:t>
-            </a:r>
-          </a:p>
-          <a:p>
-            <a:pPr marL="457200" lvl="1" indent="0">
-              <a:buNone/>
-            </a:pPr>
-            <a:r>
-              <a:rPr lang="en-US" dirty="0"/>
-              <a:t>++*p</a:t>
-            </a:r>
-            <a:r>
-              <a:rPr lang="en-US" dirty="0" smtClean="0"/>
-              <a:t>;  //</a:t>
-            </a:r>
-            <a:r>
-              <a:rPr lang="en-US" dirty="0" err="1" smtClean="0"/>
-              <a:t>inc</a:t>
-            </a:r>
-            <a:r>
-              <a:rPr lang="en-US" dirty="0" smtClean="0"/>
-              <a:t> </a:t>
-            </a:r>
-            <a:r>
-              <a:rPr lang="en-US" dirty="0" err="1" smtClean="0"/>
-              <a:t>val</a:t>
-            </a:r>
-            <a:endParaRPr lang="en-US" dirty="0"/>
-          </a:p>
-          <a:p>
-            <a:pPr marL="457200" lvl="1" indent="0">
-              <a:buNone/>
-            </a:pPr>
+              <a:t> a=1,b=2;</a:t>
+            </a:r>
+          </a:p>
+          <a:p>
+            <a:pPr marL="137160" indent="0">
+              <a:buNone/>
+            </a:pPr>
+            <a:r>
+              <a:rPr lang="en-US" dirty="0"/>
+              <a:t>	swap(&amp;</a:t>
+            </a:r>
+            <a:r>
+              <a:rPr lang="en-US" dirty="0" err="1"/>
+              <a:t>a,&amp;b</a:t>
+            </a:r>
+            <a:r>
+              <a:rPr lang="en-US" dirty="0"/>
+              <a:t>);</a:t>
+            </a:r>
+          </a:p>
+          <a:p>
+            <a:pPr marL="137160" indent="0">
+              <a:buNone/>
+            </a:pPr>
+            <a:r>
+              <a:rPr lang="en-US" dirty="0"/>
+              <a:t>	</a:t>
+            </a:r>
             <a:r>
               <a:rPr lang="en-US" dirty="0" err="1"/>
               <a:t>printf</a:t>
             </a:r>
             <a:r>
               <a:rPr lang="en-US" dirty="0"/>
-              <a:t>("</a:t>
-            </a:r>
-            <a:r>
-              <a:rPr lang="en-US" dirty="0" err="1"/>
-              <a:t>arr</a:t>
-            </a:r>
-            <a:r>
-              <a:rPr lang="en-US" dirty="0"/>
-              <a:t>[0] = %d, </a:t>
-            </a:r>
-            <a:r>
-              <a:rPr lang="en-US" dirty="0" err="1"/>
-              <a:t>arr</a:t>
-            </a:r>
-            <a:r>
-              <a:rPr lang="en-US" dirty="0"/>
-              <a:t>[1] = %d, *p = %d", </a:t>
-            </a:r>
-            <a:r>
-              <a:rPr lang="en-US" dirty="0" err="1"/>
-              <a:t>arr</a:t>
-            </a:r>
-            <a:r>
-              <a:rPr lang="en-US" dirty="0"/>
-              <a:t>[0], </a:t>
-            </a:r>
-            <a:r>
-              <a:rPr lang="en-US" dirty="0" err="1"/>
-              <a:t>arr</a:t>
-            </a:r>
-            <a:r>
-              <a:rPr lang="en-US" dirty="0"/>
-              <a:t>[1], *p);</a:t>
-            </a:r>
-          </a:p>
-          <a:p>
-            <a:pPr marL="457200" lvl="1" indent="0">
-              <a:buNone/>
-            </a:pPr>
-            <a:r>
-              <a:rPr lang="en-US" b="1" dirty="0"/>
-              <a:t>return</a:t>
-            </a:r>
-            <a:r>
-              <a:rPr lang="en-US" dirty="0"/>
-              <a:t> 0;</a:t>
+              <a:t>("a:%d b:%d",a,b);  //o/p  2,1</a:t>
+            </a:r>
+          </a:p>
+          <a:p>
+            <a:pPr marL="137160" indent="0">
+              <a:buNone/>
+            </a:pPr>
+            <a:r>
+              <a:rPr lang="en-US" dirty="0"/>
+              <a:t>	</a:t>
             </a:r>
           </a:p>
           <a:p>
@@ -4052,7 +4059,7 @@
     </p:spTree>
     <p:extLst>
       <p:ext uri="{BB962C8B-B14F-4D97-AF65-F5344CB8AC3E}">
-        <p14:creationId xmlns:p14="http://schemas.microsoft.com/office/powerpoint/2010/main" val="2132184178"/>
+        <p14:creationId xmlns:p14="http://schemas.microsoft.com/office/powerpoint/2010/main" val="2758240029"/>
       </p:ext>
     </p:extLst>
   </p:cSld>
@@ -4104,21 +4111,15 @@
           <a:lstStyle/>
           <a:p>
             <a:r>
-              <a:rPr lang="en-US" sz="3600" dirty="0">
-                <a:effectLst/>
-              </a:rPr>
-              <a:t>C program using expression *p++ :</a:t>
-            </a:r>
-            <a:r>
-              <a:rPr lang="en-US" dirty="0">
-                <a:effectLst/>
-              </a:rPr>
+              <a:rPr lang="en-US" sz="3100" dirty="0"/>
+              <a:t>Difference between ++*p, *p++ and *++p</a:t>
+            </a:r>
+            <a:r>
+              <a:rPr lang="en-US" sz="4400" dirty="0"/>
               <a:t/>
             </a:r>
             <a:br>
-              <a:rPr lang="en-US" dirty="0">
-                <a:effectLst/>
-              </a:rPr>
+              <a:rPr lang="en-US" sz="4400" dirty="0"/>
             </a:br>
             <a:endParaRPr lang="en-US" dirty="0"/>
           </a:p>
@@ -4137,7 +4138,7 @@
         <p:spPr/>
         <p:txBody>
           <a:bodyPr>
-            <a:normAutofit/>
+            <a:normAutofit fontScale="92500" lnSpcReduction="10000"/>
           </a:bodyPr>
           <a:lstStyle/>
           <a:p>
@@ -4145,6 +4146,33 @@
               <a:buNone/>
             </a:pPr>
             <a:r>
+              <a:rPr lang="en-US" b="1" dirty="0">
+                <a:solidFill>
+                  <a:srgbClr val="FF0000"/>
+                </a:solidFill>
+              </a:rPr>
+              <a:t>C program using expression ++*p </a:t>
+            </a:r>
+            <a:r>
+              <a:rPr lang="en-US" b="1" dirty="0" smtClean="0">
+                <a:solidFill>
+                  <a:srgbClr val="FF0000"/>
+                </a:solidFill>
+              </a:rPr>
+              <a:t>:</a:t>
+            </a:r>
+          </a:p>
+          <a:p>
+            <a:pPr marL="137160" indent="0">
+              <a:buNone/>
+            </a:pPr>
+            <a:endParaRPr lang="en-US" b="1" dirty="0"/>
+          </a:p>
+          <a:p>
+            <a:pPr marL="137160" indent="0">
+              <a:buNone/>
+            </a:pPr>
+            <a:r>
               <a:rPr lang="en-US" dirty="0"/>
               <a:t>#include &lt;</a:t>
             </a:r>
@@ -4153,7 +4181,7 @@
               <a:t>stdio.h</a:t>
             </a:r>
             <a:r>
-              <a:rPr lang="en-US" dirty="0"/>
+              <a:rPr lang="en-US" dirty="0" smtClean="0"/>
               <a:t>&gt;</a:t>
             </a:r>
           </a:p>
@@ -4162,12 +4190,16 @@
               <a:buNone/>
             </a:pPr>
             <a:r>
-              <a:rPr lang="en-US" dirty="0" err="1"/>
+              <a:rPr lang="en-US" dirty="0" err="1" smtClean="0"/>
               <a:t>int</a:t>
             </a:r>
             <a:r>
-              <a:rPr lang="en-US" dirty="0"/>
-              <a:t> main()</a:t>
+              <a:rPr lang="en-US" dirty="0" smtClean="0"/>
+              <a:t> </a:t>
+            </a:r>
+            <a:r>
+              <a:rPr lang="en-US" dirty="0"/>
+              <a:t>main()</a:t>
             </a:r>
           </a:p>
           <a:p>
@@ -4227,11 +4259,11 @@
             </a:pPr>
             <a:r>
               <a:rPr lang="en-US" dirty="0"/>
-              <a:t>*p</a:t>
+              <a:t>++*p</a:t>
             </a:r>
             <a:r>
               <a:rPr lang="en-US" dirty="0" smtClean="0"/>
-              <a:t>++;  //</a:t>
+              <a:t>;  //</a:t>
             </a:r>
             <a:r>
               <a:rPr lang="en-US" dirty="0" err="1" smtClean="0"/>
@@ -4243,7 +4275,7 @@
             </a:r>
             <a:r>
               <a:rPr lang="en-US" dirty="0" err="1" smtClean="0"/>
-              <a:t>addr</a:t>
+              <a:t>val</a:t>
             </a:r>
             <a:endParaRPr lang="en-US" dirty="0"/>
           </a:p>
@@ -4315,9 +4347,6 @@
             </a:r>
           </a:p>
           <a:p>
-            <a:pPr marL="137160" indent="0">
-              <a:buNone/>
-            </a:pPr>
             <a:endParaRPr lang="en-US" dirty="0"/>
           </a:p>
         </p:txBody>
@@ -4325,7 +4354,7 @@
     </p:spTree>
     <p:extLst>
       <p:ext uri="{BB962C8B-B14F-4D97-AF65-F5344CB8AC3E}">
-        <p14:creationId xmlns:p14="http://schemas.microsoft.com/office/powerpoint/2010/main" val="1951205022"/>
+        <p14:creationId xmlns:p14="http://schemas.microsoft.com/office/powerpoint/2010/main" val="2132184178"/>
       </p:ext>
     </p:extLst>
   </p:cSld>
@@ -4380,7 +4409,7 @@
               <a:rPr lang="en-US" sz="3600" dirty="0">
                 <a:effectLst/>
               </a:rPr>
-              <a:t>C program using expression *++p :</a:t>
+              <a:t>C program using expression *p++ :</a:t>
             </a:r>
             <a:r>
               <a:rPr lang="en-US" dirty="0">
@@ -4407,12 +4436,7 @@
             <p:ph idx="1"/>
           </p:nvPr>
         </p:nvSpPr>
-        <p:spPr>
-          <a:xfrm>
-            <a:off x="533400" y="1600200"/>
-            <a:ext cx="8229600" cy="4709160"/>
-          </a:xfrm>
-        </p:spPr>
+        <p:spPr/>
         <p:txBody>
           <a:bodyPr>
             <a:normAutofit/>
@@ -4505,11 +4529,11 @@
             </a:pPr>
             <a:r>
               <a:rPr lang="en-US" dirty="0"/>
-              <a:t>*++p</a:t>
+              <a:t>*p</a:t>
             </a:r>
             <a:r>
               <a:rPr lang="en-US" dirty="0" smtClean="0"/>
-              <a:t>;   //</a:t>
+              <a:t>++;  //</a:t>
             </a:r>
             <a:r>
               <a:rPr lang="en-US" dirty="0" err="1" smtClean="0"/>
@@ -4603,13 +4627,20 @@
     </p:spTree>
     <p:extLst>
       <p:ext uri="{BB962C8B-B14F-4D97-AF65-F5344CB8AC3E}">
-        <p14:creationId xmlns:p14="http://schemas.microsoft.com/office/powerpoint/2010/main" val="252199236"/>
+        <p14:creationId xmlns:p14="http://schemas.microsoft.com/office/powerpoint/2010/main" val="1951205022"/>
       </p:ext>
     </p:extLst>
   </p:cSld>
   <p:clrMapOvr>
     <a:masterClrMapping/>
   </p:clrMapOvr>
+  <p:timing>
+    <p:tnLst>
+      <p:par>
+        <p:cTn id="1" dur="indefinite" restart="never" nodeType="tmRoot"/>
+      </p:par>
+    </p:tnLst>
+  </p:timing>
 </p:sld>
 </file>
 
@@ -4642,13 +4673,28 @@
         </p:nvSpPr>
         <p:spPr/>
         <p:txBody>
-          <a:bodyPr/>
+          <a:bodyPr>
+            <a:normAutofit fontScale="90000"/>
+          </a:bodyPr>
           <a:lstStyle/>
           <a:p>
             <a:r>
-              <a:rPr lang="en-US" dirty="0" smtClean="0"/>
-              <a:t>Find bug</a:t>
-            </a:r>
+              <a:rPr lang="en-US" sz="3600" dirty="0">
+                <a:effectLst/>
+              </a:rPr>
+              <a:t>C program using expression *++p :</a:t>
+            </a:r>
+            <a:r>
+              <a:rPr lang="en-US" dirty="0">
+                <a:effectLst/>
+              </a:rPr>
+              <a:t/>
+            </a:r>
+            <a:br>
+              <a:rPr lang="en-US" dirty="0">
+                <a:effectLst/>
+              </a:rPr>
+            </a:br>
             <a:endParaRPr lang="en-US" dirty="0"/>
           </a:p>
         </p:txBody>
@@ -4663,7 +4709,12 @@
             <p:ph idx="1"/>
           </p:nvPr>
         </p:nvSpPr>
-        <p:spPr/>
+        <p:spPr>
+          <a:xfrm>
+            <a:off x="533400" y="1600200"/>
+            <a:ext cx="8229600" cy="4709160"/>
+          </a:xfrm>
+        </p:spPr>
         <p:txBody>
           <a:bodyPr>
             <a:normAutofit/>
@@ -4674,15 +4725,15 @@
               <a:buNone/>
             </a:pPr>
             <a:r>
-              <a:rPr lang="en-US" sz="2400" dirty="0"/>
+              <a:rPr lang="en-US" dirty="0"/>
               <a:t>#include &lt;</a:t>
             </a:r>
             <a:r>
-              <a:rPr lang="en-US" sz="2400" dirty="0" err="1"/>
+              <a:rPr lang="en-US" dirty="0" err="1"/>
               <a:t>stdio.h</a:t>
             </a:r>
             <a:r>
-              <a:rPr lang="en-US" sz="2400" dirty="0" smtClean="0"/>
+              <a:rPr lang="en-US" dirty="0"/>
               <a:t>&gt;</a:t>
             </a:r>
           </a:p>
@@ -4691,29 +4742,42 @@
               <a:buNone/>
             </a:pPr>
             <a:r>
-              <a:rPr lang="en-US" sz="2400" dirty="0" err="1" smtClean="0"/>
+              <a:rPr lang="en-US" dirty="0" err="1"/>
               <a:t>int</a:t>
             </a:r>
             <a:r>
-              <a:rPr lang="en-US" sz="2400" dirty="0" smtClean="0"/>
+              <a:rPr lang="en-US" dirty="0"/>
+              <a:t> main()</a:t>
+            </a:r>
+          </a:p>
+          <a:p>
+            <a:pPr marL="137160" indent="0">
+              <a:buNone/>
+            </a:pPr>
+            <a:r>
+              <a:rPr lang="en-US" dirty="0"/>
+              <a:t>{</a:t>
+            </a:r>
+          </a:p>
+          <a:p>
+            <a:pPr marL="457200" lvl="1" indent="0">
+              <a:buNone/>
+            </a:pPr>
+            <a:r>
+              <a:rPr lang="en-US" dirty="0" err="1"/>
+              <a:t>int</a:t>
+            </a:r>
+            <a:r>
+              <a:rPr lang="en-US" dirty="0"/>
               <a:t> </a:t>
             </a:r>
             <a:r>
-              <a:rPr lang="en-US" sz="2400" dirty="0"/>
-              <a:t>main</a:t>
-            </a:r>
-            <a:r>
-              <a:rPr lang="en-US" sz="2400" dirty="0" smtClean="0"/>
-              <a:t>()</a:t>
-            </a:r>
-          </a:p>
-          <a:p>
-            <a:pPr marL="137160" indent="0">
-              <a:buNone/>
-            </a:pPr>
-            <a:r>
-              <a:rPr lang="en-US" sz="2400" dirty="0" smtClean="0"/>
-              <a:t>{    </a:t>
+              <a:rPr lang="en-US" dirty="0" err="1"/>
+              <a:t>arr</a:t>
+            </a:r>
+            <a:r>
+              <a:rPr lang="en-US" dirty="0"/>
+              <a:t>[5] = {100,200,300,400,500};</a:t>
             </a:r>
           </a:p>
           <a:p>
@@ -4721,16 +4785,20 @@
               <a:buNone/>
             </a:pPr>
             <a:r>
-              <a:rPr lang="en-US" sz="2000" dirty="0" smtClean="0"/>
-              <a:t>char </a:t>
-            </a:r>
-            <a:r>
-              <a:rPr lang="en-US" sz="2000" dirty="0"/>
-              <a:t>*a = "hello";  </a:t>
-            </a:r>
-            <a:r>
-              <a:rPr lang="en-US" sz="2000" dirty="0" smtClean="0"/>
-              <a:t>     </a:t>
+              <a:rPr lang="en-US" dirty="0" err="1"/>
+              <a:t>int</a:t>
+            </a:r>
+            <a:r>
+              <a:rPr lang="en-US" dirty="0"/>
+              <a:t> *p = </a:t>
+            </a:r>
+            <a:r>
+              <a:rPr lang="en-US" dirty="0" err="1"/>
+              <a:t>arr</a:t>
+            </a:r>
+            <a:r>
+              <a:rPr lang="en-US" dirty="0"/>
+              <a:t>;</a:t>
             </a:r>
           </a:p>
           <a:p>
@@ -4738,54 +4806,91 @@
               <a:buNone/>
             </a:pPr>
             <a:r>
-              <a:rPr lang="en-US" sz="2000" dirty="0" smtClean="0"/>
+              <a:rPr lang="en-US" dirty="0"/>
+              <a:t>*++p</a:t>
+            </a:r>
+            <a:r>
+              <a:rPr lang="en-US" dirty="0" smtClean="0"/>
+              <a:t>;   //</a:t>
+            </a:r>
+            <a:r>
+              <a:rPr lang="en-US" dirty="0" err="1" smtClean="0"/>
+              <a:t>inc</a:t>
+            </a:r>
+            <a:r>
+              <a:rPr lang="en-US" dirty="0" smtClean="0"/>
               <a:t> </a:t>
             </a:r>
             <a:r>
-              <a:rPr lang="en-US" sz="2000" dirty="0" err="1"/>
+              <a:rPr lang="en-US" dirty="0" err="1" smtClean="0"/>
+              <a:t>addr</a:t>
+            </a:r>
+            <a:endParaRPr lang="en-US" dirty="0"/>
+          </a:p>
+          <a:p>
+            <a:pPr marL="457200" lvl="1" indent="0">
+              <a:buNone/>
+            </a:pPr>
+            <a:r>
+              <a:rPr lang="en-US" dirty="0" err="1"/>
               <a:t>printf</a:t>
             </a:r>
             <a:r>
-              <a:rPr lang="en-US" sz="2000" dirty="0"/>
-              <a:t>("%s\</a:t>
-            </a:r>
-            <a:r>
-              <a:rPr lang="en-US" sz="2000" dirty="0" err="1"/>
-              <a:t>n</a:t>
-            </a:r>
-            <a:r>
-              <a:rPr lang="en-US" sz="2000" dirty="0" err="1" smtClean="0"/>
-              <a:t>",a</a:t>
-            </a:r>
-            <a:r>
-              <a:rPr lang="en-US" sz="2000" dirty="0"/>
-              <a:t>);      </a:t>
-            </a:r>
-            <a:endParaRPr lang="en-US" sz="2000" dirty="0" smtClean="0"/>
+              <a:rPr lang="en-US" dirty="0"/>
+              <a:t>("</a:t>
+            </a:r>
+            <a:r>
+              <a:rPr lang="en-US" dirty="0" err="1"/>
+              <a:t>arr</a:t>
+            </a:r>
+            <a:r>
+              <a:rPr lang="en-US" dirty="0"/>
+              <a:t>[0] = %d, </a:t>
+            </a:r>
+            <a:r>
+              <a:rPr lang="en-US" dirty="0" err="1"/>
+              <a:t>arr</a:t>
+            </a:r>
+            <a:r>
+              <a:rPr lang="en-US" dirty="0"/>
+              <a:t>[1] = %d, *p = %d", </a:t>
+            </a:r>
+            <a:r>
+              <a:rPr lang="en-US" dirty="0" err="1"/>
+              <a:t>arr</a:t>
+            </a:r>
+            <a:r>
+              <a:rPr lang="en-US" dirty="0"/>
+              <a:t>[0], </a:t>
+            </a:r>
+            <a:r>
+              <a:rPr lang="en-US" dirty="0" err="1"/>
+              <a:t>arr</a:t>
+            </a:r>
+            <a:r>
+              <a:rPr lang="en-US" dirty="0"/>
+              <a:t>[1], *p);</a:t>
+            </a:r>
           </a:p>
           <a:p>
             <a:pPr marL="457200" lvl="1" indent="0">
               <a:buNone/>
             </a:pPr>
             <a:r>
-              <a:rPr lang="en-US" sz="2000" dirty="0" smtClean="0"/>
-              <a:t>  </a:t>
-            </a:r>
-            <a:r>
-              <a:rPr lang="en-US" sz="2000" dirty="0"/>
-              <a:t>return 0</a:t>
-            </a:r>
-            <a:r>
-              <a:rPr lang="en-US" sz="2000" dirty="0" smtClean="0"/>
-              <a:t>;</a:t>
-            </a:r>
-          </a:p>
-          <a:p>
-            <a:pPr marL="137160" indent="0">
-              <a:buNone/>
-            </a:pPr>
-            <a:r>
-              <a:rPr lang="en-US" sz="2400" dirty="0" smtClean="0"/>
+              <a:rPr lang="en-US" b="1" dirty="0"/>
+              <a:t>return</a:t>
+            </a:r>
+            <a:r>
+              <a:rPr lang="en-US" dirty="0"/>
+              <a:t> 0;</a:t>
+            </a:r>
+          </a:p>
+          <a:p>
+            <a:pPr marL="137160" indent="0">
+              <a:buNone/>
+            </a:pPr>
+            <a:r>
+              <a:rPr lang="en-US" dirty="0"/>
               <a:t>}</a:t>
             </a:r>
           </a:p>
@@ -4793,20 +4898,14 @@
             <a:pPr marL="137160" indent="0">
               <a:buNone/>
             </a:pPr>
-            <a:endParaRPr lang="en-US" sz="2400" dirty="0"/>
-          </a:p>
-          <a:p>
-            <a:pPr marL="137160" indent="0">
-              <a:buNone/>
-            </a:pPr>
-            <a:endParaRPr lang="en-US" sz="2400" dirty="0"/>
+            <a:endParaRPr lang="en-US" dirty="0"/>
           </a:p>
         </p:txBody>
       </p:sp>
     </p:spTree>
     <p:extLst>
       <p:ext uri="{BB962C8B-B14F-4D97-AF65-F5344CB8AC3E}">
-        <p14:creationId xmlns:p14="http://schemas.microsoft.com/office/powerpoint/2010/main" val="3007077970"/>
+        <p14:creationId xmlns:p14="http://schemas.microsoft.com/office/powerpoint/2010/main" val="252199236"/>
       </p:ext>
     </p:extLst>
   </p:cSld>
@@ -4843,35 +4942,14 @@
             <p:ph type="title"/>
           </p:nvPr>
         </p:nvSpPr>
-        <p:spPr>
-          <a:xfrm>
-            <a:off x="457200" y="0"/>
-            <a:ext cx="8229600" cy="990600"/>
-          </a:xfrm>
-        </p:spPr>
+        <p:spPr/>
         <p:txBody>
           <a:bodyPr/>
           <a:lstStyle/>
           <a:p>
             <a:r>
-              <a:rPr lang="en-US" dirty="0" err="1" smtClean="0"/>
-              <a:t>Arr</a:t>
-            </a:r>
-            <a:r>
               <a:rPr lang="en-US" dirty="0" smtClean="0"/>
-              <a:t> </a:t>
-            </a:r>
-            <a:r>
-              <a:rPr lang="en-US" dirty="0" err="1" smtClean="0"/>
-              <a:t>vs</a:t>
-            </a:r>
-            <a:r>
-              <a:rPr lang="en-US" dirty="0" smtClean="0"/>
-              <a:t> </a:t>
-            </a:r>
-            <a:r>
-              <a:rPr lang="en-US" dirty="0" err="1" smtClean="0"/>
-              <a:t>ptr</a:t>
+              <a:t>Find bug</a:t>
             </a:r>
             <a:endParaRPr lang="en-US" dirty="0"/>
           </a:p>
@@ -4887,15 +4965,10 @@
             <p:ph idx="1"/>
           </p:nvPr>
         </p:nvSpPr>
-        <p:spPr>
-          <a:xfrm>
-            <a:off x="381000" y="914400"/>
-            <a:ext cx="8382000" cy="5715000"/>
-          </a:xfrm>
-        </p:spPr>
+        <p:spPr/>
         <p:txBody>
           <a:bodyPr>
-            <a:normAutofit fontScale="77500" lnSpcReduction="20000"/>
+            <a:normAutofit/>
           </a:bodyPr>
           <a:lstStyle/>
           <a:p>
@@ -4903,15 +4976,15 @@
               <a:buNone/>
             </a:pPr>
             <a:r>
-              <a:rPr lang="en-US" dirty="0"/>
+              <a:rPr lang="en-US" sz="2400" dirty="0"/>
               <a:t>#include &lt;</a:t>
             </a:r>
             <a:r>
-              <a:rPr lang="en-US" dirty="0" err="1"/>
+              <a:rPr lang="en-US" sz="2400" dirty="0" err="1"/>
               <a:t>stdio.h</a:t>
             </a:r>
             <a:r>
-              <a:rPr lang="en-US" dirty="0" smtClean="0"/>
+              <a:rPr lang="en-US" sz="2400" dirty="0" smtClean="0"/>
               <a:t>&gt;</a:t>
             </a:r>
           </a:p>
@@ -4920,19 +4993,19 @@
               <a:buNone/>
             </a:pPr>
             <a:r>
-              <a:rPr lang="en-US" dirty="0" err="1" smtClean="0"/>
+              <a:rPr lang="en-US" sz="2400" dirty="0" err="1" smtClean="0"/>
               <a:t>int</a:t>
             </a:r>
             <a:r>
-              <a:rPr lang="en-US" dirty="0" smtClean="0"/>
+              <a:rPr lang="en-US" sz="2400" dirty="0" smtClean="0"/>
               <a:t> </a:t>
             </a:r>
             <a:r>
-              <a:rPr lang="en-US" dirty="0"/>
+              <a:rPr lang="en-US" sz="2400" dirty="0"/>
               <a:t>main</a:t>
             </a:r>
             <a:r>
-              <a:rPr lang="en-US" dirty="0" smtClean="0"/>
+              <a:rPr lang="en-US" sz="2400" dirty="0" smtClean="0"/>
               <a:t>()</a:t>
             </a:r>
           </a:p>
@@ -4941,7 +5014,7 @@
               <a:buNone/>
             </a:pPr>
             <a:r>
-              <a:rPr lang="en-US" dirty="0" smtClean="0"/>
+              <a:rPr lang="en-US" sz="2400" dirty="0" smtClean="0"/>
               <a:t>{    </a:t>
             </a:r>
           </a:p>
@@ -4950,80 +5023,62 @@
               <a:buNone/>
             </a:pPr>
             <a:r>
-              <a:rPr lang="en-US" dirty="0" err="1" smtClean="0"/>
-              <a:t>int</a:t>
-            </a:r>
-            <a:r>
-              <a:rPr lang="en-US" dirty="0" smtClean="0"/>
+              <a:rPr lang="en-US" sz="2000" dirty="0" smtClean="0"/>
+              <a:t>char </a:t>
+            </a:r>
+            <a:r>
+              <a:rPr lang="en-US" sz="2000" dirty="0"/>
+              <a:t>*a = "hello";  </a:t>
+            </a:r>
+            <a:r>
+              <a:rPr lang="en-US" sz="2000" dirty="0" smtClean="0"/>
+              <a:t>     </a:t>
+            </a:r>
+          </a:p>
+          <a:p>
+            <a:pPr marL="457200" lvl="1" indent="0">
+              <a:buNone/>
+            </a:pPr>
+            <a:r>
+              <a:rPr lang="en-US" sz="2000" dirty="0" smtClean="0"/>
               <a:t> </a:t>
             </a:r>
             <a:r>
-              <a:rPr lang="en-US" dirty="0"/>
-              <a:t>* a = "</a:t>
-            </a:r>
-            <a:r>
-              <a:rPr lang="en-US" dirty="0" err="1"/>
-              <a:t>hai</a:t>
-            </a:r>
-            <a:r>
-              <a:rPr lang="en-US" dirty="0"/>
-              <a:t>";   </a:t>
-            </a:r>
-            <a:endParaRPr lang="en-US" dirty="0" smtClean="0"/>
+              <a:rPr lang="en-US" sz="2000" dirty="0" err="1"/>
+              <a:t>printf</a:t>
+            </a:r>
+            <a:r>
+              <a:rPr lang="en-US" sz="2000" dirty="0"/>
+              <a:t>("%s\</a:t>
+            </a:r>
+            <a:r>
+              <a:rPr lang="en-US" sz="2000" dirty="0" err="1"/>
+              <a:t>n</a:t>
+            </a:r>
+            <a:r>
+              <a:rPr lang="en-US" sz="2000" dirty="0" err="1" smtClean="0"/>
+              <a:t>",a</a:t>
+            </a:r>
+            <a:r>
+              <a:rPr lang="en-US" sz="2000" dirty="0"/>
+              <a:t>);      </a:t>
+            </a:r>
+            <a:endParaRPr lang="en-US" sz="2000" dirty="0" smtClean="0"/>
           </a:p>
           <a:p>
             <a:pPr marL="457200" lvl="1" indent="0">
               <a:buNone/>
             </a:pPr>
             <a:r>
-              <a:rPr lang="en-US" dirty="0" smtClean="0"/>
-              <a:t> </a:t>
-            </a:r>
-            <a:r>
-              <a:rPr lang="en-US" dirty="0"/>
-              <a:t>a[0]= 'b';        </a:t>
-            </a:r>
-            <a:endParaRPr lang="en-US" dirty="0" smtClean="0"/>
-          </a:p>
-          <a:p>
-            <a:pPr marL="457200" lvl="1" indent="0">
-              <a:buNone/>
-            </a:pPr>
-            <a:r>
-              <a:rPr lang="en-US" dirty="0" err="1" smtClean="0"/>
-              <a:t>printf</a:t>
-            </a:r>
-            <a:r>
-              <a:rPr lang="en-US" dirty="0"/>
-              <a:t>("%c\</a:t>
-            </a:r>
-            <a:r>
-              <a:rPr lang="en-US" dirty="0" err="1"/>
-              <a:t>n",a</a:t>
-            </a:r>
-            <a:r>
-              <a:rPr lang="en-US" dirty="0"/>
-              <a:t>[0]);      </a:t>
-            </a:r>
-            <a:r>
-              <a:rPr lang="en-US" dirty="0" smtClean="0"/>
-              <a:t>//char out </a:t>
-            </a:r>
-          </a:p>
-          <a:p>
-            <a:pPr marL="457200" lvl="1" indent="0">
-              <a:buNone/>
-            </a:pPr>
-            <a:r>
-              <a:rPr lang="en-US" dirty="0" smtClean="0"/>
-              <a:t> </a:t>
-            </a:r>
-            <a:r>
-              <a:rPr lang="en-US" dirty="0"/>
+              <a:rPr lang="en-US" sz="2000" dirty="0" smtClean="0"/>
+              <a:t>  </a:t>
+            </a:r>
+            <a:r>
+              <a:rPr lang="en-US" sz="2000" dirty="0"/>
               <a:t>return 0</a:t>
             </a:r>
             <a:r>
-              <a:rPr lang="en-US" dirty="0" smtClean="0"/>
+              <a:rPr lang="en-US" sz="2000" dirty="0" smtClean="0"/>
               <a:t>;</a:t>
             </a:r>
           </a:p>
@@ -5032,7 +5087,7 @@
               <a:buNone/>
             </a:pPr>
             <a:r>
-              <a:rPr lang="en-US" dirty="0" smtClean="0"/>
+              <a:rPr lang="en-US" sz="2400" dirty="0" smtClean="0"/>
               <a:t>}</a:t>
             </a:r>
           </a:p>
@@ -5040,137 +5095,20 @@
             <a:pPr marL="137160" indent="0">
               <a:buNone/>
             </a:pPr>
-            <a:endParaRPr lang="en-US" dirty="0"/>
-          </a:p>
-          <a:p>
-            <a:pPr marL="137160" indent="0">
-              <a:buNone/>
-            </a:pPr>
-            <a:r>
-              <a:rPr lang="en-US" dirty="0"/>
-              <a:t>#include &lt;</a:t>
-            </a:r>
-            <a:r>
-              <a:rPr lang="en-US" dirty="0" err="1"/>
-              <a:t>stdio.h</a:t>
-            </a:r>
-            <a:r>
-              <a:rPr lang="en-US" dirty="0"/>
-              <a:t>&gt;</a:t>
-            </a:r>
-          </a:p>
-          <a:p>
-            <a:pPr marL="137160" indent="0">
-              <a:buNone/>
-            </a:pPr>
-            <a:r>
-              <a:rPr lang="en-US" dirty="0" err="1"/>
-              <a:t>int</a:t>
-            </a:r>
-            <a:r>
-              <a:rPr lang="en-US" dirty="0"/>
-              <a:t> main()</a:t>
-            </a:r>
-          </a:p>
-          <a:p>
-            <a:pPr marL="137160" indent="0">
-              <a:buNone/>
-            </a:pPr>
-            <a:r>
-              <a:rPr lang="en-US" dirty="0"/>
-              <a:t>{    </a:t>
-            </a:r>
-          </a:p>
-          <a:p>
-            <a:pPr marL="457200" lvl="1" indent="0">
-              <a:buNone/>
-            </a:pPr>
-            <a:r>
-              <a:rPr lang="en-US" dirty="0" err="1"/>
-              <a:t>int</a:t>
-            </a:r>
-            <a:r>
-              <a:rPr lang="en-US" dirty="0"/>
-              <a:t> * a = "</a:t>
-            </a:r>
-            <a:r>
-              <a:rPr lang="en-US" dirty="0" err="1"/>
-              <a:t>hai</a:t>
-            </a:r>
-            <a:r>
-              <a:rPr lang="en-US" dirty="0"/>
-              <a:t>";   </a:t>
-            </a:r>
-          </a:p>
-          <a:p>
-            <a:pPr marL="457200" lvl="1" indent="0">
-              <a:buNone/>
-            </a:pPr>
-            <a:r>
-              <a:rPr lang="en-US" dirty="0"/>
-              <a:t> a[0]= 'b';        </a:t>
-            </a:r>
-          </a:p>
-          <a:p>
-            <a:pPr marL="457200" lvl="1" indent="0">
-              <a:buNone/>
-            </a:pPr>
-            <a:r>
-              <a:rPr lang="en-US" dirty="0" err="1"/>
-              <a:t>printf</a:t>
-            </a:r>
-            <a:r>
-              <a:rPr lang="en-US" dirty="0" smtClean="0"/>
-              <a:t>("%s\</a:t>
-            </a:r>
-            <a:r>
-              <a:rPr lang="en-US" dirty="0" err="1" smtClean="0"/>
-              <a:t>n</a:t>
-            </a:r>
-            <a:r>
-              <a:rPr lang="en-US" dirty="0" err="1"/>
-              <a:t>",</a:t>
-            </a:r>
-            <a:r>
-              <a:rPr lang="en-US" dirty="0" err="1" smtClean="0"/>
-              <a:t>a</a:t>
-            </a:r>
-            <a:r>
-              <a:rPr lang="en-US" dirty="0" smtClean="0"/>
-              <a:t>);      //string out </a:t>
-            </a:r>
-            <a:endParaRPr lang="en-US" dirty="0"/>
-          </a:p>
-          <a:p>
-            <a:pPr marL="457200" lvl="1" indent="0">
-              <a:buNone/>
-            </a:pPr>
-            <a:r>
-              <a:rPr lang="en-US" dirty="0"/>
-              <a:t> return 0;</a:t>
-            </a:r>
-          </a:p>
-          <a:p>
-            <a:pPr marL="137160" indent="0">
-              <a:buNone/>
-            </a:pPr>
-            <a:r>
-              <a:rPr lang="en-US" dirty="0"/>
-              <a:t>}</a:t>
-            </a:r>
-          </a:p>
-          <a:p>
-            <a:pPr marL="137160" indent="0">
-              <a:buNone/>
-            </a:pPr>
-            <a:endParaRPr lang="en-US" dirty="0"/>
+            <a:endParaRPr lang="en-US" sz="2400" dirty="0"/>
+          </a:p>
+          <a:p>
+            <a:pPr marL="137160" indent="0">
+              <a:buNone/>
+            </a:pPr>
+            <a:endParaRPr lang="en-US" sz="2400" dirty="0"/>
           </a:p>
         </p:txBody>
       </p:sp>
     </p:spTree>
     <p:extLst>
       <p:ext uri="{BB962C8B-B14F-4D97-AF65-F5344CB8AC3E}">
-        <p14:creationId xmlns:p14="http://schemas.microsoft.com/office/powerpoint/2010/main" val="3004295116"/>
+        <p14:creationId xmlns:p14="http://schemas.microsoft.com/office/powerpoint/2010/main" val="3007077970"/>
       </p:ext>
     </p:extLst>
   </p:cSld>
@@ -5218,23 +5156,23 @@
           <a:lstStyle/>
           <a:p>
             <a:r>
-              <a:rPr lang="en-US" dirty="0" err="1"/>
+              <a:rPr lang="en-US" dirty="0" err="1" smtClean="0"/>
               <a:t>Arr</a:t>
             </a:r>
             <a:r>
-              <a:rPr lang="en-US" dirty="0"/>
+              <a:rPr lang="en-US" dirty="0" smtClean="0"/>
               <a:t> </a:t>
             </a:r>
             <a:r>
-              <a:rPr lang="en-US" dirty="0" err="1"/>
+              <a:rPr lang="en-US" dirty="0" err="1" smtClean="0"/>
               <a:t>vs</a:t>
             </a:r>
             <a:r>
-              <a:rPr lang="en-US" dirty="0"/>
+              <a:rPr lang="en-US" dirty="0" smtClean="0"/>
               <a:t> </a:t>
             </a:r>
             <a:r>
-              <a:rPr lang="en-US" dirty="0" err="1"/>
+              <a:rPr lang="en-US" dirty="0" err="1" smtClean="0"/>
               <a:t>ptr</a:t>
             </a:r>
             <a:endParaRPr lang="en-US" dirty="0"/>
@@ -5253,13 +5191,13 @@
         </p:nvSpPr>
         <p:spPr>
           <a:xfrm>
-            <a:off x="304800" y="1143000"/>
-            <a:ext cx="8686800" cy="5562600"/>
+            <a:off x="381000" y="914400"/>
+            <a:ext cx="8382000" cy="5715000"/>
           </a:xfrm>
         </p:spPr>
         <p:txBody>
           <a:bodyPr>
-            <a:normAutofit fontScale="70000" lnSpcReduction="20000"/>
+            <a:normAutofit fontScale="77500" lnSpcReduction="20000"/>
           </a:bodyPr>
           <a:lstStyle/>
           <a:p>
@@ -5284,90 +5222,77 @@
               <a:buNone/>
             </a:pPr>
             <a:r>
-              <a:rPr lang="en-US" dirty="0" smtClean="0"/>
-              <a:t>//</a:t>
-            </a:r>
-            <a:r>
               <a:rPr lang="en-US" dirty="0" err="1" smtClean="0"/>
               <a:t>int</a:t>
             </a:r>
             <a:r>
               <a:rPr lang="en-US" dirty="0" smtClean="0"/>
-              <a:t> array</a:t>
-            </a:r>
-            <a:endParaRPr lang="en-US" dirty="0"/>
-          </a:p>
-          <a:p>
-            <a:pPr marL="137160" indent="0">
-              <a:buNone/>
-            </a:pPr>
-            <a:r>
-              <a:rPr lang="en-US" dirty="0" err="1"/>
+              <a:t> </a:t>
+            </a:r>
+            <a:r>
+              <a:rPr lang="en-US" dirty="0"/>
+              <a:t>main</a:t>
+            </a:r>
+            <a:r>
+              <a:rPr lang="en-US" dirty="0" smtClean="0"/>
+              <a:t>()</a:t>
+            </a:r>
+          </a:p>
+          <a:p>
+            <a:pPr marL="137160" indent="0">
+              <a:buNone/>
+            </a:pPr>
+            <a:r>
+              <a:rPr lang="en-US" dirty="0" smtClean="0"/>
+              <a:t>{    </a:t>
+            </a:r>
+          </a:p>
+          <a:p>
+            <a:pPr marL="457200" lvl="1" indent="0">
+              <a:buNone/>
+            </a:pPr>
+            <a:r>
+              <a:rPr lang="en-US" dirty="0" err="1" smtClean="0"/>
               <a:t>int</a:t>
             </a:r>
             <a:r>
-              <a:rPr lang="en-US" dirty="0"/>
-              <a:t> main()</a:t>
-            </a:r>
-          </a:p>
-          <a:p>
-            <a:pPr marL="137160" indent="0">
-              <a:buNone/>
-            </a:pPr>
-            <a:r>
-              <a:rPr lang="en-US" dirty="0"/>
-              <a:t>{    </a:t>
-            </a:r>
+              <a:rPr lang="en-US" dirty="0" smtClean="0"/>
+              <a:t> </a:t>
+            </a:r>
+            <a:r>
+              <a:rPr lang="en-US" dirty="0"/>
+              <a:t>* a = "</a:t>
+            </a:r>
+            <a:r>
+              <a:rPr lang="en-US" dirty="0" err="1"/>
+              <a:t>hai</a:t>
+            </a:r>
+            <a:r>
+              <a:rPr lang="en-US" dirty="0"/>
+              <a:t>";   </a:t>
+            </a:r>
+            <a:endParaRPr lang="en-US" dirty="0" smtClean="0"/>
           </a:p>
           <a:p>
             <a:pPr marL="457200" lvl="1" indent="0">
               <a:buNone/>
             </a:pPr>
             <a:r>
-              <a:rPr lang="en-US" dirty="0" err="1"/>
-              <a:t>int</a:t>
-            </a:r>
-            <a:r>
-              <a:rPr lang="en-US" dirty="0"/>
+              <a:rPr lang="en-US" dirty="0" smtClean="0"/>
               <a:t> </a:t>
             </a:r>
             <a:r>
-              <a:rPr lang="en-US" dirty="0" smtClean="0"/>
-              <a:t> a[] </a:t>
-            </a:r>
-            <a:r>
-              <a:rPr lang="en-US" dirty="0"/>
-              <a:t>= </a:t>
-            </a:r>
-            <a:r>
-              <a:rPr lang="en-US" dirty="0" smtClean="0"/>
-              <a:t>{‘</a:t>
-            </a:r>
+              <a:rPr lang="en-US" dirty="0"/>
+              <a:t>a[0]= 'b';        </a:t>
+            </a:r>
+            <a:endParaRPr lang="en-US" dirty="0" smtClean="0"/>
+          </a:p>
+          <a:p>
+            <a:pPr marL="457200" lvl="1" indent="0">
+              <a:buNone/>
+            </a:pPr>
             <a:r>
               <a:rPr lang="en-US" dirty="0" err="1" smtClean="0"/>
-              <a:t>h’,’e’,’l’,’l’,’o</a:t>
-            </a:r>
-            <a:r>
-              <a:rPr lang="en-US" dirty="0" smtClean="0"/>
-              <a:t>’};   </a:t>
-            </a:r>
-            <a:endParaRPr lang="en-US" dirty="0"/>
-          </a:p>
-          <a:p>
-            <a:pPr marL="457200" lvl="1" indent="0">
-              <a:buNone/>
-            </a:pPr>
-            <a:r>
-              <a:rPr lang="en-US" dirty="0"/>
-              <a:t> a[0]= 'b';        </a:t>
-            </a:r>
-          </a:p>
-          <a:p>
-            <a:pPr marL="457200" lvl="1" indent="0">
-              <a:buNone/>
-            </a:pPr>
-            <a:r>
-              <a:rPr lang="en-US" dirty="0" err="1"/>
               <a:t>printf</a:t>
             </a:r>
             <a:r>
@@ -5386,15 +5311,22 @@
               <a:rPr lang="en-US" dirty="0" smtClean="0"/>
               <a:t>//char out </a:t>
             </a:r>
-            <a:endParaRPr lang="en-US" dirty="0"/>
           </a:p>
           <a:p>
             <a:pPr marL="457200" lvl="1" indent="0">
               <a:buNone/>
             </a:pPr>
             <a:r>
-              <a:rPr lang="en-US" dirty="0"/>
-              <a:t> return 0;</a:t>
+              <a:rPr lang="en-US" dirty="0" smtClean="0"/>
+              <a:t> </a:t>
+            </a:r>
+            <a:r>
+              <a:rPr lang="en-US" dirty="0"/>
+              <a:t>return 0</a:t>
+            </a:r>
+            <a:r>
+              <a:rPr lang="en-US" dirty="0" smtClean="0"/>
+              <a:t>;</a:t>
             </a:r>
           </a:p>
           <a:p>
@@ -5410,16 +5342,6 @@
             <a:pPr marL="137160" indent="0">
               <a:buNone/>
             </a:pPr>
-            <a:endParaRPr lang="en-US" dirty="0" smtClean="0"/>
-          </a:p>
-          <a:p>
-            <a:pPr marL="137160" indent="0">
-              <a:buNone/>
-            </a:pPr>
-            <a:r>
-              <a:rPr lang="en-US" dirty="0" smtClean="0"/>
-              <a:t>//char array </a:t>
-            </a:r>
             <a:endParaRPr lang="en-US" dirty="0"/>
           </a:p>
           <a:p>
@@ -5466,18 +5388,21 @@
               <a:buNone/>
             </a:pPr>
             <a:r>
-              <a:rPr lang="en-US" dirty="0" smtClean="0"/>
-              <a:t>char </a:t>
-            </a:r>
-            <a:r>
-              <a:rPr lang="en-US" dirty="0"/>
-              <a:t>a[] = </a:t>
-            </a:r>
-            <a:r>
-              <a:rPr lang="en-US" dirty="0" smtClean="0"/>
-              <a:t>“hello”;</a:t>
-            </a:r>
-            <a:endParaRPr lang="en-US" dirty="0"/>
+              <a:rPr lang="en-US" dirty="0" err="1"/>
+              <a:t>int</a:t>
+            </a:r>
+            <a:r>
+              <a:rPr lang="en-US" dirty="0"/>
+              <a:t> * a = "</a:t>
+            </a:r>
+            <a:r>
+              <a:rPr lang="en-US" dirty="0" err="1"/>
+              <a:t>hai</a:t>
+            </a:r>
+            <a:r>
+              <a:rPr lang="en-US" dirty="0"/>
+              <a:t>";   </a:t>
+            </a:r>
           </a:p>
           <a:p>
             <a:pPr marL="457200" lvl="1" indent="0">
@@ -5514,7 +5439,7 @@
             </a:r>
             <a:r>
               <a:rPr lang="en-US" dirty="0" smtClean="0"/>
-              <a:t>);    //string   out</a:t>
+              <a:t>);      //string out </a:t>
             </a:r>
             <a:endParaRPr lang="en-US" dirty="0"/>
           </a:p>
@@ -5540,9 +5465,6 @@
             <a:pPr marL="137160" indent="0">
               <a:buNone/>
             </a:pPr>
-            <a:endParaRPr lang="en-US" dirty="0"/>
-          </a:p>
-          <a:p>
             <a:endParaRPr lang="en-US" dirty="0"/>
           </a:p>
         </p:txBody>
@@ -5550,7 +5472,7 @@
     </p:spTree>
     <p:extLst>
       <p:ext uri="{BB962C8B-B14F-4D97-AF65-F5344CB8AC3E}">
-        <p14:creationId xmlns:p14="http://schemas.microsoft.com/office/powerpoint/2010/main" val="1704723650"/>
+        <p14:creationId xmlns:p14="http://schemas.microsoft.com/office/powerpoint/2010/main" val="3004295116"/>
       </p:ext>
     </p:extLst>
   </p:cSld>
@@ -5587,18 +5509,35 @@
             <p:ph type="title"/>
           </p:nvPr>
         </p:nvSpPr>
-        <p:spPr/>
+        <p:spPr>
+          <a:xfrm>
+            <a:off x="457200" y="0"/>
+            <a:ext cx="8229600" cy="990600"/>
+          </a:xfrm>
+        </p:spPr>
         <p:txBody>
           <a:bodyPr/>
           <a:lstStyle/>
           <a:p>
             <a:r>
-              <a:rPr lang="en-US" dirty="0" err="1" smtClean="0"/>
-              <a:t>Ptr</a:t>
-            </a:r>
-            <a:r>
-              <a:rPr lang="en-US" dirty="0" smtClean="0"/>
-              <a:t> to array</a:t>
+              <a:rPr lang="en-US" dirty="0" err="1"/>
+              <a:t>Arr</a:t>
+            </a:r>
+            <a:r>
+              <a:rPr lang="en-US" dirty="0"/>
+              <a:t> </a:t>
+            </a:r>
+            <a:r>
+              <a:rPr lang="en-US" dirty="0" err="1"/>
+              <a:t>vs</a:t>
+            </a:r>
+            <a:r>
+              <a:rPr lang="en-US" dirty="0"/>
+              <a:t> </a:t>
+            </a:r>
+            <a:r>
+              <a:rPr lang="en-US" dirty="0" err="1"/>
+              <a:t>ptr</a:t>
             </a:r>
             <a:endParaRPr lang="en-US" dirty="0"/>
           </a:p>
@@ -5614,7 +5553,12 @@
             <p:ph idx="1"/>
           </p:nvPr>
         </p:nvSpPr>
-        <p:spPr/>
+        <p:spPr>
+          <a:xfrm>
+            <a:off x="304800" y="1143000"/>
+            <a:ext cx="8686800" cy="5562600"/>
+          </a:xfrm>
+        </p:spPr>
         <p:txBody>
           <a:bodyPr>
             <a:normAutofit fontScale="70000" lnSpcReduction="20000"/>
@@ -5626,14 +5570,14 @@
             </a:pPr>
             <a:r>
               <a:rPr lang="en-US" dirty="0"/>
-              <a:t>#include&lt;</a:t>
+              <a:t>#include &lt;</a:t>
             </a:r>
             <a:r>
               <a:rPr lang="en-US" dirty="0" err="1"/>
               <a:t>stdio.h</a:t>
             </a:r>
             <a:r>
-              <a:rPr lang="en-US" dirty="0"/>
+              <a:rPr lang="en-US" dirty="0" smtClean="0"/>
               <a:t>&gt;</a:t>
             </a:r>
           </a:p>
@@ -5642,18 +5586,17 @@
               <a:buNone/>
             </a:pPr>
             <a:r>
-              <a:rPr lang="en-US" dirty="0"/>
-              <a:t>#define ARRAY_SIZE </a:t>
-            </a:r>
-            <a:r>
               <a:rPr lang="en-US" dirty="0" smtClean="0"/>
-              <a:t>5</a:t>
-            </a:r>
-          </a:p>
-          <a:p>
-            <a:pPr marL="137160" indent="0">
-              <a:buNone/>
-            </a:pPr>
+              <a:t>//</a:t>
+            </a:r>
+            <a:r>
+              <a:rPr lang="en-US" dirty="0" err="1" smtClean="0"/>
+              <a:t>int</a:t>
+            </a:r>
+            <a:r>
+              <a:rPr lang="en-US" dirty="0" smtClean="0"/>
+              <a:t> array</a:t>
+            </a:r>
             <a:endParaRPr lang="en-US" dirty="0"/>
           </a:p>
           <a:p>
@@ -5675,7 +5618,7 @@
             </a:pPr>
             <a:r>
               <a:rPr lang="en-US" dirty="0"/>
-              <a:t>{</a:t>
+              <a:t>{    </a:t>
             </a:r>
           </a:p>
           <a:p>
@@ -5691,29 +5634,150 @@
               <a:t> </a:t>
             </a:r>
             <a:r>
-              <a:rPr lang="en-US" dirty="0" err="1"/>
-              <a:t>arr</a:t>
-            </a:r>
-            <a:r>
-              <a:rPr lang="en-US" dirty="0"/>
-              <a:t>[ARRAY_SIZE] = {1,2,3,4,5};</a:t>
-            </a:r>
+              <a:rPr lang="en-US" dirty="0" smtClean="0"/>
+              <a:t> a[] </a:t>
+            </a:r>
+            <a:r>
+              <a:rPr lang="en-US" dirty="0"/>
+              <a:t>= </a:t>
+            </a:r>
+            <a:r>
+              <a:rPr lang="en-US" dirty="0" smtClean="0"/>
+              <a:t>{‘</a:t>
+            </a:r>
+            <a:r>
+              <a:rPr lang="en-US" dirty="0" err="1" smtClean="0"/>
+              <a:t>h’,’e’,’l’,’l’,’o</a:t>
+            </a:r>
+            <a:r>
+              <a:rPr lang="en-US" dirty="0" smtClean="0"/>
+              <a:t>’};   </a:t>
+            </a:r>
+            <a:endParaRPr lang="en-US" dirty="0"/>
           </a:p>
           <a:p>
             <a:pPr marL="457200" lvl="1" indent="0">
               <a:buNone/>
             </a:pPr>
             <a:r>
+              <a:rPr lang="en-US" dirty="0"/>
+              <a:t> a[0]= 'b';        </a:t>
+            </a:r>
+          </a:p>
+          <a:p>
+            <a:pPr marL="457200" lvl="1" indent="0">
+              <a:buNone/>
+            </a:pPr>
+            <a:r>
+              <a:rPr lang="en-US" dirty="0" err="1"/>
+              <a:t>printf</a:t>
+            </a:r>
+            <a:r>
+              <a:rPr lang="en-US" dirty="0"/>
+              <a:t>("%c\</a:t>
+            </a:r>
+            <a:r>
+              <a:rPr lang="en-US" dirty="0" err="1"/>
+              <a:t>n",a</a:t>
+            </a:r>
+            <a:r>
+              <a:rPr lang="en-US" dirty="0"/>
+              <a:t>[0]);      </a:t>
+            </a:r>
+            <a:r>
+              <a:rPr lang="en-US" dirty="0" smtClean="0"/>
+              <a:t>//char out </a:t>
+            </a:r>
+            <a:endParaRPr lang="en-US" dirty="0"/>
+          </a:p>
+          <a:p>
+            <a:pPr marL="457200" lvl="1" indent="0">
+              <a:buNone/>
+            </a:pPr>
+            <a:r>
+              <a:rPr lang="en-US" dirty="0"/>
+              <a:t> return 0;</a:t>
+            </a:r>
+          </a:p>
+          <a:p>
+            <a:pPr marL="137160" indent="0">
+              <a:buNone/>
+            </a:pPr>
+            <a:r>
+              <a:rPr lang="en-US" dirty="0" smtClean="0"/>
+              <a:t>}</a:t>
+            </a:r>
+          </a:p>
+          <a:p>
+            <a:pPr marL="137160" indent="0">
+              <a:buNone/>
+            </a:pPr>
+            <a:endParaRPr lang="en-US" dirty="0" smtClean="0"/>
+          </a:p>
+          <a:p>
+            <a:pPr marL="137160" indent="0">
+              <a:buNone/>
+            </a:pPr>
+            <a:r>
+              <a:rPr lang="en-US" dirty="0" smtClean="0"/>
+              <a:t>//char array </a:t>
+            </a:r>
+            <a:endParaRPr lang="en-US" dirty="0"/>
+          </a:p>
+          <a:p>
+            <a:pPr marL="137160" indent="0">
+              <a:buNone/>
+            </a:pPr>
+            <a:r>
+              <a:rPr lang="en-US" dirty="0"/>
+              <a:t>#include &lt;</a:t>
+            </a:r>
+            <a:r>
+              <a:rPr lang="en-US" dirty="0" err="1"/>
+              <a:t>stdio.h</a:t>
+            </a:r>
+            <a:r>
+              <a:rPr lang="en-US" dirty="0"/>
+              <a:t>&gt;</a:t>
+            </a:r>
+          </a:p>
+          <a:p>
+            <a:pPr marL="137160" indent="0">
+              <a:buNone/>
+            </a:pPr>
+            <a:r>
               <a:rPr lang="en-US" dirty="0" err="1"/>
               <a:t>int</a:t>
             </a:r>
             <a:r>
               <a:rPr lang="en-US" dirty="0"/>
-              <a:t> i = 0</a:t>
-            </a:r>
+              <a:t> main()</a:t>
+            </a:r>
+          </a:p>
+          <a:p>
+            <a:pPr marL="137160" indent="0">
+              <a:buNone/>
+            </a:pPr>
+            <a:r>
+              <a:rPr lang="en-US" dirty="0"/>
+              <a:t>{    </a:t>
+            </a:r>
+          </a:p>
+          <a:p>
+            <a:pPr marL="457200" lvl="1" indent="0">
+              <a:buNone/>
+            </a:pPr>
             <a:r>
               <a:rPr lang="en-US" dirty="0" smtClean="0"/>
-              <a:t>;</a:t>
+              <a:t>char </a:t>
+            </a:r>
+            <a:r>
+              <a:rPr lang="en-US" dirty="0"/>
+              <a:t>a[] = </a:t>
+            </a:r>
+            <a:r>
+              <a:rPr lang="en-US" dirty="0" smtClean="0"/>
+              <a:t>“hello”;</a:t>
             </a:r>
             <a:endParaRPr lang="en-US" dirty="0"/>
           </a:p>
@@ -5723,7 +5787,7 @@
             </a:pPr>
             <a:r>
               <a:rPr lang="en-US" dirty="0"/>
-              <a:t>// Pointer to an array of integers</a:t>
+              <a:t> a[0]= 'b';        </a:t>
             </a:r>
           </a:p>
           <a:p>
@@ -5732,20 +5796,29 @@
             </a:pPr>
             <a:r>
               <a:rPr lang="en-US" dirty="0" err="1"/>
-              <a:t>int</a:t>
-            </a:r>
-            <a:r>
-              <a:rPr lang="en-US" dirty="0"/>
-              <a:t> (*</a:t>
-            </a:r>
-            <a:r>
-              <a:rPr lang="en-US" dirty="0" err="1"/>
-              <a:t>ptr</a:t>
-            </a:r>
-            <a:r>
-              <a:rPr lang="en-US" dirty="0"/>
-              <a:t>)[ARRAY_SIZE];</a:t>
-            </a:r>
+              <a:t>printf</a:t>
+            </a:r>
+            <a:r>
+              <a:rPr lang="en-US" dirty="0" smtClean="0"/>
+              <a:t>("%s\</a:t>
+            </a:r>
+            <a:r>
+              <a:rPr lang="en-US" dirty="0" err="1" smtClean="0"/>
+              <a:t>n</a:t>
+            </a:r>
+            <a:r>
+              <a:rPr lang="en-US" dirty="0" err="1"/>
+              <a:t>",</a:t>
+            </a:r>
+            <a:r>
+              <a:rPr lang="en-US" dirty="0" err="1" smtClean="0"/>
+              <a:t>a</a:t>
+            </a:r>
+            <a:r>
+              <a:rPr lang="en-US" dirty="0" smtClean="0"/>
+              <a:t>);    //string   out</a:t>
+            </a:r>
+            <a:endParaRPr lang="en-US" dirty="0"/>
           </a:p>
           <a:p>
             <a:pPr marL="457200" lvl="1" indent="0">
@@ -5753,95 +5826,11 @@
             </a:pPr>
             <a:r>
               <a:rPr lang="en-US" dirty="0"/>
-              <a:t>// Points to the whole array arr.</a:t>
-            </a:r>
-          </a:p>
-          <a:p>
-            <a:pPr marL="457200" lvl="1" indent="0">
-              <a:buNone/>
-            </a:pPr>
-            <a:r>
-              <a:rPr lang="en-US" dirty="0" err="1"/>
-              <a:t>ptr</a:t>
-            </a:r>
-            <a:r>
-              <a:rPr lang="en-US" dirty="0"/>
-              <a:t> = &amp;</a:t>
-            </a:r>
-            <a:r>
-              <a:rPr lang="en-US" dirty="0" err="1"/>
-              <a:t>arr</a:t>
-            </a:r>
-            <a:r>
-              <a:rPr lang="en-US" dirty="0"/>
-              <a:t>;</a:t>
-            </a:r>
-          </a:p>
-          <a:p>
-            <a:pPr marL="457200" lvl="1" indent="0">
-              <a:buNone/>
-            </a:pPr>
-            <a:r>
-              <a:rPr lang="en-US" b="1" dirty="0"/>
-              <a:t>for</a:t>
-            </a:r>
-            <a:r>
-              <a:rPr lang="en-US" dirty="0"/>
-              <a:t>(i=0; i&lt; ARRAY_SIZE ; ++i)</a:t>
-            </a:r>
-          </a:p>
-          <a:p>
-            <a:pPr marL="457200" lvl="1" indent="0">
-              <a:buNone/>
-            </a:pPr>
-            <a:r>
-              <a:rPr lang="en-US" dirty="0"/>
-              <a:t>{</a:t>
-            </a:r>
-          </a:p>
-          <a:p>
-            <a:pPr marL="457200" lvl="1" indent="0">
-              <a:buNone/>
-            </a:pPr>
-            <a:r>
-              <a:rPr lang="en-US" dirty="0" smtClean="0"/>
-              <a:t>	</a:t>
-            </a:r>
-            <a:r>
-              <a:rPr lang="en-US" dirty="0" err="1" smtClean="0"/>
-              <a:t>printf</a:t>
-            </a:r>
-            <a:r>
-              <a:rPr lang="en-US" dirty="0"/>
-              <a:t>(" </a:t>
-            </a:r>
-            <a:r>
-              <a:rPr lang="en-US" dirty="0" err="1"/>
-              <a:t>arr</a:t>
-            </a:r>
-            <a:r>
-              <a:rPr lang="en-US" dirty="0"/>
-              <a:t>[%d] = %d\</a:t>
-            </a:r>
-            <a:r>
-              <a:rPr lang="en-US" dirty="0" err="1"/>
-              <a:t>n",i</a:t>
-            </a:r>
-            <a:r>
-              <a:rPr lang="en-US" dirty="0"/>
-              <a:t>,(*</a:t>
-            </a:r>
-            <a:r>
-              <a:rPr lang="en-US" dirty="0" err="1"/>
-              <a:t>ptr</a:t>
-            </a:r>
-            <a:r>
-              <a:rPr lang="en-US" dirty="0"/>
-              <a:t>)[i]);</a:t>
-            </a:r>
-          </a:p>
-          <a:p>
-            <a:pPr marL="457200" lvl="1" indent="0">
+              <a:t> return 0;</a:t>
+            </a:r>
+          </a:p>
+          <a:p>
+            <a:pPr marL="137160" indent="0">
               <a:buNone/>
             </a:pPr>
             <a:r>
@@ -5850,26 +5839,10 @@
             </a:r>
           </a:p>
           <a:p>
-            <a:pPr marL="457200" lvl="1" indent="0">
-              <a:buNone/>
-            </a:pPr>
-            <a:r>
-              <a:rPr lang="en-US" b="1" dirty="0"/>
-              <a:t>return</a:t>
-            </a:r>
-            <a:r>
-              <a:rPr lang="en-US" dirty="0"/>
-              <a:t> 0;</a:t>
-            </a:r>
-          </a:p>
-          <a:p>
-            <a:pPr marL="137160" indent="0">
-              <a:buNone/>
-            </a:pPr>
-            <a:r>
-              <a:rPr lang="en-US" dirty="0"/>
-              <a:t>}</a:t>
-            </a:r>
+            <a:pPr marL="137160" indent="0">
+              <a:buNone/>
+            </a:pPr>
+            <a:endParaRPr lang="en-US" dirty="0"/>
           </a:p>
           <a:p>
             <a:endParaRPr lang="en-US" dirty="0"/>
@@ -5879,7 +5852,7 @@
     </p:spTree>
     <p:extLst>
       <p:ext uri="{BB962C8B-B14F-4D97-AF65-F5344CB8AC3E}">
-        <p14:creationId xmlns:p14="http://schemas.microsoft.com/office/powerpoint/2010/main" val="3593049886"/>
+        <p14:creationId xmlns:p14="http://schemas.microsoft.com/office/powerpoint/2010/main" val="1704723650"/>
       </p:ext>
     </p:extLst>
   </p:cSld>
@@ -5922,8 +5895,12 @@
           <a:lstStyle/>
           <a:p>
             <a:r>
+              <a:rPr lang="en-US" dirty="0" err="1" smtClean="0"/>
+              <a:t>Ptr</a:t>
+            </a:r>
+            <a:r>
               <a:rPr lang="en-US" dirty="0" smtClean="0"/>
-              <a:t>Array pointer</a:t>
+              <a:t> to array</a:t>
             </a:r>
             <a:endParaRPr lang="en-US" dirty="0"/>
           </a:p>
@@ -5942,7 +5919,7 @@
         <p:spPr/>
         <p:txBody>
           <a:bodyPr>
-            <a:normAutofit fontScale="62500" lnSpcReduction="20000"/>
+            <a:normAutofit fontScale="70000" lnSpcReduction="20000"/>
           </a:bodyPr>
           <a:lstStyle/>
           <a:p>
@@ -5951,7 +5928,7 @@
             </a:pPr>
             <a:r>
               <a:rPr lang="en-US" dirty="0"/>
-              <a:t>#include &lt;</a:t>
+              <a:t>#include&lt;</a:t>
             </a:r>
             <a:r>
               <a:rPr lang="en-US" dirty="0" err="1"/>
@@ -5967,6 +5944,25 @@
               <a:buNone/>
             </a:pPr>
             <a:r>
+              <a:rPr lang="en-US" dirty="0"/>
+              <a:t>#define ARRAY_SIZE </a:t>
+            </a:r>
+            <a:r>
+              <a:rPr lang="en-US" dirty="0" smtClean="0"/>
+              <a:t>5</a:t>
+            </a:r>
+          </a:p>
+          <a:p>
+            <a:pPr marL="137160" indent="0">
+              <a:buNone/>
+            </a:pPr>
+            <a:endParaRPr lang="en-US" dirty="0"/>
+          </a:p>
+          <a:p>
+            <a:pPr marL="137160" indent="0">
+              <a:buNone/>
+            </a:pPr>
+            <a:r>
               <a:rPr lang="en-US" dirty="0" err="1"/>
               <a:t>int</a:t>
             </a:r>
@@ -5985,7 +5981,7 @@
             </a:r>
           </a:p>
           <a:p>
-            <a:pPr marL="137160" indent="0">
+            <a:pPr marL="457200" lvl="1" indent="0">
               <a:buNone/>
             </a:pPr>
             <a:r>
@@ -5994,11 +5990,19 @@
             </a:r>
             <a:r>
               <a:rPr lang="en-US" dirty="0"/>
-              <a:t> a = 10;</a:t>
-            </a:r>
-          </a:p>
-          <a:p>
-            <a:pPr marL="137160" indent="0">
+              <a:t> </a:t>
+            </a:r>
+            <a:r>
+              <a:rPr lang="en-US" dirty="0" err="1"/>
+              <a:t>arr</a:t>
+            </a:r>
+            <a:r>
+              <a:rPr lang="en-US" dirty="0"/>
+              <a:t>[ARRAY_SIZE] = {1,2,3,4,5};</a:t>
+            </a:r>
+          </a:p>
+          <a:p>
+            <a:pPr marL="457200" lvl="1" indent="0">
               <a:buNone/>
             </a:pPr>
             <a:r>
@@ -6007,11 +6011,25 @@
             </a:r>
             <a:r>
               <a:rPr lang="en-US" dirty="0"/>
-              <a:t> b = 20;</a:t>
-            </a:r>
-          </a:p>
-          <a:p>
-            <a:pPr marL="137160" indent="0">
+              <a:t> i = 0</a:t>
+            </a:r>
+            <a:r>
+              <a:rPr lang="en-US" dirty="0" smtClean="0"/>
+              <a:t>;</a:t>
+            </a:r>
+            <a:endParaRPr lang="en-US" dirty="0"/>
+          </a:p>
+          <a:p>
+            <a:pPr marL="457200" lvl="1" indent="0">
+              <a:buNone/>
+            </a:pPr>
+            <a:r>
+              <a:rPr lang="en-US" dirty="0"/>
+              <a:t>// Pointer to an array of integers</a:t>
+            </a:r>
+          </a:p>
+          <a:p>
+            <a:pPr marL="457200" lvl="1" indent="0">
               <a:buNone/>
             </a:pPr>
             <a:r>
@@ -6020,51 +6038,37 @@
             </a:r>
             <a:r>
               <a:rPr lang="en-US" dirty="0"/>
-              <a:t> c = 30;</a:t>
-            </a:r>
-          </a:p>
-          <a:p>
-            <a:pPr marL="137160" indent="0">
-              <a:buNone/>
-            </a:pPr>
-            <a:r>
-              <a:rPr lang="en-US" dirty="0" err="1"/>
-              <a:t>int</a:t>
-            </a:r>
-            <a:r>
-              <a:rPr lang="en-US" dirty="0"/>
-              <a:t> i = 0;</a:t>
-            </a:r>
-          </a:p>
-          <a:p>
-            <a:pPr marL="137160" indent="0">
-              <a:buNone/>
-            </a:pPr>
-            <a:r>
-              <a:rPr lang="en-US" dirty="0"/>
-              <a:t>// Creating an array of integer pointers</a:t>
-            </a:r>
-          </a:p>
-          <a:p>
-            <a:pPr marL="137160" indent="0">
-              <a:buNone/>
-            </a:pPr>
-            <a:r>
-              <a:rPr lang="en-US" dirty="0"/>
-              <a:t>// and initializing it with integer variables address</a:t>
-            </a:r>
-          </a:p>
-          <a:p>
-            <a:pPr marL="137160" indent="0">
-              <a:buNone/>
-            </a:pPr>
-            <a:r>
-              <a:rPr lang="en-US" dirty="0" err="1"/>
-              <a:t>int</a:t>
-            </a:r>
-            <a:r>
-              <a:rPr lang="en-US" dirty="0"/>
-              <a:t> *</a:t>
+              <a:t> (*</a:t>
+            </a:r>
+            <a:r>
+              <a:rPr lang="en-US" dirty="0" err="1"/>
+              <a:t>ptr</a:t>
+            </a:r>
+            <a:r>
+              <a:rPr lang="en-US" dirty="0"/>
+              <a:t>)[ARRAY_SIZE];</a:t>
+            </a:r>
+          </a:p>
+          <a:p>
+            <a:pPr marL="457200" lvl="1" indent="0">
+              <a:buNone/>
+            </a:pPr>
+            <a:r>
+              <a:rPr lang="en-US" dirty="0"/>
+              <a:t>// Points to the whole array arr.</a:t>
+            </a:r>
+          </a:p>
+          <a:p>
+            <a:pPr marL="457200" lvl="1" indent="0">
+              <a:buNone/>
+            </a:pPr>
+            <a:r>
+              <a:rPr lang="en-US" dirty="0" err="1"/>
+              <a:t>ptr</a:t>
+            </a:r>
+            <a:r>
+              <a:rPr lang="en-US" dirty="0"/>
+              <a:t> = &amp;</a:t>
             </a:r>
             <a:r>
               <a:rPr lang="en-US" dirty="0" err="1"/>
@@ -6072,28 +6076,11 @@
             </a:r>
             <a:r>
               <a:rPr lang="en-US" dirty="0"/>
-              <a:t>[3] = {&amp;</a:t>
-            </a:r>
-            <a:r>
-              <a:rPr lang="en-US" dirty="0" err="1"/>
-              <a:t>a,&amp;b,&amp;c</a:t>
-            </a:r>
-            <a:r>
-              <a:rPr lang="en-US" dirty="0"/>
-              <a:t>};</a:t>
-            </a:r>
-          </a:p>
-          <a:p>
-            <a:pPr marL="137160" indent="0">
-              <a:buNone/>
-            </a:pPr>
-            <a:r>
-              <a:rPr lang="en-US" dirty="0"/>
-              <a:t>// printing values using pointer</a:t>
-            </a:r>
-          </a:p>
-          <a:p>
-            <a:pPr marL="137160" indent="0">
+              <a:t>;</a:t>
+            </a:r>
+          </a:p>
+          <a:p>
+            <a:pPr marL="457200" lvl="1" indent="0">
               <a:buNone/>
             </a:pPr>
             <a:r>
@@ -6102,11 +6089,11 @@
             </a:r>
             <a:r>
               <a:rPr lang="en-US" dirty="0"/>
-              <a:t> (i = 0; i &lt; 3; ++i)</a:t>
-            </a:r>
-          </a:p>
-          <a:p>
-            <a:pPr marL="137160" indent="0">
+              <a:t>(i=0; i&lt; ARRAY_SIZE ; ++i)</a:t>
+            </a:r>
+          </a:p>
+          <a:p>
+            <a:pPr marL="457200" lvl="1" indent="0">
               <a:buNone/>
             </a:pPr>
             <a:r>
@@ -6115,16 +6102,20 @@
             </a:r>
           </a:p>
           <a:p>
-            <a:pPr marL="137160" indent="0">
-              <a:buNone/>
-            </a:pPr>
-            <a:r>
-              <a:rPr lang="en-US" dirty="0" err="1"/>
+            <a:pPr marL="457200" lvl="1" indent="0">
+              <a:buNone/>
+            </a:pPr>
+            <a:r>
+              <a:rPr lang="en-US" dirty="0" smtClean="0"/>
+              <a:t>	</a:t>
+            </a:r>
+            <a:r>
+              <a:rPr lang="en-US" dirty="0" err="1" smtClean="0"/>
               <a:t>printf</a:t>
             </a:r>
             <a:r>
               <a:rPr lang="en-US" dirty="0"/>
-              <a:t>("Value of </a:t>
+              <a:t>(" </a:t>
             </a:r>
             <a:r>
               <a:rPr lang="en-US" dirty="0" err="1"/>
@@ -6132,19 +6123,27 @@
             </a:r>
             <a:r>
               <a:rPr lang="en-US" dirty="0"/>
-              <a:t>[%d] = %d\n", i, *</a:t>
-            </a:r>
-            <a:r>
-              <a:rPr lang="en-US" dirty="0" err="1"/>
-              <a:t>arr</a:t>
-            </a:r>
-            <a:r>
-              <a:rPr lang="en-US" dirty="0"/>
-              <a:t>[i]);</a:t>
-            </a:r>
-          </a:p>
-          <a:p>
-            <a:pPr marL="137160" indent="0">
+              <a:t>[%d] = %d\</a:t>
+            </a:r>
+            <a:r>
+              <a:rPr lang="en-US" dirty="0" err="1"/>
+              <a:t>n",i</a:t>
+            </a:r>
+            <a:r>
+              <a:rPr lang="en-US" dirty="0"/>
+              <a:t>,(*</a:t>
+            </a:r>
+            <a:r>
+              <a:rPr lang="en-US" dirty="0" err="1"/>
+              <a:t>ptr</a:t>
+            </a:r>
+            <a:r>
+              <a:rPr lang="en-US" dirty="0"/>
+              <a:t>)[i]);</a:t>
+            </a:r>
+          </a:p>
+          <a:p>
+            <a:pPr marL="457200" lvl="1" indent="0">
               <a:buNone/>
             </a:pPr>
             <a:r>
@@ -6153,7 +6152,7 @@
             </a:r>
           </a:p>
           <a:p>
-            <a:pPr marL="137160" indent="0">
+            <a:pPr marL="457200" lvl="1" indent="0">
               <a:buNone/>
             </a:pPr>
             <a:r>
@@ -6175,9 +6174,6 @@
             </a:r>
           </a:p>
           <a:p>
-            <a:pPr marL="137160" indent="0">
-              <a:buNone/>
-            </a:pPr>
             <a:endParaRPr lang="en-US" dirty="0"/>
           </a:p>
         </p:txBody>
@@ -6185,7 +6181,7 @@
     </p:spTree>
     <p:extLst>
       <p:ext uri="{BB962C8B-B14F-4D97-AF65-F5344CB8AC3E}">
-        <p14:creationId xmlns:p14="http://schemas.microsoft.com/office/powerpoint/2010/main" val="4089774833"/>
+        <p14:creationId xmlns:p14="http://schemas.microsoft.com/office/powerpoint/2010/main" val="3593049886"/>
       </p:ext>
     </p:extLst>
   </p:cSld>
@@ -6229,45 +6225,269 @@
           <a:p>
             <a:r>
               <a:rPr lang="en-US" dirty="0" smtClean="0"/>
-              <a:t>Memory fragmentation</a:t>
+              <a:t>Array pointer</a:t>
             </a:r>
             <a:endParaRPr lang="en-US" dirty="0"/>
           </a:p>
         </p:txBody>
       </p:sp>
-      <p:pic>
-        <p:nvPicPr>
-          <p:cNvPr id="4" name="Content Placeholder 3"/>
-          <p:cNvPicPr>
-            <a:picLocks noGrp="1" noChangeAspect="1"/>
-          </p:cNvPicPr>
+      <p:sp>
+        <p:nvSpPr>
+          <p:cNvPr id="3" name="Content Placeholder 2"/>
+          <p:cNvSpPr>
+            <a:spLocks noGrp="1"/>
+          </p:cNvSpPr>
           <p:nvPr>
             <p:ph idx="1"/>
           </p:nvPr>
-        </p:nvPicPr>
-        <p:blipFill>
-          <a:blip r:embed="rId2">
-            <a:extLst>
-              <a:ext uri="{28A0092B-C50C-407E-A947-70E740481C1C}">
-                <a14:useLocalDpi xmlns:a14="http://schemas.microsoft.com/office/drawing/2010/main" val="0"/>
-              </a:ext>
-            </a:extLst>
-          </a:blip>
-          <a:stretch>
-            <a:fillRect/>
-          </a:stretch>
-        </p:blipFill>
-        <p:spPr>
-          <a:xfrm>
-            <a:off x="838200" y="1981200"/>
-            <a:ext cx="7256164" cy="3297237"/>
-          </a:xfrm>
-        </p:spPr>
-      </p:pic>
+        </p:nvSpPr>
+        <p:spPr/>
+        <p:txBody>
+          <a:bodyPr>
+            <a:normAutofit fontScale="62500" lnSpcReduction="20000"/>
+          </a:bodyPr>
+          <a:lstStyle/>
+          <a:p>
+            <a:pPr marL="137160" indent="0">
+              <a:buNone/>
+            </a:pPr>
+            <a:r>
+              <a:rPr lang="en-US" dirty="0"/>
+              <a:t>#include &lt;</a:t>
+            </a:r>
+            <a:r>
+              <a:rPr lang="en-US" dirty="0" err="1"/>
+              <a:t>stdio.h</a:t>
+            </a:r>
+            <a:r>
+              <a:rPr lang="en-US" dirty="0"/>
+              <a:t>&gt;</a:t>
+            </a:r>
+          </a:p>
+          <a:p>
+            <a:pPr marL="137160" indent="0">
+              <a:buNone/>
+            </a:pPr>
+            <a:r>
+              <a:rPr lang="en-US" dirty="0" err="1"/>
+              <a:t>int</a:t>
+            </a:r>
+            <a:r>
+              <a:rPr lang="en-US" dirty="0"/>
+              <a:t> main()</a:t>
+            </a:r>
+          </a:p>
+          <a:p>
+            <a:pPr marL="137160" indent="0">
+              <a:buNone/>
+            </a:pPr>
+            <a:r>
+              <a:rPr lang="en-US" dirty="0"/>
+              <a:t>{</a:t>
+            </a:r>
+          </a:p>
+          <a:p>
+            <a:pPr marL="137160" indent="0">
+              <a:buNone/>
+            </a:pPr>
+            <a:r>
+              <a:rPr lang="en-US" dirty="0" err="1"/>
+              <a:t>int</a:t>
+            </a:r>
+            <a:r>
+              <a:rPr lang="en-US" dirty="0"/>
+              <a:t> a = 10;</a:t>
+            </a:r>
+          </a:p>
+          <a:p>
+            <a:pPr marL="137160" indent="0">
+              <a:buNone/>
+            </a:pPr>
+            <a:r>
+              <a:rPr lang="en-US" dirty="0" err="1"/>
+              <a:t>int</a:t>
+            </a:r>
+            <a:r>
+              <a:rPr lang="en-US" dirty="0"/>
+              <a:t> b = 20;</a:t>
+            </a:r>
+          </a:p>
+          <a:p>
+            <a:pPr marL="137160" indent="0">
+              <a:buNone/>
+            </a:pPr>
+            <a:r>
+              <a:rPr lang="en-US" dirty="0" err="1"/>
+              <a:t>int</a:t>
+            </a:r>
+            <a:r>
+              <a:rPr lang="en-US" dirty="0"/>
+              <a:t> c = 30;</a:t>
+            </a:r>
+          </a:p>
+          <a:p>
+            <a:pPr marL="137160" indent="0">
+              <a:buNone/>
+            </a:pPr>
+            <a:r>
+              <a:rPr lang="en-US" dirty="0" err="1"/>
+              <a:t>int</a:t>
+            </a:r>
+            <a:r>
+              <a:rPr lang="en-US" dirty="0"/>
+              <a:t> i = 0;</a:t>
+            </a:r>
+          </a:p>
+          <a:p>
+            <a:pPr marL="137160" indent="0">
+              <a:buNone/>
+            </a:pPr>
+            <a:r>
+              <a:rPr lang="en-US" dirty="0"/>
+              <a:t>// Creating an array of integer pointers</a:t>
+            </a:r>
+          </a:p>
+          <a:p>
+            <a:pPr marL="137160" indent="0">
+              <a:buNone/>
+            </a:pPr>
+            <a:r>
+              <a:rPr lang="en-US" dirty="0"/>
+              <a:t>// and initializing it with integer variables address</a:t>
+            </a:r>
+          </a:p>
+          <a:p>
+            <a:pPr marL="137160" indent="0">
+              <a:buNone/>
+            </a:pPr>
+            <a:r>
+              <a:rPr lang="en-US" dirty="0" err="1"/>
+              <a:t>int</a:t>
+            </a:r>
+            <a:r>
+              <a:rPr lang="en-US" dirty="0"/>
+              <a:t> *</a:t>
+            </a:r>
+            <a:r>
+              <a:rPr lang="en-US" dirty="0" err="1"/>
+              <a:t>arr</a:t>
+            </a:r>
+            <a:r>
+              <a:rPr lang="en-US" dirty="0"/>
+              <a:t>[3] = {&amp;</a:t>
+            </a:r>
+            <a:r>
+              <a:rPr lang="en-US" dirty="0" err="1"/>
+              <a:t>a,&amp;b,&amp;c</a:t>
+            </a:r>
+            <a:r>
+              <a:rPr lang="en-US" dirty="0"/>
+              <a:t>};</a:t>
+            </a:r>
+          </a:p>
+          <a:p>
+            <a:pPr marL="137160" indent="0">
+              <a:buNone/>
+            </a:pPr>
+            <a:r>
+              <a:rPr lang="en-US" dirty="0"/>
+              <a:t>// printing values using pointer</a:t>
+            </a:r>
+          </a:p>
+          <a:p>
+            <a:pPr marL="137160" indent="0">
+              <a:buNone/>
+            </a:pPr>
+            <a:r>
+              <a:rPr lang="en-US" b="1" dirty="0"/>
+              <a:t>for</a:t>
+            </a:r>
+            <a:r>
+              <a:rPr lang="en-US" dirty="0"/>
+              <a:t> (i = 0; i &lt; 3; ++i)</a:t>
+            </a:r>
+          </a:p>
+          <a:p>
+            <a:pPr marL="137160" indent="0">
+              <a:buNone/>
+            </a:pPr>
+            <a:r>
+              <a:rPr lang="en-US" dirty="0"/>
+              <a:t>{</a:t>
+            </a:r>
+          </a:p>
+          <a:p>
+            <a:pPr marL="137160" indent="0">
+              <a:buNone/>
+            </a:pPr>
+            <a:r>
+              <a:rPr lang="en-US" dirty="0" err="1"/>
+              <a:t>printf</a:t>
+            </a:r>
+            <a:r>
+              <a:rPr lang="en-US" dirty="0"/>
+              <a:t>("Value of </a:t>
+            </a:r>
+            <a:r>
+              <a:rPr lang="en-US" dirty="0" err="1"/>
+              <a:t>arr</a:t>
+            </a:r>
+            <a:r>
+              <a:rPr lang="en-US" dirty="0"/>
+              <a:t>[%d] = %d\n", i, *</a:t>
+            </a:r>
+            <a:r>
+              <a:rPr lang="en-US" dirty="0" err="1"/>
+              <a:t>arr</a:t>
+            </a:r>
+            <a:r>
+              <a:rPr lang="en-US" dirty="0"/>
+              <a:t>[i]);</a:t>
+            </a:r>
+          </a:p>
+          <a:p>
+            <a:pPr marL="137160" indent="0">
+              <a:buNone/>
+            </a:pPr>
+            <a:r>
+              <a:rPr lang="en-US" dirty="0"/>
+              <a:t>}</a:t>
+            </a:r>
+          </a:p>
+          <a:p>
+            <a:pPr marL="137160" indent="0">
+              <a:buNone/>
+            </a:pPr>
+            <a:r>
+              <a:rPr lang="en-US" b="1" dirty="0"/>
+              <a:t>return</a:t>
+            </a:r>
+            <a:r>
+              <a:rPr lang="en-US" dirty="0"/>
+              <a:t> 0;</a:t>
+            </a:r>
+          </a:p>
+          <a:p>
+            <a:pPr marL="137160" indent="0">
+              <a:buNone/>
+            </a:pPr>
+            <a:r>
+              <a:rPr lang="en-US" dirty="0"/>
+              <a:t>}</a:t>
+            </a:r>
+          </a:p>
+          <a:p>
+            <a:pPr marL="137160" indent="0">
+              <a:buNone/>
+            </a:pPr>
+            <a:endParaRPr lang="en-US" dirty="0"/>
+          </a:p>
+        </p:txBody>
+      </p:sp>
     </p:spTree>
     <p:extLst>
       <p:ext uri="{BB962C8B-B14F-4D97-AF65-F5344CB8AC3E}">
-        <p14:creationId xmlns:p14="http://schemas.microsoft.com/office/powerpoint/2010/main" val="1609714941"/>
+        <p14:creationId xmlns:p14="http://schemas.microsoft.com/office/powerpoint/2010/main" val="4089774833"/>
       </p:ext>
     </p:extLst>
   </p:cSld>
@@ -6488,6 +6708,88 @@
           <a:p>
             <a:r>
               <a:rPr lang="en-US" dirty="0" smtClean="0"/>
+              <a:t>Memory fragmentation</a:t>
+            </a:r>
+            <a:endParaRPr lang="en-US" dirty="0"/>
+          </a:p>
+        </p:txBody>
+      </p:sp>
+      <p:pic>
+        <p:nvPicPr>
+          <p:cNvPr id="4" name="Content Placeholder 3"/>
+          <p:cNvPicPr>
+            <a:picLocks noGrp="1" noChangeAspect="1"/>
+          </p:cNvPicPr>
+          <p:nvPr>
+            <p:ph idx="1"/>
+          </p:nvPr>
+        </p:nvPicPr>
+        <p:blipFill>
+          <a:blip r:embed="rId2">
+            <a:extLst>
+              <a:ext uri="{28A0092B-C50C-407E-A947-70E740481C1C}">
+                <a14:useLocalDpi xmlns:a14="http://schemas.microsoft.com/office/drawing/2010/main" val="0"/>
+              </a:ext>
+            </a:extLst>
+          </a:blip>
+          <a:stretch>
+            <a:fillRect/>
+          </a:stretch>
+        </p:blipFill>
+        <p:spPr>
+          <a:xfrm>
+            <a:off x="838200" y="1981200"/>
+            <a:ext cx="7256164" cy="3297237"/>
+          </a:xfrm>
+        </p:spPr>
+      </p:pic>
+    </p:spTree>
+    <p:extLst>
+      <p:ext uri="{BB962C8B-B14F-4D97-AF65-F5344CB8AC3E}">
+        <p14:creationId xmlns:p14="http://schemas.microsoft.com/office/powerpoint/2010/main" val="1609714941"/>
+      </p:ext>
+    </p:extLst>
+  </p:cSld>
+  <p:clrMapOvr>
+    <a:masterClrMapping/>
+  </p:clrMapOvr>
+</p:sld>
+</file>
+
+<file path=ppt/slides/slide21.xml><?xml version="1.0" encoding="utf-8"?>
+<p:sld xmlns:a="http://schemas.openxmlformats.org/drawingml/2006/main" xmlns:r="http://schemas.openxmlformats.org/officeDocument/2006/relationships" xmlns:p="http://schemas.openxmlformats.org/presentationml/2006/main">
+  <p:cSld>
+    <p:spTree>
+      <p:nvGrpSpPr>
+        <p:cNvPr id="1" name=""/>
+        <p:cNvGrpSpPr/>
+        <p:nvPr/>
+      </p:nvGrpSpPr>
+      <p:grpSpPr>
+        <a:xfrm>
+          <a:off x="0" y="0"/>
+          <a:ext cx="0" cy="0"/>
+          <a:chOff x="0" y="0"/>
+          <a:chExt cx="0" cy="0"/>
+        </a:xfrm>
+      </p:grpSpPr>
+      <p:sp>
+        <p:nvSpPr>
+          <p:cNvPr id="2" name="Title 1"/>
+          <p:cNvSpPr>
+            <a:spLocks noGrp="1"/>
+          </p:cNvSpPr>
+          <p:nvPr>
+            <p:ph type="title"/>
+          </p:nvPr>
+        </p:nvSpPr>
+        <p:spPr/>
+        <p:txBody>
+          <a:bodyPr/>
+          <a:lstStyle/>
+          <a:p>
+            <a:r>
+              <a:rPr lang="en-US" dirty="0" smtClean="0"/>
               <a:t>Far </a:t>
             </a:r>
             <a:r>
@@ -6556,7 +6858,7 @@
 </p:sld>
 </file>
 
-<file path=ppt/slides/slide21.xml><?xml version="1.0" encoding="utf-8"?>
+<file path=ppt/slides/slide22.xml><?xml version="1.0" encoding="utf-8"?>
 <p:sld xmlns:a="http://schemas.openxmlformats.org/drawingml/2006/main" xmlns:r="http://schemas.openxmlformats.org/officeDocument/2006/relationships" xmlns:p="http://schemas.openxmlformats.org/presentationml/2006/main">
   <p:cSld>
     <p:spTree>
@@ -6687,7 +6989,7 @@
 </p:sld>
 </file>
 
-<file path=ppt/slides/slide22.xml><?xml version="1.0" encoding="utf-8"?>
+<file path=ppt/slides/slide23.xml><?xml version="1.0" encoding="utf-8"?>
 <p:sld xmlns:a="http://schemas.openxmlformats.org/drawingml/2006/main" xmlns:r="http://schemas.openxmlformats.org/officeDocument/2006/relationships" xmlns:p="http://schemas.openxmlformats.org/presentationml/2006/main">
   <p:cSld>
     <p:spTree>
@@ -7142,7 +7444,23 @@
           <a:p>
             <a:r>
               <a:rPr lang="en-US" dirty="0" smtClean="0"/>
-              <a:t>Pointer types</a:t>
+              <a:t>Size of </a:t>
+            </a:r>
+            <a:r>
+              <a:rPr lang="en-US" dirty="0" err="1" smtClean="0"/>
+              <a:t>ptr</a:t>
+            </a:r>
+            <a:r>
+              <a:rPr lang="en-US" dirty="0" smtClean="0"/>
+              <a:t> and </a:t>
+            </a:r>
+            <a:r>
+              <a:rPr lang="en-US" dirty="0" err="1" smtClean="0"/>
+              <a:t>ptr</a:t>
+            </a:r>
+            <a:r>
+              <a:rPr lang="en-US" dirty="0" smtClean="0"/>
+              <a:t> type cast</a:t>
             </a:r>
             <a:endParaRPr lang="en-US" dirty="0"/>
           </a:p>
@@ -7156,6 +7474,233 @@
           </p:cNvSpPr>
           <p:nvPr>
             <p:ph idx="1"/>
+          </p:nvPr>
+        </p:nvSpPr>
+        <p:spPr>
+          <a:xfrm>
+            <a:off x="457200" y="1600200"/>
+            <a:ext cx="8229600" cy="4648200"/>
+          </a:xfrm>
+        </p:spPr>
+        <p:txBody>
+          <a:bodyPr>
+            <a:normAutofit/>
+          </a:bodyPr>
+          <a:lstStyle/>
+          <a:p>
+            <a:pPr marL="137160" indent="0">
+              <a:buNone/>
+            </a:pPr>
+            <a:r>
+              <a:rPr lang="en-US" sz="2000" dirty="0" err="1" smtClean="0"/>
+              <a:t>Int</a:t>
+            </a:r>
+            <a:r>
+              <a:rPr lang="en-US" sz="2000" dirty="0" smtClean="0"/>
+              <a:t> * </a:t>
+            </a:r>
+            <a:r>
+              <a:rPr lang="en-US" sz="2000" dirty="0" err="1" smtClean="0"/>
+              <a:t>ptr</a:t>
+            </a:r>
+            <a:endParaRPr lang="en-US" sz="2000" dirty="0" smtClean="0"/>
+          </a:p>
+          <a:p>
+            <a:pPr marL="137160" indent="0">
+              <a:buNone/>
+            </a:pPr>
+            <a:r>
+              <a:rPr lang="en-US" sz="2000" dirty="0" smtClean="0"/>
+              <a:t>Char *</a:t>
+            </a:r>
+            <a:r>
+              <a:rPr lang="en-US" sz="2000" dirty="0" err="1" smtClean="0"/>
+              <a:t>ptr</a:t>
+            </a:r>
+            <a:endParaRPr lang="en-US" sz="2000" dirty="0" smtClean="0"/>
+          </a:p>
+          <a:p>
+            <a:pPr marL="137160" indent="0">
+              <a:buNone/>
+            </a:pPr>
+            <a:r>
+              <a:rPr lang="en-US" sz="2000" dirty="0" smtClean="0"/>
+              <a:t>Float * </a:t>
+            </a:r>
+            <a:r>
+              <a:rPr lang="en-US" sz="2000" dirty="0" err="1" smtClean="0"/>
+              <a:t>ptr</a:t>
+            </a:r>
+            <a:endParaRPr lang="en-US" sz="2000" dirty="0" smtClean="0"/>
+          </a:p>
+          <a:p>
+            <a:pPr marL="137160" indent="0">
+              <a:buNone/>
+            </a:pPr>
+            <a:r>
+              <a:rPr lang="en-US" sz="2000" dirty="0" smtClean="0"/>
+              <a:t>Double * </a:t>
+            </a:r>
+            <a:r>
+              <a:rPr lang="en-US" sz="2000" dirty="0" err="1" smtClean="0"/>
+              <a:t>ptr</a:t>
+            </a:r>
+            <a:endParaRPr lang="en-US" sz="2000" dirty="0" smtClean="0"/>
+          </a:p>
+          <a:p>
+            <a:pPr marL="137160" indent="0">
+              <a:buNone/>
+            </a:pPr>
+            <a:r>
+              <a:rPr lang="en-US" sz="2000" dirty="0" smtClean="0"/>
+              <a:t>Void * </a:t>
+            </a:r>
+            <a:r>
+              <a:rPr lang="en-US" sz="2000" dirty="0" err="1" smtClean="0"/>
+              <a:t>ptr</a:t>
+            </a:r>
+            <a:endParaRPr lang="en-US" sz="2000" dirty="0" smtClean="0"/>
+          </a:p>
+          <a:p>
+            <a:pPr marL="137160" indent="0">
+              <a:buNone/>
+            </a:pPr>
+            <a:endParaRPr lang="en-US" sz="2000" dirty="0" smtClean="0"/>
+          </a:p>
+          <a:p>
+            <a:pPr marL="137160" indent="0">
+              <a:buNone/>
+            </a:pPr>
+            <a:r>
+              <a:rPr lang="en-US" sz="2000" smtClean="0"/>
+              <a:t>For any pointer 4 </a:t>
+            </a:r>
+            <a:r>
+              <a:rPr lang="en-US" sz="2000" dirty="0" smtClean="0"/>
+              <a:t>byte if 32 bit , 8 byte if 64 bit</a:t>
+            </a:r>
+            <a:endParaRPr lang="en-US" sz="2000" dirty="0"/>
+          </a:p>
+          <a:p>
+            <a:pPr marL="137160" indent="0">
+              <a:buNone/>
+            </a:pPr>
+            <a:r>
+              <a:rPr lang="en-US" sz="2000" dirty="0" smtClean="0"/>
+              <a:t>Location </a:t>
+            </a:r>
+            <a:r>
+              <a:rPr lang="en-US" sz="2000" dirty="0" err="1" smtClean="0"/>
+              <a:t>increament</a:t>
+            </a:r>
+            <a:r>
+              <a:rPr lang="en-US" sz="2000" dirty="0" smtClean="0"/>
+              <a:t> will vary depends data type</a:t>
+            </a:r>
+          </a:p>
+          <a:p>
+            <a:pPr marL="137160" indent="0">
+              <a:buNone/>
+            </a:pPr>
+            <a:endParaRPr lang="en-US" sz="2000" dirty="0" smtClean="0"/>
+          </a:p>
+          <a:p>
+            <a:pPr marL="137160" indent="0">
+              <a:buNone/>
+            </a:pPr>
+            <a:r>
+              <a:rPr lang="en-US" sz="2000" dirty="0" smtClean="0"/>
+              <a:t>Float c=10.54;</a:t>
+            </a:r>
+            <a:endParaRPr lang="en-US" sz="2000" dirty="0"/>
+          </a:p>
+          <a:p>
+            <a:pPr marL="137160" indent="0">
+              <a:buNone/>
+            </a:pPr>
+            <a:r>
+              <a:rPr lang="en-US" sz="2000" dirty="0" err="1" smtClean="0"/>
+              <a:t>Int</a:t>
+            </a:r>
+            <a:r>
+              <a:rPr lang="en-US" sz="2000" dirty="0" smtClean="0"/>
+              <a:t> * </a:t>
+            </a:r>
+            <a:r>
+              <a:rPr lang="en-US" sz="2000" dirty="0" err="1" smtClean="0"/>
+              <a:t>ptr</a:t>
+            </a:r>
+            <a:r>
+              <a:rPr lang="en-US" sz="2000" dirty="0" smtClean="0"/>
+              <a:t> =(</a:t>
+            </a:r>
+            <a:r>
+              <a:rPr lang="en-US" sz="2000" dirty="0" err="1" smtClean="0"/>
+              <a:t>int</a:t>
+            </a:r>
+            <a:r>
+              <a:rPr lang="en-US" sz="2000" dirty="0" smtClean="0"/>
+              <a:t> *) &amp; a;</a:t>
+            </a:r>
+          </a:p>
+          <a:p>
+            <a:pPr marL="137160" indent="0">
+              <a:buNone/>
+            </a:pPr>
+            <a:endParaRPr lang="en-US" sz="2000" dirty="0" smtClean="0"/>
+          </a:p>
+          <a:p>
+            <a:pPr marL="137160" indent="0">
+              <a:buNone/>
+            </a:pPr>
+            <a:endParaRPr lang="en-US" sz="2000" dirty="0"/>
+          </a:p>
+          <a:p>
+            <a:pPr marL="137160" indent="0">
+              <a:buNone/>
+            </a:pPr>
+            <a:endParaRPr lang="en-US" sz="2000" dirty="0"/>
+          </a:p>
+        </p:txBody>
+      </p:sp>
+    </p:spTree>
+    <p:extLst>
+      <p:ext uri="{BB962C8B-B14F-4D97-AF65-F5344CB8AC3E}">
+        <p14:creationId xmlns:p14="http://schemas.microsoft.com/office/powerpoint/2010/main" val="2930868856"/>
+      </p:ext>
+    </p:extLst>
+  </p:cSld>
+  <p:clrMapOvr>
+    <a:masterClrMapping/>
+  </p:clrMapOvr>
+</p:sld>
+</file>
+
+<file path=ppt/slides/slide5.xml><?xml version="1.0" encoding="utf-8"?>
+<p:sld xmlns:a="http://schemas.openxmlformats.org/drawingml/2006/main" xmlns:r="http://schemas.openxmlformats.org/officeDocument/2006/relationships" xmlns:p="http://schemas.openxmlformats.org/presentationml/2006/main">
+  <p:cSld>
+    <p:spTree>
+      <p:nvGrpSpPr>
+        <p:cNvPr id="1" name=""/>
+        <p:cNvGrpSpPr/>
+        <p:nvPr/>
+      </p:nvGrpSpPr>
+      <p:grpSpPr>
+        <a:xfrm>
+          <a:off x="0" y="0"/>
+          <a:ext cx="0" cy="0"/>
+          <a:chOff x="0" y="0"/>
+          <a:chExt cx="0" cy="0"/>
+        </a:xfrm>
+      </p:grpSpPr>
+      <p:sp>
+        <p:nvSpPr>
+          <p:cNvPr id="2" name="Title 1"/>
+          <p:cNvSpPr>
+            <a:spLocks noGrp="1"/>
+          </p:cNvSpPr>
+          <p:nvPr>
+            <p:ph type="title"/>
           </p:nvPr>
         </p:nvSpPr>
         <p:spPr/>
@@ -7165,6 +7710,29 @@
           <a:p>
             <a:r>
               <a:rPr lang="en-US" dirty="0" smtClean="0"/>
+              <a:t>Pointer types</a:t>
+            </a:r>
+            <a:endParaRPr lang="en-US" dirty="0"/>
+          </a:p>
+        </p:txBody>
+      </p:sp>
+      <p:sp>
+        <p:nvSpPr>
+          <p:cNvPr id="3" name="Content Placeholder 2"/>
+          <p:cNvSpPr>
+            <a:spLocks noGrp="1"/>
+          </p:cNvSpPr>
+          <p:nvPr>
+            <p:ph idx="1"/>
+          </p:nvPr>
+        </p:nvSpPr>
+        <p:spPr/>
+        <p:txBody>
+          <a:bodyPr/>
+          <a:lstStyle/>
+          <a:p>
+            <a:r>
+              <a:rPr lang="en-US" dirty="0" smtClean="0"/>
               <a:t>Null -&gt; </a:t>
             </a:r>
             <a:r>
@@ -7175,14 +7743,12 @@
               <a:rPr lang="en-US" dirty="0" smtClean="0"/>
               <a:t> *p=0;</a:t>
             </a:r>
-            <a:endParaRPr lang="en-US" dirty="0" smtClean="0"/>
           </a:p>
           <a:p>
             <a:r>
               <a:rPr lang="en-US" dirty="0" smtClean="0"/>
               <a:t>Dangling    </a:t>
             </a:r>
-            <a:endParaRPr lang="en-US" dirty="0" smtClean="0"/>
           </a:p>
           <a:p>
             <a:r>
@@ -7205,7 +7771,6 @@
               <a:rPr lang="en-US" dirty="0" smtClean="0"/>
               <a:t>p;</a:t>
             </a:r>
-            <a:endParaRPr lang="en-US" dirty="0" smtClean="0"/>
           </a:p>
           <a:p>
             <a:r>
@@ -7228,7 +7793,6 @@
               <a:rPr lang="en-US" dirty="0" smtClean="0"/>
               <a:t> =(void*)&amp;p</a:t>
             </a:r>
-            <a:endParaRPr lang="en-US" dirty="0" smtClean="0"/>
           </a:p>
           <a:p>
             <a:endParaRPr lang="en-US" dirty="0"/>
@@ -7255,478 +7819,6 @@
 </p:sld>
 </file>
 
-<file path=ppt/slides/slide5.xml><?xml version="1.0" encoding="utf-8"?>
-<p:sld xmlns:a="http://schemas.openxmlformats.org/drawingml/2006/main" xmlns:r="http://schemas.openxmlformats.org/officeDocument/2006/relationships" xmlns:p="http://schemas.openxmlformats.org/presentationml/2006/main">
-  <p:cSld>
-    <p:spTree>
-      <p:nvGrpSpPr>
-        <p:cNvPr id="1" name=""/>
-        <p:cNvGrpSpPr/>
-        <p:nvPr/>
-      </p:nvGrpSpPr>
-      <p:grpSpPr>
-        <a:xfrm>
-          <a:off x="0" y="0"/>
-          <a:ext cx="0" cy="0"/>
-          <a:chOff x="0" y="0"/>
-          <a:chExt cx="0" cy="0"/>
-        </a:xfrm>
-      </p:grpSpPr>
-      <p:sp>
-        <p:nvSpPr>
-          <p:cNvPr id="2" name="Title 1"/>
-          <p:cNvSpPr>
-            <a:spLocks noGrp="1"/>
-          </p:cNvSpPr>
-          <p:nvPr>
-            <p:ph type="title"/>
-          </p:nvPr>
-        </p:nvSpPr>
-        <p:spPr/>
-        <p:txBody>
-          <a:bodyPr/>
-          <a:lstStyle/>
-          <a:p>
-            <a:r>
-              <a:rPr lang="en-US" dirty="0" smtClean="0"/>
-              <a:t>Dangling </a:t>
-            </a:r>
-            <a:r>
-              <a:rPr lang="en-US" dirty="0" err="1" smtClean="0"/>
-              <a:t>ptr</a:t>
-            </a:r>
-            <a:endParaRPr lang="en-US" dirty="0"/>
-          </a:p>
-        </p:txBody>
-      </p:sp>
-      <p:sp>
-        <p:nvSpPr>
-          <p:cNvPr id="3" name="Content Placeholder 2"/>
-          <p:cNvSpPr>
-            <a:spLocks noGrp="1"/>
-          </p:cNvSpPr>
-          <p:nvPr>
-            <p:ph idx="1"/>
-          </p:nvPr>
-        </p:nvSpPr>
-        <p:spPr/>
-        <p:txBody>
-          <a:bodyPr>
-            <a:normAutofit fontScale="62500" lnSpcReduction="20000"/>
-          </a:bodyPr>
-          <a:lstStyle/>
-          <a:p>
-            <a:pPr marL="137160" indent="0">
-              <a:buNone/>
-            </a:pPr>
-            <a:endParaRPr lang="en-US" sz="1400" dirty="0"/>
-          </a:p>
-          <a:p>
-            <a:pPr marL="137160" indent="0">
-              <a:buNone/>
-            </a:pPr>
-            <a:r>
-              <a:rPr lang="en-US" sz="1400" dirty="0" err="1"/>
-              <a:t>int</a:t>
-            </a:r>
-            <a:r>
-              <a:rPr lang="en-US" sz="1400" dirty="0"/>
-              <a:t> *fun()</a:t>
-            </a:r>
-          </a:p>
-          <a:p>
-            <a:pPr marL="137160" indent="0">
-              <a:buNone/>
-            </a:pPr>
-            <a:r>
-              <a:rPr lang="en-US" sz="1400" dirty="0"/>
-              <a:t>{</a:t>
-            </a:r>
-          </a:p>
-          <a:p>
-            <a:pPr marL="137160" indent="0">
-              <a:buNone/>
-            </a:pPr>
-            <a:r>
-              <a:rPr lang="en-US" sz="1400" dirty="0"/>
-              <a:t>	</a:t>
-            </a:r>
-            <a:r>
-              <a:rPr lang="en-US" sz="1400" dirty="0" err="1"/>
-              <a:t>int</a:t>
-            </a:r>
-            <a:r>
-              <a:rPr lang="en-US" sz="1400" dirty="0"/>
-              <a:t> a=10;  //to avoid dangling </a:t>
-            </a:r>
-            <a:r>
-              <a:rPr lang="en-US" sz="1400" dirty="0" err="1"/>
-              <a:t>ptr</a:t>
-            </a:r>
-            <a:r>
-              <a:rPr lang="en-US" sz="1400" dirty="0"/>
-              <a:t> use static </a:t>
-            </a:r>
-            <a:r>
-              <a:rPr lang="en-US" sz="1400" dirty="0" smtClean="0"/>
-              <a:t>variable</a:t>
-            </a:r>
-            <a:r>
-              <a:rPr lang="en-US" sz="1400" dirty="0"/>
-              <a:t>	</a:t>
-            </a:r>
-          </a:p>
-          <a:p>
-            <a:pPr marL="137160" indent="0">
-              <a:buNone/>
-            </a:pPr>
-            <a:r>
-              <a:rPr lang="en-US" sz="1400" dirty="0"/>
-              <a:t>	return &amp;a</a:t>
-            </a:r>
-            <a:r>
-              <a:rPr lang="en-US" sz="1400" dirty="0" smtClean="0"/>
-              <a:t>;</a:t>
-            </a:r>
-            <a:r>
-              <a:rPr lang="en-US" sz="1400" dirty="0"/>
-              <a:t>	</a:t>
-            </a:r>
-          </a:p>
-          <a:p>
-            <a:pPr marL="137160" indent="0">
-              <a:buNone/>
-            </a:pPr>
-            <a:r>
-              <a:rPr lang="en-US" sz="1400" dirty="0" smtClean="0"/>
-              <a:t>}</a:t>
-            </a:r>
-          </a:p>
-          <a:p>
-            <a:pPr marL="137160" indent="0">
-              <a:buNone/>
-            </a:pPr>
-            <a:endParaRPr lang="en-US" sz="1400" dirty="0"/>
-          </a:p>
-          <a:p>
-            <a:pPr marL="137160" indent="0">
-              <a:buNone/>
-            </a:pPr>
-            <a:r>
-              <a:rPr lang="en-US" sz="1400" dirty="0" err="1"/>
-              <a:t>int</a:t>
-            </a:r>
-            <a:r>
-              <a:rPr lang="en-US" sz="1400" dirty="0"/>
-              <a:t> main()</a:t>
-            </a:r>
-          </a:p>
-          <a:p>
-            <a:pPr marL="137160" indent="0">
-              <a:buNone/>
-            </a:pPr>
-            <a:r>
-              <a:rPr lang="en-US" sz="1400" dirty="0"/>
-              <a:t>{</a:t>
-            </a:r>
-          </a:p>
-          <a:p>
-            <a:pPr marL="137160" indent="0">
-              <a:buNone/>
-            </a:pPr>
-            <a:r>
-              <a:rPr lang="en-US" sz="1400" dirty="0"/>
-              <a:t>	</a:t>
-            </a:r>
-          </a:p>
-          <a:p>
-            <a:pPr marL="137160" indent="0">
-              <a:buNone/>
-            </a:pPr>
-            <a:r>
-              <a:rPr lang="en-US" sz="1400" dirty="0"/>
-              <a:t>/*** dangling </a:t>
-            </a:r>
-            <a:r>
-              <a:rPr lang="en-US" sz="1400" dirty="0" err="1"/>
-              <a:t>ptr</a:t>
-            </a:r>
-            <a:r>
-              <a:rPr lang="en-US" sz="1400" dirty="0"/>
-              <a:t> in dynamic </a:t>
-            </a:r>
-            <a:r>
-              <a:rPr lang="en-US" sz="1400" dirty="0" err="1"/>
-              <a:t>mem</a:t>
-            </a:r>
-            <a:r>
-              <a:rPr lang="en-US" sz="1400" dirty="0"/>
-              <a:t>  ***********/</a:t>
-            </a:r>
-          </a:p>
-          <a:p>
-            <a:pPr marL="137160" indent="0">
-              <a:buNone/>
-            </a:pPr>
-            <a:endParaRPr lang="en-US" sz="1400" dirty="0"/>
-          </a:p>
-          <a:p>
-            <a:pPr marL="137160" indent="0">
-              <a:buNone/>
-            </a:pPr>
-            <a:r>
-              <a:rPr lang="en-US" sz="1400" dirty="0"/>
-              <a:t>//	</a:t>
-            </a:r>
-            <a:r>
-              <a:rPr lang="en-US" sz="1400" dirty="0" err="1"/>
-              <a:t>int</a:t>
-            </a:r>
-            <a:r>
-              <a:rPr lang="en-US" sz="1400" dirty="0"/>
-              <a:t> * ptr2=</a:t>
-            </a:r>
-            <a:r>
-              <a:rPr lang="en-US" sz="1400" dirty="0" err="1"/>
-              <a:t>malloc</a:t>
-            </a:r>
-            <a:r>
-              <a:rPr lang="en-US" sz="1400" dirty="0"/>
-              <a:t>(10);  </a:t>
-            </a:r>
-          </a:p>
-          <a:p>
-            <a:pPr marL="137160" indent="0">
-              <a:buNone/>
-            </a:pPr>
-            <a:r>
-              <a:rPr lang="en-US" sz="1400" dirty="0"/>
-              <a:t>	</a:t>
-            </a:r>
-          </a:p>
-          <a:p>
-            <a:pPr marL="137160" indent="0">
-              <a:buNone/>
-            </a:pPr>
-            <a:r>
-              <a:rPr lang="en-US" sz="1400" dirty="0"/>
-              <a:t>//	free(ptr2);</a:t>
-            </a:r>
-          </a:p>
-          <a:p>
-            <a:pPr marL="137160" indent="0">
-              <a:buNone/>
-            </a:pPr>
-            <a:r>
-              <a:rPr lang="en-US" sz="1400" dirty="0"/>
-              <a:t>	</a:t>
-            </a:r>
-          </a:p>
-          <a:p>
-            <a:pPr marL="137160" indent="0">
-              <a:buNone/>
-            </a:pPr>
-            <a:r>
-              <a:rPr lang="en-US" sz="1400" dirty="0"/>
-              <a:t>//	*ptr2=10;  </a:t>
-            </a:r>
-          </a:p>
-          <a:p>
-            <a:pPr marL="137160" indent="0">
-              <a:buNone/>
-            </a:pPr>
-            <a:r>
-              <a:rPr lang="en-US" sz="1400" dirty="0"/>
-              <a:t>	</a:t>
-            </a:r>
-          </a:p>
-          <a:p>
-            <a:pPr marL="137160" indent="0">
-              <a:buNone/>
-            </a:pPr>
-            <a:r>
-              <a:rPr lang="en-US" sz="1400" dirty="0"/>
-              <a:t>//	</a:t>
-            </a:r>
-            <a:r>
-              <a:rPr lang="en-US" sz="1400" dirty="0" err="1"/>
-              <a:t>printf</a:t>
-            </a:r>
-            <a:r>
-              <a:rPr lang="en-US" sz="1400" dirty="0"/>
-              <a:t>("no dangling </a:t>
-            </a:r>
-            <a:r>
-              <a:rPr lang="en-US" sz="1400" dirty="0" err="1"/>
-              <a:t>ptr</a:t>
-            </a:r>
-            <a:r>
-              <a:rPr lang="en-US" sz="1400" dirty="0"/>
-              <a:t>");</a:t>
-            </a:r>
-          </a:p>
-          <a:p>
-            <a:pPr marL="137160" indent="0">
-              <a:buNone/>
-            </a:pPr>
-            <a:endParaRPr lang="en-US" sz="1400" dirty="0"/>
-          </a:p>
-          <a:p>
-            <a:pPr marL="137160" indent="0">
-              <a:buNone/>
-            </a:pPr>
-            <a:r>
-              <a:rPr lang="en-US" sz="1400" dirty="0"/>
-              <a:t>/*** ***********  ***********/</a:t>
-            </a:r>
-          </a:p>
-          <a:p>
-            <a:pPr marL="137160" indent="0">
-              <a:buNone/>
-            </a:pPr>
-            <a:endParaRPr lang="en-US" sz="1400" dirty="0"/>
-          </a:p>
-          <a:p>
-            <a:pPr marL="137160" indent="0">
-              <a:buNone/>
-            </a:pPr>
-            <a:r>
-              <a:rPr lang="en-US" sz="1400" dirty="0"/>
-              <a:t>/*** dangling </a:t>
-            </a:r>
-            <a:r>
-              <a:rPr lang="en-US" sz="1400" dirty="0" err="1"/>
-              <a:t>ptr</a:t>
-            </a:r>
-            <a:r>
-              <a:rPr lang="en-US" sz="1400" dirty="0"/>
-              <a:t> in static </a:t>
-            </a:r>
-            <a:r>
-              <a:rPr lang="en-US" sz="1400" dirty="0" err="1"/>
-              <a:t>mem</a:t>
-            </a:r>
-            <a:r>
-              <a:rPr lang="en-US" sz="1400" dirty="0"/>
-              <a:t>  ***********/</a:t>
-            </a:r>
-          </a:p>
-          <a:p>
-            <a:pPr marL="137160" indent="0">
-              <a:buNone/>
-            </a:pPr>
-            <a:endParaRPr lang="en-US" sz="1400" dirty="0"/>
-          </a:p>
-          <a:p>
-            <a:pPr marL="137160" indent="0">
-              <a:buNone/>
-            </a:pPr>
-            <a:r>
-              <a:rPr lang="en-US" sz="1400" dirty="0"/>
-              <a:t>//	</a:t>
-            </a:r>
-            <a:r>
-              <a:rPr lang="en-US" sz="1400" dirty="0" err="1"/>
-              <a:t>int</a:t>
-            </a:r>
-            <a:r>
-              <a:rPr lang="en-US" sz="1400" dirty="0"/>
-              <a:t> * p = fun();</a:t>
-            </a:r>
-          </a:p>
-          <a:p>
-            <a:pPr marL="137160" indent="0">
-              <a:buNone/>
-            </a:pPr>
-            <a:r>
-              <a:rPr lang="en-US" sz="1400" dirty="0"/>
-              <a:t>	</a:t>
-            </a:r>
-          </a:p>
-          <a:p>
-            <a:pPr marL="137160" indent="0">
-              <a:buNone/>
-            </a:pPr>
-            <a:r>
-              <a:rPr lang="en-US" sz="1400" dirty="0"/>
-              <a:t>//	</a:t>
-            </a:r>
-            <a:r>
-              <a:rPr lang="en-US" sz="1400" dirty="0" err="1"/>
-              <a:t>printf</a:t>
-            </a:r>
-            <a:r>
-              <a:rPr lang="en-US" sz="1400" dirty="0"/>
-              <a:t>("%d",*p);</a:t>
-            </a:r>
-          </a:p>
-          <a:p>
-            <a:pPr marL="137160" indent="0">
-              <a:buNone/>
-            </a:pPr>
-            <a:r>
-              <a:rPr lang="en-US" sz="1400" dirty="0"/>
-              <a:t>	</a:t>
-            </a:r>
-          </a:p>
-          <a:p>
-            <a:pPr marL="137160" indent="0">
-              <a:buNone/>
-            </a:pPr>
-            <a:r>
-              <a:rPr lang="en-US" sz="1400" dirty="0"/>
-              <a:t>//	return 0;</a:t>
-            </a:r>
-          </a:p>
-          <a:p>
-            <a:pPr marL="137160" indent="0">
-              <a:buNone/>
-            </a:pPr>
-            <a:r>
-              <a:rPr lang="en-US" sz="1400" dirty="0"/>
-              <a:t>	</a:t>
-            </a:r>
-          </a:p>
-          <a:p>
-            <a:pPr marL="137160" indent="0">
-              <a:buNone/>
-            </a:pPr>
-            <a:r>
-              <a:rPr lang="en-US" sz="1400" dirty="0"/>
-              <a:t>/*** ***********  </a:t>
-            </a:r>
-            <a:r>
-              <a:rPr lang="en-US" sz="1400" dirty="0" smtClean="0"/>
-              <a:t>***********/</a:t>
-            </a:r>
-          </a:p>
-          <a:p>
-            <a:pPr marL="137160" indent="0">
-              <a:buNone/>
-            </a:pPr>
-            <a:r>
-              <a:rPr lang="en-US" sz="1400" dirty="0"/>
-              <a:t>}</a:t>
-            </a:r>
-          </a:p>
-          <a:p>
-            <a:endParaRPr lang="en-US" dirty="0"/>
-          </a:p>
-        </p:txBody>
-      </p:sp>
-    </p:spTree>
-    <p:extLst>
-      <p:ext uri="{BB962C8B-B14F-4D97-AF65-F5344CB8AC3E}">
-        <p14:creationId xmlns:p14="http://schemas.microsoft.com/office/powerpoint/2010/main" val="2174954609"/>
-      </p:ext>
-    </p:extLst>
-  </p:cSld>
-  <p:clrMapOvr>
-    <a:masterClrMapping/>
-  </p:clrMapOvr>
-</p:sld>
-</file>
-
 <file path=ppt/slides/slide6.xml><?xml version="1.0" encoding="utf-8"?>
 <p:sld xmlns:a="http://schemas.openxmlformats.org/drawingml/2006/main" xmlns:r="http://schemas.openxmlformats.org/officeDocument/2006/relationships" xmlns:p="http://schemas.openxmlformats.org/presentationml/2006/main">
   <p:cSld>
@@ -7754,19 +7846,18 @@
             <p:ph type="title"/>
           </p:nvPr>
         </p:nvSpPr>
-        <p:spPr>
-          <a:xfrm>
-            <a:off x="457200" y="76200"/>
-            <a:ext cx="8229600" cy="762000"/>
-          </a:xfrm>
-        </p:spPr>
+        <p:spPr/>
         <p:txBody>
           <a:bodyPr/>
           <a:lstStyle/>
           <a:p>
             <a:r>
+              <a:rPr lang="en-US" dirty="0" smtClean="0"/>
+              <a:t>Dangling </a:t>
+            </a:r>
+            <a:r>
               <a:rPr lang="en-US" dirty="0" err="1" smtClean="0"/>
-              <a:t>qus</a:t>
+              <a:t>ptr</a:t>
             </a:r>
             <a:endParaRPr lang="en-US" dirty="0"/>
           </a:p>
@@ -7782,217 +7873,404 @@
             <p:ph idx="1"/>
           </p:nvPr>
         </p:nvSpPr>
-        <p:spPr>
-          <a:xfrm>
-            <a:off x="457200" y="838200"/>
-            <a:ext cx="8229600" cy="6019800"/>
-          </a:xfrm>
-        </p:spPr>
+        <p:spPr/>
         <p:txBody>
           <a:bodyPr>
-            <a:normAutofit fontScale="55000" lnSpcReduction="20000"/>
+            <a:normAutofit fontScale="62500" lnSpcReduction="20000"/>
           </a:bodyPr>
           <a:lstStyle/>
           <a:p>
-            <a:r>
-              <a:rPr lang="en-US" dirty="0" smtClean="0"/>
-              <a:t>Pointer?</a:t>
-            </a:r>
-          </a:p>
-          <a:p>
-            <a:r>
-              <a:rPr lang="en-US" dirty="0" smtClean="0"/>
-              <a:t>Double pointer?</a:t>
-            </a:r>
-          </a:p>
-          <a:p>
-            <a:r>
-              <a:rPr lang="en-US" dirty="0" smtClean="0"/>
-              <a:t>Call by value </a:t>
-            </a:r>
-            <a:r>
-              <a:rPr lang="en-US" dirty="0" err="1" smtClean="0"/>
-              <a:t>vs</a:t>
-            </a:r>
-            <a:r>
-              <a:rPr lang="en-US" dirty="0" smtClean="0"/>
-              <a:t> call by reference. </a:t>
-            </a:r>
-            <a:r>
-              <a:rPr lang="en-US" dirty="0" err="1" smtClean="0"/>
-              <a:t>e.g</a:t>
-            </a:r>
-            <a:endParaRPr lang="en-US" dirty="0" smtClean="0"/>
-          </a:p>
-          <a:p>
-            <a:r>
-              <a:rPr lang="en-US" dirty="0" smtClean="0"/>
-              <a:t>Pointer types?</a:t>
-            </a:r>
-          </a:p>
-          <a:p>
-            <a:r>
-              <a:rPr lang="en-US" dirty="0" smtClean="0"/>
-              <a:t>Null </a:t>
-            </a:r>
-            <a:r>
-              <a:rPr lang="en-US" dirty="0" err="1" smtClean="0"/>
+            <a:pPr marL="137160" indent="0">
+              <a:buNone/>
+            </a:pPr>
+            <a:endParaRPr lang="en-US" sz="1400" dirty="0"/>
+          </a:p>
+          <a:p>
+            <a:pPr marL="137160" indent="0">
+              <a:buNone/>
+            </a:pPr>
+            <a:r>
+              <a:rPr lang="en-US" sz="1400" dirty="0" err="1"/>
+              <a:t>int</a:t>
+            </a:r>
+            <a:r>
+              <a:rPr lang="en-US" sz="1400" dirty="0"/>
+              <a:t> *fun()</a:t>
+            </a:r>
+          </a:p>
+          <a:p>
+            <a:pPr marL="137160" indent="0">
+              <a:buNone/>
+            </a:pPr>
+            <a:r>
+              <a:rPr lang="en-US" sz="1400" dirty="0"/>
+              <a:t>{</a:t>
+            </a:r>
+          </a:p>
+          <a:p>
+            <a:pPr marL="137160" indent="0">
+              <a:buNone/>
+            </a:pPr>
+            <a:r>
+              <a:rPr lang="en-US" sz="1400" dirty="0"/>
+              <a:t>	</a:t>
+            </a:r>
+            <a:r>
+              <a:rPr lang="en-US" sz="1400" dirty="0" err="1"/>
+              <a:t>int</a:t>
+            </a:r>
+            <a:r>
+              <a:rPr lang="en-US" sz="1400" dirty="0"/>
+              <a:t> a=10;  //to avoid dangling </a:t>
+            </a:r>
+            <a:r>
+              <a:rPr lang="en-US" sz="1400" dirty="0" err="1"/>
               <a:t>ptr</a:t>
             </a:r>
-            <a:endParaRPr lang="en-US" dirty="0" smtClean="0"/>
-          </a:p>
-          <a:p>
-            <a:r>
-              <a:rPr lang="en-US" dirty="0" smtClean="0"/>
-              <a:t>Wild </a:t>
-            </a:r>
-            <a:r>
-              <a:rPr lang="en-US" dirty="0" err="1" smtClean="0"/>
+            <a:r>
+              <a:rPr lang="en-US" sz="1400" dirty="0"/>
+              <a:t> use static </a:t>
+            </a:r>
+            <a:r>
+              <a:rPr lang="en-US" sz="1400" dirty="0" smtClean="0"/>
+              <a:t>variable</a:t>
+            </a:r>
+            <a:r>
+              <a:rPr lang="en-US" sz="1400" dirty="0"/>
+              <a:t>	</a:t>
+            </a:r>
+          </a:p>
+          <a:p>
+            <a:pPr marL="137160" indent="0">
+              <a:buNone/>
+            </a:pPr>
+            <a:r>
+              <a:rPr lang="en-US" sz="1400" dirty="0"/>
+              <a:t>	return &amp;a</a:t>
+            </a:r>
+            <a:r>
+              <a:rPr lang="en-US" sz="1400" dirty="0" smtClean="0"/>
+              <a:t>;</a:t>
+            </a:r>
+            <a:r>
+              <a:rPr lang="en-US" sz="1400" dirty="0"/>
+              <a:t>	</a:t>
+            </a:r>
+          </a:p>
+          <a:p>
+            <a:pPr marL="137160" indent="0">
+              <a:buNone/>
+            </a:pPr>
+            <a:r>
+              <a:rPr lang="en-US" sz="1400" dirty="0" smtClean="0"/>
+              <a:t>}</a:t>
+            </a:r>
+          </a:p>
+          <a:p>
+            <a:pPr marL="137160" indent="0">
+              <a:buNone/>
+            </a:pPr>
+            <a:endParaRPr lang="en-US" sz="1400" dirty="0"/>
+          </a:p>
+          <a:p>
+            <a:pPr marL="137160" indent="0">
+              <a:buNone/>
+            </a:pPr>
+            <a:r>
+              <a:rPr lang="en-US" sz="1400" dirty="0" err="1"/>
+              <a:t>int</a:t>
+            </a:r>
+            <a:r>
+              <a:rPr lang="en-US" sz="1400" dirty="0"/>
+              <a:t> main()</a:t>
+            </a:r>
+          </a:p>
+          <a:p>
+            <a:pPr marL="137160" indent="0">
+              <a:buNone/>
+            </a:pPr>
+            <a:r>
+              <a:rPr lang="en-US" sz="1400" dirty="0"/>
+              <a:t>{</a:t>
+            </a:r>
+          </a:p>
+          <a:p>
+            <a:pPr marL="137160" indent="0">
+              <a:buNone/>
+            </a:pPr>
+            <a:r>
+              <a:rPr lang="en-US" sz="1400" dirty="0"/>
+              <a:t>	</a:t>
+            </a:r>
+          </a:p>
+          <a:p>
+            <a:pPr marL="137160" indent="0">
+              <a:buNone/>
+            </a:pPr>
+            <a:r>
+              <a:rPr lang="en-US" sz="1400" dirty="0"/>
+              <a:t>/*** dangling </a:t>
+            </a:r>
+            <a:r>
+              <a:rPr lang="en-US" sz="1400" dirty="0" err="1"/>
               <a:t>ptr</a:t>
             </a:r>
-            <a:endParaRPr lang="en-US" dirty="0" smtClean="0"/>
-          </a:p>
-          <a:p>
-            <a:r>
-              <a:rPr lang="en-US" dirty="0"/>
-              <a:t>Dangling </a:t>
-            </a:r>
-            <a:r>
-              <a:rPr lang="en-US" dirty="0" err="1" smtClean="0"/>
+            <a:r>
+              <a:rPr lang="en-US" sz="1400" dirty="0"/>
+              <a:t> in dynamic </a:t>
+            </a:r>
+            <a:r>
+              <a:rPr lang="en-US" sz="1400" dirty="0" err="1"/>
+              <a:t>mem</a:t>
+            </a:r>
+            <a:r>
+              <a:rPr lang="en-US" sz="1400" dirty="0"/>
+              <a:t>  ***********/</a:t>
+            </a:r>
+          </a:p>
+          <a:p>
+            <a:pPr marL="137160" indent="0">
+              <a:buNone/>
+            </a:pPr>
+            <a:endParaRPr lang="en-US" sz="1400" dirty="0"/>
+          </a:p>
+          <a:p>
+            <a:pPr marL="137160" indent="0">
+              <a:buNone/>
+            </a:pPr>
+            <a:r>
+              <a:rPr lang="en-US" sz="1400" dirty="0"/>
+              <a:t>//	</a:t>
+            </a:r>
+            <a:r>
+              <a:rPr lang="en-US" sz="1400" dirty="0" err="1"/>
+              <a:t>int</a:t>
+            </a:r>
+            <a:r>
+              <a:rPr lang="en-US" sz="1400" dirty="0"/>
+              <a:t> * ptr2=</a:t>
+            </a:r>
+            <a:r>
+              <a:rPr lang="en-US" sz="1400" dirty="0" err="1"/>
+              <a:t>malloc</a:t>
+            </a:r>
+            <a:r>
+              <a:rPr lang="en-US" sz="1400" dirty="0"/>
+              <a:t>(10);  </a:t>
+            </a:r>
+          </a:p>
+          <a:p>
+            <a:pPr marL="137160" indent="0">
+              <a:buNone/>
+            </a:pPr>
+            <a:r>
+              <a:rPr lang="en-US" sz="1400" dirty="0"/>
+              <a:t>	</a:t>
+            </a:r>
+          </a:p>
+          <a:p>
+            <a:pPr marL="137160" indent="0">
+              <a:buNone/>
+            </a:pPr>
+            <a:r>
+              <a:rPr lang="en-US" sz="1400" dirty="0"/>
+              <a:t>//	free(ptr2);</a:t>
+            </a:r>
+          </a:p>
+          <a:p>
+            <a:pPr marL="137160" indent="0">
+              <a:buNone/>
+            </a:pPr>
+            <a:r>
+              <a:rPr lang="en-US" sz="1400" dirty="0"/>
+              <a:t>	</a:t>
+            </a:r>
+          </a:p>
+          <a:p>
+            <a:pPr marL="137160" indent="0">
+              <a:buNone/>
+            </a:pPr>
+            <a:r>
+              <a:rPr lang="en-US" sz="1400" dirty="0"/>
+              <a:t>//	*ptr2=10;  </a:t>
+            </a:r>
+          </a:p>
+          <a:p>
+            <a:pPr marL="137160" indent="0">
+              <a:buNone/>
+            </a:pPr>
+            <a:r>
+              <a:rPr lang="en-US" sz="1400" dirty="0"/>
+              <a:t>	</a:t>
+            </a:r>
+          </a:p>
+          <a:p>
+            <a:pPr marL="137160" indent="0">
+              <a:buNone/>
+            </a:pPr>
+            <a:r>
+              <a:rPr lang="en-US" sz="1400" dirty="0"/>
+              <a:t>//	</a:t>
+            </a:r>
+            <a:r>
+              <a:rPr lang="en-US" sz="1400" dirty="0" err="1"/>
+              <a:t>printf</a:t>
+            </a:r>
+            <a:r>
+              <a:rPr lang="en-US" sz="1400" dirty="0"/>
+              <a:t>("no dangling </a:t>
+            </a:r>
+            <a:r>
+              <a:rPr lang="en-US" sz="1400" dirty="0" err="1"/>
               <a:t>ptr</a:t>
             </a:r>
-            <a:endParaRPr lang="en-US" dirty="0" smtClean="0"/>
-          </a:p>
-          <a:p>
-            <a:r>
-              <a:rPr lang="en-US" dirty="0"/>
-              <a:t>How to avoid dangling </a:t>
-            </a:r>
-            <a:r>
-              <a:rPr lang="en-US" dirty="0" err="1"/>
+            <a:r>
+              <a:rPr lang="en-US" sz="1400" dirty="0"/>
+              <a:t>");</a:t>
+            </a:r>
+          </a:p>
+          <a:p>
+            <a:pPr marL="137160" indent="0">
+              <a:buNone/>
+            </a:pPr>
+            <a:endParaRPr lang="en-US" sz="1400" dirty="0"/>
+          </a:p>
+          <a:p>
+            <a:pPr marL="137160" indent="0">
+              <a:buNone/>
+            </a:pPr>
+            <a:r>
+              <a:rPr lang="en-US" sz="1400" dirty="0"/>
+              <a:t>/*** ***********  ***********/</a:t>
+            </a:r>
+          </a:p>
+          <a:p>
+            <a:pPr marL="137160" indent="0">
+              <a:buNone/>
+            </a:pPr>
+            <a:endParaRPr lang="en-US" sz="1400" dirty="0"/>
+          </a:p>
+          <a:p>
+            <a:pPr marL="137160" indent="0">
+              <a:buNone/>
+            </a:pPr>
+            <a:r>
+              <a:rPr lang="en-US" sz="1400" dirty="0"/>
+              <a:t>/*** dangling </a:t>
+            </a:r>
+            <a:r>
+              <a:rPr lang="en-US" sz="1400" dirty="0" err="1"/>
               <a:t>ptr</a:t>
             </a:r>
-            <a:endParaRPr lang="en-US" dirty="0"/>
-          </a:p>
-          <a:p>
-            <a:r>
-              <a:rPr lang="en-US" dirty="0"/>
-              <a:t>How to avoid wild </a:t>
-            </a:r>
-            <a:r>
-              <a:rPr lang="en-US" dirty="0" err="1"/>
-              <a:t>ptr</a:t>
-            </a:r>
-            <a:endParaRPr lang="en-US" dirty="0"/>
-          </a:p>
-          <a:p>
-            <a:endParaRPr lang="en-US" dirty="0" smtClean="0"/>
-          </a:p>
-          <a:p>
-            <a:endParaRPr lang="en-US" dirty="0" smtClean="0"/>
-          </a:p>
-          <a:p>
-            <a:r>
-              <a:rPr lang="en-US" dirty="0" smtClean="0"/>
-              <a:t>Void </a:t>
-            </a:r>
-            <a:r>
-              <a:rPr lang="en-US" dirty="0" err="1" smtClean="0"/>
-              <a:t>ptr</a:t>
-            </a:r>
-            <a:r>
-              <a:rPr lang="en-US" dirty="0" smtClean="0"/>
-              <a:t>             </a:t>
-            </a:r>
-          </a:p>
-          <a:p>
-            <a:r>
-              <a:rPr lang="en-US" dirty="0" smtClean="0"/>
-              <a:t>Generic pointer</a:t>
-            </a:r>
-          </a:p>
-          <a:p>
-            <a:r>
-              <a:rPr lang="en-US" dirty="0" smtClean="0"/>
-              <a:t>Size of void </a:t>
-            </a:r>
-            <a:r>
-              <a:rPr lang="en-US" dirty="0" err="1" smtClean="0"/>
-              <a:t>ptr</a:t>
-            </a:r>
-            <a:endParaRPr lang="en-US" dirty="0" smtClean="0"/>
-          </a:p>
-          <a:p>
-            <a:endParaRPr lang="en-US" dirty="0" smtClean="0"/>
-          </a:p>
-          <a:p>
-            <a:r>
-              <a:rPr lang="en-US" dirty="0" smtClean="0"/>
-              <a:t>Near pointer</a:t>
-            </a:r>
-          </a:p>
-          <a:p>
-            <a:r>
-              <a:rPr lang="en-US" dirty="0" smtClean="0"/>
-              <a:t>Far pointer</a:t>
-            </a:r>
-          </a:p>
-          <a:p>
-            <a:r>
-              <a:rPr lang="en-US" dirty="0" smtClean="0"/>
-              <a:t>Huge pointer             </a:t>
-            </a:r>
-          </a:p>
-          <a:p>
-            <a:endParaRPr lang="en-US" dirty="0" smtClean="0"/>
-          </a:p>
-          <a:p>
-            <a:r>
-              <a:rPr lang="en-US" dirty="0" smtClean="0"/>
-              <a:t>Dynamic memory allocation? types ? Explanation</a:t>
-            </a:r>
-          </a:p>
-          <a:p>
-            <a:r>
-              <a:rPr lang="en-US" dirty="0" err="1"/>
-              <a:t>Malloc</a:t>
-            </a:r>
-            <a:r>
-              <a:rPr lang="en-US" dirty="0"/>
-              <a:t> </a:t>
-            </a:r>
-            <a:r>
-              <a:rPr lang="en-US" dirty="0" err="1"/>
-              <a:t>vs</a:t>
-            </a:r>
-            <a:r>
-              <a:rPr lang="en-US" dirty="0"/>
-              <a:t> </a:t>
-            </a:r>
-            <a:r>
-              <a:rPr lang="en-US" dirty="0" err="1"/>
-              <a:t>calloc</a:t>
-            </a:r>
-            <a:endParaRPr lang="en-US" dirty="0"/>
-          </a:p>
-          <a:p>
-            <a:r>
-              <a:rPr lang="en-US" dirty="0"/>
-              <a:t>Why </a:t>
-            </a:r>
-            <a:r>
-              <a:rPr lang="en-US" dirty="0" err="1"/>
-              <a:t>realloc</a:t>
-            </a:r>
-            <a:r>
-              <a:rPr lang="en-US" dirty="0"/>
-              <a:t> used</a:t>
-            </a:r>
-          </a:p>
-          <a:p>
-            <a:r>
-              <a:rPr lang="en-US" dirty="0"/>
-              <a:t>Use of free</a:t>
+            <a:r>
+              <a:rPr lang="en-US" sz="1400" dirty="0"/>
+              <a:t> in static </a:t>
+            </a:r>
+            <a:r>
+              <a:rPr lang="en-US" sz="1400" dirty="0" err="1"/>
+              <a:t>mem</a:t>
+            </a:r>
+            <a:r>
+              <a:rPr lang="en-US" sz="1400" dirty="0"/>
+              <a:t>  ***********/</a:t>
+            </a:r>
+          </a:p>
+          <a:p>
+            <a:pPr marL="137160" indent="0">
+              <a:buNone/>
+            </a:pPr>
+            <a:endParaRPr lang="en-US" sz="1400" dirty="0"/>
+          </a:p>
+          <a:p>
+            <a:pPr marL="137160" indent="0">
+              <a:buNone/>
+            </a:pPr>
+            <a:r>
+              <a:rPr lang="en-US" sz="1400" dirty="0"/>
+              <a:t>//	</a:t>
+            </a:r>
+            <a:r>
+              <a:rPr lang="en-US" sz="1400" dirty="0" err="1"/>
+              <a:t>int</a:t>
+            </a:r>
+            <a:r>
+              <a:rPr lang="en-US" sz="1400" dirty="0"/>
+              <a:t> * p = fun();</a:t>
+            </a:r>
+          </a:p>
+          <a:p>
+            <a:pPr marL="137160" indent="0">
+              <a:buNone/>
+            </a:pPr>
+            <a:r>
+              <a:rPr lang="en-US" sz="1400" dirty="0"/>
+              <a:t>	</a:t>
+            </a:r>
+          </a:p>
+          <a:p>
+            <a:pPr marL="137160" indent="0">
+              <a:buNone/>
+            </a:pPr>
+            <a:r>
+              <a:rPr lang="en-US" sz="1400" dirty="0"/>
+              <a:t>//	</a:t>
+            </a:r>
+            <a:r>
+              <a:rPr lang="en-US" sz="1400" dirty="0" err="1"/>
+              <a:t>printf</a:t>
+            </a:r>
+            <a:r>
+              <a:rPr lang="en-US" sz="1400" dirty="0"/>
+              <a:t>("%d",*p);</a:t>
+            </a:r>
+          </a:p>
+          <a:p>
+            <a:pPr marL="137160" indent="0">
+              <a:buNone/>
+            </a:pPr>
+            <a:r>
+              <a:rPr lang="en-US" sz="1400" dirty="0"/>
+              <a:t>	</a:t>
+            </a:r>
+          </a:p>
+          <a:p>
+            <a:pPr marL="137160" indent="0">
+              <a:buNone/>
+            </a:pPr>
+            <a:r>
+              <a:rPr lang="en-US" sz="1400" dirty="0"/>
+              <a:t>//	return 0;</a:t>
+            </a:r>
+          </a:p>
+          <a:p>
+            <a:pPr marL="137160" indent="0">
+              <a:buNone/>
+            </a:pPr>
+            <a:r>
+              <a:rPr lang="en-US" sz="1400" dirty="0"/>
+              <a:t>	</a:t>
+            </a:r>
+          </a:p>
+          <a:p>
+            <a:pPr marL="137160" indent="0">
+              <a:buNone/>
+            </a:pPr>
+            <a:r>
+              <a:rPr lang="en-US" sz="1400" dirty="0"/>
+              <a:t>/*** ***********  </a:t>
+            </a:r>
+            <a:r>
+              <a:rPr lang="en-US" sz="1400" dirty="0" smtClean="0"/>
+              <a:t>***********/</a:t>
+            </a:r>
+          </a:p>
+          <a:p>
+            <a:pPr marL="137160" indent="0">
+              <a:buNone/>
+            </a:pPr>
+            <a:r>
+              <a:rPr lang="en-US" sz="1400" dirty="0"/>
+              <a:t>}</a:t>
             </a:r>
           </a:p>
           <a:p>
@@ -8003,20 +8281,13 @@
     </p:spTree>
     <p:extLst>
       <p:ext uri="{BB962C8B-B14F-4D97-AF65-F5344CB8AC3E}">
-        <p14:creationId xmlns:p14="http://schemas.microsoft.com/office/powerpoint/2010/main" val="1279241059"/>
+        <p14:creationId xmlns:p14="http://schemas.microsoft.com/office/powerpoint/2010/main" val="2174954609"/>
       </p:ext>
     </p:extLst>
   </p:cSld>
   <p:clrMapOvr>
     <a:masterClrMapping/>
   </p:clrMapOvr>
-  <p:timing>
-    <p:tnLst>
-      <p:par>
-        <p:cTn id="1" dur="indefinite" restart="never" nodeType="tmRoot"/>
-      </p:par>
-    </p:tnLst>
-  </p:timing>
 </p:sld>
 </file>
 
@@ -8049,8 +8320,8 @@
         </p:nvSpPr>
         <p:spPr>
           <a:xfrm>
-            <a:off x="457200" y="-152400"/>
-            <a:ext cx="8229600" cy="990600"/>
+            <a:off x="457200" y="76200"/>
+            <a:ext cx="8229600" cy="762000"/>
           </a:xfrm>
         </p:spPr>
         <p:txBody>
@@ -8077,8 +8348,8 @@
         </p:nvSpPr>
         <p:spPr>
           <a:xfrm>
-            <a:off x="457200" y="762000"/>
-            <a:ext cx="8229600" cy="5943600"/>
+            <a:off x="457200" y="838200"/>
+            <a:ext cx="8229600" cy="6019800"/>
           </a:xfrm>
         </p:spPr>
         <p:txBody>
@@ -8087,383 +8358,206 @@
           </a:bodyPr>
           <a:lstStyle/>
           <a:p>
-            <a:endParaRPr lang="en-US" sz="2600" dirty="0"/>
-          </a:p>
-          <a:p>
-            <a:r>
-              <a:rPr lang="en-US" sz="2600" dirty="0"/>
-              <a:t>Static </a:t>
-            </a:r>
-            <a:r>
-              <a:rPr lang="en-US" sz="2600" dirty="0" err="1"/>
+            <a:r>
+              <a:rPr lang="en-US" dirty="0" smtClean="0"/>
+              <a:t>Pointer?</a:t>
+            </a:r>
+          </a:p>
+          <a:p>
+            <a:r>
+              <a:rPr lang="en-US" dirty="0" smtClean="0"/>
+              <a:t>Double pointer?</a:t>
+            </a:r>
+          </a:p>
+          <a:p>
+            <a:r>
+              <a:rPr lang="en-US" dirty="0" smtClean="0"/>
+              <a:t>Call by value </a:t>
+            </a:r>
+            <a:r>
+              <a:rPr lang="en-US" dirty="0" err="1" smtClean="0"/>
               <a:t>vs</a:t>
             </a:r>
             <a:r>
-              <a:rPr lang="en-US" sz="2600" dirty="0"/>
-              <a:t> dynamic </a:t>
-            </a:r>
-            <a:r>
-              <a:rPr lang="en-US" sz="2600" dirty="0" err="1"/>
-              <a:t>mem</a:t>
-            </a:r>
-            <a:r>
-              <a:rPr lang="en-US" sz="2600" dirty="0"/>
+              <a:rPr lang="en-US" dirty="0" smtClean="0"/>
+              <a:t> call by reference. </a:t>
+            </a:r>
+            <a:r>
+              <a:rPr lang="en-US" dirty="0" err="1" smtClean="0"/>
+              <a:t>e.g</a:t>
+            </a:r>
+            <a:endParaRPr lang="en-US" dirty="0" smtClean="0"/>
+          </a:p>
+          <a:p>
+            <a:r>
+              <a:rPr lang="en-US" dirty="0" smtClean="0"/>
+              <a:t>Pointer types?</a:t>
+            </a:r>
+          </a:p>
+          <a:p>
+            <a:r>
+              <a:rPr lang="en-US" dirty="0" smtClean="0"/>
+              <a:t>Null </a:t>
+            </a:r>
+            <a:r>
+              <a:rPr lang="en-US" dirty="0" err="1" smtClean="0"/>
+              <a:t>ptr</a:t>
+            </a:r>
+            <a:endParaRPr lang="en-US" dirty="0" smtClean="0"/>
+          </a:p>
+          <a:p>
+            <a:r>
+              <a:rPr lang="en-US" dirty="0" smtClean="0"/>
+              <a:t>Wild </a:t>
+            </a:r>
+            <a:r>
+              <a:rPr lang="en-US" dirty="0" err="1" smtClean="0"/>
+              <a:t>ptr</a:t>
+            </a:r>
+            <a:endParaRPr lang="en-US" dirty="0" smtClean="0"/>
+          </a:p>
+          <a:p>
+            <a:r>
+              <a:rPr lang="en-US" dirty="0"/>
+              <a:t>Dangling </a:t>
+            </a:r>
+            <a:r>
+              <a:rPr lang="en-US" dirty="0" err="1" smtClean="0"/>
+              <a:t>ptr</a:t>
+            </a:r>
+            <a:endParaRPr lang="en-US" dirty="0" smtClean="0"/>
+          </a:p>
+          <a:p>
+            <a:r>
+              <a:rPr lang="en-US" dirty="0"/>
+              <a:t>How to avoid dangling </a:t>
+            </a:r>
+            <a:r>
+              <a:rPr lang="en-US" dirty="0" err="1"/>
+              <a:t>ptr</a:t>
+            </a:r>
+            <a:endParaRPr lang="en-US" dirty="0"/>
+          </a:p>
+          <a:p>
+            <a:r>
+              <a:rPr lang="en-US" dirty="0"/>
+              <a:t>How to avoid wild </a:t>
+            </a:r>
+            <a:r>
+              <a:rPr lang="en-US" dirty="0" err="1"/>
+              <a:t>ptr</a:t>
+            </a:r>
+            <a:endParaRPr lang="en-US" dirty="0"/>
+          </a:p>
+          <a:p>
+            <a:endParaRPr lang="en-US" dirty="0" smtClean="0"/>
+          </a:p>
+          <a:p>
+            <a:endParaRPr lang="en-US" dirty="0" smtClean="0"/>
+          </a:p>
+          <a:p>
+            <a:r>
+              <a:rPr lang="en-US" dirty="0" smtClean="0"/>
+              <a:t>Void </a:t>
+            </a:r>
+            <a:r>
+              <a:rPr lang="en-US" dirty="0" err="1" smtClean="0"/>
+              <a:t>ptr</a:t>
+            </a:r>
+            <a:r>
+              <a:rPr lang="en-US" dirty="0" smtClean="0"/>
+              <a:t>             </a:t>
+            </a:r>
+          </a:p>
+          <a:p>
+            <a:r>
+              <a:rPr lang="en-US" dirty="0" smtClean="0"/>
+              <a:t>Generic pointer</a:t>
+            </a:r>
+          </a:p>
+          <a:p>
+            <a:r>
+              <a:rPr lang="en-US" dirty="0" smtClean="0"/>
+              <a:t>Size of void </a:t>
+            </a:r>
+            <a:r>
+              <a:rPr lang="en-US" dirty="0" err="1" smtClean="0"/>
+              <a:t>ptr</a:t>
+            </a:r>
+            <a:endParaRPr lang="en-US" dirty="0" smtClean="0"/>
+          </a:p>
+          <a:p>
+            <a:endParaRPr lang="en-US" dirty="0" smtClean="0"/>
+          </a:p>
+          <a:p>
+            <a:r>
+              <a:rPr lang="en-US" dirty="0" smtClean="0"/>
+              <a:t>Near pointer</a:t>
+            </a:r>
+          </a:p>
+          <a:p>
+            <a:r>
+              <a:rPr lang="en-US" dirty="0" smtClean="0"/>
+              <a:t>Far pointer</a:t>
+            </a:r>
+          </a:p>
+          <a:p>
+            <a:r>
+              <a:rPr lang="en-US" dirty="0" smtClean="0"/>
+              <a:t>Huge pointer             </a:t>
+            </a:r>
+          </a:p>
+          <a:p>
+            <a:endParaRPr lang="en-US" dirty="0" smtClean="0"/>
+          </a:p>
+          <a:p>
+            <a:r>
+              <a:rPr lang="en-US" dirty="0" smtClean="0"/>
+              <a:t>Dynamic memory allocation? types ? Explanation</a:t>
+            </a:r>
+          </a:p>
+          <a:p>
+            <a:r>
+              <a:rPr lang="en-US" dirty="0" err="1"/>
+              <a:t>Malloc</a:t>
+            </a:r>
+            <a:r>
+              <a:rPr lang="en-US" dirty="0"/>
               <a:t> </a:t>
             </a:r>
             <a:r>
-              <a:rPr lang="en-US" sz="2600" dirty="0" smtClean="0"/>
-              <a:t>allocation </a:t>
-            </a:r>
-            <a:endParaRPr lang="en-US" sz="2600" dirty="0"/>
-          </a:p>
-          <a:p>
-            <a:r>
-              <a:rPr lang="en-US" sz="2600" dirty="0"/>
-              <a:t>Memory </a:t>
-            </a:r>
-            <a:r>
-              <a:rPr lang="en-US" sz="2600" dirty="0" smtClean="0"/>
-              <a:t>leak  </a:t>
-            </a:r>
-          </a:p>
-          <a:p>
-            <a:endParaRPr lang="en-US" sz="2600" dirty="0"/>
-          </a:p>
-          <a:p>
-            <a:r>
-              <a:rPr lang="en-US" sz="2600" dirty="0"/>
-              <a:t>Stack </a:t>
-            </a:r>
-            <a:r>
-              <a:rPr lang="en-US" sz="2600" dirty="0" err="1" smtClean="0"/>
-              <a:t>overflow.e.g</a:t>
-            </a:r>
-            <a:r>
-              <a:rPr lang="en-US" sz="2600" dirty="0" smtClean="0"/>
-              <a:t>  </a:t>
-            </a:r>
-            <a:r>
-              <a:rPr lang="en-US" sz="2600" dirty="0" err="1" smtClean="0"/>
-              <a:t>int</a:t>
-            </a:r>
-            <a:r>
-              <a:rPr lang="en-US" sz="2600" dirty="0" smtClean="0"/>
-              <a:t> a[5];    //20byte a[5]=10;</a:t>
-            </a:r>
-            <a:endParaRPr lang="en-US" sz="2600" dirty="0"/>
-          </a:p>
-          <a:p>
-            <a:r>
-              <a:rPr lang="en-US" sz="2600" dirty="0"/>
-              <a:t>Heap </a:t>
-            </a:r>
-            <a:r>
-              <a:rPr lang="en-US" sz="2600" dirty="0" err="1" smtClean="0"/>
-              <a:t>overflow.e.g</a:t>
-            </a:r>
-            <a:endParaRPr lang="en-US" sz="2600" dirty="0" smtClean="0"/>
-          </a:p>
-          <a:p>
-            <a:endParaRPr lang="en-US" sz="2600" dirty="0"/>
-          </a:p>
-          <a:p>
-            <a:r>
-              <a:rPr lang="en-US" sz="2600" dirty="0" smtClean="0"/>
-              <a:t>Core dump</a:t>
-            </a:r>
-          </a:p>
-          <a:p>
-            <a:r>
-              <a:rPr lang="en-US" sz="2600" dirty="0" smtClean="0"/>
-              <a:t>Segmentation fault</a:t>
-            </a:r>
-          </a:p>
-          <a:p>
-            <a:endParaRPr lang="en-US" sz="2600" dirty="0"/>
-          </a:p>
-          <a:p>
-            <a:r>
-              <a:rPr lang="en-US" sz="2600" dirty="0"/>
-              <a:t>Function </a:t>
-            </a:r>
-            <a:r>
-              <a:rPr lang="en-US" sz="2600" dirty="0" err="1" smtClean="0"/>
-              <a:t>ptr</a:t>
-            </a:r>
-            <a:endParaRPr lang="en-US" sz="2600" dirty="0" smtClean="0"/>
-          </a:p>
-          <a:p>
-            <a:r>
-              <a:rPr lang="en-US" sz="2600" dirty="0" smtClean="0"/>
-              <a:t>How </a:t>
-            </a:r>
-            <a:r>
-              <a:rPr lang="en-US" sz="2600" dirty="0"/>
-              <a:t>to enable dynamic </a:t>
-            </a:r>
-            <a:r>
-              <a:rPr lang="en-US" sz="2600" dirty="0" err="1"/>
-              <a:t>mem</a:t>
-            </a:r>
-            <a:r>
-              <a:rPr lang="en-US" sz="2600" dirty="0"/>
-              <a:t> allocation in </a:t>
-            </a:r>
-            <a:r>
-              <a:rPr lang="en-US" sz="2600" dirty="0" smtClean="0"/>
-              <a:t>c</a:t>
-            </a:r>
-          </a:p>
-          <a:p>
-            <a:r>
-              <a:rPr lang="en-US" sz="2600" dirty="0"/>
-              <a:t>Size of </a:t>
-            </a:r>
-            <a:r>
-              <a:rPr lang="en-US" sz="2600" dirty="0" err="1"/>
-              <a:t>ptr</a:t>
-            </a:r>
-            <a:r>
-              <a:rPr lang="en-US" sz="2600" dirty="0"/>
-              <a:t> in 32bit and </a:t>
-            </a:r>
-            <a:r>
-              <a:rPr lang="en-US" sz="2600" dirty="0" smtClean="0"/>
-              <a:t>64bit</a:t>
-            </a:r>
-          </a:p>
-          <a:p>
-            <a:r>
-              <a:rPr lang="en-US" sz="2600" dirty="0"/>
-              <a:t>Char </a:t>
-            </a:r>
-            <a:r>
-              <a:rPr lang="en-US" sz="2600" dirty="0" err="1"/>
-              <a:t>ptr</a:t>
-            </a:r>
-            <a:r>
-              <a:rPr lang="en-US" sz="2600" dirty="0"/>
+              <a:rPr lang="en-US" dirty="0" err="1"/>
+              <a:t>vs</a:t>
+            </a:r>
+            <a:r>
+              <a:rPr lang="en-US" dirty="0"/>
               <a:t> </a:t>
             </a:r>
             <a:r>
-              <a:rPr lang="en-US" sz="2600" dirty="0" err="1"/>
-              <a:t>vs</a:t>
-            </a:r>
-            <a:r>
-              <a:rPr lang="en-US" sz="2600" dirty="0"/>
-              <a:t> </a:t>
-            </a:r>
-            <a:r>
-              <a:rPr lang="en-US" sz="2600" dirty="0" err="1"/>
-              <a:t>int</a:t>
-            </a:r>
-            <a:r>
-              <a:rPr lang="en-US" sz="2600" dirty="0"/>
-              <a:t> </a:t>
-            </a:r>
-            <a:r>
-              <a:rPr lang="en-US" sz="2600" dirty="0" err="1" smtClean="0"/>
-              <a:t>ptr</a:t>
-            </a:r>
-            <a:endParaRPr lang="en-US" sz="2600" dirty="0" smtClean="0"/>
-          </a:p>
-          <a:p>
-            <a:r>
-              <a:rPr lang="en-US" sz="2600" dirty="0"/>
-              <a:t>How dereference structure </a:t>
-            </a:r>
-            <a:r>
-              <a:rPr lang="en-US" sz="2600" dirty="0" err="1"/>
-              <a:t>ptr</a:t>
-            </a:r>
-            <a:r>
-              <a:rPr lang="en-US" sz="2600" dirty="0"/>
-              <a:t> </a:t>
-            </a:r>
-            <a:r>
-              <a:rPr lang="en-US" sz="2600" dirty="0" smtClean="0"/>
-              <a:t>      </a:t>
-            </a:r>
-            <a:r>
-              <a:rPr lang="en-US" sz="2600" dirty="0" smtClean="0"/>
-              <a:t>    </a:t>
-            </a:r>
-            <a:r>
-              <a:rPr lang="en-US" sz="2600" dirty="0" err="1" smtClean="0"/>
-              <a:t>ptr</a:t>
-            </a:r>
-            <a:r>
-              <a:rPr lang="en-US" sz="2600" dirty="0" smtClean="0"/>
-              <a:t>-&gt;</a:t>
-            </a:r>
-            <a:r>
-              <a:rPr lang="en-US" sz="2600" dirty="0" err="1" smtClean="0"/>
-              <a:t>mem</a:t>
-            </a:r>
-            <a:r>
-              <a:rPr lang="en-US" sz="2600" dirty="0" smtClean="0"/>
-              <a:t>     </a:t>
-            </a:r>
-            <a:r>
-              <a:rPr lang="en-US" sz="2600" dirty="0" smtClean="0">
-                <a:solidFill>
-                  <a:srgbClr val="FFFF00"/>
-                </a:solidFill>
-              </a:rPr>
-              <a:t>(*</a:t>
-            </a:r>
-            <a:r>
-              <a:rPr lang="en-US" sz="2600" dirty="0" err="1" smtClean="0">
-                <a:solidFill>
-                  <a:srgbClr val="FFFF00"/>
-                </a:solidFill>
-              </a:rPr>
-              <a:t>ptr</a:t>
-            </a:r>
-            <a:r>
-              <a:rPr lang="en-US" sz="2600" dirty="0" smtClean="0">
-                <a:solidFill>
-                  <a:srgbClr val="FFFF00"/>
-                </a:solidFill>
-              </a:rPr>
-              <a:t>).</a:t>
-            </a:r>
-            <a:r>
-              <a:rPr lang="en-US" sz="2600" dirty="0" err="1" smtClean="0">
-                <a:solidFill>
-                  <a:srgbClr val="FFFF00"/>
-                </a:solidFill>
-              </a:rPr>
-              <a:t>mem</a:t>
-            </a:r>
-            <a:r>
-              <a:rPr lang="en-US" sz="2600" dirty="0" smtClean="0"/>
-              <a:t>   .-&gt;</a:t>
-            </a:r>
-            <a:endParaRPr lang="en-US" sz="2600" dirty="0"/>
-          </a:p>
-          <a:p>
-            <a:endParaRPr lang="en-US" sz="2600" dirty="0" smtClean="0"/>
-          </a:p>
-          <a:p>
-            <a:endParaRPr lang="en-US" sz="2600" dirty="0"/>
-          </a:p>
-          <a:p>
-            <a:r>
-              <a:rPr lang="en-US" sz="2600" dirty="0" err="1" smtClean="0"/>
-              <a:t>Ptr</a:t>
-            </a:r>
-            <a:r>
-              <a:rPr lang="en-US" sz="2600" dirty="0" smtClean="0"/>
-              <a:t> to array </a:t>
-            </a:r>
-            <a:r>
-              <a:rPr lang="en-US" sz="2600" dirty="0" err="1" smtClean="0"/>
-              <a:t>vs</a:t>
-            </a:r>
-            <a:r>
-              <a:rPr lang="en-US" sz="2600" dirty="0" smtClean="0"/>
-              <a:t> </a:t>
-            </a:r>
-            <a:r>
-              <a:rPr lang="en-US" sz="2600" dirty="0" err="1" smtClean="0"/>
-              <a:t>arry</a:t>
-            </a:r>
-            <a:r>
-              <a:rPr lang="en-US" sz="2600" dirty="0" smtClean="0"/>
-              <a:t> </a:t>
-            </a:r>
-            <a:r>
-              <a:rPr lang="en-US" sz="2600" dirty="0" err="1" smtClean="0"/>
-              <a:t>ptr</a:t>
-            </a:r>
-            <a:endParaRPr lang="en-US" sz="2600" dirty="0" smtClean="0"/>
-          </a:p>
-          <a:p>
-            <a:r>
-              <a:rPr lang="en-US" sz="2600" dirty="0" err="1"/>
-              <a:t>Ptr</a:t>
-            </a:r>
-            <a:r>
-              <a:rPr lang="en-US" sz="2600" dirty="0"/>
-              <a:t> </a:t>
-            </a:r>
-            <a:r>
-              <a:rPr lang="en-US" sz="2600" dirty="0" err="1"/>
-              <a:t>vs</a:t>
-            </a:r>
-            <a:r>
-              <a:rPr lang="en-US" sz="2600" dirty="0"/>
-              <a:t> </a:t>
-            </a:r>
-            <a:r>
-              <a:rPr lang="en-US" sz="2600" dirty="0" smtClean="0"/>
-              <a:t>array</a:t>
-            </a:r>
-          </a:p>
-          <a:p>
-            <a:r>
-              <a:rPr lang="en-US" sz="2600" dirty="0"/>
-              <a:t>Memory fragmentation</a:t>
-            </a:r>
-          </a:p>
-          <a:p>
-            <a:r>
-              <a:rPr lang="en-US" sz="2600" dirty="0"/>
-              <a:t>Limitation of </a:t>
-            </a:r>
-            <a:r>
-              <a:rPr lang="en-US" sz="2600" dirty="0" err="1"/>
-              <a:t>ptrs</a:t>
-            </a:r>
-            <a:endParaRPr lang="en-US" sz="2600" dirty="0"/>
-          </a:p>
-          <a:p>
-            <a:pPr marL="137160" indent="0">
-              <a:buNone/>
-            </a:pPr>
-            <a:endParaRPr lang="en-US" sz="2600" dirty="0"/>
-          </a:p>
-          <a:p>
-            <a:pPr marL="137160" indent="0">
-              <a:buNone/>
-            </a:pPr>
-            <a:endParaRPr lang="en-US" sz="2600" dirty="0" smtClean="0"/>
-          </a:p>
-          <a:p>
-            <a:r>
-              <a:rPr lang="en-US" sz="2600" dirty="0" smtClean="0"/>
-              <a:t>Array </a:t>
-            </a:r>
-            <a:r>
-              <a:rPr lang="en-US" sz="2600" dirty="0" err="1" smtClean="0"/>
-              <a:t>ptr</a:t>
-            </a:r>
-            <a:r>
-              <a:rPr lang="en-US" sz="2600" dirty="0" smtClean="0"/>
-              <a:t> dereference-&gt;1d,2d,3d</a:t>
-            </a:r>
-          </a:p>
-          <a:p>
-            <a:r>
-              <a:rPr lang="en-US" sz="2600" dirty="0" smtClean="0"/>
-              <a:t>What is memory management</a:t>
-            </a:r>
-          </a:p>
-          <a:p>
-            <a:r>
-              <a:rPr lang="en-US" sz="2600" dirty="0" smtClean="0"/>
-              <a:t>What is in text segment?</a:t>
-            </a:r>
-          </a:p>
-          <a:p>
-            <a:endParaRPr lang="en-US" sz="2000" dirty="0" smtClean="0"/>
-          </a:p>
-          <a:p>
-            <a:endParaRPr lang="en-US" sz="2000" dirty="0"/>
-          </a:p>
-          <a:p>
-            <a:endParaRPr lang="en-US" dirty="0" smtClean="0"/>
+              <a:rPr lang="en-US" dirty="0" err="1"/>
+              <a:t>calloc</a:t>
+            </a:r>
+            <a:endParaRPr lang="en-US" dirty="0"/>
+          </a:p>
+          <a:p>
+            <a:r>
+              <a:rPr lang="en-US" dirty="0"/>
+              <a:t>Why </a:t>
+            </a:r>
+            <a:r>
+              <a:rPr lang="en-US" dirty="0" err="1"/>
+              <a:t>realloc</a:t>
+            </a:r>
+            <a:r>
+              <a:rPr lang="en-US" dirty="0"/>
+              <a:t> used</a:t>
+            </a:r>
+          </a:p>
+          <a:p>
+            <a:r>
+              <a:rPr lang="en-US" dirty="0"/>
+              <a:t>Use of free</a:t>
+            </a:r>
           </a:p>
           <a:p>
             <a:endParaRPr lang="en-US" dirty="0"/>
@@ -8473,7 +8567,7 @@
     </p:spTree>
     <p:extLst>
       <p:ext uri="{BB962C8B-B14F-4D97-AF65-F5344CB8AC3E}">
-        <p14:creationId xmlns:p14="http://schemas.microsoft.com/office/powerpoint/2010/main" val="2374115437"/>
+        <p14:creationId xmlns:p14="http://schemas.microsoft.com/office/powerpoint/2010/main" val="1279241059"/>
       </p:ext>
     </p:extLst>
   </p:cSld>
@@ -8517,18 +8611,19 @@
             <p:ph type="title"/>
           </p:nvPr>
         </p:nvSpPr>
-        <p:spPr/>
+        <p:spPr>
+          <a:xfrm>
+            <a:off x="457200" y="-152400"/>
+            <a:ext cx="8229600" cy="990600"/>
+          </a:xfrm>
+        </p:spPr>
         <p:txBody>
           <a:bodyPr/>
           <a:lstStyle/>
           <a:p>
             <a:r>
-              <a:rPr lang="en-US" dirty="0" smtClean="0"/>
-              <a:t>Double </a:t>
-            </a:r>
-            <a:r>
               <a:rPr lang="en-US" dirty="0" err="1" smtClean="0"/>
-              <a:t>ptr</a:t>
+              <a:t>qus</a:t>
             </a:r>
             <a:endParaRPr lang="en-US" dirty="0"/>
           </a:p>
@@ -8544,328 +8639,401 @@
             <p:ph idx="1"/>
           </p:nvPr>
         </p:nvSpPr>
-        <p:spPr/>
+        <p:spPr>
+          <a:xfrm>
+            <a:off x="457200" y="762000"/>
+            <a:ext cx="8229600" cy="5943600"/>
+          </a:xfrm>
+        </p:spPr>
         <p:txBody>
           <a:bodyPr>
-            <a:normAutofit fontScale="85000" lnSpcReduction="20000"/>
+            <a:normAutofit fontScale="55000" lnSpcReduction="20000"/>
           </a:bodyPr>
           <a:lstStyle/>
           <a:p>
-            <a:pPr marL="137160" indent="0">
-              <a:buNone/>
-            </a:pPr>
-            <a:r>
-              <a:rPr lang="en-US" dirty="0" err="1"/>
+            <a:endParaRPr lang="en-US" sz="2600" dirty="0"/>
+          </a:p>
+          <a:p>
+            <a:r>
+              <a:rPr lang="en-US" sz="2600" dirty="0"/>
+              <a:t>Static </a:t>
+            </a:r>
+            <a:r>
+              <a:rPr lang="en-US" sz="2600" dirty="0" err="1"/>
+              <a:t>vs</a:t>
+            </a:r>
+            <a:r>
+              <a:rPr lang="en-US" sz="2600" dirty="0"/>
+              <a:t> dynamic </a:t>
+            </a:r>
+            <a:r>
+              <a:rPr lang="en-US" sz="2600" dirty="0" err="1"/>
+              <a:t>mem</a:t>
+            </a:r>
+            <a:r>
+              <a:rPr lang="en-US" sz="2600" dirty="0"/>
+              <a:t> </a:t>
+            </a:r>
+            <a:r>
+              <a:rPr lang="en-US" sz="2600" dirty="0" smtClean="0"/>
+              <a:t>allocation </a:t>
+            </a:r>
+            <a:endParaRPr lang="en-US" sz="2600" dirty="0"/>
+          </a:p>
+          <a:p>
+            <a:r>
+              <a:rPr lang="en-US" sz="2600" dirty="0"/>
+              <a:t>Memory </a:t>
+            </a:r>
+            <a:r>
+              <a:rPr lang="en-US" sz="2600" dirty="0" smtClean="0"/>
+              <a:t>leak  </a:t>
+            </a:r>
+          </a:p>
+          <a:p>
+            <a:endParaRPr lang="en-US" sz="2600" dirty="0"/>
+          </a:p>
+          <a:p>
+            <a:r>
+              <a:rPr lang="en-US" sz="2600" dirty="0"/>
+              <a:t>Stack </a:t>
+            </a:r>
+            <a:r>
+              <a:rPr lang="en-US" sz="2600" dirty="0" err="1" smtClean="0"/>
+              <a:t>overflow.e.g</a:t>
+            </a:r>
+            <a:r>
+              <a:rPr lang="en-US" sz="2600" dirty="0" smtClean="0"/>
+              <a:t>  </a:t>
+            </a:r>
+            <a:r>
+              <a:rPr lang="en-US" sz="2600" dirty="0" err="1" smtClean="0"/>
               <a:t>int</a:t>
             </a:r>
             <a:r>
-              <a:rPr lang="en-US" dirty="0"/>
-              <a:t> main()</a:t>
-            </a:r>
-          </a:p>
-          <a:p>
-            <a:pPr marL="137160" indent="0">
-              <a:buNone/>
-            </a:pPr>
-            <a:r>
-              <a:rPr lang="en-US" dirty="0"/>
-              <a:t>{</a:t>
-            </a:r>
-          </a:p>
-          <a:p>
-            <a:pPr marL="137160" indent="0">
-              <a:buNone/>
-            </a:pPr>
-            <a:r>
-              <a:rPr lang="en-US" dirty="0"/>
-              <a:t>    </a:t>
-            </a:r>
-            <a:r>
-              <a:rPr lang="en-US" dirty="0" err="1"/>
+              <a:rPr lang="en-US" sz="2600" dirty="0" smtClean="0"/>
+              <a:t> a[5];    //20byte a[5]=10;</a:t>
+            </a:r>
+            <a:endParaRPr lang="en-US" sz="2600" dirty="0"/>
+          </a:p>
+          <a:p>
+            <a:r>
+              <a:rPr lang="en-US" sz="2600" dirty="0"/>
+              <a:t>Heap </a:t>
+            </a:r>
+            <a:r>
+              <a:rPr lang="en-US" sz="2600" dirty="0" err="1" smtClean="0"/>
+              <a:t>overflow.e.g</a:t>
+            </a:r>
+            <a:endParaRPr lang="en-US" sz="2600" dirty="0" smtClean="0"/>
+          </a:p>
+          <a:p>
+            <a:endParaRPr lang="en-US" sz="2600" dirty="0"/>
+          </a:p>
+          <a:p>
+            <a:r>
+              <a:rPr lang="en-US" sz="2600" dirty="0" smtClean="0"/>
+              <a:t>Core dump</a:t>
+            </a:r>
+          </a:p>
+          <a:p>
+            <a:r>
+              <a:rPr lang="en-US" sz="2600" dirty="0" smtClean="0"/>
+              <a:t>Segmentation fault</a:t>
+            </a:r>
+          </a:p>
+          <a:p>
+            <a:endParaRPr lang="en-US" sz="2600" dirty="0"/>
+          </a:p>
+          <a:p>
+            <a:r>
+              <a:rPr lang="en-US" sz="2600" dirty="0"/>
+              <a:t>Function </a:t>
+            </a:r>
+            <a:r>
+              <a:rPr lang="en-US" sz="2600" dirty="0" err="1" smtClean="0"/>
+              <a:t>ptr</a:t>
+            </a:r>
+            <a:endParaRPr lang="en-US" sz="2600" dirty="0" smtClean="0"/>
+          </a:p>
+          <a:p>
+            <a:r>
+              <a:rPr lang="en-US" sz="2600" dirty="0" smtClean="0"/>
+              <a:t>How </a:t>
+            </a:r>
+            <a:r>
+              <a:rPr lang="en-US" sz="2600" dirty="0"/>
+              <a:t>to enable dynamic </a:t>
+            </a:r>
+            <a:r>
+              <a:rPr lang="en-US" sz="2600" dirty="0" err="1"/>
+              <a:t>mem</a:t>
+            </a:r>
+            <a:r>
+              <a:rPr lang="en-US" sz="2600" dirty="0"/>
+              <a:t> allocation in </a:t>
+            </a:r>
+            <a:r>
+              <a:rPr lang="en-US" sz="2600" dirty="0" smtClean="0"/>
+              <a:t>c</a:t>
+            </a:r>
+          </a:p>
+          <a:p>
+            <a:r>
+              <a:rPr lang="en-US" sz="2600" dirty="0"/>
+              <a:t>Size of </a:t>
+            </a:r>
+            <a:r>
+              <a:rPr lang="en-US" sz="2600" dirty="0" err="1"/>
+              <a:t>ptr</a:t>
+            </a:r>
+            <a:r>
+              <a:rPr lang="en-US" sz="2600" dirty="0"/>
+              <a:t> in 32bit and </a:t>
+            </a:r>
+            <a:r>
+              <a:rPr lang="en-US" sz="2600" dirty="0" smtClean="0"/>
+              <a:t>64bit</a:t>
+            </a:r>
+          </a:p>
+          <a:p>
+            <a:r>
+              <a:rPr lang="en-US" sz="2600" dirty="0"/>
+              <a:t>Char </a:t>
+            </a:r>
+            <a:r>
+              <a:rPr lang="en-US" sz="2600" dirty="0" err="1"/>
+              <a:t>ptr</a:t>
+            </a:r>
+            <a:r>
+              <a:rPr lang="en-US" sz="2600" dirty="0"/>
+              <a:t> </a:t>
+            </a:r>
+            <a:r>
+              <a:rPr lang="en-US" sz="2600" dirty="0" err="1"/>
+              <a:t>vs</a:t>
+            </a:r>
+            <a:r>
+              <a:rPr lang="en-US" sz="2600" dirty="0"/>
+              <a:t> </a:t>
+            </a:r>
+            <a:r>
+              <a:rPr lang="en-US" sz="2600" dirty="0" err="1"/>
               <a:t>int</a:t>
             </a:r>
             <a:r>
-              <a:rPr lang="en-US" dirty="0"/>
-              <a:t> a=10;  	 </a:t>
-            </a:r>
-            <a:r>
-              <a:rPr lang="en-US" dirty="0" smtClean="0"/>
-              <a:t>	//</a:t>
-            </a:r>
-            <a:r>
-              <a:rPr lang="en-US" dirty="0"/>
-              <a:t>20  a </a:t>
-            </a:r>
-            <a:r>
-              <a:rPr lang="en-US" dirty="0" err="1"/>
-              <a:t>addr</a:t>
-            </a:r>
+              <a:rPr lang="en-US" sz="2600" dirty="0"/>
+              <a:t> </a:t>
+            </a:r>
+            <a:r>
+              <a:rPr lang="en-US" sz="2600" dirty="0" err="1" smtClean="0"/>
+              <a:t>ptr</a:t>
+            </a:r>
+            <a:endParaRPr lang="en-US" sz="2600" dirty="0" smtClean="0"/>
+          </a:p>
+          <a:p>
+            <a:r>
+              <a:rPr lang="en-US" sz="2600" dirty="0"/>
+              <a:t>How dereference structure </a:t>
+            </a:r>
+            <a:r>
+              <a:rPr lang="en-US" sz="2600" dirty="0" err="1"/>
+              <a:t>ptr</a:t>
+            </a:r>
+            <a:r>
+              <a:rPr lang="en-US" sz="2600" dirty="0"/>
+              <a:t> </a:t>
+            </a:r>
+            <a:r>
+              <a:rPr lang="en-US" sz="2600" dirty="0" smtClean="0"/>
+              <a:t>          </a:t>
+            </a:r>
+            <a:r>
+              <a:rPr lang="en-US" sz="2600" dirty="0" err="1" smtClean="0"/>
+              <a:t>ptr</a:t>
+            </a:r>
+            <a:r>
+              <a:rPr lang="en-US" sz="2600" dirty="0" smtClean="0"/>
+              <a:t>-&gt;</a:t>
+            </a:r>
+            <a:r>
+              <a:rPr lang="en-US" sz="2600" dirty="0" err="1" smtClean="0"/>
+              <a:t>mem</a:t>
+            </a:r>
+            <a:r>
+              <a:rPr lang="en-US" sz="2600" dirty="0" smtClean="0"/>
+              <a:t>     </a:t>
+            </a:r>
+            <a:r>
+              <a:rPr lang="en-US" sz="2600" dirty="0" smtClean="0">
+                <a:solidFill>
+                  <a:srgbClr val="FFFF00"/>
+                </a:solidFill>
+              </a:rPr>
+              <a:t>(*</a:t>
+            </a:r>
+            <a:r>
+              <a:rPr lang="en-US" sz="2600" dirty="0" err="1" smtClean="0">
+                <a:solidFill>
+                  <a:srgbClr val="FFFF00"/>
+                </a:solidFill>
+              </a:rPr>
+              <a:t>ptr</a:t>
+            </a:r>
+            <a:r>
+              <a:rPr lang="en-US" sz="2600" dirty="0" smtClean="0">
+                <a:solidFill>
+                  <a:srgbClr val="FFFF00"/>
+                </a:solidFill>
+              </a:rPr>
+              <a:t>).</a:t>
+            </a:r>
+            <a:r>
+              <a:rPr lang="en-US" sz="2600" dirty="0" err="1" smtClean="0">
+                <a:solidFill>
+                  <a:srgbClr val="FFFF00"/>
+                </a:solidFill>
+              </a:rPr>
+              <a:t>mem</a:t>
+            </a:r>
+            <a:r>
+              <a:rPr lang="en-US" sz="2600" dirty="0" smtClean="0"/>
+              <a:t>   .-&gt;</a:t>
+            </a:r>
+            <a:endParaRPr lang="en-US" sz="2600" dirty="0"/>
+          </a:p>
+          <a:p>
+            <a:endParaRPr lang="en-US" sz="2600" dirty="0" smtClean="0"/>
+          </a:p>
+          <a:p>
+            <a:endParaRPr lang="en-US" sz="2600" dirty="0"/>
+          </a:p>
+          <a:p>
+            <a:r>
+              <a:rPr lang="en-US" sz="2600" dirty="0" err="1" smtClean="0"/>
+              <a:t>Ptr</a:t>
+            </a:r>
+            <a:r>
+              <a:rPr lang="en-US" sz="2600" dirty="0" smtClean="0"/>
+              <a:t> to array </a:t>
+            </a:r>
+            <a:r>
+              <a:rPr lang="en-US" sz="2600" dirty="0" err="1" smtClean="0"/>
+              <a:t>vs</a:t>
+            </a:r>
+            <a:r>
+              <a:rPr lang="en-US" sz="2600" dirty="0" smtClean="0"/>
+              <a:t> </a:t>
+            </a:r>
+            <a:r>
+              <a:rPr lang="en-US" sz="2600" dirty="0" err="1" smtClean="0"/>
+              <a:t>arry</a:t>
+            </a:r>
+            <a:r>
+              <a:rPr lang="en-US" sz="2600" dirty="0" smtClean="0"/>
+              <a:t> </a:t>
+            </a:r>
+            <a:r>
+              <a:rPr lang="en-US" sz="2600" dirty="0" err="1" smtClean="0"/>
+              <a:t>ptr</a:t>
+            </a:r>
+            <a:endParaRPr lang="en-US" sz="2600" dirty="0" smtClean="0"/>
+          </a:p>
+          <a:p>
+            <a:r>
+              <a:rPr lang="en-US" sz="2600" dirty="0" err="1"/>
+              <a:t>Ptr</a:t>
+            </a:r>
+            <a:r>
+              <a:rPr lang="en-US" sz="2600" dirty="0"/>
+              <a:t> </a:t>
+            </a:r>
+            <a:r>
+              <a:rPr lang="en-US" sz="2600" dirty="0" err="1"/>
+              <a:t>vs</a:t>
+            </a:r>
+            <a:r>
+              <a:rPr lang="en-US" sz="2600" dirty="0"/>
+              <a:t> </a:t>
+            </a:r>
+            <a:r>
+              <a:rPr lang="en-US" sz="2600" dirty="0" smtClean="0"/>
+              <a:t>array</a:t>
+            </a:r>
+          </a:p>
+          <a:p>
+            <a:r>
+              <a:rPr lang="en-US" sz="2600" dirty="0"/>
+              <a:t>Memory fragmentation</a:t>
+            </a:r>
+          </a:p>
+          <a:p>
+            <a:r>
+              <a:rPr lang="en-US" sz="2600" dirty="0"/>
+              <a:t>Limitation of </a:t>
+            </a:r>
+            <a:r>
+              <a:rPr lang="en-US" sz="2600" dirty="0" err="1"/>
+              <a:t>ptrs</a:t>
+            </a:r>
+            <a:endParaRPr lang="en-US" sz="2600" dirty="0"/>
+          </a:p>
+          <a:p>
+            <a:pPr marL="137160" indent="0">
+              <a:buNone/>
+            </a:pPr>
+            <a:endParaRPr lang="en-US" sz="2600" dirty="0"/>
+          </a:p>
+          <a:p>
+            <a:pPr marL="137160" indent="0">
+              <a:buNone/>
+            </a:pPr>
+            <a:endParaRPr lang="en-US" sz="2600" dirty="0" smtClean="0"/>
+          </a:p>
+          <a:p>
+            <a:r>
+              <a:rPr lang="en-US" sz="2600" dirty="0" smtClean="0"/>
+              <a:t>Array </a:t>
+            </a:r>
+            <a:r>
+              <a:rPr lang="en-US" sz="2600" dirty="0" err="1" smtClean="0"/>
+              <a:t>ptr</a:t>
+            </a:r>
+            <a:r>
+              <a:rPr lang="en-US" sz="2600" dirty="0" smtClean="0"/>
+              <a:t> dereference-&gt;1d,2d,3d</a:t>
+            </a:r>
+          </a:p>
+          <a:p>
+            <a:r>
+              <a:rPr lang="en-US" sz="2600" dirty="0" smtClean="0"/>
+              <a:t>What is memory management</a:t>
+            </a:r>
+          </a:p>
+          <a:p>
+            <a:r>
+              <a:rPr lang="en-US" sz="2600" dirty="0" smtClean="0"/>
+              <a:t>What is in text segment?</a:t>
+            </a:r>
+          </a:p>
+          <a:p>
+            <a:endParaRPr lang="en-US" sz="2000" dirty="0" smtClean="0"/>
+          </a:p>
+          <a:p>
+            <a:endParaRPr lang="en-US" sz="2000" dirty="0"/>
+          </a:p>
+          <a:p>
+            <a:endParaRPr lang="en-US" dirty="0" smtClean="0"/>
+          </a:p>
+          <a:p>
             <a:endParaRPr lang="en-US" dirty="0"/>
-          </a:p>
-          <a:p>
-            <a:pPr marL="137160" indent="0">
-              <a:buNone/>
-            </a:pPr>
-            <a:r>
-              <a:rPr lang="en-US" dirty="0"/>
-              <a:t>    </a:t>
-            </a:r>
-            <a:r>
-              <a:rPr lang="en-US" dirty="0" err="1"/>
-              <a:t>int</a:t>
-            </a:r>
-            <a:r>
-              <a:rPr lang="en-US" dirty="0"/>
-              <a:t> * p=&amp;a;  </a:t>
-            </a:r>
-            <a:r>
-              <a:rPr lang="en-US" dirty="0" smtClean="0"/>
-              <a:t>	//</a:t>
-            </a:r>
-            <a:r>
-              <a:rPr lang="en-US" dirty="0"/>
-              <a:t>30  p </a:t>
-            </a:r>
-            <a:r>
-              <a:rPr lang="en-US" dirty="0" err="1"/>
-              <a:t>addr</a:t>
-            </a:r>
-            <a:endParaRPr lang="en-US" dirty="0"/>
-          </a:p>
-          <a:p>
-            <a:pPr marL="137160" indent="0">
-              <a:buNone/>
-            </a:pPr>
-            <a:r>
-              <a:rPr lang="en-US" dirty="0"/>
-              <a:t>    </a:t>
-            </a:r>
-            <a:r>
-              <a:rPr lang="en-US" dirty="0" err="1"/>
-              <a:t>int</a:t>
-            </a:r>
-            <a:r>
-              <a:rPr lang="en-US" dirty="0"/>
-              <a:t> ** </a:t>
-            </a:r>
-            <a:r>
-              <a:rPr lang="en-US" dirty="0" err="1"/>
-              <a:t>ptr</a:t>
-            </a:r>
-            <a:r>
-              <a:rPr lang="en-US" dirty="0"/>
-              <a:t>=&amp;p;</a:t>
-            </a:r>
-          </a:p>
-          <a:p>
-            <a:pPr marL="137160" indent="0">
-              <a:buNone/>
-            </a:pPr>
-            <a:r>
-              <a:rPr lang="en-US" dirty="0"/>
-              <a:t>    </a:t>
-            </a:r>
-          </a:p>
-          <a:p>
-            <a:pPr marL="137160" indent="0">
-              <a:buNone/>
-            </a:pPr>
-            <a:r>
-              <a:rPr lang="en-US" dirty="0"/>
-              <a:t>    </a:t>
-            </a:r>
-            <a:r>
-              <a:rPr lang="en-US" dirty="0" err="1"/>
-              <a:t>printf</a:t>
-            </a:r>
-            <a:r>
-              <a:rPr lang="en-US" dirty="0"/>
-              <a:t>("address of a : %</a:t>
-            </a:r>
-            <a:r>
-              <a:rPr lang="en-US" dirty="0" err="1"/>
-              <a:t>d",&amp;a</a:t>
-            </a:r>
-            <a:r>
-              <a:rPr lang="en-US" dirty="0"/>
-              <a:t>);</a:t>
-            </a:r>
-          </a:p>
-          <a:p>
-            <a:pPr marL="137160" indent="0">
-              <a:buNone/>
-            </a:pPr>
-            <a:r>
-              <a:rPr lang="en-US" dirty="0"/>
-              <a:t>    </a:t>
-            </a:r>
-            <a:r>
-              <a:rPr lang="en-US" dirty="0" err="1"/>
-              <a:t>printf</a:t>
-            </a:r>
-            <a:r>
-              <a:rPr lang="en-US" dirty="0"/>
-              <a:t>("\</a:t>
-            </a:r>
-            <a:r>
-              <a:rPr lang="en-US" dirty="0" err="1"/>
-              <a:t>naddress</a:t>
-            </a:r>
-            <a:r>
-              <a:rPr lang="en-US" dirty="0"/>
-              <a:t> of p : %</a:t>
-            </a:r>
-            <a:r>
-              <a:rPr lang="en-US" dirty="0" err="1"/>
-              <a:t>d",&amp;p</a:t>
-            </a:r>
-            <a:r>
-              <a:rPr lang="en-US" dirty="0"/>
-              <a:t>);</a:t>
-            </a:r>
-          </a:p>
-          <a:p>
-            <a:pPr marL="137160" indent="0">
-              <a:buNone/>
-            </a:pPr>
-            <a:r>
-              <a:rPr lang="en-US" dirty="0"/>
-              <a:t>    </a:t>
-            </a:r>
-            <a:r>
-              <a:rPr lang="en-US" dirty="0" err="1"/>
-              <a:t>printf</a:t>
-            </a:r>
-            <a:r>
-              <a:rPr lang="en-US" dirty="0"/>
-              <a:t>("\</a:t>
-            </a:r>
-            <a:r>
-              <a:rPr lang="en-US" dirty="0" err="1"/>
-              <a:t>n%d</a:t>
-            </a:r>
-            <a:r>
-              <a:rPr lang="en-US" dirty="0"/>
-              <a:t>",**</a:t>
-            </a:r>
-            <a:r>
-              <a:rPr lang="en-US" dirty="0" err="1"/>
-              <a:t>ptr</a:t>
-            </a:r>
-            <a:r>
-              <a:rPr lang="en-US" dirty="0"/>
-              <a:t>);   </a:t>
-            </a:r>
-            <a:r>
-              <a:rPr lang="en-US" dirty="0" smtClean="0"/>
-              <a:t>		//</a:t>
-            </a:r>
-            <a:r>
-              <a:rPr lang="en-US" dirty="0"/>
-              <a:t>10</a:t>
-            </a:r>
-          </a:p>
-          <a:p>
-            <a:pPr marL="137160" indent="0">
-              <a:buNone/>
-            </a:pPr>
-            <a:r>
-              <a:rPr lang="en-US" dirty="0"/>
-              <a:t>    </a:t>
-            </a:r>
-            <a:r>
-              <a:rPr lang="en-US" dirty="0" err="1"/>
-              <a:t>printf</a:t>
-            </a:r>
-            <a:r>
-              <a:rPr lang="en-US" dirty="0"/>
-              <a:t>("\</a:t>
-            </a:r>
-            <a:r>
-              <a:rPr lang="en-US" dirty="0" err="1"/>
-              <a:t>n%d</a:t>
-            </a:r>
-            <a:r>
-              <a:rPr lang="en-US" dirty="0"/>
-              <a:t>",*</a:t>
-            </a:r>
-            <a:r>
-              <a:rPr lang="en-US" dirty="0" err="1"/>
-              <a:t>ptr</a:t>
-            </a:r>
-            <a:r>
-              <a:rPr lang="en-US" dirty="0"/>
-              <a:t>);    </a:t>
-            </a:r>
-            <a:r>
-              <a:rPr lang="en-US" dirty="0" smtClean="0"/>
-              <a:t>		// </a:t>
-            </a:r>
-            <a:r>
-              <a:rPr lang="en-US" dirty="0" err="1"/>
-              <a:t>addr</a:t>
-            </a:r>
-            <a:r>
-              <a:rPr lang="en-US" dirty="0"/>
-              <a:t> of a</a:t>
-            </a:r>
-          </a:p>
-          <a:p>
-            <a:pPr marL="137160" indent="0">
-              <a:buNone/>
-            </a:pPr>
-            <a:r>
-              <a:rPr lang="en-US" dirty="0"/>
-              <a:t>    </a:t>
-            </a:r>
-            <a:r>
-              <a:rPr lang="en-US" dirty="0" err="1"/>
-              <a:t>printf</a:t>
-            </a:r>
-            <a:r>
-              <a:rPr lang="en-US" dirty="0"/>
-              <a:t>("\</a:t>
-            </a:r>
-            <a:r>
-              <a:rPr lang="en-US" dirty="0" err="1"/>
-              <a:t>n%d</a:t>
-            </a:r>
-            <a:r>
-              <a:rPr lang="en-US" dirty="0"/>
-              <a:t>",</a:t>
-            </a:r>
-            <a:r>
-              <a:rPr lang="en-US" dirty="0" err="1"/>
-              <a:t>ptr</a:t>
-            </a:r>
-            <a:r>
-              <a:rPr lang="en-US" dirty="0"/>
-              <a:t>);		//</a:t>
-            </a:r>
-            <a:r>
-              <a:rPr lang="en-US" dirty="0" err="1"/>
-              <a:t>addr</a:t>
-            </a:r>
-            <a:r>
-              <a:rPr lang="en-US" dirty="0"/>
-              <a:t> of p</a:t>
-            </a:r>
-          </a:p>
-          <a:p>
-            <a:pPr marL="137160" indent="0">
-              <a:buNone/>
-            </a:pPr>
-            <a:r>
-              <a:rPr lang="en-US" dirty="0"/>
-              <a:t>}</a:t>
-            </a:r>
           </a:p>
         </p:txBody>
       </p:sp>
     </p:spTree>
     <p:extLst>
       <p:ext uri="{BB962C8B-B14F-4D97-AF65-F5344CB8AC3E}">
-        <p14:creationId xmlns:p14="http://schemas.microsoft.com/office/powerpoint/2010/main" val="489689501"/>
+        <p14:creationId xmlns:p14="http://schemas.microsoft.com/office/powerpoint/2010/main" val="2374115437"/>
       </p:ext>
     </p:extLst>
   </p:cSld>
@@ -8916,7 +9084,11 @@
           <a:p>
             <a:r>
               <a:rPr lang="en-US" dirty="0" smtClean="0"/>
-              <a:t>Call by value</a:t>
+              <a:t>Double </a:t>
+            </a:r>
+            <a:r>
+              <a:rPr lang="en-US" dirty="0" err="1" smtClean="0"/>
+              <a:t>ptr</a:t>
             </a:r>
             <a:endParaRPr lang="en-US" dirty="0"/>
           </a:p>
@@ -8932,15 +9104,10 @@
             <p:ph idx="1"/>
           </p:nvPr>
         </p:nvSpPr>
-        <p:spPr>
-          <a:xfrm>
-            <a:off x="457200" y="1295400"/>
-            <a:ext cx="8229600" cy="5562600"/>
-          </a:xfrm>
-        </p:spPr>
+        <p:spPr/>
         <p:txBody>
           <a:bodyPr>
-            <a:noAutofit/>
+            <a:normAutofit fontScale="85000" lnSpcReduction="20000"/>
           </a:bodyPr>
           <a:lstStyle/>
           <a:p>
@@ -8948,47 +9115,20 @@
               <a:buNone/>
             </a:pPr>
             <a:r>
-              <a:rPr lang="en-US" sz="1600" dirty="0"/>
-              <a:t>//call by value</a:t>
-            </a:r>
-          </a:p>
-          <a:p>
-            <a:pPr marL="137160" indent="0">
-              <a:buNone/>
-            </a:pPr>
-            <a:endParaRPr lang="en-US" sz="1600" dirty="0"/>
-          </a:p>
-          <a:p>
-            <a:pPr marL="137160" indent="0">
-              <a:buNone/>
-            </a:pPr>
-            <a:r>
-              <a:rPr lang="en-US" sz="1600" dirty="0"/>
-              <a:t>void swap(</a:t>
-            </a:r>
-            <a:r>
-              <a:rPr lang="en-US" sz="1600" dirty="0" err="1"/>
+              <a:rPr lang="en-US" dirty="0" err="1"/>
               <a:t>int</a:t>
             </a:r>
             <a:r>
-              <a:rPr lang="en-US" sz="1600" dirty="0"/>
-              <a:t> </a:t>
-            </a:r>
-            <a:r>
-              <a:rPr lang="en-US" sz="1600" dirty="0" err="1"/>
-              <a:t>a,int</a:t>
-            </a:r>
-            <a:r>
-              <a:rPr lang="en-US" sz="1600" dirty="0"/>
-              <a:t> b)</a:t>
-            </a:r>
-          </a:p>
-          <a:p>
-            <a:pPr marL="137160" indent="0">
-              <a:buNone/>
-            </a:pPr>
-            <a:r>
-              <a:rPr lang="en-US" sz="1600" dirty="0"/>
+              <a:rPr lang="en-US" dirty="0"/>
+              <a:t> main()</a:t>
+            </a:r>
+          </a:p>
+          <a:p>
+            <a:pPr marL="137160" indent="0">
+              <a:buNone/>
+            </a:pPr>
+            <a:r>
+              <a:rPr lang="en-US" dirty="0"/>
               <a:t>{</a:t>
             </a:r>
           </a:p>
@@ -8997,123 +9137,117 @@
               <a:buNone/>
             </a:pPr>
             <a:r>
-              <a:rPr lang="en-US" sz="1600" dirty="0"/>
-              <a:t>	</a:t>
-            </a:r>
-            <a:r>
-              <a:rPr lang="en-US" sz="1600" dirty="0" err="1"/>
+              <a:rPr lang="en-US" dirty="0"/>
+              <a:t>    </a:t>
+            </a:r>
+            <a:r>
+              <a:rPr lang="en-US" dirty="0" err="1"/>
               <a:t>int</a:t>
             </a:r>
             <a:r>
-              <a:rPr lang="en-US" sz="1600" dirty="0"/>
-              <a:t> temp=a;</a:t>
-            </a:r>
-          </a:p>
-          <a:p>
-            <a:pPr marL="137160" indent="0">
-              <a:buNone/>
-            </a:pPr>
-            <a:r>
-              <a:rPr lang="en-US" sz="1600" dirty="0"/>
-              <a:t>	a=b;</a:t>
-            </a:r>
-          </a:p>
-          <a:p>
-            <a:pPr marL="137160" indent="0">
-              <a:buNone/>
-            </a:pPr>
-            <a:r>
-              <a:rPr lang="en-US" sz="1600" dirty="0"/>
-              <a:t>	b=temp;</a:t>
-            </a:r>
-          </a:p>
-          <a:p>
-            <a:pPr marL="137160" indent="0">
-              <a:buNone/>
-            </a:pPr>
-            <a:r>
-              <a:rPr lang="en-US" sz="1600" dirty="0"/>
+              <a:rPr lang="en-US" dirty="0"/>
+              <a:t> a=10;  	 </a:t>
+            </a:r>
+            <a:r>
+              <a:rPr lang="en-US" dirty="0" smtClean="0"/>
               <a:t>	//</a:t>
             </a:r>
             <a:r>
-              <a:rPr lang="en-US" sz="1600" dirty="0" err="1"/>
+              <a:rPr lang="en-US" dirty="0"/>
+              <a:t>20  a </a:t>
+            </a:r>
+            <a:r>
+              <a:rPr lang="en-US" dirty="0" err="1"/>
+              <a:t>addr</a:t>
+            </a:r>
+            <a:endParaRPr lang="en-US" dirty="0"/>
+          </a:p>
+          <a:p>
+            <a:pPr marL="137160" indent="0">
+              <a:buNone/>
+            </a:pPr>
+            <a:r>
+              <a:rPr lang="en-US" dirty="0"/>
+              <a:t>    </a:t>
+            </a:r>
+            <a:r>
+              <a:rPr lang="en-US" dirty="0" err="1"/>
+              <a:t>int</a:t>
+            </a:r>
+            <a:r>
+              <a:rPr lang="en-US" dirty="0"/>
+              <a:t> * p=&amp;a;  </a:t>
+            </a:r>
+            <a:r>
+              <a:rPr lang="en-US" dirty="0" smtClean="0"/>
+              <a:t>	//</a:t>
+            </a:r>
+            <a:r>
+              <a:rPr lang="en-US" dirty="0"/>
+              <a:t>30  p </a:t>
+            </a:r>
+            <a:r>
+              <a:rPr lang="en-US" dirty="0" err="1"/>
+              <a:t>addr</a:t>
+            </a:r>
+            <a:endParaRPr lang="en-US" dirty="0"/>
+          </a:p>
+          <a:p>
+            <a:pPr marL="137160" indent="0">
+              <a:buNone/>
+            </a:pPr>
+            <a:r>
+              <a:rPr lang="en-US" dirty="0"/>
+              <a:t>    </a:t>
+            </a:r>
+            <a:r>
+              <a:rPr lang="en-US" dirty="0" err="1"/>
+              <a:t>int</a:t>
+            </a:r>
+            <a:r>
+              <a:rPr lang="en-US" dirty="0"/>
+              <a:t> ** </a:t>
+            </a:r>
+            <a:r>
+              <a:rPr lang="en-US" dirty="0" err="1"/>
+              <a:t>ptr</a:t>
+            </a:r>
+            <a:r>
+              <a:rPr lang="en-US" dirty="0"/>
+              <a:t>=&amp;p;</a:t>
+            </a:r>
+          </a:p>
+          <a:p>
+            <a:pPr marL="137160" indent="0">
+              <a:buNone/>
+            </a:pPr>
+            <a:r>
+              <a:rPr lang="en-US" dirty="0"/>
+              <a:t>    </a:t>
+            </a:r>
+          </a:p>
+          <a:p>
+            <a:pPr marL="137160" indent="0">
+              <a:buNone/>
+            </a:pPr>
+            <a:r>
+              <a:rPr lang="en-US" dirty="0"/>
+              <a:t>    </a:t>
+            </a:r>
+            <a:r>
+              <a:rPr lang="en-US" dirty="0" err="1"/>
               <a:t>printf</a:t>
             </a:r>
             <a:r>
-              <a:rPr lang="en-US" sz="1600" dirty="0"/>
-              <a:t>("a:%d b:%d",a,b);  //o/p  2,1</a:t>
-            </a:r>
-          </a:p>
-          <a:p>
-            <a:pPr marL="137160" indent="0">
-              <a:buNone/>
-            </a:pPr>
-            <a:r>
-              <a:rPr lang="en-US" sz="1600" dirty="0"/>
-              <a:t>}</a:t>
-            </a:r>
-          </a:p>
-          <a:p>
-            <a:pPr marL="137160" indent="0">
-              <a:buNone/>
-            </a:pPr>
-            <a:endParaRPr lang="en-US" sz="1600" dirty="0"/>
-          </a:p>
-          <a:p>
-            <a:pPr marL="137160" indent="0">
-              <a:buNone/>
-            </a:pPr>
-            <a:endParaRPr lang="en-US" sz="1600" dirty="0"/>
-          </a:p>
-          <a:p>
-            <a:pPr marL="137160" indent="0">
-              <a:buNone/>
-            </a:pPr>
-            <a:r>
-              <a:rPr lang="en-US" sz="1600" dirty="0"/>
-              <a:t>void main()</a:t>
-            </a:r>
-          </a:p>
-          <a:p>
-            <a:pPr marL="137160" indent="0">
-              <a:buNone/>
-            </a:pPr>
-            <a:r>
-              <a:rPr lang="en-US" sz="1600" dirty="0"/>
-              <a:t>{</a:t>
-            </a:r>
-          </a:p>
-          <a:p>
-            <a:pPr marL="137160" indent="0">
-              <a:buNone/>
-            </a:pPr>
-            <a:r>
-              <a:rPr lang="en-US" sz="1600" dirty="0"/>
-              <a:t>	</a:t>
-            </a:r>
-            <a:r>
-              <a:rPr lang="en-US" sz="1600" dirty="0" err="1"/>
-              <a:t>int</a:t>
-            </a:r>
-            <a:r>
-              <a:rPr lang="en-US" sz="1600" dirty="0"/>
-              <a:t> a=1,b=2;</a:t>
-            </a:r>
-          </a:p>
-          <a:p>
-            <a:pPr marL="137160" indent="0">
-              <a:buNone/>
-            </a:pPr>
-            <a:r>
-              <a:rPr lang="en-US" sz="1600" dirty="0"/>
-              <a:t>	swap(</a:t>
-            </a:r>
-            <a:r>
-              <a:rPr lang="en-US" sz="1600" dirty="0" err="1"/>
-              <a:t>a,b</a:t>
-            </a:r>
-            <a:r>
-              <a:rPr lang="en-US" sz="1600" dirty="0"/>
+              <a:rPr lang="en-US" dirty="0"/>
+              <a:t>("address of a : %</a:t>
+            </a:r>
+            <a:r>
+              <a:rPr lang="en-US" dirty="0" err="1"/>
+              <a:t>d",&amp;a</a:t>
+            </a:r>
+            <a:r>
+              <a:rPr lang="en-US" dirty="0"/>
               <a:t>);</a:t>
             </a:r>
           </a:p>
@@ -9122,42 +9256,167 @@
               <a:buNone/>
             </a:pPr>
             <a:r>
-              <a:rPr lang="en-US" sz="1600" dirty="0"/>
-              <a:t>	</a:t>
-            </a:r>
-            <a:r>
-              <a:rPr lang="en-US" sz="1600" dirty="0" err="1" smtClean="0"/>
+              <a:rPr lang="en-US" dirty="0"/>
+              <a:t>    </a:t>
+            </a:r>
+            <a:r>
+              <a:rPr lang="en-US" dirty="0" err="1"/>
               <a:t>printf</a:t>
             </a:r>
             <a:r>
-              <a:rPr lang="en-US" sz="1600" dirty="0"/>
-              <a:t>("a:%d b:%d",a,b);  //</a:t>
-            </a:r>
-            <a:r>
-              <a:rPr lang="en-US" sz="1600"/>
-              <a:t>o/p  </a:t>
-            </a:r>
-            <a:r>
-              <a:rPr lang="en-US" sz="1600" smtClean="0"/>
-              <a:t>1,2</a:t>
-            </a:r>
-            <a:endParaRPr lang="en-US" sz="1600" dirty="0"/>
-          </a:p>
-          <a:p>
-            <a:pPr marL="137160" indent="0">
-              <a:buNone/>
-            </a:pPr>
-            <a:r>
-              <a:rPr lang="en-US" sz="1600" dirty="0"/>
-              <a:t>	</a:t>
-            </a:r>
-          </a:p>
-          <a:p>
-            <a:pPr marL="137160" indent="0">
-              <a:buNone/>
-            </a:pPr>
-            <a:r>
-              <a:rPr lang="en-US" sz="1600" dirty="0"/>
+              <a:rPr lang="en-US" dirty="0"/>
+              <a:t>("\</a:t>
+            </a:r>
+            <a:r>
+              <a:rPr lang="en-US" dirty="0" err="1"/>
+              <a:t>naddress</a:t>
+            </a:r>
+            <a:r>
+              <a:rPr lang="en-US" dirty="0"/>
+              <a:t> of p : %</a:t>
+            </a:r>
+            <a:r>
+              <a:rPr lang="en-US" dirty="0" err="1"/>
+              <a:t>d",&amp;p</a:t>
+            </a:r>
+            <a:r>
+              <a:rPr lang="en-US" dirty="0"/>
+              <a:t>);</a:t>
+            </a:r>
+          </a:p>
+          <a:p>
+            <a:pPr marL="137160" indent="0">
+              <a:buNone/>
+            </a:pPr>
+            <a:r>
+              <a:rPr lang="en-US" dirty="0"/>
+              <a:t>    </a:t>
+            </a:r>
+            <a:r>
+              <a:rPr lang="en-US" dirty="0" err="1"/>
+              <a:t>printf</a:t>
+            </a:r>
+            <a:r>
+              <a:rPr lang="en-US" dirty="0"/>
+              <a:t>("\</a:t>
+            </a:r>
+            <a:r>
+              <a:rPr lang="en-US" dirty="0" err="1"/>
+              <a:t>n%d</a:t>
+            </a:r>
+            <a:r>
+              <a:rPr lang="en-US" dirty="0"/>
+              <a:t>",**</a:t>
+            </a:r>
+            <a:r>
+              <a:rPr lang="en-US" dirty="0" err="1"/>
+              <a:t>ptr</a:t>
+            </a:r>
+            <a:r>
+              <a:rPr lang="en-US" dirty="0"/>
+              <a:t>);   </a:t>
+            </a:r>
+            <a:r>
+              <a:rPr lang="en-US" dirty="0" smtClean="0"/>
+              <a:t>		//</a:t>
+            </a:r>
+            <a:r>
+              <a:rPr lang="en-US" dirty="0"/>
+              <a:t>10</a:t>
+            </a:r>
+          </a:p>
+          <a:p>
+            <a:pPr marL="137160" indent="0">
+              <a:buNone/>
+            </a:pPr>
+            <a:r>
+              <a:rPr lang="en-US" dirty="0"/>
+              <a:t>    </a:t>
+            </a:r>
+            <a:r>
+              <a:rPr lang="en-US" dirty="0" err="1"/>
+              <a:t>printf</a:t>
+            </a:r>
+            <a:r>
+              <a:rPr lang="en-US" dirty="0"/>
+              <a:t>("\</a:t>
+            </a:r>
+            <a:r>
+              <a:rPr lang="en-US" dirty="0" err="1"/>
+              <a:t>n%d</a:t>
+            </a:r>
+            <a:r>
+              <a:rPr lang="en-US" dirty="0"/>
+              <a:t>",*</a:t>
+            </a:r>
+            <a:r>
+              <a:rPr lang="en-US" dirty="0" err="1"/>
+              <a:t>ptr</a:t>
+            </a:r>
+            <a:r>
+              <a:rPr lang="en-US" dirty="0"/>
+              <a:t>);    </a:t>
+            </a:r>
+            <a:r>
+              <a:rPr lang="en-US" dirty="0" smtClean="0"/>
+              <a:t>		// </a:t>
+            </a:r>
+            <a:r>
+              <a:rPr lang="en-US" dirty="0" err="1"/>
+              <a:t>addr</a:t>
+            </a:r>
+            <a:r>
+              <a:rPr lang="en-US" dirty="0"/>
+              <a:t> of a</a:t>
+            </a:r>
+          </a:p>
+          <a:p>
+            <a:pPr marL="137160" indent="0">
+              <a:buNone/>
+            </a:pPr>
+            <a:r>
+              <a:rPr lang="en-US" dirty="0"/>
+              <a:t>    </a:t>
+            </a:r>
+            <a:r>
+              <a:rPr lang="en-US" dirty="0" err="1"/>
+              <a:t>printf</a:t>
+            </a:r>
+            <a:r>
+              <a:rPr lang="en-US" dirty="0"/>
+              <a:t>("\</a:t>
+            </a:r>
+            <a:r>
+              <a:rPr lang="en-US" dirty="0" err="1"/>
+              <a:t>n%d</a:t>
+            </a:r>
+            <a:r>
+              <a:rPr lang="en-US" dirty="0"/>
+              <a:t>",</a:t>
+            </a:r>
+            <a:r>
+              <a:rPr lang="en-US" dirty="0" err="1"/>
+              <a:t>ptr</a:t>
+            </a:r>
+            <a:r>
+              <a:rPr lang="en-US" dirty="0"/>
+              <a:t>);		//</a:t>
+            </a:r>
+            <a:r>
+              <a:rPr lang="en-US" dirty="0" err="1"/>
+              <a:t>addr</a:t>
+            </a:r>
+            <a:r>
+              <a:rPr lang="en-US" dirty="0"/>
+              <a:t> of p</a:t>
+            </a:r>
+          </a:p>
+          <a:p>
+            <a:pPr marL="137160" indent="0">
+              <a:buNone/>
+            </a:pPr>
+            <a:r>
+              <a:rPr lang="en-US" dirty="0"/>
               <a:t>}</a:t>
             </a:r>
           </a:p>
@@ -9166,7 +9425,7 @@
     </p:spTree>
     <p:extLst>
       <p:ext uri="{BB962C8B-B14F-4D97-AF65-F5344CB8AC3E}">
-        <p14:creationId xmlns:p14="http://schemas.microsoft.com/office/powerpoint/2010/main" val="327519173"/>
+        <p14:creationId xmlns:p14="http://schemas.microsoft.com/office/powerpoint/2010/main" val="489689501"/>
       </p:ext>
     </p:extLst>
   </p:cSld>

--- a/PPT/pointers.pptx
+++ b/PPT/pointers.pptx
@@ -214,7 +214,7 @@
           <a:p>
             <a:fld id="{C1B8E64C-0EDD-4C93-95A2-E8C52A5645D1}" type="datetimeFigureOut">
               <a:rPr lang="en-US" smtClean="0"/>
-              <a:t>10-Nov-20</a:t>
+              <a:t>11-Nov-20</a:t>
             </a:fld>
             <a:endParaRPr lang="en-US"/>
           </a:p>
@@ -594,7 +594,7 @@
             <a:fld id="{1D8BD707-D9CF-40AE-B4C6-C98DA3205C09}" type="datetimeFigureOut">
               <a:rPr lang="en-US" smtClean="0"/>
               <a:pPr/>
-              <a:t>10-Nov-20</a:t>
+              <a:t>11-Nov-20</a:t>
             </a:fld>
             <a:endParaRPr lang="en-US"/>
           </a:p>
@@ -822,7 +822,7 @@
             <a:fld id="{1D8BD707-D9CF-40AE-B4C6-C98DA3205C09}" type="datetimeFigureOut">
               <a:rPr lang="en-US" smtClean="0"/>
               <a:pPr/>
-              <a:t>10-Nov-20</a:t>
+              <a:t>11-Nov-20</a:t>
             </a:fld>
             <a:endParaRPr lang="en-US"/>
           </a:p>
@@ -999,7 +999,7 @@
             <a:fld id="{1D8BD707-D9CF-40AE-B4C6-C98DA3205C09}" type="datetimeFigureOut">
               <a:rPr lang="en-US" smtClean="0"/>
               <a:pPr/>
-              <a:t>10-Nov-20</a:t>
+              <a:t>11-Nov-20</a:t>
             </a:fld>
             <a:endParaRPr lang="en-US"/>
           </a:p>
@@ -1166,7 +1166,7 @@
             <a:fld id="{1D8BD707-D9CF-40AE-B4C6-C98DA3205C09}" type="datetimeFigureOut">
               <a:rPr lang="en-US" smtClean="0"/>
               <a:pPr/>
-              <a:t>10-Nov-20</a:t>
+              <a:t>11-Nov-20</a:t>
             </a:fld>
             <a:endParaRPr lang="en-US"/>
           </a:p>
@@ -1412,7 +1412,7 @@
             <a:fld id="{1D8BD707-D9CF-40AE-B4C6-C98DA3205C09}" type="datetimeFigureOut">
               <a:rPr lang="en-US" smtClean="0"/>
               <a:pPr/>
-              <a:t>10-Nov-20</a:t>
+              <a:t>11-Nov-20</a:t>
             </a:fld>
             <a:endParaRPr lang="en-US"/>
           </a:p>
@@ -1678,7 +1678,7 @@
             <a:fld id="{1D8BD707-D9CF-40AE-B4C6-C98DA3205C09}" type="datetimeFigureOut">
               <a:rPr lang="en-US" smtClean="0"/>
               <a:pPr/>
-              <a:t>10-Nov-20</a:t>
+              <a:t>11-Nov-20</a:t>
             </a:fld>
             <a:endParaRPr lang="en-US"/>
           </a:p>
@@ -2054,7 +2054,7 @@
             <a:fld id="{1D8BD707-D9CF-40AE-B4C6-C98DA3205C09}" type="datetimeFigureOut">
               <a:rPr lang="en-US" smtClean="0"/>
               <a:pPr/>
-              <a:t>10-Nov-20</a:t>
+              <a:t>11-Nov-20</a:t>
             </a:fld>
             <a:endParaRPr lang="en-US"/>
           </a:p>
@@ -2169,7 +2169,7 @@
             <a:fld id="{1D8BD707-D9CF-40AE-B4C6-C98DA3205C09}" type="datetimeFigureOut">
               <a:rPr lang="en-US" smtClean="0"/>
               <a:pPr/>
-              <a:t>10-Nov-20</a:t>
+              <a:t>11-Nov-20</a:t>
             </a:fld>
             <a:endParaRPr lang="en-US"/>
           </a:p>
@@ -2261,7 +2261,7 @@
             <a:fld id="{1D8BD707-D9CF-40AE-B4C6-C98DA3205C09}" type="datetimeFigureOut">
               <a:rPr lang="en-US" smtClean="0"/>
               <a:pPr/>
-              <a:t>10-Nov-20</a:t>
+              <a:t>11-Nov-20</a:t>
             </a:fld>
             <a:endParaRPr lang="en-US"/>
           </a:p>
@@ -2521,7 +2521,7 @@
             <a:fld id="{1D8BD707-D9CF-40AE-B4C6-C98DA3205C09}" type="datetimeFigureOut">
               <a:rPr lang="en-US" smtClean="0"/>
               <a:pPr/>
-              <a:t>10-Nov-20</a:t>
+              <a:t>11-Nov-20</a:t>
             </a:fld>
             <a:endParaRPr lang="en-US"/>
           </a:p>
@@ -2787,7 +2787,7 @@
             <a:fld id="{1D8BD707-D9CF-40AE-B4C6-C98DA3205C09}" type="datetimeFigureOut">
               <a:rPr lang="en-US" smtClean="0"/>
               <a:pPr/>
-              <a:t>10-Nov-20</a:t>
+              <a:t>11-Nov-20</a:t>
             </a:fld>
             <a:endParaRPr lang="en-US"/>
           </a:p>
@@ -3006,7 +3006,7 @@
             <a:fld id="{1D8BD707-D9CF-40AE-B4C6-C98DA3205C09}" type="datetimeFigureOut">
               <a:rPr lang="en-US" smtClean="0"/>
               <a:pPr/>
-              <a:t>10-Nov-20</a:t>
+              <a:t>11-Nov-20</a:t>
             </a:fld>
             <a:endParaRPr lang="en-US"/>
           </a:p>
@@ -7572,12 +7572,8 @@
               <a:buNone/>
             </a:pPr>
             <a:r>
-              <a:rPr lang="en-US" sz="2000" smtClean="0"/>
-              <a:t>For any pointer 4 </a:t>
-            </a:r>
-            <a:r>
               <a:rPr lang="en-US" sz="2000" dirty="0" smtClean="0"/>
-              <a:t>byte if 32 bit , 8 byte if 64 bit</a:t>
+              <a:t>For any pointer 4 byte if 32 bit , 8 byte if 64 bit</a:t>
             </a:r>
             <a:endParaRPr lang="en-US" sz="2000" dirty="0"/>
           </a:p>
@@ -7610,9 +7606,12 @@
             </a:pPr>
             <a:r>
               <a:rPr lang="en-US" sz="2000" dirty="0" smtClean="0"/>
-              <a:t>Float c=10.54;</a:t>
-            </a:r>
-            <a:endParaRPr lang="en-US" sz="2000" dirty="0"/>
+              <a:t>Float c=10.54</a:t>
+            </a:r>
+            <a:r>
+              <a:rPr lang="en-US" sz="2000" dirty="0" smtClean="0"/>
+              <a:t>;</a:t>
+            </a:r>
           </a:p>
           <a:p>
             <a:pPr marL="137160" indent="0">
@@ -7624,6 +7623,28 @@
             </a:r>
             <a:r>
               <a:rPr lang="en-US" sz="2000" dirty="0" smtClean="0"/>
+              <a:t>  a=(</a:t>
+            </a:r>
+            <a:r>
+              <a:rPr lang="en-US" sz="2000" dirty="0" err="1" smtClean="0"/>
+              <a:t>int</a:t>
+            </a:r>
+            <a:r>
+              <a:rPr lang="en-US" sz="2000" dirty="0" smtClean="0"/>
+              <a:t>)c;</a:t>
+            </a:r>
+            <a:endParaRPr lang="en-US" sz="2000" dirty="0"/>
+          </a:p>
+          <a:p>
+            <a:pPr marL="137160" indent="0">
+              <a:buNone/>
+            </a:pPr>
+            <a:r>
+              <a:rPr lang="en-US" sz="2000" dirty="0" err="1" smtClean="0"/>
+              <a:t>Int</a:t>
+            </a:r>
+            <a:r>
+              <a:rPr lang="en-US" sz="2000" dirty="0" smtClean="0"/>
               <a:t> * </a:t>
             </a:r>
             <a:r>
@@ -7640,8 +7661,13 @@
             </a:r>
             <a:r>
               <a:rPr lang="en-US" sz="2000" dirty="0" smtClean="0"/>
-              <a:t> *) &amp; a;</a:t>
-            </a:r>
+              <a:t> *) &amp; a</a:t>
+            </a:r>
+            <a:r>
+              <a:rPr lang="en-US" sz="2000" dirty="0" smtClean="0"/>
+              <a:t>;  </a:t>
+            </a:r>
+            <a:endParaRPr lang="en-US" sz="2000" dirty="0" smtClean="0"/>
           </a:p>
           <a:p>
             <a:pPr marL="137160" indent="0">
